--- a/공통pjt/기획발표(중간발표)/로고디자인.pptx
+++ b/공통pjt/기획발표(중간발표)/로고디자인.pptx
@@ -12,25 +12,27 @@
     <p:sldId id="285" r:id="rId6"/>
     <p:sldId id="286" r:id="rId7"/>
     <p:sldId id="289" r:id="rId8"/>
-    <p:sldId id="257" r:id="rId9"/>
-    <p:sldId id="259" r:id="rId10"/>
-    <p:sldId id="260" r:id="rId11"/>
-    <p:sldId id="276" r:id="rId12"/>
-    <p:sldId id="271" r:id="rId13"/>
-    <p:sldId id="282" r:id="rId14"/>
-    <p:sldId id="283" r:id="rId15"/>
-    <p:sldId id="277" r:id="rId16"/>
-    <p:sldId id="278" r:id="rId17"/>
-    <p:sldId id="281" r:id="rId18"/>
-    <p:sldId id="280" r:id="rId19"/>
-    <p:sldId id="279" r:id="rId20"/>
-    <p:sldId id="274" r:id="rId21"/>
-    <p:sldId id="275" r:id="rId22"/>
-    <p:sldId id="272" r:id="rId23"/>
-    <p:sldId id="273" r:id="rId24"/>
-    <p:sldId id="269" r:id="rId25"/>
-    <p:sldId id="270" r:id="rId26"/>
-    <p:sldId id="262" r:id="rId27"/>
+    <p:sldId id="291" r:id="rId9"/>
+    <p:sldId id="290" r:id="rId10"/>
+    <p:sldId id="257" r:id="rId11"/>
+    <p:sldId id="259" r:id="rId12"/>
+    <p:sldId id="260" r:id="rId13"/>
+    <p:sldId id="276" r:id="rId14"/>
+    <p:sldId id="271" r:id="rId15"/>
+    <p:sldId id="282" r:id="rId16"/>
+    <p:sldId id="283" r:id="rId17"/>
+    <p:sldId id="277" r:id="rId18"/>
+    <p:sldId id="278" r:id="rId19"/>
+    <p:sldId id="281" r:id="rId20"/>
+    <p:sldId id="280" r:id="rId21"/>
+    <p:sldId id="279" r:id="rId22"/>
+    <p:sldId id="274" r:id="rId23"/>
+    <p:sldId id="275" r:id="rId24"/>
+    <p:sldId id="272" r:id="rId25"/>
+    <p:sldId id="273" r:id="rId26"/>
+    <p:sldId id="269" r:id="rId27"/>
+    <p:sldId id="270" r:id="rId28"/>
+    <p:sldId id="262" r:id="rId29"/>
   </p:sldIdLst>
   <p:sldSz cx="12192000" cy="6858000"/>
   <p:notesSz cx="6858000" cy="9144000"/>
@@ -131,18 +133,7 @@
   </p:defaultTextStyle>
   <p:extLst>
     <p:ext uri="{EFAFB233-063F-42B5-8137-9DF3F51BA10A}">
-      <p15:sldGuideLst xmlns:p15="http://schemas.microsoft.com/office/powerpoint/2012/main">
-        <p15:guide id="1" pos="3840" userDrawn="1">
-          <p15:clr>
-            <a:srgbClr val="A4A3A4"/>
-          </p15:clr>
-        </p15:guide>
-        <p15:guide id="2" orient="horz" pos="2160" userDrawn="1">
-          <p15:clr>
-            <a:srgbClr val="A4A3A4"/>
-          </p15:clr>
-        </p15:guide>
-      </p15:sldGuideLst>
+      <p15:sldGuideLst xmlns:p15="http://schemas.microsoft.com/office/powerpoint/2012/main"/>
     </p:ext>
   </p:extLst>
 </p:presentation>
@@ -279,7 +270,7 @@
           <a:p>
             <a:fld id="{5B37FFA5-62A0-45EC-99FA-B875B259B12B}" type="datetimeFigureOut">
               <a:rPr lang="ko-KR" altLang="en-US" smtClean="0"/>
-              <a:t>2021-07-29</a:t>
+              <a:t>2021-08-14</a:t>
             </a:fld>
             <a:endParaRPr lang="ko-KR" altLang="en-US"/>
           </a:p>
@@ -449,7 +440,7 @@
           <a:p>
             <a:fld id="{5B37FFA5-62A0-45EC-99FA-B875B259B12B}" type="datetimeFigureOut">
               <a:rPr lang="ko-KR" altLang="en-US" smtClean="0"/>
-              <a:t>2021-07-29</a:t>
+              <a:t>2021-08-14</a:t>
             </a:fld>
             <a:endParaRPr lang="ko-KR" altLang="en-US"/>
           </a:p>
@@ -629,7 +620,7 @@
           <a:p>
             <a:fld id="{5B37FFA5-62A0-45EC-99FA-B875B259B12B}" type="datetimeFigureOut">
               <a:rPr lang="ko-KR" altLang="en-US" smtClean="0"/>
-              <a:t>2021-07-29</a:t>
+              <a:t>2021-08-14</a:t>
             </a:fld>
             <a:endParaRPr lang="ko-KR" altLang="en-US"/>
           </a:p>
@@ -799,7 +790,7 @@
           <a:p>
             <a:fld id="{5B37FFA5-62A0-45EC-99FA-B875B259B12B}" type="datetimeFigureOut">
               <a:rPr lang="ko-KR" altLang="en-US" smtClean="0"/>
-              <a:t>2021-07-29</a:t>
+              <a:t>2021-08-14</a:t>
             </a:fld>
             <a:endParaRPr lang="ko-KR" altLang="en-US"/>
           </a:p>
@@ -1045,7 +1036,7 @@
           <a:p>
             <a:fld id="{5B37FFA5-62A0-45EC-99FA-B875B259B12B}" type="datetimeFigureOut">
               <a:rPr lang="ko-KR" altLang="en-US" smtClean="0"/>
-              <a:t>2021-07-29</a:t>
+              <a:t>2021-08-14</a:t>
             </a:fld>
             <a:endParaRPr lang="ko-KR" altLang="en-US"/>
           </a:p>
@@ -1277,7 +1268,7 @@
           <a:p>
             <a:fld id="{5B37FFA5-62A0-45EC-99FA-B875B259B12B}" type="datetimeFigureOut">
               <a:rPr lang="ko-KR" altLang="en-US" smtClean="0"/>
-              <a:t>2021-07-29</a:t>
+              <a:t>2021-08-14</a:t>
             </a:fld>
             <a:endParaRPr lang="ko-KR" altLang="en-US"/>
           </a:p>
@@ -1644,7 +1635,7 @@
           <a:p>
             <a:fld id="{5B37FFA5-62A0-45EC-99FA-B875B259B12B}" type="datetimeFigureOut">
               <a:rPr lang="ko-KR" altLang="en-US" smtClean="0"/>
-              <a:t>2021-07-29</a:t>
+              <a:t>2021-08-14</a:t>
             </a:fld>
             <a:endParaRPr lang="ko-KR" altLang="en-US"/>
           </a:p>
@@ -1762,7 +1753,7 @@
           <a:p>
             <a:fld id="{5B37FFA5-62A0-45EC-99FA-B875B259B12B}" type="datetimeFigureOut">
               <a:rPr lang="ko-KR" altLang="en-US" smtClean="0"/>
-              <a:t>2021-07-29</a:t>
+              <a:t>2021-08-14</a:t>
             </a:fld>
             <a:endParaRPr lang="ko-KR" altLang="en-US"/>
           </a:p>
@@ -1857,7 +1848,7 @@
           <a:p>
             <a:fld id="{5B37FFA5-62A0-45EC-99FA-B875B259B12B}" type="datetimeFigureOut">
               <a:rPr lang="ko-KR" altLang="en-US" smtClean="0"/>
-              <a:t>2021-07-29</a:t>
+              <a:t>2021-08-14</a:t>
             </a:fld>
             <a:endParaRPr lang="ko-KR" altLang="en-US"/>
           </a:p>
@@ -2134,7 +2125,7 @@
           <a:p>
             <a:fld id="{5B37FFA5-62A0-45EC-99FA-B875B259B12B}" type="datetimeFigureOut">
               <a:rPr lang="ko-KR" altLang="en-US" smtClean="0"/>
-              <a:t>2021-07-29</a:t>
+              <a:t>2021-08-14</a:t>
             </a:fld>
             <a:endParaRPr lang="ko-KR" altLang="en-US"/>
           </a:p>
@@ -2387,7 +2378,7 @@
           <a:p>
             <a:fld id="{5B37FFA5-62A0-45EC-99FA-B875B259B12B}" type="datetimeFigureOut">
               <a:rPr lang="ko-KR" altLang="en-US" smtClean="0"/>
-              <a:t>2021-07-29</a:t>
+              <a:t>2021-08-14</a:t>
             </a:fld>
             <a:endParaRPr lang="ko-KR" altLang="en-US"/>
           </a:p>
@@ -2600,7 +2591,7 @@
           <a:p>
             <a:fld id="{5B37FFA5-62A0-45EC-99FA-B875B259B12B}" type="datetimeFigureOut">
               <a:rPr lang="ko-KR" altLang="en-US" smtClean="0"/>
-              <a:t>2021-07-29</a:t>
+              <a:t>2021-08-14</a:t>
             </a:fld>
             <a:endParaRPr lang="ko-KR" altLang="en-US"/>
           </a:p>
@@ -3761,6 +3752,2427 @@
 </file>
 
 <file path=ppt/slides/slide10.xml><?xml version="1.0" encoding="utf-8"?>
+<p:sld xmlns:a="http://schemas.openxmlformats.org/drawingml/2006/main" xmlns:r="http://schemas.openxmlformats.org/officeDocument/2006/relationships" xmlns:p="http://schemas.openxmlformats.org/presentationml/2006/main">
+  <p:cSld>
+    <p:spTree>
+      <p:nvGrpSpPr>
+        <p:cNvPr id="1" name=""/>
+        <p:cNvGrpSpPr/>
+        <p:nvPr/>
+      </p:nvGrpSpPr>
+      <p:grpSpPr>
+        <a:xfrm>
+          <a:off x="0" y="0"/>
+          <a:ext cx="0" cy="0"/>
+          <a:chOff x="0" y="0"/>
+          <a:chExt cx="0" cy="0"/>
+        </a:xfrm>
+      </p:grpSpPr>
+      <p:sp>
+        <p:nvSpPr>
+          <p:cNvPr id="4" name="직사각형 3"/>
+          <p:cNvSpPr/>
+          <p:nvPr/>
+        </p:nvSpPr>
+        <p:spPr>
+          <a:xfrm>
+            <a:off x="0" y="0"/>
+            <a:ext cx="12192000" cy="6858000"/>
+          </a:xfrm>
+          <a:prstGeom prst="rect">
+            <a:avLst/>
+          </a:prstGeom>
+          <a:solidFill>
+            <a:schemeClr val="tx1"/>
+          </a:solidFill>
+        </p:spPr>
+        <p:style>
+          <a:lnRef idx="2">
+            <a:schemeClr val="accent1">
+              <a:shade val="50000"/>
+            </a:schemeClr>
+          </a:lnRef>
+          <a:fillRef idx="1">
+            <a:schemeClr val="accent1"/>
+          </a:fillRef>
+          <a:effectRef idx="0">
+            <a:schemeClr val="accent1"/>
+          </a:effectRef>
+          <a:fontRef idx="minor">
+            <a:schemeClr val="lt1"/>
+          </a:fontRef>
+        </p:style>
+        <p:txBody>
+          <a:bodyPr rtlCol="0" anchor="ctr"/>
+          <a:lstStyle/>
+          <a:p>
+            <a:pPr algn="ctr"/>
+            <a:endParaRPr lang="ko-KR" altLang="en-US" dirty="0"/>
+          </a:p>
+        </p:txBody>
+      </p:sp>
+      <p:sp>
+        <p:nvSpPr>
+          <p:cNvPr id="20" name="타원 19"/>
+          <p:cNvSpPr/>
+          <p:nvPr/>
+        </p:nvSpPr>
+        <p:spPr>
+          <a:xfrm>
+            <a:off x="8362641" y="609159"/>
+            <a:ext cx="2738626" cy="2738626"/>
+          </a:xfrm>
+          <a:prstGeom prst="ellipse">
+            <a:avLst/>
+          </a:prstGeom>
+          <a:noFill/>
+          <a:ln w="47625">
+            <a:gradFill>
+              <a:gsLst>
+                <a:gs pos="25000">
+                  <a:srgbClr val="84CEEB"/>
+                </a:gs>
+                <a:gs pos="0">
+                  <a:srgbClr val="5580E9"/>
+                </a:gs>
+                <a:gs pos="50000">
+                  <a:srgbClr val="5AB8EC"/>
+                </a:gs>
+                <a:gs pos="75000">
+                  <a:srgbClr val="C1C8E4"/>
+                </a:gs>
+                <a:gs pos="100000">
+                  <a:srgbClr val="8860D0"/>
+                </a:gs>
+              </a:gsLst>
+              <a:lin ang="5400000" scaled="1"/>
+            </a:gradFill>
+          </a:ln>
+        </p:spPr>
+        <p:style>
+          <a:lnRef idx="2">
+            <a:schemeClr val="accent1">
+              <a:shade val="50000"/>
+            </a:schemeClr>
+          </a:lnRef>
+          <a:fillRef idx="1">
+            <a:schemeClr val="accent1"/>
+          </a:fillRef>
+          <a:effectRef idx="0">
+            <a:schemeClr val="accent1"/>
+          </a:effectRef>
+          <a:fontRef idx="minor">
+            <a:schemeClr val="lt1"/>
+          </a:fontRef>
+        </p:style>
+        <p:txBody>
+          <a:bodyPr rtlCol="0" anchor="ctr"/>
+          <a:lstStyle/>
+          <a:p>
+            <a:pPr algn="ctr"/>
+            <a:endParaRPr lang="ko-KR" altLang="en-US"/>
+          </a:p>
+        </p:txBody>
+      </p:sp>
+      <p:sp>
+        <p:nvSpPr>
+          <p:cNvPr id="9" name="타원 8"/>
+          <p:cNvSpPr/>
+          <p:nvPr/>
+        </p:nvSpPr>
+        <p:spPr>
+          <a:xfrm>
+            <a:off x="1915617" y="507144"/>
+            <a:ext cx="2322678" cy="2322678"/>
+          </a:xfrm>
+          <a:prstGeom prst="ellipse">
+            <a:avLst/>
+          </a:prstGeom>
+          <a:noFill/>
+          <a:ln w="47625">
+            <a:gradFill>
+              <a:gsLst>
+                <a:gs pos="25000">
+                  <a:srgbClr val="84CEEB"/>
+                </a:gs>
+                <a:gs pos="0">
+                  <a:srgbClr val="5580E9"/>
+                </a:gs>
+                <a:gs pos="50000">
+                  <a:srgbClr val="5AB8EC"/>
+                </a:gs>
+                <a:gs pos="75000">
+                  <a:srgbClr val="C1C8E4"/>
+                </a:gs>
+                <a:gs pos="100000">
+                  <a:srgbClr val="8860D0"/>
+                </a:gs>
+              </a:gsLst>
+              <a:lin ang="5400000" scaled="1"/>
+            </a:gradFill>
+          </a:ln>
+        </p:spPr>
+        <p:style>
+          <a:lnRef idx="2">
+            <a:schemeClr val="accent1">
+              <a:shade val="50000"/>
+            </a:schemeClr>
+          </a:lnRef>
+          <a:fillRef idx="1">
+            <a:schemeClr val="accent1"/>
+          </a:fillRef>
+          <a:effectRef idx="0">
+            <a:schemeClr val="accent1"/>
+          </a:effectRef>
+          <a:fontRef idx="minor">
+            <a:schemeClr val="lt1"/>
+          </a:fontRef>
+        </p:style>
+        <p:txBody>
+          <a:bodyPr rtlCol="0" anchor="ctr"/>
+          <a:lstStyle/>
+          <a:p>
+            <a:pPr algn="ctr"/>
+            <a:endParaRPr lang="ko-KR" altLang="en-US"/>
+          </a:p>
+        </p:txBody>
+      </p:sp>
+      <p:grpSp>
+        <p:nvGrpSpPr>
+          <p:cNvPr id="5" name="그룹 4"/>
+          <p:cNvGrpSpPr/>
+          <p:nvPr/>
+        </p:nvGrpSpPr>
+        <p:grpSpPr>
+          <a:xfrm>
+            <a:off x="1040935" y="911582"/>
+            <a:ext cx="2821350" cy="1584763"/>
+            <a:chOff x="4917248" y="2967335"/>
+            <a:chExt cx="2821350" cy="1584763"/>
+          </a:xfrm>
+        </p:grpSpPr>
+        <p:sp>
+          <p:nvSpPr>
+            <p:cNvPr id="6" name="직사각형 5"/>
+            <p:cNvSpPr/>
+            <p:nvPr/>
+          </p:nvSpPr>
+          <p:spPr>
+            <a:xfrm>
+              <a:off x="4917248" y="2967335"/>
+              <a:ext cx="2821350" cy="923330"/>
+            </a:xfrm>
+            <a:prstGeom prst="rect">
+              <a:avLst/>
+            </a:prstGeom>
+            <a:noFill/>
+          </p:spPr>
+          <p:txBody>
+            <a:bodyPr wrap="none" lIns="91440" tIns="45720" rIns="91440" bIns="45720">
+              <a:spAutoFit/>
+            </a:bodyPr>
+            <a:lstStyle/>
+            <a:p>
+              <a:pPr algn="dist"/>
+              <a:r>
+                <a:rPr lang="en-US" altLang="ko-KR" sz="5400" b="0" cap="none" spc="-300" dirty="0" smtClean="0">
+                  <a:ln w="0"/>
+                  <a:solidFill>
+                    <a:schemeClr val="bg1"/>
+                  </a:solidFill>
+                  <a:effectLst>
+                    <a:outerShdw blurRad="38100" dist="19050" dir="2700000" algn="tl" rotWithShape="0">
+                      <a:schemeClr val="dk1">
+                        <a:alpha val="40000"/>
+                      </a:schemeClr>
+                    </a:outerShdw>
+                  </a:effectLst>
+                  <a:latin typeface="Arial Black" panose="020B0A04020102020204" pitchFamily="34" charset="0"/>
+                </a:rPr>
+                <a:t>Routing</a:t>
+              </a:r>
+            </a:p>
+          </p:txBody>
+        </p:sp>
+        <p:sp>
+          <p:nvSpPr>
+            <p:cNvPr id="7" name="직사각형 6"/>
+            <p:cNvSpPr/>
+            <p:nvPr/>
+          </p:nvSpPr>
+          <p:spPr>
+            <a:xfrm>
+              <a:off x="4917248" y="3628768"/>
+              <a:ext cx="1608133" cy="923330"/>
+            </a:xfrm>
+            <a:prstGeom prst="rect">
+              <a:avLst/>
+            </a:prstGeom>
+            <a:noFill/>
+          </p:spPr>
+          <p:txBody>
+            <a:bodyPr wrap="none" lIns="91440" tIns="45720" rIns="91440" bIns="45720">
+              <a:spAutoFit/>
+            </a:bodyPr>
+            <a:lstStyle/>
+            <a:p>
+              <a:pPr algn="dist"/>
+              <a:r>
+                <a:rPr lang="en-US" altLang="ko-KR" sz="5400" b="0" cap="none" spc="-300" dirty="0" smtClean="0">
+                  <a:ln w="0"/>
+                  <a:solidFill>
+                    <a:schemeClr val="bg1"/>
+                  </a:solidFill>
+                  <a:effectLst>
+                    <a:outerShdw blurRad="38100" dist="19050" dir="2700000" algn="tl" rotWithShape="0">
+                      <a:schemeClr val="dk1">
+                        <a:alpha val="40000"/>
+                      </a:schemeClr>
+                    </a:outerShdw>
+                  </a:effectLst>
+                  <a:latin typeface="Arial Black" panose="020B0A04020102020204" pitchFamily="34" charset="0"/>
+                </a:rPr>
+                <a:t>Star</a:t>
+              </a:r>
+            </a:p>
+          </p:txBody>
+        </p:sp>
+      </p:grpSp>
+      <p:pic>
+        <p:nvPicPr>
+          <p:cNvPr id="8" name="그림 7"/>
+          <p:cNvPicPr>
+            <a:picLocks noChangeAspect="1"/>
+          </p:cNvPicPr>
+          <p:nvPr/>
+        </p:nvPicPr>
+        <p:blipFill>
+          <a:blip r:embed="rId2">
+            <a:duotone>
+              <a:schemeClr val="accent5">
+                <a:shade val="45000"/>
+                <a:satMod val="135000"/>
+              </a:schemeClr>
+              <a:prstClr val="white"/>
+            </a:duotone>
+            <a:extLst>
+              <a:ext uri="{BEBA8EAE-BF5A-486C-A8C5-ECC9F3942E4B}">
+                <a14:imgProps xmlns:a14="http://schemas.microsoft.com/office/drawing/2010/main">
+                  <a14:imgLayer r:embed="rId3">
+                    <a14:imgEffect>
+                      <a14:backgroundRemoval t="10000" b="90000" l="10000" r="90000">
+                        <a14:foregroundMark x1="49823" y1="14332" x2="55830" y2="14332"/>
+                        <a14:foregroundMark x1="67491" y1="32899" x2="70671" y2="35831"/>
+                        <a14:foregroundMark x1="77385" y1="43974" x2="79152" y2="46580"/>
+                        <a14:backgroundMark x1="47350" y1="35179" x2="53357" y2="35831"/>
+                      </a14:backgroundRemoval>
+                    </a14:imgEffect>
+                  </a14:imgLayer>
+                </a14:imgProps>
+              </a:ext>
+            </a:extLst>
+          </a:blip>
+          <a:stretch>
+            <a:fillRect/>
+          </a:stretch>
+        </p:blipFill>
+        <p:spPr>
+          <a:xfrm>
+            <a:off x="2532219" y="1770192"/>
+            <a:ext cx="985719" cy="1069314"/>
+          </a:xfrm>
+          <a:prstGeom prst="rect">
+            <a:avLst/>
+          </a:prstGeom>
+        </p:spPr>
+      </p:pic>
+      <p:grpSp>
+        <p:nvGrpSpPr>
+          <p:cNvPr id="15" name="그룹 14"/>
+          <p:cNvGrpSpPr/>
+          <p:nvPr/>
+        </p:nvGrpSpPr>
+        <p:grpSpPr>
+          <a:xfrm>
+            <a:off x="7558575" y="1119862"/>
+            <a:ext cx="2821350" cy="1584763"/>
+            <a:chOff x="4917248" y="2967335"/>
+            <a:chExt cx="2821350" cy="1584763"/>
+          </a:xfrm>
+        </p:grpSpPr>
+        <p:sp>
+          <p:nvSpPr>
+            <p:cNvPr id="16" name="직사각형 15"/>
+            <p:cNvSpPr/>
+            <p:nvPr/>
+          </p:nvSpPr>
+          <p:spPr>
+            <a:xfrm>
+              <a:off x="4917248" y="2967335"/>
+              <a:ext cx="2821350" cy="923330"/>
+            </a:xfrm>
+            <a:prstGeom prst="rect">
+              <a:avLst/>
+            </a:prstGeom>
+            <a:noFill/>
+          </p:spPr>
+          <p:txBody>
+            <a:bodyPr wrap="none" lIns="91440" tIns="45720" rIns="91440" bIns="45720">
+              <a:spAutoFit/>
+            </a:bodyPr>
+            <a:lstStyle/>
+            <a:p>
+              <a:pPr algn="dist"/>
+              <a:r>
+                <a:rPr lang="en-US" altLang="ko-KR" sz="5400" b="0" cap="none" spc="-300" dirty="0" smtClean="0">
+                  <a:ln w="0"/>
+                  <a:solidFill>
+                    <a:schemeClr val="bg1"/>
+                  </a:solidFill>
+                  <a:effectLst>
+                    <a:outerShdw blurRad="38100" dist="19050" dir="2700000" algn="tl" rotWithShape="0">
+                      <a:schemeClr val="dk1">
+                        <a:alpha val="40000"/>
+                      </a:schemeClr>
+                    </a:outerShdw>
+                  </a:effectLst>
+                  <a:latin typeface="Arial Black" panose="020B0A04020102020204" pitchFamily="34" charset="0"/>
+                </a:rPr>
+                <a:t>Routing</a:t>
+              </a:r>
+            </a:p>
+          </p:txBody>
+        </p:sp>
+        <p:sp>
+          <p:nvSpPr>
+            <p:cNvPr id="17" name="직사각형 16"/>
+            <p:cNvSpPr/>
+            <p:nvPr/>
+          </p:nvSpPr>
+          <p:spPr>
+            <a:xfrm>
+              <a:off x="4917248" y="3628768"/>
+              <a:ext cx="1608133" cy="923330"/>
+            </a:xfrm>
+            <a:prstGeom prst="rect">
+              <a:avLst/>
+            </a:prstGeom>
+            <a:noFill/>
+          </p:spPr>
+          <p:txBody>
+            <a:bodyPr wrap="none" lIns="91440" tIns="45720" rIns="91440" bIns="45720">
+              <a:spAutoFit/>
+            </a:bodyPr>
+            <a:lstStyle/>
+            <a:p>
+              <a:pPr algn="dist"/>
+              <a:r>
+                <a:rPr lang="en-US" altLang="ko-KR" sz="5400" b="0" cap="none" spc="-300" dirty="0" smtClean="0">
+                  <a:ln w="0"/>
+                  <a:solidFill>
+                    <a:schemeClr val="bg1"/>
+                  </a:solidFill>
+                  <a:effectLst>
+                    <a:outerShdw blurRad="38100" dist="19050" dir="2700000" algn="tl" rotWithShape="0">
+                      <a:schemeClr val="dk1">
+                        <a:alpha val="40000"/>
+                      </a:schemeClr>
+                    </a:outerShdw>
+                  </a:effectLst>
+                  <a:latin typeface="Arial Black" panose="020B0A04020102020204" pitchFamily="34" charset="0"/>
+                </a:rPr>
+                <a:t>Star</a:t>
+              </a:r>
+            </a:p>
+          </p:txBody>
+        </p:sp>
+      </p:grpSp>
+      <p:pic>
+        <p:nvPicPr>
+          <p:cNvPr id="18" name="그림 17"/>
+          <p:cNvPicPr>
+            <a:picLocks noChangeAspect="1"/>
+          </p:cNvPicPr>
+          <p:nvPr/>
+        </p:nvPicPr>
+        <p:blipFill>
+          <a:blip r:embed="rId2">
+            <a:duotone>
+              <a:schemeClr val="accent5">
+                <a:shade val="45000"/>
+                <a:satMod val="135000"/>
+              </a:schemeClr>
+              <a:prstClr val="white"/>
+            </a:duotone>
+            <a:extLst>
+              <a:ext uri="{BEBA8EAE-BF5A-486C-A8C5-ECC9F3942E4B}">
+                <a14:imgProps xmlns:a14="http://schemas.microsoft.com/office/drawing/2010/main">
+                  <a14:imgLayer r:embed="rId3">
+                    <a14:imgEffect>
+                      <a14:backgroundRemoval t="10000" b="90000" l="10000" r="90000">
+                        <a14:foregroundMark x1="49823" y1="14332" x2="55830" y2="14332"/>
+                        <a14:foregroundMark x1="67491" y1="32899" x2="70671" y2="35831"/>
+                        <a14:foregroundMark x1="77385" y1="43974" x2="79152" y2="46580"/>
+                        <a14:backgroundMark x1="47350" y1="35179" x2="53357" y2="35831"/>
+                      </a14:backgroundRemoval>
+                    </a14:imgEffect>
+                  </a14:imgLayer>
+                </a14:imgProps>
+              </a:ext>
+            </a:extLst>
+          </a:blip>
+          <a:stretch>
+            <a:fillRect/>
+          </a:stretch>
+        </p:blipFill>
+        <p:spPr>
+          <a:xfrm>
+            <a:off x="9088859" y="2028129"/>
+            <a:ext cx="985719" cy="1069314"/>
+          </a:xfrm>
+          <a:prstGeom prst="rect">
+            <a:avLst/>
+          </a:prstGeom>
+        </p:spPr>
+      </p:pic>
+      <p:sp>
+        <p:nvSpPr>
+          <p:cNvPr id="22" name="직사각형 21"/>
+          <p:cNvSpPr/>
+          <p:nvPr/>
+        </p:nvSpPr>
+        <p:spPr>
+          <a:xfrm>
+            <a:off x="1493134" y="3831219"/>
+            <a:ext cx="4398380" cy="1504709"/>
+          </a:xfrm>
+          <a:prstGeom prst="rect">
+            <a:avLst/>
+          </a:prstGeom>
+        </p:spPr>
+        <p:style>
+          <a:lnRef idx="2">
+            <a:schemeClr val="accent1">
+              <a:shade val="50000"/>
+            </a:schemeClr>
+          </a:lnRef>
+          <a:fillRef idx="1">
+            <a:schemeClr val="accent1"/>
+          </a:fillRef>
+          <a:effectRef idx="0">
+            <a:schemeClr val="accent1"/>
+          </a:effectRef>
+          <a:fontRef idx="minor">
+            <a:schemeClr val="lt1"/>
+          </a:fontRef>
+        </p:style>
+        <p:txBody>
+          <a:bodyPr rtlCol="0" anchor="ctr"/>
+          <a:lstStyle/>
+          <a:p>
+            <a:pPr algn="ctr"/>
+            <a:r>
+              <a:rPr lang="ko-KR" altLang="en-US" sz="4400" b="1" dirty="0" smtClean="0">
+                <a:latin typeface="a장미다방" panose="02020600000000000000" pitchFamily="18" charset="-127"/>
+                <a:ea typeface="a장미다방" panose="02020600000000000000" pitchFamily="18" charset="-127"/>
+              </a:rPr>
+              <a:t>명조체</a:t>
+            </a:r>
+            <a:endParaRPr lang="ko-KR" altLang="en-US" sz="4400" b="1" dirty="0">
+              <a:latin typeface="a장미다방" panose="02020600000000000000" pitchFamily="18" charset="-127"/>
+              <a:ea typeface="a장미다방" panose="02020600000000000000" pitchFamily="18" charset="-127"/>
+            </a:endParaRPr>
+          </a:p>
+        </p:txBody>
+      </p:sp>
+    </p:spTree>
+    <p:extLst>
+      <p:ext uri="{BB962C8B-B14F-4D97-AF65-F5344CB8AC3E}">
+        <p14:creationId xmlns:p14="http://schemas.microsoft.com/office/powerpoint/2010/main" val="1846074684"/>
+      </p:ext>
+    </p:extLst>
+  </p:cSld>
+  <p:clrMapOvr>
+    <a:masterClrMapping/>
+  </p:clrMapOvr>
+  <p:timing>
+    <p:tnLst>
+      <p:par>
+        <p:cTn id="1" dur="indefinite" restart="never" nodeType="tmRoot"/>
+      </p:par>
+    </p:tnLst>
+  </p:timing>
+</p:sld>
+</file>
+
+<file path=ppt/slides/slide11.xml><?xml version="1.0" encoding="utf-8"?>
+<p:sld xmlns:a="http://schemas.openxmlformats.org/drawingml/2006/main" xmlns:r="http://schemas.openxmlformats.org/officeDocument/2006/relationships" xmlns:p="http://schemas.openxmlformats.org/presentationml/2006/main">
+  <p:cSld>
+    <p:spTree>
+      <p:nvGrpSpPr>
+        <p:cNvPr id="1" name=""/>
+        <p:cNvGrpSpPr/>
+        <p:nvPr/>
+      </p:nvGrpSpPr>
+      <p:grpSpPr>
+        <a:xfrm>
+          <a:off x="0" y="0"/>
+          <a:ext cx="0" cy="0"/>
+          <a:chOff x="0" y="0"/>
+          <a:chExt cx="0" cy="0"/>
+        </a:xfrm>
+      </p:grpSpPr>
+      <p:sp>
+        <p:nvSpPr>
+          <p:cNvPr id="21" name="직사각형 20"/>
+          <p:cNvSpPr/>
+          <p:nvPr/>
+        </p:nvSpPr>
+        <p:spPr>
+          <a:xfrm>
+            <a:off x="0" y="0"/>
+            <a:ext cx="12192000" cy="6858000"/>
+          </a:xfrm>
+          <a:prstGeom prst="rect">
+            <a:avLst/>
+          </a:prstGeom>
+          <a:solidFill>
+            <a:schemeClr val="tx1"/>
+          </a:solidFill>
+        </p:spPr>
+        <p:style>
+          <a:lnRef idx="2">
+            <a:schemeClr val="accent1">
+              <a:shade val="50000"/>
+            </a:schemeClr>
+          </a:lnRef>
+          <a:fillRef idx="1">
+            <a:schemeClr val="accent1"/>
+          </a:fillRef>
+          <a:effectRef idx="0">
+            <a:schemeClr val="accent1"/>
+          </a:effectRef>
+          <a:fontRef idx="minor">
+            <a:schemeClr val="lt1"/>
+          </a:fontRef>
+        </p:style>
+        <p:txBody>
+          <a:bodyPr rtlCol="0" anchor="ctr"/>
+          <a:lstStyle/>
+          <a:p>
+            <a:pPr algn="ctr"/>
+            <a:endParaRPr lang="ko-KR" altLang="en-US"/>
+          </a:p>
+        </p:txBody>
+      </p:sp>
+      <p:sp>
+        <p:nvSpPr>
+          <p:cNvPr id="5" name="타원 4"/>
+          <p:cNvSpPr/>
+          <p:nvPr/>
+        </p:nvSpPr>
+        <p:spPr>
+          <a:xfrm>
+            <a:off x="1362464" y="255455"/>
+            <a:ext cx="2738626" cy="2738626"/>
+          </a:xfrm>
+          <a:prstGeom prst="ellipse">
+            <a:avLst/>
+          </a:prstGeom>
+          <a:noFill/>
+          <a:ln w="47625">
+            <a:gradFill>
+              <a:gsLst>
+                <a:gs pos="25000">
+                  <a:srgbClr val="F4976C"/>
+                </a:gs>
+                <a:gs pos="0">
+                  <a:srgbClr val="FBE8A6"/>
+                </a:gs>
+                <a:gs pos="50000">
+                  <a:srgbClr val="303C6C"/>
+                </a:gs>
+                <a:gs pos="75000">
+                  <a:srgbClr val="B4DFE5"/>
+                </a:gs>
+                <a:gs pos="100000">
+                  <a:srgbClr val="D2FCFD"/>
+                </a:gs>
+              </a:gsLst>
+              <a:lin ang="5400000" scaled="1"/>
+            </a:gradFill>
+          </a:ln>
+        </p:spPr>
+        <p:style>
+          <a:lnRef idx="2">
+            <a:schemeClr val="accent1">
+              <a:shade val="50000"/>
+            </a:schemeClr>
+          </a:lnRef>
+          <a:fillRef idx="1">
+            <a:schemeClr val="accent1"/>
+          </a:fillRef>
+          <a:effectRef idx="0">
+            <a:schemeClr val="accent1"/>
+          </a:effectRef>
+          <a:fontRef idx="minor">
+            <a:schemeClr val="lt1"/>
+          </a:fontRef>
+        </p:style>
+        <p:txBody>
+          <a:bodyPr rtlCol="0" anchor="ctr"/>
+          <a:lstStyle/>
+          <a:p>
+            <a:pPr algn="ctr"/>
+            <a:endParaRPr lang="ko-KR" altLang="en-US"/>
+          </a:p>
+        </p:txBody>
+      </p:sp>
+      <p:sp>
+        <p:nvSpPr>
+          <p:cNvPr id="13" name="포인트가 5개인 별 12"/>
+          <p:cNvSpPr/>
+          <p:nvPr/>
+        </p:nvSpPr>
+        <p:spPr>
+          <a:xfrm>
+            <a:off x="3835033" y="858714"/>
+            <a:ext cx="317459" cy="317459"/>
+          </a:xfrm>
+          <a:prstGeom prst="star5">
+            <a:avLst/>
+          </a:prstGeom>
+          <a:gradFill flip="none" rotWithShape="1">
+            <a:gsLst>
+              <a:gs pos="25000">
+                <a:srgbClr val="84CEEB"/>
+              </a:gs>
+              <a:gs pos="0">
+                <a:srgbClr val="5580E9"/>
+              </a:gs>
+              <a:gs pos="50000">
+                <a:srgbClr val="5AB8EC"/>
+              </a:gs>
+              <a:gs pos="75000">
+                <a:srgbClr val="C1C8E4"/>
+              </a:gs>
+            </a:gsLst>
+            <a:lin ang="2700000" scaled="1"/>
+            <a:tileRect/>
+          </a:gradFill>
+          <a:ln>
+            <a:noFill/>
+          </a:ln>
+          <a:effectLst>
+            <a:softEdge rad="12700"/>
+          </a:effectLst>
+        </p:spPr>
+        <p:style>
+          <a:lnRef idx="2">
+            <a:schemeClr val="accent1">
+              <a:shade val="50000"/>
+            </a:schemeClr>
+          </a:lnRef>
+          <a:fillRef idx="1">
+            <a:schemeClr val="accent1"/>
+          </a:fillRef>
+          <a:effectRef idx="0">
+            <a:schemeClr val="accent1"/>
+          </a:effectRef>
+          <a:fontRef idx="minor">
+            <a:schemeClr val="lt1"/>
+          </a:fontRef>
+        </p:style>
+        <p:txBody>
+          <a:bodyPr rtlCol="0" anchor="ctr"/>
+          <a:lstStyle/>
+          <a:p>
+            <a:pPr algn="ctr"/>
+            <a:endParaRPr lang="ko-KR" altLang="en-US"/>
+          </a:p>
+        </p:txBody>
+      </p:sp>
+      <p:sp>
+        <p:nvSpPr>
+          <p:cNvPr id="14" name="타원 13"/>
+          <p:cNvSpPr/>
+          <p:nvPr/>
+        </p:nvSpPr>
+        <p:spPr>
+          <a:xfrm>
+            <a:off x="1476504" y="369495"/>
+            <a:ext cx="2510546" cy="2510546"/>
+          </a:xfrm>
+          <a:prstGeom prst="ellipse">
+            <a:avLst/>
+          </a:prstGeom>
+          <a:noFill/>
+          <a:ln w="47625">
+            <a:gradFill>
+              <a:gsLst>
+                <a:gs pos="25000">
+                  <a:srgbClr val="F4976C"/>
+                </a:gs>
+                <a:gs pos="0">
+                  <a:srgbClr val="FBE8A6"/>
+                </a:gs>
+                <a:gs pos="50000">
+                  <a:srgbClr val="303C6C"/>
+                </a:gs>
+                <a:gs pos="75000">
+                  <a:srgbClr val="B4DFE5"/>
+                </a:gs>
+                <a:gs pos="100000">
+                  <a:srgbClr val="D2FCFD"/>
+                </a:gs>
+              </a:gsLst>
+              <a:lin ang="5400000" scaled="1"/>
+            </a:gradFill>
+          </a:ln>
+        </p:spPr>
+        <p:style>
+          <a:lnRef idx="2">
+            <a:schemeClr val="accent1">
+              <a:shade val="50000"/>
+            </a:schemeClr>
+          </a:lnRef>
+          <a:fillRef idx="1">
+            <a:schemeClr val="accent1"/>
+          </a:fillRef>
+          <a:effectRef idx="0">
+            <a:schemeClr val="accent1"/>
+          </a:effectRef>
+          <a:fontRef idx="minor">
+            <a:schemeClr val="lt1"/>
+          </a:fontRef>
+        </p:style>
+        <p:txBody>
+          <a:bodyPr rtlCol="0" anchor="ctr"/>
+          <a:lstStyle/>
+          <a:p>
+            <a:pPr algn="ctr"/>
+            <a:endParaRPr lang="ko-KR" altLang="en-US"/>
+          </a:p>
+        </p:txBody>
+      </p:sp>
+      <p:sp>
+        <p:nvSpPr>
+          <p:cNvPr id="15" name="타원 14"/>
+          <p:cNvSpPr/>
+          <p:nvPr/>
+        </p:nvSpPr>
+        <p:spPr>
+          <a:xfrm>
+            <a:off x="1476504" y="369495"/>
+            <a:ext cx="2510546" cy="2510546"/>
+          </a:xfrm>
+          <a:prstGeom prst="ellipse">
+            <a:avLst/>
+          </a:prstGeom>
+          <a:noFill/>
+          <a:ln w="47625">
+            <a:gradFill>
+              <a:gsLst>
+                <a:gs pos="25000">
+                  <a:srgbClr val="F4976C"/>
+                </a:gs>
+                <a:gs pos="0">
+                  <a:srgbClr val="FBE8A6"/>
+                </a:gs>
+                <a:gs pos="50000">
+                  <a:srgbClr val="303C6C"/>
+                </a:gs>
+                <a:gs pos="75000">
+                  <a:srgbClr val="B4DFE5"/>
+                </a:gs>
+                <a:gs pos="100000">
+                  <a:srgbClr val="D2FCFD"/>
+                </a:gs>
+              </a:gsLst>
+              <a:lin ang="5400000" scaled="1"/>
+            </a:gradFill>
+          </a:ln>
+        </p:spPr>
+        <p:style>
+          <a:lnRef idx="2">
+            <a:schemeClr val="accent1">
+              <a:shade val="50000"/>
+            </a:schemeClr>
+          </a:lnRef>
+          <a:fillRef idx="1">
+            <a:schemeClr val="accent1"/>
+          </a:fillRef>
+          <a:effectRef idx="0">
+            <a:schemeClr val="accent1"/>
+          </a:effectRef>
+          <a:fontRef idx="minor">
+            <a:schemeClr val="lt1"/>
+          </a:fontRef>
+        </p:style>
+        <p:txBody>
+          <a:bodyPr rtlCol="0" anchor="ctr"/>
+          <a:lstStyle/>
+          <a:p>
+            <a:pPr algn="ctr"/>
+            <a:endParaRPr lang="ko-KR" altLang="en-US"/>
+          </a:p>
+        </p:txBody>
+      </p:sp>
+      <p:sp>
+        <p:nvSpPr>
+          <p:cNvPr id="16" name="타원 15"/>
+          <p:cNvSpPr/>
+          <p:nvPr/>
+        </p:nvSpPr>
+        <p:spPr>
+          <a:xfrm>
+            <a:off x="1586142" y="479133"/>
+            <a:ext cx="2291269" cy="2291269"/>
+          </a:xfrm>
+          <a:prstGeom prst="ellipse">
+            <a:avLst/>
+          </a:prstGeom>
+          <a:noFill/>
+          <a:ln w="47625">
+            <a:gradFill>
+              <a:gsLst>
+                <a:gs pos="25000">
+                  <a:srgbClr val="F4976C"/>
+                </a:gs>
+                <a:gs pos="0">
+                  <a:srgbClr val="FBE8A6"/>
+                </a:gs>
+                <a:gs pos="50000">
+                  <a:srgbClr val="303C6C"/>
+                </a:gs>
+                <a:gs pos="75000">
+                  <a:srgbClr val="B4DFE5"/>
+                </a:gs>
+                <a:gs pos="100000">
+                  <a:srgbClr val="D2FCFD"/>
+                </a:gs>
+              </a:gsLst>
+              <a:lin ang="5400000" scaled="1"/>
+            </a:gradFill>
+          </a:ln>
+        </p:spPr>
+        <p:style>
+          <a:lnRef idx="2">
+            <a:schemeClr val="accent1">
+              <a:shade val="50000"/>
+            </a:schemeClr>
+          </a:lnRef>
+          <a:fillRef idx="1">
+            <a:schemeClr val="accent1"/>
+          </a:fillRef>
+          <a:effectRef idx="0">
+            <a:schemeClr val="accent1"/>
+          </a:effectRef>
+          <a:fontRef idx="minor">
+            <a:schemeClr val="lt1"/>
+          </a:fontRef>
+        </p:style>
+        <p:txBody>
+          <a:bodyPr rtlCol="0" anchor="ctr"/>
+          <a:lstStyle/>
+          <a:p>
+            <a:pPr algn="ctr"/>
+            <a:endParaRPr lang="ko-KR" altLang="en-US"/>
+          </a:p>
+        </p:txBody>
+      </p:sp>
+      <p:sp>
+        <p:nvSpPr>
+          <p:cNvPr id="17" name="타원 16"/>
+          <p:cNvSpPr/>
+          <p:nvPr/>
+        </p:nvSpPr>
+        <p:spPr>
+          <a:xfrm>
+            <a:off x="1702526" y="585224"/>
+            <a:ext cx="2058502" cy="2079087"/>
+          </a:xfrm>
+          <a:prstGeom prst="ellipse">
+            <a:avLst/>
+          </a:prstGeom>
+          <a:noFill/>
+          <a:ln w="47625">
+            <a:gradFill>
+              <a:gsLst>
+                <a:gs pos="25000">
+                  <a:srgbClr val="F4976C"/>
+                </a:gs>
+                <a:gs pos="0">
+                  <a:srgbClr val="FBE8A6"/>
+                </a:gs>
+                <a:gs pos="50000">
+                  <a:srgbClr val="303C6C"/>
+                </a:gs>
+                <a:gs pos="75000">
+                  <a:srgbClr val="B4DFE5"/>
+                </a:gs>
+                <a:gs pos="100000">
+                  <a:srgbClr val="D2FCFD"/>
+                </a:gs>
+              </a:gsLst>
+              <a:lin ang="5400000" scaled="1"/>
+            </a:gradFill>
+          </a:ln>
+        </p:spPr>
+        <p:style>
+          <a:lnRef idx="2">
+            <a:schemeClr val="accent1">
+              <a:shade val="50000"/>
+            </a:schemeClr>
+          </a:lnRef>
+          <a:fillRef idx="1">
+            <a:schemeClr val="accent1"/>
+          </a:fillRef>
+          <a:effectRef idx="0">
+            <a:schemeClr val="accent1"/>
+          </a:effectRef>
+          <a:fontRef idx="minor">
+            <a:schemeClr val="lt1"/>
+          </a:fontRef>
+        </p:style>
+        <p:txBody>
+          <a:bodyPr rtlCol="0" anchor="ctr"/>
+          <a:lstStyle/>
+          <a:p>
+            <a:pPr algn="ctr"/>
+            <a:endParaRPr lang="ko-KR" altLang="en-US"/>
+          </a:p>
+        </p:txBody>
+      </p:sp>
+      <p:sp>
+        <p:nvSpPr>
+          <p:cNvPr id="19" name="타원 18"/>
+          <p:cNvSpPr/>
+          <p:nvPr/>
+        </p:nvSpPr>
+        <p:spPr>
+          <a:xfrm>
+            <a:off x="1818369" y="702225"/>
+            <a:ext cx="1826816" cy="1845084"/>
+          </a:xfrm>
+          <a:prstGeom prst="ellipse">
+            <a:avLst/>
+          </a:prstGeom>
+          <a:noFill/>
+          <a:ln w="47625">
+            <a:gradFill>
+              <a:gsLst>
+                <a:gs pos="25000">
+                  <a:srgbClr val="F4976C"/>
+                </a:gs>
+                <a:gs pos="0">
+                  <a:srgbClr val="FBE8A6"/>
+                </a:gs>
+                <a:gs pos="50000">
+                  <a:srgbClr val="303C6C"/>
+                </a:gs>
+                <a:gs pos="75000">
+                  <a:srgbClr val="B4DFE5"/>
+                </a:gs>
+                <a:gs pos="100000">
+                  <a:srgbClr val="D2FCFD"/>
+                </a:gs>
+              </a:gsLst>
+              <a:lin ang="5400000" scaled="1"/>
+            </a:gradFill>
+          </a:ln>
+        </p:spPr>
+        <p:style>
+          <a:lnRef idx="2">
+            <a:schemeClr val="accent1">
+              <a:shade val="50000"/>
+            </a:schemeClr>
+          </a:lnRef>
+          <a:fillRef idx="1">
+            <a:schemeClr val="accent1"/>
+          </a:fillRef>
+          <a:effectRef idx="0">
+            <a:schemeClr val="accent1"/>
+          </a:effectRef>
+          <a:fontRef idx="minor">
+            <a:schemeClr val="lt1"/>
+          </a:fontRef>
+        </p:style>
+        <p:txBody>
+          <a:bodyPr rtlCol="0" anchor="ctr"/>
+          <a:lstStyle/>
+          <a:p>
+            <a:pPr algn="ctr"/>
+            <a:endParaRPr lang="ko-KR" altLang="en-US"/>
+          </a:p>
+        </p:txBody>
+      </p:sp>
+      <p:sp>
+        <p:nvSpPr>
+          <p:cNvPr id="20" name="타원 19"/>
+          <p:cNvSpPr/>
+          <p:nvPr/>
+        </p:nvSpPr>
+        <p:spPr>
+          <a:xfrm>
+            <a:off x="1921173" y="806057"/>
+            <a:ext cx="1621208" cy="1637420"/>
+          </a:xfrm>
+          <a:prstGeom prst="ellipse">
+            <a:avLst/>
+          </a:prstGeom>
+          <a:noFill/>
+          <a:ln w="47625">
+            <a:gradFill>
+              <a:gsLst>
+                <a:gs pos="25000">
+                  <a:srgbClr val="F4976C"/>
+                </a:gs>
+                <a:gs pos="0">
+                  <a:srgbClr val="FBE8A6"/>
+                </a:gs>
+                <a:gs pos="50000">
+                  <a:srgbClr val="303C6C"/>
+                </a:gs>
+                <a:gs pos="75000">
+                  <a:srgbClr val="B4DFE5"/>
+                </a:gs>
+                <a:gs pos="100000">
+                  <a:srgbClr val="D2FCFD"/>
+                </a:gs>
+              </a:gsLst>
+              <a:lin ang="5400000" scaled="1"/>
+            </a:gradFill>
+          </a:ln>
+        </p:spPr>
+        <p:style>
+          <a:lnRef idx="2">
+            <a:schemeClr val="accent1">
+              <a:shade val="50000"/>
+            </a:schemeClr>
+          </a:lnRef>
+          <a:fillRef idx="1">
+            <a:schemeClr val="accent1"/>
+          </a:fillRef>
+          <a:effectRef idx="0">
+            <a:schemeClr val="accent1"/>
+          </a:effectRef>
+          <a:fontRef idx="minor">
+            <a:schemeClr val="lt1"/>
+          </a:fontRef>
+        </p:style>
+        <p:txBody>
+          <a:bodyPr rtlCol="0" anchor="ctr"/>
+          <a:lstStyle/>
+          <a:p>
+            <a:pPr algn="ctr"/>
+            <a:endParaRPr lang="ko-KR" altLang="en-US"/>
+          </a:p>
+        </p:txBody>
+      </p:sp>
+      <p:sp>
+        <p:nvSpPr>
+          <p:cNvPr id="23" name="포인트가 5개인 별 22"/>
+          <p:cNvSpPr/>
+          <p:nvPr/>
+        </p:nvSpPr>
+        <p:spPr>
+          <a:xfrm>
+            <a:off x="3999381" y="680739"/>
+            <a:ext cx="317459" cy="317459"/>
+          </a:xfrm>
+          <a:prstGeom prst="star5">
+            <a:avLst/>
+          </a:prstGeom>
+          <a:gradFill flip="none" rotWithShape="1">
+            <a:gsLst>
+              <a:gs pos="25000">
+                <a:srgbClr val="84CEEB"/>
+              </a:gs>
+              <a:gs pos="0">
+                <a:srgbClr val="5580E9"/>
+              </a:gs>
+              <a:gs pos="50000">
+                <a:srgbClr val="5AB8EC"/>
+              </a:gs>
+              <a:gs pos="75000">
+                <a:srgbClr val="C1C8E4"/>
+              </a:gs>
+            </a:gsLst>
+            <a:lin ang="2700000" scaled="1"/>
+            <a:tileRect/>
+          </a:gradFill>
+          <a:ln>
+            <a:noFill/>
+          </a:ln>
+          <a:effectLst>
+            <a:softEdge rad="12700"/>
+          </a:effectLst>
+        </p:spPr>
+        <p:style>
+          <a:lnRef idx="2">
+            <a:schemeClr val="accent1">
+              <a:shade val="50000"/>
+            </a:schemeClr>
+          </a:lnRef>
+          <a:fillRef idx="1">
+            <a:schemeClr val="accent1"/>
+          </a:fillRef>
+          <a:effectRef idx="0">
+            <a:schemeClr val="accent1"/>
+          </a:effectRef>
+          <a:fontRef idx="minor">
+            <a:schemeClr val="lt1"/>
+          </a:fontRef>
+        </p:style>
+        <p:txBody>
+          <a:bodyPr rtlCol="0" anchor="ctr"/>
+          <a:lstStyle/>
+          <a:p>
+            <a:pPr algn="ctr"/>
+            <a:endParaRPr lang="ko-KR" altLang="en-US"/>
+          </a:p>
+        </p:txBody>
+      </p:sp>
+      <p:sp>
+        <p:nvSpPr>
+          <p:cNvPr id="24" name="포인트가 5개인 별 23"/>
+          <p:cNvSpPr/>
+          <p:nvPr/>
+        </p:nvSpPr>
+        <p:spPr>
+          <a:xfrm>
+            <a:off x="4096333" y="953509"/>
+            <a:ext cx="317459" cy="317459"/>
+          </a:xfrm>
+          <a:prstGeom prst="star5">
+            <a:avLst/>
+          </a:prstGeom>
+          <a:gradFill flip="none" rotWithShape="1">
+            <a:gsLst>
+              <a:gs pos="25000">
+                <a:srgbClr val="84CEEB"/>
+              </a:gs>
+              <a:gs pos="0">
+                <a:srgbClr val="5580E9"/>
+              </a:gs>
+              <a:gs pos="50000">
+                <a:srgbClr val="5AB8EC"/>
+              </a:gs>
+              <a:gs pos="75000">
+                <a:srgbClr val="C1C8E4"/>
+              </a:gs>
+            </a:gsLst>
+            <a:lin ang="2700000" scaled="1"/>
+            <a:tileRect/>
+          </a:gradFill>
+          <a:ln>
+            <a:noFill/>
+          </a:ln>
+          <a:effectLst>
+            <a:softEdge rad="12700"/>
+          </a:effectLst>
+        </p:spPr>
+        <p:style>
+          <a:lnRef idx="2">
+            <a:schemeClr val="accent1">
+              <a:shade val="50000"/>
+            </a:schemeClr>
+          </a:lnRef>
+          <a:fillRef idx="1">
+            <a:schemeClr val="accent1"/>
+          </a:fillRef>
+          <a:effectRef idx="0">
+            <a:schemeClr val="accent1"/>
+          </a:effectRef>
+          <a:fontRef idx="minor">
+            <a:schemeClr val="lt1"/>
+          </a:fontRef>
+        </p:style>
+        <p:txBody>
+          <a:bodyPr rtlCol="0" anchor="ctr"/>
+          <a:lstStyle/>
+          <a:p>
+            <a:pPr algn="ctr"/>
+            <a:endParaRPr lang="ko-KR" altLang="en-US"/>
+          </a:p>
+        </p:txBody>
+      </p:sp>
+      <p:sp>
+        <p:nvSpPr>
+          <p:cNvPr id="25" name="직사각형 24"/>
+          <p:cNvSpPr/>
+          <p:nvPr/>
+        </p:nvSpPr>
+        <p:spPr>
+          <a:xfrm>
+            <a:off x="513188" y="1127322"/>
+            <a:ext cx="4437177" cy="923330"/>
+          </a:xfrm>
+          <a:prstGeom prst="rect">
+            <a:avLst/>
+          </a:prstGeom>
+          <a:noFill/>
+        </p:spPr>
+        <p:txBody>
+          <a:bodyPr wrap="none" lIns="91440" tIns="45720" rIns="91440" bIns="45720">
+            <a:spAutoFit/>
+          </a:bodyPr>
+          <a:lstStyle/>
+          <a:p>
+            <a:pPr algn="dist"/>
+            <a:r>
+              <a:rPr lang="en-US" altLang="ko-KR" sz="5400" b="0" cap="none" spc="-300" dirty="0" smtClean="0">
+                <a:ln w="0"/>
+                <a:solidFill>
+                  <a:schemeClr val="bg1"/>
+                </a:solidFill>
+                <a:effectLst>
+                  <a:outerShdw blurRad="38100" dist="19050" dir="2700000" algn="tl" rotWithShape="0">
+                    <a:schemeClr val="dk1">
+                      <a:alpha val="40000"/>
+                    </a:schemeClr>
+                  </a:outerShdw>
+                </a:effectLst>
+                <a:latin typeface="Algerian" panose="04020705040A02060702" pitchFamily="82" charset="0"/>
+              </a:rPr>
+              <a:t>Routing Star</a:t>
+            </a:r>
+          </a:p>
+        </p:txBody>
+      </p:sp>
+      <p:sp>
+        <p:nvSpPr>
+          <p:cNvPr id="26" name="타원 25"/>
+          <p:cNvSpPr/>
+          <p:nvPr/>
+        </p:nvSpPr>
+        <p:spPr>
+          <a:xfrm>
+            <a:off x="8046486" y="369495"/>
+            <a:ext cx="2738626" cy="2738626"/>
+          </a:xfrm>
+          <a:prstGeom prst="ellipse">
+            <a:avLst/>
+          </a:prstGeom>
+          <a:noFill/>
+          <a:ln w="47625">
+            <a:gradFill>
+              <a:gsLst>
+                <a:gs pos="25000">
+                  <a:srgbClr val="F4976C"/>
+                </a:gs>
+                <a:gs pos="0">
+                  <a:srgbClr val="FBE8A6"/>
+                </a:gs>
+                <a:gs pos="50000">
+                  <a:srgbClr val="303C6C"/>
+                </a:gs>
+                <a:gs pos="75000">
+                  <a:srgbClr val="B4DFE5"/>
+                </a:gs>
+                <a:gs pos="100000">
+                  <a:srgbClr val="D2FCFD"/>
+                </a:gs>
+              </a:gsLst>
+              <a:lin ang="5400000" scaled="1"/>
+            </a:gradFill>
+          </a:ln>
+        </p:spPr>
+        <p:style>
+          <a:lnRef idx="2">
+            <a:schemeClr val="accent1">
+              <a:shade val="50000"/>
+            </a:schemeClr>
+          </a:lnRef>
+          <a:fillRef idx="1">
+            <a:schemeClr val="accent1"/>
+          </a:fillRef>
+          <a:effectRef idx="0">
+            <a:schemeClr val="accent1"/>
+          </a:effectRef>
+          <a:fontRef idx="minor">
+            <a:schemeClr val="lt1"/>
+          </a:fontRef>
+        </p:style>
+        <p:txBody>
+          <a:bodyPr rtlCol="0" anchor="ctr"/>
+          <a:lstStyle/>
+          <a:p>
+            <a:pPr algn="ctr"/>
+            <a:endParaRPr lang="ko-KR" altLang="en-US"/>
+          </a:p>
+        </p:txBody>
+      </p:sp>
+      <p:sp>
+        <p:nvSpPr>
+          <p:cNvPr id="28" name="타원 27"/>
+          <p:cNvSpPr/>
+          <p:nvPr/>
+        </p:nvSpPr>
+        <p:spPr>
+          <a:xfrm>
+            <a:off x="8160526" y="483535"/>
+            <a:ext cx="2510546" cy="2510546"/>
+          </a:xfrm>
+          <a:prstGeom prst="ellipse">
+            <a:avLst/>
+          </a:prstGeom>
+          <a:noFill/>
+          <a:ln w="47625">
+            <a:gradFill>
+              <a:gsLst>
+                <a:gs pos="25000">
+                  <a:srgbClr val="F4976C"/>
+                </a:gs>
+                <a:gs pos="0">
+                  <a:srgbClr val="FBE8A6"/>
+                </a:gs>
+                <a:gs pos="50000">
+                  <a:srgbClr val="303C6C"/>
+                </a:gs>
+                <a:gs pos="75000">
+                  <a:srgbClr val="B4DFE5"/>
+                </a:gs>
+                <a:gs pos="100000">
+                  <a:srgbClr val="D2FCFD"/>
+                </a:gs>
+              </a:gsLst>
+              <a:lin ang="5400000" scaled="1"/>
+            </a:gradFill>
+          </a:ln>
+        </p:spPr>
+        <p:style>
+          <a:lnRef idx="2">
+            <a:schemeClr val="accent1">
+              <a:shade val="50000"/>
+            </a:schemeClr>
+          </a:lnRef>
+          <a:fillRef idx="1">
+            <a:schemeClr val="accent1"/>
+          </a:fillRef>
+          <a:effectRef idx="0">
+            <a:schemeClr val="accent1"/>
+          </a:effectRef>
+          <a:fontRef idx="minor">
+            <a:schemeClr val="lt1"/>
+          </a:fontRef>
+        </p:style>
+        <p:txBody>
+          <a:bodyPr rtlCol="0" anchor="ctr"/>
+          <a:lstStyle/>
+          <a:p>
+            <a:pPr algn="ctr"/>
+            <a:endParaRPr lang="ko-KR" altLang="en-US"/>
+          </a:p>
+        </p:txBody>
+      </p:sp>
+      <p:sp>
+        <p:nvSpPr>
+          <p:cNvPr id="29" name="타원 28"/>
+          <p:cNvSpPr/>
+          <p:nvPr/>
+        </p:nvSpPr>
+        <p:spPr>
+          <a:xfrm>
+            <a:off x="8160526" y="483535"/>
+            <a:ext cx="2510546" cy="2510546"/>
+          </a:xfrm>
+          <a:prstGeom prst="ellipse">
+            <a:avLst/>
+          </a:prstGeom>
+          <a:noFill/>
+          <a:ln w="47625">
+            <a:gradFill>
+              <a:gsLst>
+                <a:gs pos="25000">
+                  <a:srgbClr val="F4976C"/>
+                </a:gs>
+                <a:gs pos="0">
+                  <a:srgbClr val="FBE8A6"/>
+                </a:gs>
+                <a:gs pos="50000">
+                  <a:srgbClr val="303C6C"/>
+                </a:gs>
+                <a:gs pos="75000">
+                  <a:srgbClr val="B4DFE5"/>
+                </a:gs>
+                <a:gs pos="100000">
+                  <a:srgbClr val="D2FCFD"/>
+                </a:gs>
+              </a:gsLst>
+              <a:lin ang="5400000" scaled="1"/>
+            </a:gradFill>
+          </a:ln>
+        </p:spPr>
+        <p:style>
+          <a:lnRef idx="2">
+            <a:schemeClr val="accent1">
+              <a:shade val="50000"/>
+            </a:schemeClr>
+          </a:lnRef>
+          <a:fillRef idx="1">
+            <a:schemeClr val="accent1"/>
+          </a:fillRef>
+          <a:effectRef idx="0">
+            <a:schemeClr val="accent1"/>
+          </a:effectRef>
+          <a:fontRef idx="minor">
+            <a:schemeClr val="lt1"/>
+          </a:fontRef>
+        </p:style>
+        <p:txBody>
+          <a:bodyPr rtlCol="0" anchor="ctr"/>
+          <a:lstStyle/>
+          <a:p>
+            <a:pPr algn="ctr"/>
+            <a:endParaRPr lang="ko-KR" altLang="en-US"/>
+          </a:p>
+        </p:txBody>
+      </p:sp>
+      <p:sp>
+        <p:nvSpPr>
+          <p:cNvPr id="30" name="타원 29"/>
+          <p:cNvSpPr/>
+          <p:nvPr/>
+        </p:nvSpPr>
+        <p:spPr>
+          <a:xfrm>
+            <a:off x="8270164" y="593173"/>
+            <a:ext cx="2291269" cy="2291269"/>
+          </a:xfrm>
+          <a:prstGeom prst="ellipse">
+            <a:avLst/>
+          </a:prstGeom>
+          <a:noFill/>
+          <a:ln w="47625">
+            <a:gradFill>
+              <a:gsLst>
+                <a:gs pos="25000">
+                  <a:srgbClr val="F4976C"/>
+                </a:gs>
+                <a:gs pos="0">
+                  <a:srgbClr val="FBE8A6"/>
+                </a:gs>
+                <a:gs pos="50000">
+                  <a:srgbClr val="303C6C"/>
+                </a:gs>
+                <a:gs pos="75000">
+                  <a:srgbClr val="B4DFE5"/>
+                </a:gs>
+                <a:gs pos="100000">
+                  <a:srgbClr val="D2FCFD"/>
+                </a:gs>
+              </a:gsLst>
+              <a:lin ang="5400000" scaled="1"/>
+            </a:gradFill>
+          </a:ln>
+        </p:spPr>
+        <p:style>
+          <a:lnRef idx="2">
+            <a:schemeClr val="accent1">
+              <a:shade val="50000"/>
+            </a:schemeClr>
+          </a:lnRef>
+          <a:fillRef idx="1">
+            <a:schemeClr val="accent1"/>
+          </a:fillRef>
+          <a:effectRef idx="0">
+            <a:schemeClr val="accent1"/>
+          </a:effectRef>
+          <a:fontRef idx="minor">
+            <a:schemeClr val="lt1"/>
+          </a:fontRef>
+        </p:style>
+        <p:txBody>
+          <a:bodyPr rtlCol="0" anchor="ctr"/>
+          <a:lstStyle/>
+          <a:p>
+            <a:pPr algn="ctr"/>
+            <a:endParaRPr lang="ko-KR" altLang="en-US"/>
+          </a:p>
+        </p:txBody>
+      </p:sp>
+      <p:sp>
+        <p:nvSpPr>
+          <p:cNvPr id="31" name="타원 30"/>
+          <p:cNvSpPr/>
+          <p:nvPr/>
+        </p:nvSpPr>
+        <p:spPr>
+          <a:xfrm>
+            <a:off x="8386548" y="699264"/>
+            <a:ext cx="2058502" cy="2079087"/>
+          </a:xfrm>
+          <a:prstGeom prst="ellipse">
+            <a:avLst/>
+          </a:prstGeom>
+          <a:noFill/>
+          <a:ln w="47625">
+            <a:gradFill>
+              <a:gsLst>
+                <a:gs pos="25000">
+                  <a:srgbClr val="F4976C"/>
+                </a:gs>
+                <a:gs pos="0">
+                  <a:srgbClr val="FBE8A6"/>
+                </a:gs>
+                <a:gs pos="50000">
+                  <a:srgbClr val="303C6C"/>
+                </a:gs>
+                <a:gs pos="75000">
+                  <a:srgbClr val="B4DFE5"/>
+                </a:gs>
+                <a:gs pos="100000">
+                  <a:srgbClr val="D2FCFD"/>
+                </a:gs>
+              </a:gsLst>
+              <a:lin ang="5400000" scaled="1"/>
+            </a:gradFill>
+          </a:ln>
+        </p:spPr>
+        <p:style>
+          <a:lnRef idx="2">
+            <a:schemeClr val="accent1">
+              <a:shade val="50000"/>
+            </a:schemeClr>
+          </a:lnRef>
+          <a:fillRef idx="1">
+            <a:schemeClr val="accent1"/>
+          </a:fillRef>
+          <a:effectRef idx="0">
+            <a:schemeClr val="accent1"/>
+          </a:effectRef>
+          <a:fontRef idx="minor">
+            <a:schemeClr val="lt1"/>
+          </a:fontRef>
+        </p:style>
+        <p:txBody>
+          <a:bodyPr rtlCol="0" anchor="ctr"/>
+          <a:lstStyle/>
+          <a:p>
+            <a:pPr algn="ctr"/>
+            <a:endParaRPr lang="ko-KR" altLang="en-US"/>
+          </a:p>
+        </p:txBody>
+      </p:sp>
+      <p:sp>
+        <p:nvSpPr>
+          <p:cNvPr id="32" name="타원 31"/>
+          <p:cNvSpPr/>
+          <p:nvPr/>
+        </p:nvSpPr>
+        <p:spPr>
+          <a:xfrm>
+            <a:off x="8502391" y="816265"/>
+            <a:ext cx="1826816" cy="1845084"/>
+          </a:xfrm>
+          <a:prstGeom prst="ellipse">
+            <a:avLst/>
+          </a:prstGeom>
+          <a:noFill/>
+          <a:ln w="47625">
+            <a:gradFill>
+              <a:gsLst>
+                <a:gs pos="25000">
+                  <a:srgbClr val="F4976C"/>
+                </a:gs>
+                <a:gs pos="0">
+                  <a:srgbClr val="FBE8A6"/>
+                </a:gs>
+                <a:gs pos="50000">
+                  <a:srgbClr val="303C6C"/>
+                </a:gs>
+                <a:gs pos="75000">
+                  <a:srgbClr val="B4DFE5"/>
+                </a:gs>
+                <a:gs pos="100000">
+                  <a:srgbClr val="D2FCFD"/>
+                </a:gs>
+              </a:gsLst>
+              <a:lin ang="5400000" scaled="1"/>
+            </a:gradFill>
+          </a:ln>
+        </p:spPr>
+        <p:style>
+          <a:lnRef idx="2">
+            <a:schemeClr val="accent1">
+              <a:shade val="50000"/>
+            </a:schemeClr>
+          </a:lnRef>
+          <a:fillRef idx="1">
+            <a:schemeClr val="accent1"/>
+          </a:fillRef>
+          <a:effectRef idx="0">
+            <a:schemeClr val="accent1"/>
+          </a:effectRef>
+          <a:fontRef idx="minor">
+            <a:schemeClr val="lt1"/>
+          </a:fontRef>
+        </p:style>
+        <p:txBody>
+          <a:bodyPr rtlCol="0" anchor="ctr"/>
+          <a:lstStyle/>
+          <a:p>
+            <a:pPr algn="ctr"/>
+            <a:endParaRPr lang="ko-KR" altLang="en-US"/>
+          </a:p>
+        </p:txBody>
+      </p:sp>
+      <p:sp>
+        <p:nvSpPr>
+          <p:cNvPr id="33" name="타원 32"/>
+          <p:cNvSpPr/>
+          <p:nvPr/>
+        </p:nvSpPr>
+        <p:spPr>
+          <a:xfrm>
+            <a:off x="8605195" y="920097"/>
+            <a:ext cx="1621208" cy="1637420"/>
+          </a:xfrm>
+          <a:prstGeom prst="ellipse">
+            <a:avLst/>
+          </a:prstGeom>
+          <a:noFill/>
+          <a:ln w="47625">
+            <a:gradFill>
+              <a:gsLst>
+                <a:gs pos="25000">
+                  <a:srgbClr val="F4976C"/>
+                </a:gs>
+                <a:gs pos="0">
+                  <a:srgbClr val="FBE8A6"/>
+                </a:gs>
+                <a:gs pos="50000">
+                  <a:srgbClr val="303C6C"/>
+                </a:gs>
+                <a:gs pos="75000">
+                  <a:srgbClr val="B4DFE5"/>
+                </a:gs>
+                <a:gs pos="100000">
+                  <a:srgbClr val="D2FCFD"/>
+                </a:gs>
+              </a:gsLst>
+              <a:lin ang="5400000" scaled="1"/>
+            </a:gradFill>
+          </a:ln>
+        </p:spPr>
+        <p:style>
+          <a:lnRef idx="2">
+            <a:schemeClr val="accent1">
+              <a:shade val="50000"/>
+            </a:schemeClr>
+          </a:lnRef>
+          <a:fillRef idx="1">
+            <a:schemeClr val="accent1"/>
+          </a:fillRef>
+          <a:effectRef idx="0">
+            <a:schemeClr val="accent1"/>
+          </a:effectRef>
+          <a:fontRef idx="minor">
+            <a:schemeClr val="lt1"/>
+          </a:fontRef>
+        </p:style>
+        <p:txBody>
+          <a:bodyPr rtlCol="0" anchor="ctr"/>
+          <a:lstStyle/>
+          <a:p>
+            <a:pPr algn="ctr"/>
+            <a:endParaRPr lang="ko-KR" altLang="en-US"/>
+          </a:p>
+        </p:txBody>
+      </p:sp>
+      <p:grpSp>
+        <p:nvGrpSpPr>
+          <p:cNvPr id="6" name="그룹 5"/>
+          <p:cNvGrpSpPr/>
+          <p:nvPr/>
+        </p:nvGrpSpPr>
+        <p:grpSpPr>
+          <a:xfrm>
+            <a:off x="7959005" y="920097"/>
+            <a:ext cx="2821350" cy="1584763"/>
+            <a:chOff x="4917248" y="2967335"/>
+            <a:chExt cx="2821350" cy="1584763"/>
+          </a:xfrm>
+        </p:grpSpPr>
+        <p:sp>
+          <p:nvSpPr>
+            <p:cNvPr id="7" name="직사각형 6"/>
+            <p:cNvSpPr/>
+            <p:nvPr/>
+          </p:nvSpPr>
+          <p:spPr>
+            <a:xfrm>
+              <a:off x="4917248" y="2967335"/>
+              <a:ext cx="2821350" cy="923330"/>
+            </a:xfrm>
+            <a:prstGeom prst="rect">
+              <a:avLst/>
+            </a:prstGeom>
+            <a:noFill/>
+          </p:spPr>
+          <p:txBody>
+            <a:bodyPr wrap="none" lIns="91440" tIns="45720" rIns="91440" bIns="45720">
+              <a:spAutoFit/>
+            </a:bodyPr>
+            <a:lstStyle/>
+            <a:p>
+              <a:pPr algn="dist"/>
+              <a:r>
+                <a:rPr lang="en-US" altLang="ko-KR" sz="5400" b="0" cap="none" spc="-300" dirty="0" smtClean="0">
+                  <a:ln w="0"/>
+                  <a:solidFill>
+                    <a:schemeClr val="bg1"/>
+                  </a:solidFill>
+                  <a:effectLst>
+                    <a:outerShdw blurRad="38100" dist="19050" dir="2700000" algn="tl" rotWithShape="0">
+                      <a:schemeClr val="dk1">
+                        <a:alpha val="40000"/>
+                      </a:schemeClr>
+                    </a:outerShdw>
+                  </a:effectLst>
+                  <a:latin typeface="Arial Black" panose="020B0A04020102020204" pitchFamily="34" charset="0"/>
+                </a:rPr>
+                <a:t>Routing</a:t>
+              </a:r>
+            </a:p>
+          </p:txBody>
+        </p:sp>
+        <p:sp>
+          <p:nvSpPr>
+            <p:cNvPr id="8" name="직사각형 7"/>
+            <p:cNvSpPr/>
+            <p:nvPr/>
+          </p:nvSpPr>
+          <p:spPr>
+            <a:xfrm>
+              <a:off x="4917248" y="3628768"/>
+              <a:ext cx="1608133" cy="923330"/>
+            </a:xfrm>
+            <a:prstGeom prst="rect">
+              <a:avLst/>
+            </a:prstGeom>
+            <a:noFill/>
+          </p:spPr>
+          <p:txBody>
+            <a:bodyPr wrap="none" lIns="91440" tIns="45720" rIns="91440" bIns="45720">
+              <a:spAutoFit/>
+            </a:bodyPr>
+            <a:lstStyle/>
+            <a:p>
+              <a:pPr algn="dist"/>
+              <a:r>
+                <a:rPr lang="en-US" altLang="ko-KR" sz="5400" b="0" cap="none" spc="-300" dirty="0" smtClean="0">
+                  <a:ln w="0"/>
+                  <a:solidFill>
+                    <a:schemeClr val="bg1"/>
+                  </a:solidFill>
+                  <a:effectLst>
+                    <a:outerShdw blurRad="38100" dist="19050" dir="2700000" algn="tl" rotWithShape="0">
+                      <a:schemeClr val="dk1">
+                        <a:alpha val="40000"/>
+                      </a:schemeClr>
+                    </a:outerShdw>
+                  </a:effectLst>
+                  <a:latin typeface="Arial Black" panose="020B0A04020102020204" pitchFamily="34" charset="0"/>
+                </a:rPr>
+                <a:t>Star</a:t>
+              </a:r>
+            </a:p>
+          </p:txBody>
+        </p:sp>
+      </p:grpSp>
+      <p:pic>
+        <p:nvPicPr>
+          <p:cNvPr id="37" name="그림 36"/>
+          <p:cNvPicPr>
+            <a:picLocks noChangeAspect="1"/>
+          </p:cNvPicPr>
+          <p:nvPr/>
+        </p:nvPicPr>
+        <p:blipFill>
+          <a:blip r:embed="rId2">
+            <a:duotone>
+              <a:schemeClr val="accent5">
+                <a:shade val="45000"/>
+                <a:satMod val="135000"/>
+              </a:schemeClr>
+              <a:prstClr val="white"/>
+            </a:duotone>
+            <a:extLst>
+              <a:ext uri="{BEBA8EAE-BF5A-486C-A8C5-ECC9F3942E4B}">
+                <a14:imgProps xmlns:a14="http://schemas.microsoft.com/office/drawing/2010/main">
+                  <a14:imgLayer r:embed="rId3">
+                    <a14:imgEffect>
+                      <a14:backgroundRemoval t="10000" b="90000" l="10000" r="90000">
+                        <a14:foregroundMark x1="49823" y1="14332" x2="55830" y2="14332"/>
+                        <a14:foregroundMark x1="67491" y1="32899" x2="70671" y2="35831"/>
+                        <a14:foregroundMark x1="77385" y1="43974" x2="79152" y2="46580"/>
+                        <a14:backgroundMark x1="47350" y1="35179" x2="53357" y2="35831"/>
+                      </a14:backgroundRemoval>
+                    </a14:imgEffect>
+                  </a14:imgLayer>
+                </a14:imgProps>
+              </a:ext>
+            </a:extLst>
+          </a:blip>
+          <a:stretch>
+            <a:fillRect/>
+          </a:stretch>
+        </p:blipFill>
+        <p:spPr>
+          <a:xfrm>
+            <a:off x="9247135" y="1710522"/>
+            <a:ext cx="985719" cy="1069314"/>
+          </a:xfrm>
+          <a:prstGeom prst="rect">
+            <a:avLst/>
+          </a:prstGeom>
+        </p:spPr>
+      </p:pic>
+      <p:sp>
+        <p:nvSpPr>
+          <p:cNvPr id="38" name="타원 37"/>
+          <p:cNvSpPr/>
+          <p:nvPr/>
+        </p:nvSpPr>
+        <p:spPr>
+          <a:xfrm>
+            <a:off x="1526368" y="3885809"/>
+            <a:ext cx="2738626" cy="2738626"/>
+          </a:xfrm>
+          <a:prstGeom prst="ellipse">
+            <a:avLst/>
+          </a:prstGeom>
+          <a:noFill/>
+          <a:ln w="47625">
+            <a:gradFill>
+              <a:gsLst>
+                <a:gs pos="25000">
+                  <a:srgbClr val="84CEEB"/>
+                </a:gs>
+                <a:gs pos="0">
+                  <a:srgbClr val="5580E9"/>
+                </a:gs>
+                <a:gs pos="50000">
+                  <a:srgbClr val="5AB8EC"/>
+                </a:gs>
+                <a:gs pos="75000">
+                  <a:srgbClr val="C1C8E4"/>
+                </a:gs>
+                <a:gs pos="100000">
+                  <a:srgbClr val="8860D0"/>
+                </a:gs>
+              </a:gsLst>
+              <a:lin ang="5400000" scaled="1"/>
+            </a:gradFill>
+          </a:ln>
+        </p:spPr>
+        <p:style>
+          <a:lnRef idx="2">
+            <a:schemeClr val="accent1">
+              <a:shade val="50000"/>
+            </a:schemeClr>
+          </a:lnRef>
+          <a:fillRef idx="1">
+            <a:schemeClr val="accent1"/>
+          </a:fillRef>
+          <a:effectRef idx="0">
+            <a:schemeClr val="accent1"/>
+          </a:effectRef>
+          <a:fontRef idx="minor">
+            <a:schemeClr val="lt1"/>
+          </a:fontRef>
+        </p:style>
+        <p:txBody>
+          <a:bodyPr rtlCol="0" anchor="ctr"/>
+          <a:lstStyle/>
+          <a:p>
+            <a:pPr algn="ctr"/>
+            <a:endParaRPr lang="ko-KR" altLang="en-US"/>
+          </a:p>
+        </p:txBody>
+      </p:sp>
+      <p:grpSp>
+        <p:nvGrpSpPr>
+          <p:cNvPr id="39" name="그룹 38"/>
+          <p:cNvGrpSpPr/>
+          <p:nvPr/>
+        </p:nvGrpSpPr>
+        <p:grpSpPr>
+          <a:xfrm>
+            <a:off x="722302" y="4396512"/>
+            <a:ext cx="2821350" cy="1584763"/>
+            <a:chOff x="4917248" y="2967335"/>
+            <a:chExt cx="2821350" cy="1584763"/>
+          </a:xfrm>
+        </p:grpSpPr>
+        <p:sp>
+          <p:nvSpPr>
+            <p:cNvPr id="40" name="직사각형 39"/>
+            <p:cNvSpPr/>
+            <p:nvPr/>
+          </p:nvSpPr>
+          <p:spPr>
+            <a:xfrm>
+              <a:off x="4917248" y="2967335"/>
+              <a:ext cx="2821350" cy="923330"/>
+            </a:xfrm>
+            <a:prstGeom prst="rect">
+              <a:avLst/>
+            </a:prstGeom>
+            <a:noFill/>
+          </p:spPr>
+          <p:txBody>
+            <a:bodyPr wrap="none" lIns="91440" tIns="45720" rIns="91440" bIns="45720">
+              <a:spAutoFit/>
+            </a:bodyPr>
+            <a:lstStyle/>
+            <a:p>
+              <a:pPr algn="dist"/>
+              <a:r>
+                <a:rPr lang="en-US" altLang="ko-KR" sz="5400" b="0" cap="none" spc="-300" dirty="0" smtClean="0">
+                  <a:ln w="0"/>
+                  <a:solidFill>
+                    <a:schemeClr val="bg1"/>
+                  </a:solidFill>
+                  <a:effectLst>
+                    <a:outerShdw blurRad="38100" dist="19050" dir="2700000" algn="tl" rotWithShape="0">
+                      <a:schemeClr val="dk1">
+                        <a:alpha val="40000"/>
+                      </a:schemeClr>
+                    </a:outerShdw>
+                  </a:effectLst>
+                  <a:latin typeface="Arial Black" panose="020B0A04020102020204" pitchFamily="34" charset="0"/>
+                </a:rPr>
+                <a:t>Routing</a:t>
+              </a:r>
+            </a:p>
+          </p:txBody>
+        </p:sp>
+        <p:sp>
+          <p:nvSpPr>
+            <p:cNvPr id="41" name="직사각형 40"/>
+            <p:cNvSpPr/>
+            <p:nvPr/>
+          </p:nvSpPr>
+          <p:spPr>
+            <a:xfrm>
+              <a:off x="4917248" y="3628768"/>
+              <a:ext cx="1608133" cy="923330"/>
+            </a:xfrm>
+            <a:prstGeom prst="rect">
+              <a:avLst/>
+            </a:prstGeom>
+            <a:noFill/>
+          </p:spPr>
+          <p:txBody>
+            <a:bodyPr wrap="none" lIns="91440" tIns="45720" rIns="91440" bIns="45720">
+              <a:spAutoFit/>
+            </a:bodyPr>
+            <a:lstStyle/>
+            <a:p>
+              <a:pPr algn="dist"/>
+              <a:r>
+                <a:rPr lang="en-US" altLang="ko-KR" sz="5400" b="0" cap="none" spc="-300" dirty="0" smtClean="0">
+                  <a:ln w="0"/>
+                  <a:solidFill>
+                    <a:schemeClr val="bg1"/>
+                  </a:solidFill>
+                  <a:effectLst>
+                    <a:outerShdw blurRad="38100" dist="19050" dir="2700000" algn="tl" rotWithShape="0">
+                      <a:schemeClr val="dk1">
+                        <a:alpha val="40000"/>
+                      </a:schemeClr>
+                    </a:outerShdw>
+                  </a:effectLst>
+                  <a:latin typeface="Arial Black" panose="020B0A04020102020204" pitchFamily="34" charset="0"/>
+                </a:rPr>
+                <a:t>Star</a:t>
+              </a:r>
+            </a:p>
+          </p:txBody>
+        </p:sp>
+      </p:grpSp>
+      <p:pic>
+        <p:nvPicPr>
+          <p:cNvPr id="42" name="그림 41"/>
+          <p:cNvPicPr>
+            <a:picLocks noChangeAspect="1"/>
+          </p:cNvPicPr>
+          <p:nvPr/>
+        </p:nvPicPr>
+        <p:blipFill>
+          <a:blip r:embed="rId2">
+            <a:duotone>
+              <a:schemeClr val="accent5">
+                <a:shade val="45000"/>
+                <a:satMod val="135000"/>
+              </a:schemeClr>
+              <a:prstClr val="white"/>
+            </a:duotone>
+            <a:extLst>
+              <a:ext uri="{BEBA8EAE-BF5A-486C-A8C5-ECC9F3942E4B}">
+                <a14:imgProps xmlns:a14="http://schemas.microsoft.com/office/drawing/2010/main">
+                  <a14:imgLayer r:embed="rId3">
+                    <a14:imgEffect>
+                      <a14:backgroundRemoval t="10000" b="90000" l="10000" r="90000">
+                        <a14:foregroundMark x1="49823" y1="14332" x2="55830" y2="14332"/>
+                        <a14:foregroundMark x1="67491" y1="32899" x2="70671" y2="35831"/>
+                        <a14:foregroundMark x1="77385" y1="43974" x2="79152" y2="46580"/>
+                        <a14:backgroundMark x1="47350" y1="35179" x2="53357" y2="35831"/>
+                      </a14:backgroundRemoval>
+                    </a14:imgEffect>
+                  </a14:imgLayer>
+                </a14:imgProps>
+              </a:ext>
+            </a:extLst>
+          </a:blip>
+          <a:stretch>
+            <a:fillRect/>
+          </a:stretch>
+        </p:blipFill>
+        <p:spPr>
+          <a:xfrm>
+            <a:off x="5829311" y="4688146"/>
+            <a:ext cx="985719" cy="1069314"/>
+          </a:xfrm>
+          <a:prstGeom prst="rect">
+            <a:avLst/>
+          </a:prstGeom>
+        </p:spPr>
+      </p:pic>
+      <p:sp>
+        <p:nvSpPr>
+          <p:cNvPr id="48" name="타원 47"/>
+          <p:cNvSpPr/>
+          <p:nvPr/>
+        </p:nvSpPr>
+        <p:spPr>
+          <a:xfrm>
+            <a:off x="8344711" y="3849576"/>
+            <a:ext cx="2738626" cy="2738626"/>
+          </a:xfrm>
+          <a:prstGeom prst="ellipse">
+            <a:avLst/>
+          </a:prstGeom>
+          <a:noFill/>
+          <a:ln w="47625">
+            <a:gradFill>
+              <a:gsLst>
+                <a:gs pos="25000">
+                  <a:srgbClr val="F4976C"/>
+                </a:gs>
+                <a:gs pos="0">
+                  <a:srgbClr val="FBE8A6"/>
+                </a:gs>
+                <a:gs pos="50000">
+                  <a:srgbClr val="303C6C"/>
+                </a:gs>
+                <a:gs pos="75000">
+                  <a:srgbClr val="B4DFE5"/>
+                </a:gs>
+                <a:gs pos="100000">
+                  <a:srgbClr val="D2FCFD"/>
+                </a:gs>
+              </a:gsLst>
+              <a:lin ang="5400000" scaled="1"/>
+            </a:gradFill>
+          </a:ln>
+        </p:spPr>
+        <p:style>
+          <a:lnRef idx="2">
+            <a:schemeClr val="accent1">
+              <a:shade val="50000"/>
+            </a:schemeClr>
+          </a:lnRef>
+          <a:fillRef idx="1">
+            <a:schemeClr val="accent1"/>
+          </a:fillRef>
+          <a:effectRef idx="0">
+            <a:schemeClr val="accent1"/>
+          </a:effectRef>
+          <a:fontRef idx="minor">
+            <a:schemeClr val="lt1"/>
+          </a:fontRef>
+        </p:style>
+        <p:txBody>
+          <a:bodyPr rtlCol="0" anchor="ctr"/>
+          <a:lstStyle/>
+          <a:p>
+            <a:pPr algn="ctr"/>
+            <a:endParaRPr lang="ko-KR" altLang="en-US"/>
+          </a:p>
+        </p:txBody>
+      </p:sp>
+      <p:grpSp>
+        <p:nvGrpSpPr>
+          <p:cNvPr id="49" name="그룹 48"/>
+          <p:cNvGrpSpPr/>
+          <p:nvPr/>
+        </p:nvGrpSpPr>
+        <p:grpSpPr>
+          <a:xfrm>
+            <a:off x="7540645" y="4360279"/>
+            <a:ext cx="2821350" cy="1584763"/>
+            <a:chOff x="4917248" y="2967335"/>
+            <a:chExt cx="2821350" cy="1584763"/>
+          </a:xfrm>
+        </p:grpSpPr>
+        <p:sp>
+          <p:nvSpPr>
+            <p:cNvPr id="50" name="직사각형 49"/>
+            <p:cNvSpPr/>
+            <p:nvPr/>
+          </p:nvSpPr>
+          <p:spPr>
+            <a:xfrm>
+              <a:off x="4917248" y="2967335"/>
+              <a:ext cx="2821350" cy="923330"/>
+            </a:xfrm>
+            <a:prstGeom prst="rect">
+              <a:avLst/>
+            </a:prstGeom>
+            <a:noFill/>
+          </p:spPr>
+          <p:txBody>
+            <a:bodyPr wrap="none" lIns="91440" tIns="45720" rIns="91440" bIns="45720">
+              <a:spAutoFit/>
+            </a:bodyPr>
+            <a:lstStyle/>
+            <a:p>
+              <a:pPr algn="dist"/>
+              <a:r>
+                <a:rPr lang="en-US" altLang="ko-KR" sz="5400" b="0" cap="none" spc="-300" dirty="0" smtClean="0">
+                  <a:ln w="0"/>
+                  <a:solidFill>
+                    <a:schemeClr val="bg1"/>
+                  </a:solidFill>
+                  <a:effectLst>
+                    <a:outerShdw blurRad="38100" dist="19050" dir="2700000" algn="tl" rotWithShape="0">
+                      <a:schemeClr val="dk1">
+                        <a:alpha val="40000"/>
+                      </a:schemeClr>
+                    </a:outerShdw>
+                  </a:effectLst>
+                  <a:latin typeface="Arial Black" panose="020B0A04020102020204" pitchFamily="34" charset="0"/>
+                </a:rPr>
+                <a:t>Routing</a:t>
+              </a:r>
+            </a:p>
+          </p:txBody>
+        </p:sp>
+        <p:sp>
+          <p:nvSpPr>
+            <p:cNvPr id="51" name="직사각형 50"/>
+            <p:cNvSpPr/>
+            <p:nvPr/>
+          </p:nvSpPr>
+          <p:spPr>
+            <a:xfrm>
+              <a:off x="4917248" y="3628768"/>
+              <a:ext cx="1608133" cy="923330"/>
+            </a:xfrm>
+            <a:prstGeom prst="rect">
+              <a:avLst/>
+            </a:prstGeom>
+            <a:noFill/>
+          </p:spPr>
+          <p:txBody>
+            <a:bodyPr wrap="none" lIns="91440" tIns="45720" rIns="91440" bIns="45720">
+              <a:spAutoFit/>
+            </a:bodyPr>
+            <a:lstStyle/>
+            <a:p>
+              <a:pPr algn="dist"/>
+              <a:r>
+                <a:rPr lang="en-US" altLang="ko-KR" sz="5400" b="0" cap="none" spc="-300" dirty="0" smtClean="0">
+                  <a:ln w="0"/>
+                  <a:solidFill>
+                    <a:schemeClr val="bg1"/>
+                  </a:solidFill>
+                  <a:effectLst>
+                    <a:outerShdw blurRad="38100" dist="19050" dir="2700000" algn="tl" rotWithShape="0">
+                      <a:schemeClr val="dk1">
+                        <a:alpha val="40000"/>
+                      </a:schemeClr>
+                    </a:outerShdw>
+                  </a:effectLst>
+                  <a:latin typeface="Arial Black" panose="020B0A04020102020204" pitchFamily="34" charset="0"/>
+                </a:rPr>
+                <a:t>Star</a:t>
+              </a:r>
+            </a:p>
+          </p:txBody>
+        </p:sp>
+      </p:grpSp>
+      <p:pic>
+        <p:nvPicPr>
+          <p:cNvPr id="57" name="그림 56"/>
+          <p:cNvPicPr>
+            <a:picLocks noChangeAspect="1"/>
+          </p:cNvPicPr>
+          <p:nvPr/>
+        </p:nvPicPr>
+        <p:blipFill>
+          <a:blip r:embed="rId4">
+            <a:extLst>
+              <a:ext uri="{BEBA8EAE-BF5A-486C-A8C5-ECC9F3942E4B}">
+                <a14:imgProps xmlns:a14="http://schemas.microsoft.com/office/drawing/2010/main">
+                  <a14:imgLayer r:embed="rId5">
+                    <a14:imgEffect>
+                      <a14:backgroundRemoval t="10000" b="90000" l="10000" r="90000"/>
+                    </a14:imgEffect>
+                  </a14:imgLayer>
+                </a14:imgProps>
+              </a:ext>
+            </a:extLst>
+          </a:blip>
+          <a:stretch>
+            <a:fillRect/>
+          </a:stretch>
+        </p:blipFill>
+        <p:spPr>
+          <a:xfrm>
+            <a:off x="4558952" y="4018052"/>
+            <a:ext cx="1857593" cy="1870018"/>
+          </a:xfrm>
+          <a:prstGeom prst="rect">
+            <a:avLst/>
+          </a:prstGeom>
+        </p:spPr>
+      </p:pic>
+      <p:pic>
+        <p:nvPicPr>
+          <p:cNvPr id="58" name="그림 57"/>
+          <p:cNvPicPr>
+            <a:picLocks noChangeAspect="1"/>
+          </p:cNvPicPr>
+          <p:nvPr/>
+        </p:nvPicPr>
+        <p:blipFill>
+          <a:blip r:embed="rId6">
+            <a:extLst>
+              <a:ext uri="{BEBA8EAE-BF5A-486C-A8C5-ECC9F3942E4B}">
+                <a14:imgProps xmlns:a14="http://schemas.microsoft.com/office/drawing/2010/main">
+                  <a14:imgLayer r:embed="rId7">
+                    <a14:imgEffect>
+                      <a14:backgroundRemoval t="0" b="96657" l="47852" r="100000">
+                        <a14:foregroundMark x1="68359" y1="7903" x2="75195" y2="5471"/>
+                        <a14:foregroundMark x1="72266" y1="3343" x2="84961" y2="19149"/>
+                        <a14:foregroundMark x1="74805" y1="5167" x2="77734" y2="4863"/>
+                        <a14:foregroundMark x1="73242" y1="3040" x2="77148" y2="3647"/>
+                        <a14:foregroundMark x1="76953" y1="3343" x2="79492" y2="3647"/>
+                        <a14:foregroundMark x1="79102" y1="3647" x2="82617" y2="6687"/>
+                        <a14:foregroundMark x1="79102" y1="4255" x2="86328" y2="9422"/>
+                        <a14:foregroundMark x1="87891" y1="11246" x2="91797" y2="16413"/>
+                      </a14:backgroundRemoval>
+                    </a14:imgEffect>
+                  </a14:imgLayer>
+                </a14:imgProps>
+              </a:ext>
+            </a:extLst>
+          </a:blip>
+          <a:stretch>
+            <a:fillRect/>
+          </a:stretch>
+        </p:blipFill>
+        <p:spPr>
+          <a:xfrm>
+            <a:off x="4960424" y="3353735"/>
+            <a:ext cx="1873393" cy="1203801"/>
+          </a:xfrm>
+          <a:prstGeom prst="rect">
+            <a:avLst/>
+          </a:prstGeom>
+        </p:spPr>
+      </p:pic>
+      <p:sp>
+        <p:nvSpPr>
+          <p:cNvPr id="36" name="포인트가 5개인 별 35"/>
+          <p:cNvSpPr/>
+          <p:nvPr/>
+        </p:nvSpPr>
+        <p:spPr>
+          <a:xfrm>
+            <a:off x="5068229" y="2661349"/>
+            <a:ext cx="317459" cy="317459"/>
+          </a:xfrm>
+          <a:prstGeom prst="star5">
+            <a:avLst/>
+          </a:prstGeom>
+          <a:gradFill flip="none" rotWithShape="1">
+            <a:gsLst>
+              <a:gs pos="25000">
+                <a:srgbClr val="84CEEB"/>
+              </a:gs>
+              <a:gs pos="0">
+                <a:srgbClr val="5580E9"/>
+              </a:gs>
+              <a:gs pos="50000">
+                <a:srgbClr val="5AB8EC"/>
+              </a:gs>
+              <a:gs pos="75000">
+                <a:srgbClr val="C1C8E4"/>
+              </a:gs>
+            </a:gsLst>
+            <a:lin ang="2700000" scaled="1"/>
+            <a:tileRect/>
+          </a:gradFill>
+          <a:ln>
+            <a:noFill/>
+          </a:ln>
+          <a:effectLst>
+            <a:softEdge rad="12700"/>
+          </a:effectLst>
+        </p:spPr>
+        <p:style>
+          <a:lnRef idx="2">
+            <a:schemeClr val="accent1">
+              <a:shade val="50000"/>
+            </a:schemeClr>
+          </a:lnRef>
+          <a:fillRef idx="1">
+            <a:schemeClr val="accent1"/>
+          </a:fillRef>
+          <a:effectRef idx="0">
+            <a:schemeClr val="accent1"/>
+          </a:effectRef>
+          <a:fontRef idx="minor">
+            <a:schemeClr val="lt1"/>
+          </a:fontRef>
+        </p:style>
+        <p:txBody>
+          <a:bodyPr rtlCol="0" anchor="ctr"/>
+          <a:lstStyle/>
+          <a:p>
+            <a:pPr algn="ctr"/>
+            <a:endParaRPr lang="ko-KR" altLang="en-US"/>
+          </a:p>
+        </p:txBody>
+      </p:sp>
+    </p:spTree>
+    <p:extLst>
+      <p:ext uri="{BB962C8B-B14F-4D97-AF65-F5344CB8AC3E}">
+        <p14:creationId xmlns:p14="http://schemas.microsoft.com/office/powerpoint/2010/main" val="2769495287"/>
+      </p:ext>
+    </p:extLst>
+  </p:cSld>
+  <p:clrMapOvr>
+    <a:masterClrMapping/>
+  </p:clrMapOvr>
+  <p:timing>
+    <p:tnLst>
+      <p:par>
+        <p:cTn id="1" dur="indefinite" restart="never" nodeType="tmRoot"/>
+      </p:par>
+    </p:tnLst>
+  </p:timing>
+</p:sld>
+</file>
+
+<file path=ppt/slides/slide12.xml><?xml version="1.0" encoding="utf-8"?>
 <p:sld xmlns:a="http://schemas.openxmlformats.org/drawingml/2006/main" xmlns:r="http://schemas.openxmlformats.org/officeDocument/2006/relationships" xmlns:p="http://schemas.openxmlformats.org/presentationml/2006/main">
   <p:cSld>
     <p:spTree>
@@ -4501,7 +6913,7 @@
 </p:sld>
 </file>
 
-<file path=ppt/slides/slide11.xml><?xml version="1.0" encoding="utf-8"?>
+<file path=ppt/slides/slide13.xml><?xml version="1.0" encoding="utf-8"?>
 <p:sld xmlns:a="http://schemas.openxmlformats.org/drawingml/2006/main" xmlns:r="http://schemas.openxmlformats.org/officeDocument/2006/relationships" xmlns:p="http://schemas.openxmlformats.org/presentationml/2006/main">
   <p:cSld>
     <p:spTree>
@@ -5242,7 +7654,7 @@
 </p:sld>
 </file>
 
-<file path=ppt/slides/slide12.xml><?xml version="1.0" encoding="utf-8"?>
+<file path=ppt/slides/slide14.xml><?xml version="1.0" encoding="utf-8"?>
 <p:sld xmlns:a="http://schemas.openxmlformats.org/drawingml/2006/main" xmlns:r="http://schemas.openxmlformats.org/officeDocument/2006/relationships" xmlns:p="http://schemas.openxmlformats.org/presentationml/2006/main">
   <p:cSld>
     <p:spTree>
@@ -5445,7 +7857,7 @@
 </p:sld>
 </file>
 
-<file path=ppt/slides/slide13.xml><?xml version="1.0" encoding="utf-8"?>
+<file path=ppt/slides/slide15.xml><?xml version="1.0" encoding="utf-8"?>
 <p:sld xmlns:a="http://schemas.openxmlformats.org/drawingml/2006/main" xmlns:r="http://schemas.openxmlformats.org/officeDocument/2006/relationships" xmlns:p="http://schemas.openxmlformats.org/presentationml/2006/main">
   <p:cSld>
     <p:spTree>
@@ -6360,7 +8772,7 @@
 </p:sld>
 </file>
 
-<file path=ppt/slides/slide14.xml><?xml version="1.0" encoding="utf-8"?>
+<file path=ppt/slides/slide16.xml><?xml version="1.0" encoding="utf-8"?>
 <p:sld xmlns:a="http://schemas.openxmlformats.org/drawingml/2006/main" xmlns:r="http://schemas.openxmlformats.org/officeDocument/2006/relationships" xmlns:p="http://schemas.openxmlformats.org/presentationml/2006/main">
   <p:cSld>
     <p:spTree>
@@ -7577,7 +9989,7 @@
 </p:sld>
 </file>
 
-<file path=ppt/slides/slide15.xml><?xml version="1.0" encoding="utf-8"?>
+<file path=ppt/slides/slide17.xml><?xml version="1.0" encoding="utf-8"?>
 <p:sld xmlns:a="http://schemas.openxmlformats.org/drawingml/2006/main" xmlns:r="http://schemas.openxmlformats.org/officeDocument/2006/relationships" xmlns:p="http://schemas.openxmlformats.org/presentationml/2006/main">
   <p:cSld>
     <p:spTree>
@@ -7821,7 +10233,7 @@
 </p:sld>
 </file>
 
-<file path=ppt/slides/slide16.xml><?xml version="1.0" encoding="utf-8"?>
+<file path=ppt/slides/slide18.xml><?xml version="1.0" encoding="utf-8"?>
 <p:sld xmlns:a="http://schemas.openxmlformats.org/drawingml/2006/main" xmlns:r="http://schemas.openxmlformats.org/officeDocument/2006/relationships" xmlns:p="http://schemas.openxmlformats.org/presentationml/2006/main">
   <p:cSld>
     <p:spTree>
@@ -8074,7 +10486,7 @@
 </p:sld>
 </file>
 
-<file path=ppt/slides/slide17.xml><?xml version="1.0" encoding="utf-8"?>
+<file path=ppt/slides/slide19.xml><?xml version="1.0" encoding="utf-8"?>
 <p:sld xmlns:a="http://schemas.openxmlformats.org/drawingml/2006/main" xmlns:r="http://schemas.openxmlformats.org/officeDocument/2006/relationships" xmlns:p="http://schemas.openxmlformats.org/presentationml/2006/main">
   <p:cSld>
     <p:spTree>
@@ -8326,7 +10738,200 @@
 </p:sld>
 </file>
 
-<file path=ppt/slides/slide18.xml><?xml version="1.0" encoding="utf-8"?>
+<file path=ppt/slides/slide2.xml><?xml version="1.0" encoding="utf-8"?>
+<p:sld xmlns:a="http://schemas.openxmlformats.org/drawingml/2006/main" xmlns:r="http://schemas.openxmlformats.org/officeDocument/2006/relationships" xmlns:p="http://schemas.openxmlformats.org/presentationml/2006/main">
+  <p:cSld>
+    <p:spTree>
+      <p:nvGrpSpPr>
+        <p:cNvPr id="1" name=""/>
+        <p:cNvGrpSpPr/>
+        <p:nvPr/>
+      </p:nvGrpSpPr>
+      <p:grpSpPr>
+        <a:xfrm>
+          <a:off x="0" y="0"/>
+          <a:ext cx="0" cy="0"/>
+          <a:chOff x="0" y="0"/>
+          <a:chExt cx="0" cy="0"/>
+        </a:xfrm>
+      </p:grpSpPr>
+      <p:pic>
+        <p:nvPicPr>
+          <p:cNvPr id="1026" name="Picture 2" descr="map-point - google map marker gif PNG image with transparent background |  TOPpng"/>
+          <p:cNvPicPr>
+            <a:picLocks noChangeAspect="1" noChangeArrowheads="1"/>
+          </p:cNvPicPr>
+          <p:nvPr/>
+        </p:nvPicPr>
+        <p:blipFill>
+          <a:blip r:embed="rId2">
+            <a:extLst>
+              <a:ext uri="{BEBA8EAE-BF5A-486C-A8C5-ECC9F3942E4B}">
+                <a14:imgProps xmlns:a14="http://schemas.microsoft.com/office/drawing/2010/main">
+                  <a14:imgLayer r:embed="rId3">
+                    <a14:imgEffect>
+                      <a14:backgroundRemoval t="0" b="100000" l="10000" r="87857"/>
+                    </a14:imgEffect>
+                  </a14:imgLayer>
+                </a14:imgProps>
+              </a:ext>
+              <a:ext uri="{28A0092B-C50C-407E-A947-70E740481C1C}">
+                <a14:useLocalDpi xmlns:a14="http://schemas.microsoft.com/office/drawing/2010/main" val="0"/>
+              </a:ext>
+            </a:extLst>
+          </a:blip>
+          <a:srcRect/>
+          <a:stretch>
+            <a:fillRect/>
+          </a:stretch>
+        </p:blipFill>
+        <p:spPr bwMode="auto">
+          <a:xfrm>
+            <a:off x="2771775" y="573235"/>
+            <a:ext cx="4695825" cy="4802040"/>
+          </a:xfrm>
+          <a:prstGeom prst="rect">
+            <a:avLst/>
+          </a:prstGeom>
+          <a:noFill/>
+          <a:extLst>
+            <a:ext uri="{909E8E84-426E-40DD-AFC4-6F175D3DCCD1}">
+              <a14:hiddenFill xmlns:a14="http://schemas.microsoft.com/office/drawing/2010/main">
+                <a:solidFill>
+                  <a:srgbClr val="FFFFFF"/>
+                </a:solidFill>
+              </a14:hiddenFill>
+            </a:ext>
+          </a:extLst>
+        </p:spPr>
+      </p:pic>
+      <p:pic>
+        <p:nvPicPr>
+          <p:cNvPr id="4" name="그림 3"/>
+          <p:cNvPicPr>
+            <a:picLocks noChangeAspect="1"/>
+          </p:cNvPicPr>
+          <p:nvPr/>
+        </p:nvPicPr>
+        <p:blipFill>
+          <a:blip r:embed="rId4">
+            <a:duotone>
+              <a:prstClr val="black"/>
+              <a:srgbClr val="FF0000">
+                <a:tint val="45000"/>
+                <a:satMod val="400000"/>
+              </a:srgbClr>
+            </a:duotone>
+            <a:extLst>
+              <a:ext uri="{BEBA8EAE-BF5A-486C-A8C5-ECC9F3942E4B}">
+                <a14:imgProps xmlns:a14="http://schemas.microsoft.com/office/drawing/2010/main">
+                  <a14:imgLayer r:embed="rId5">
+                    <a14:imgEffect>
+                      <a14:saturation sat="0"/>
+                    </a14:imgEffect>
+                  </a14:imgLayer>
+                </a14:imgProps>
+              </a:ext>
+              <a:ext uri="{28A0092B-C50C-407E-A947-70E740481C1C}">
+                <a14:useLocalDpi xmlns:a14="http://schemas.microsoft.com/office/drawing/2010/main" val="0"/>
+              </a:ext>
+            </a:extLst>
+          </a:blip>
+          <a:stretch>
+            <a:fillRect/>
+          </a:stretch>
+        </p:blipFill>
+        <p:spPr>
+          <a:xfrm>
+            <a:off x="6420894" y="1422174"/>
+            <a:ext cx="5202371" cy="5202371"/>
+          </a:xfrm>
+          <a:prstGeom prst="rect">
+            <a:avLst/>
+          </a:prstGeom>
+        </p:spPr>
+      </p:pic>
+      <p:pic>
+        <p:nvPicPr>
+          <p:cNvPr id="5" name="그림 4"/>
+          <p:cNvPicPr>
+            <a:picLocks noChangeAspect="1"/>
+          </p:cNvPicPr>
+          <p:nvPr/>
+        </p:nvPicPr>
+        <p:blipFill>
+          <a:blip r:embed="rId6">
+            <a:extLst>
+              <a:ext uri="{28A0092B-C50C-407E-A947-70E740481C1C}">
+                <a14:useLocalDpi xmlns:a14="http://schemas.microsoft.com/office/drawing/2010/main" val="0"/>
+              </a:ext>
+            </a:extLst>
+          </a:blip>
+          <a:stretch>
+            <a:fillRect/>
+          </a:stretch>
+        </p:blipFill>
+        <p:spPr>
+          <a:xfrm>
+            <a:off x="416334" y="797539"/>
+            <a:ext cx="5202371" cy="5202371"/>
+          </a:xfrm>
+          <a:prstGeom prst="rect">
+            <a:avLst/>
+          </a:prstGeom>
+        </p:spPr>
+      </p:pic>
+      <p:pic>
+        <p:nvPicPr>
+          <p:cNvPr id="6" name="그림 5"/>
+          <p:cNvPicPr>
+            <a:picLocks noChangeAspect="1"/>
+          </p:cNvPicPr>
+          <p:nvPr/>
+        </p:nvPicPr>
+        <p:blipFill>
+          <a:blip r:embed="rId7">
+            <a:extLst>
+              <a:ext uri="{28A0092B-C50C-407E-A947-70E740481C1C}">
+                <a14:useLocalDpi xmlns:a14="http://schemas.microsoft.com/office/drawing/2010/main" val="0"/>
+              </a:ext>
+            </a:extLst>
+          </a:blip>
+          <a:stretch>
+            <a:fillRect/>
+          </a:stretch>
+        </p:blipFill>
+        <p:spPr>
+          <a:xfrm>
+            <a:off x="2667000" y="0"/>
+            <a:ext cx="6858000" cy="6858000"/>
+          </a:xfrm>
+          <a:prstGeom prst="rect">
+            <a:avLst/>
+          </a:prstGeom>
+        </p:spPr>
+      </p:pic>
+    </p:spTree>
+    <p:extLst>
+      <p:ext uri="{BB962C8B-B14F-4D97-AF65-F5344CB8AC3E}">
+        <p14:creationId xmlns:p14="http://schemas.microsoft.com/office/powerpoint/2010/main" val="3796123035"/>
+      </p:ext>
+    </p:extLst>
+  </p:cSld>
+  <p:clrMapOvr>
+    <a:masterClrMapping/>
+  </p:clrMapOvr>
+  <p:timing>
+    <p:tnLst>
+      <p:par>
+        <p:cTn id="1" dur="indefinite" restart="never" nodeType="tmRoot"/>
+      </p:par>
+    </p:tnLst>
+  </p:timing>
+</p:sld>
+</file>
+
+<file path=ppt/slides/slide20.xml><?xml version="1.0" encoding="utf-8"?>
 <p:sld xmlns:a="http://schemas.openxmlformats.org/drawingml/2006/main" xmlns:r="http://schemas.openxmlformats.org/officeDocument/2006/relationships" xmlns:p="http://schemas.openxmlformats.org/presentationml/2006/main">
   <p:cSld>
     <p:spTree>
@@ -8846,7 +11451,7 @@
 </p:sld>
 </file>
 
-<file path=ppt/slides/slide19.xml><?xml version="1.0" encoding="utf-8"?>
+<file path=ppt/slides/slide21.xml><?xml version="1.0" encoding="utf-8"?>
 <p:sld xmlns:a="http://schemas.openxmlformats.org/drawingml/2006/main" xmlns:r="http://schemas.openxmlformats.org/officeDocument/2006/relationships" xmlns:p="http://schemas.openxmlformats.org/presentationml/2006/main">
   <p:cSld>
     <p:spTree>
@@ -9359,200 +11964,7 @@
 </p:sld>
 </file>
 
-<file path=ppt/slides/slide2.xml><?xml version="1.0" encoding="utf-8"?>
-<p:sld xmlns:a="http://schemas.openxmlformats.org/drawingml/2006/main" xmlns:r="http://schemas.openxmlformats.org/officeDocument/2006/relationships" xmlns:p="http://schemas.openxmlformats.org/presentationml/2006/main">
-  <p:cSld>
-    <p:spTree>
-      <p:nvGrpSpPr>
-        <p:cNvPr id="1" name=""/>
-        <p:cNvGrpSpPr/>
-        <p:nvPr/>
-      </p:nvGrpSpPr>
-      <p:grpSpPr>
-        <a:xfrm>
-          <a:off x="0" y="0"/>
-          <a:ext cx="0" cy="0"/>
-          <a:chOff x="0" y="0"/>
-          <a:chExt cx="0" cy="0"/>
-        </a:xfrm>
-      </p:grpSpPr>
-      <p:pic>
-        <p:nvPicPr>
-          <p:cNvPr id="1026" name="Picture 2" descr="map-point - google map marker gif PNG image with transparent background |  TOPpng"/>
-          <p:cNvPicPr>
-            <a:picLocks noChangeAspect="1" noChangeArrowheads="1"/>
-          </p:cNvPicPr>
-          <p:nvPr/>
-        </p:nvPicPr>
-        <p:blipFill>
-          <a:blip r:embed="rId2">
-            <a:extLst>
-              <a:ext uri="{BEBA8EAE-BF5A-486C-A8C5-ECC9F3942E4B}">
-                <a14:imgProps xmlns:a14="http://schemas.microsoft.com/office/drawing/2010/main">
-                  <a14:imgLayer r:embed="rId3">
-                    <a14:imgEffect>
-                      <a14:backgroundRemoval t="0" b="100000" l="10000" r="87857"/>
-                    </a14:imgEffect>
-                  </a14:imgLayer>
-                </a14:imgProps>
-              </a:ext>
-              <a:ext uri="{28A0092B-C50C-407E-A947-70E740481C1C}">
-                <a14:useLocalDpi xmlns:a14="http://schemas.microsoft.com/office/drawing/2010/main" val="0"/>
-              </a:ext>
-            </a:extLst>
-          </a:blip>
-          <a:srcRect/>
-          <a:stretch>
-            <a:fillRect/>
-          </a:stretch>
-        </p:blipFill>
-        <p:spPr bwMode="auto">
-          <a:xfrm>
-            <a:off x="2771775" y="573235"/>
-            <a:ext cx="4695825" cy="4802040"/>
-          </a:xfrm>
-          <a:prstGeom prst="rect">
-            <a:avLst/>
-          </a:prstGeom>
-          <a:noFill/>
-          <a:extLst>
-            <a:ext uri="{909E8E84-426E-40DD-AFC4-6F175D3DCCD1}">
-              <a14:hiddenFill xmlns:a14="http://schemas.microsoft.com/office/drawing/2010/main">
-                <a:solidFill>
-                  <a:srgbClr val="FFFFFF"/>
-                </a:solidFill>
-              </a14:hiddenFill>
-            </a:ext>
-          </a:extLst>
-        </p:spPr>
-      </p:pic>
-      <p:pic>
-        <p:nvPicPr>
-          <p:cNvPr id="4" name="그림 3"/>
-          <p:cNvPicPr>
-            <a:picLocks noChangeAspect="1"/>
-          </p:cNvPicPr>
-          <p:nvPr/>
-        </p:nvPicPr>
-        <p:blipFill>
-          <a:blip r:embed="rId4">
-            <a:duotone>
-              <a:prstClr val="black"/>
-              <a:srgbClr val="FF0000">
-                <a:tint val="45000"/>
-                <a:satMod val="400000"/>
-              </a:srgbClr>
-            </a:duotone>
-            <a:extLst>
-              <a:ext uri="{BEBA8EAE-BF5A-486C-A8C5-ECC9F3942E4B}">
-                <a14:imgProps xmlns:a14="http://schemas.microsoft.com/office/drawing/2010/main">
-                  <a14:imgLayer r:embed="rId5">
-                    <a14:imgEffect>
-                      <a14:saturation sat="0"/>
-                    </a14:imgEffect>
-                  </a14:imgLayer>
-                </a14:imgProps>
-              </a:ext>
-              <a:ext uri="{28A0092B-C50C-407E-A947-70E740481C1C}">
-                <a14:useLocalDpi xmlns:a14="http://schemas.microsoft.com/office/drawing/2010/main" val="0"/>
-              </a:ext>
-            </a:extLst>
-          </a:blip>
-          <a:stretch>
-            <a:fillRect/>
-          </a:stretch>
-        </p:blipFill>
-        <p:spPr>
-          <a:xfrm>
-            <a:off x="6420894" y="1422174"/>
-            <a:ext cx="5202371" cy="5202371"/>
-          </a:xfrm>
-          <a:prstGeom prst="rect">
-            <a:avLst/>
-          </a:prstGeom>
-        </p:spPr>
-      </p:pic>
-      <p:pic>
-        <p:nvPicPr>
-          <p:cNvPr id="5" name="그림 4"/>
-          <p:cNvPicPr>
-            <a:picLocks noChangeAspect="1"/>
-          </p:cNvPicPr>
-          <p:nvPr/>
-        </p:nvPicPr>
-        <p:blipFill>
-          <a:blip r:embed="rId6">
-            <a:extLst>
-              <a:ext uri="{28A0092B-C50C-407E-A947-70E740481C1C}">
-                <a14:useLocalDpi xmlns:a14="http://schemas.microsoft.com/office/drawing/2010/main" val="0"/>
-              </a:ext>
-            </a:extLst>
-          </a:blip>
-          <a:stretch>
-            <a:fillRect/>
-          </a:stretch>
-        </p:blipFill>
-        <p:spPr>
-          <a:xfrm>
-            <a:off x="416334" y="797539"/>
-            <a:ext cx="5202371" cy="5202371"/>
-          </a:xfrm>
-          <a:prstGeom prst="rect">
-            <a:avLst/>
-          </a:prstGeom>
-        </p:spPr>
-      </p:pic>
-      <p:pic>
-        <p:nvPicPr>
-          <p:cNvPr id="6" name="그림 5"/>
-          <p:cNvPicPr>
-            <a:picLocks noChangeAspect="1"/>
-          </p:cNvPicPr>
-          <p:nvPr/>
-        </p:nvPicPr>
-        <p:blipFill>
-          <a:blip r:embed="rId7">
-            <a:extLst>
-              <a:ext uri="{28A0092B-C50C-407E-A947-70E740481C1C}">
-                <a14:useLocalDpi xmlns:a14="http://schemas.microsoft.com/office/drawing/2010/main" val="0"/>
-              </a:ext>
-            </a:extLst>
-          </a:blip>
-          <a:stretch>
-            <a:fillRect/>
-          </a:stretch>
-        </p:blipFill>
-        <p:spPr>
-          <a:xfrm>
-            <a:off x="2667000" y="0"/>
-            <a:ext cx="6858000" cy="6858000"/>
-          </a:xfrm>
-          <a:prstGeom prst="rect">
-            <a:avLst/>
-          </a:prstGeom>
-        </p:spPr>
-      </p:pic>
-    </p:spTree>
-    <p:extLst>
-      <p:ext uri="{BB962C8B-B14F-4D97-AF65-F5344CB8AC3E}">
-        <p14:creationId xmlns:p14="http://schemas.microsoft.com/office/powerpoint/2010/main" val="3796123035"/>
-      </p:ext>
-    </p:extLst>
-  </p:cSld>
-  <p:clrMapOvr>
-    <a:masterClrMapping/>
-  </p:clrMapOvr>
-  <p:timing>
-    <p:tnLst>
-      <p:par>
-        <p:cTn id="1" dur="indefinite" restart="never" nodeType="tmRoot"/>
-      </p:par>
-    </p:tnLst>
-  </p:timing>
-</p:sld>
-</file>
-
-<file path=ppt/slides/slide20.xml><?xml version="1.0" encoding="utf-8"?>
+<file path=ppt/slides/slide22.xml><?xml version="1.0" encoding="utf-8"?>
 <p:sld xmlns:a="http://schemas.openxmlformats.org/drawingml/2006/main" xmlns:r="http://schemas.openxmlformats.org/officeDocument/2006/relationships" xmlns:p="http://schemas.openxmlformats.org/presentationml/2006/main">
   <p:cSld>
     <p:spTree>
@@ -9796,7 +12208,7 @@
 </p:sld>
 </file>
 
-<file path=ppt/slides/slide21.xml><?xml version="1.0" encoding="utf-8"?>
+<file path=ppt/slides/slide23.xml><?xml version="1.0" encoding="utf-8"?>
 <p:sld xmlns:a="http://schemas.openxmlformats.org/drawingml/2006/main" xmlns:r="http://schemas.openxmlformats.org/officeDocument/2006/relationships" xmlns:p="http://schemas.openxmlformats.org/presentationml/2006/main">
   <p:cSld>
     <p:spTree>
@@ -10037,7 +12449,7 @@
 </p:sld>
 </file>
 
-<file path=ppt/slides/slide22.xml><?xml version="1.0" encoding="utf-8"?>
+<file path=ppt/slides/slide24.xml><?xml version="1.0" encoding="utf-8"?>
 <p:sld xmlns:a="http://schemas.openxmlformats.org/drawingml/2006/main" xmlns:r="http://schemas.openxmlformats.org/officeDocument/2006/relationships" xmlns:p="http://schemas.openxmlformats.org/presentationml/2006/main">
   <p:cSld>
     <p:spTree>
@@ -10594,7 +13006,7 @@
 </p:sld>
 </file>
 
-<file path=ppt/slides/slide23.xml><?xml version="1.0" encoding="utf-8"?>
+<file path=ppt/slides/slide25.xml><?xml version="1.0" encoding="utf-8"?>
 <p:sld xmlns:a="http://schemas.openxmlformats.org/drawingml/2006/main" xmlns:r="http://schemas.openxmlformats.org/officeDocument/2006/relationships" xmlns:p="http://schemas.openxmlformats.org/presentationml/2006/main">
   <p:cSld>
     <p:spTree>
@@ -10831,7 +13243,7 @@
 </p:sld>
 </file>
 
-<file path=ppt/slides/slide24.xml><?xml version="1.0" encoding="utf-8"?>
+<file path=ppt/slides/slide26.xml><?xml version="1.0" encoding="utf-8"?>
 <p:sld xmlns:a="http://schemas.openxmlformats.org/drawingml/2006/main" xmlns:r="http://schemas.openxmlformats.org/officeDocument/2006/relationships" xmlns:p="http://schemas.openxmlformats.org/presentationml/2006/main">
   <p:cSld>
     <p:spTree>
@@ -11477,7 +13889,7 @@
 </p:sld>
 </file>
 
-<file path=ppt/slides/slide25.xml><?xml version="1.0" encoding="utf-8"?>
+<file path=ppt/slides/slide27.xml><?xml version="1.0" encoding="utf-8"?>
 <p:sld xmlns:a="http://schemas.openxmlformats.org/drawingml/2006/main" xmlns:r="http://schemas.openxmlformats.org/officeDocument/2006/relationships" xmlns:p="http://schemas.openxmlformats.org/presentationml/2006/main">
   <p:cSld>
     <p:spTree>
@@ -12126,7 +14538,7 @@
 </p:sld>
 </file>
 
-<file path=ppt/slides/slide26.xml><?xml version="1.0" encoding="utf-8"?>
+<file path=ppt/slides/slide28.xml><?xml version="1.0" encoding="utf-8"?>
 <p:sld xmlns:a="http://schemas.openxmlformats.org/drawingml/2006/main" xmlns:r="http://schemas.openxmlformats.org/officeDocument/2006/relationships" xmlns:p="http://schemas.openxmlformats.org/presentationml/2006/main">
   <p:cSld>
     <p:spTree>
@@ -23572,7 +25984,7 @@
     <p:bg>
       <p:bgPr>
         <a:solidFill>
-          <a:schemeClr val="tx1"/>
+          <a:srgbClr val="000000"/>
         </a:solidFill>
         <a:effectLst/>
       </p:bgPr>
@@ -24214,6 +26626,14 @@
 <file path=ppt/slides/slide8.xml><?xml version="1.0" encoding="utf-8"?>
 <p:sld xmlns:a="http://schemas.openxmlformats.org/drawingml/2006/main" xmlns:r="http://schemas.openxmlformats.org/officeDocument/2006/relationships" xmlns:p="http://schemas.openxmlformats.org/presentationml/2006/main">
   <p:cSld>
+    <p:bg>
+      <p:bgPr>
+        <a:solidFill>
+          <a:srgbClr val="000000"/>
+        </a:solidFill>
+        <a:effectLst/>
+      </p:bgPr>
+    </p:bg>
     <p:spTree>
       <p:nvGrpSpPr>
         <p:cNvPr id="1" name=""/>
@@ -24230,21 +26650,41 @@
       </p:grpSpPr>
       <p:sp>
         <p:nvSpPr>
-          <p:cNvPr id="4" name="직사각형 3"/>
+          <p:cNvPr id="5" name="타원 4"/>
           <p:cNvSpPr/>
           <p:nvPr/>
         </p:nvSpPr>
         <p:spPr>
-          <a:xfrm>
-            <a:off x="0" y="0"/>
-            <a:ext cx="12192000" cy="6858000"/>
+          <a:xfrm rot="21118605">
+            <a:off x="4675495" y="1968478"/>
+            <a:ext cx="2880000" cy="2880000"/>
           </a:xfrm>
-          <a:prstGeom prst="rect">
+          <a:prstGeom prst="ellipse">
             <a:avLst/>
           </a:prstGeom>
-          <a:solidFill>
-            <a:schemeClr val="tx1"/>
-          </a:solidFill>
+          <a:noFill/>
+          <a:ln w="50800">
+            <a:gradFill>
+              <a:gsLst>
+                <a:gs pos="25000">
+                  <a:srgbClr val="84CEEB"/>
+                </a:gs>
+                <a:gs pos="0">
+                  <a:srgbClr val="5580E9"/>
+                </a:gs>
+                <a:gs pos="50000">
+                  <a:srgbClr val="5AB8EC"/>
+                </a:gs>
+                <a:gs pos="75000">
+                  <a:srgbClr val="C1C8E4"/>
+                </a:gs>
+                <a:gs pos="100000">
+                  <a:srgbClr val="8860D0"/>
+                </a:gs>
+              </a:gsLst>
+              <a:lin ang="5400000" scaled="1"/>
+            </a:gradFill>
+          </a:ln>
         </p:spPr>
         <p:style>
           <a:lnRef idx="2">
@@ -24267,41 +26707,186 @@
           <a:lstStyle/>
           <a:p>
             <a:pPr algn="ctr"/>
-            <a:endParaRPr lang="ko-KR" altLang="en-US" dirty="0"/>
+            <a:endParaRPr lang="ko-KR" altLang="en-US"/>
           </a:p>
         </p:txBody>
       </p:sp>
+      <p:cxnSp>
+        <p:nvCxnSpPr>
+          <p:cNvPr id="6" name="직선 연결선 5"/>
+          <p:cNvCxnSpPr/>
+          <p:nvPr/>
+        </p:nvCxnSpPr>
+        <p:spPr>
+          <a:xfrm rot="5563335" flipV="1">
+            <a:off x="5565133" y="3055545"/>
+            <a:ext cx="2471162" cy="503676"/>
+          </a:xfrm>
+          <a:prstGeom prst="line">
+            <a:avLst/>
+          </a:prstGeom>
+          <a:ln w="19050">
+            <a:solidFill>
+              <a:srgbClr val="C1C8E4"/>
+            </a:solidFill>
+          </a:ln>
+        </p:spPr>
+        <p:style>
+          <a:lnRef idx="1">
+            <a:schemeClr val="dk1"/>
+          </a:lnRef>
+          <a:fillRef idx="0">
+            <a:schemeClr val="dk1"/>
+          </a:fillRef>
+          <a:effectRef idx="0">
+            <a:schemeClr val="dk1"/>
+          </a:effectRef>
+          <a:fontRef idx="minor">
+            <a:schemeClr val="tx1"/>
+          </a:fontRef>
+        </p:style>
+      </p:cxnSp>
+      <p:cxnSp>
+        <p:nvCxnSpPr>
+          <p:cNvPr id="7" name="직선 연결선 6"/>
+          <p:cNvCxnSpPr/>
+          <p:nvPr/>
+        </p:nvCxnSpPr>
+        <p:spPr>
+          <a:xfrm rot="5563335">
+            <a:off x="6603394" y="4430494"/>
+            <a:ext cx="279223" cy="489053"/>
+          </a:xfrm>
+          <a:prstGeom prst="line">
+            <a:avLst/>
+          </a:prstGeom>
+          <a:ln w="19050">
+            <a:solidFill>
+              <a:srgbClr val="C1C8E4"/>
+            </a:solidFill>
+          </a:ln>
+        </p:spPr>
+        <p:style>
+          <a:lnRef idx="1">
+            <a:schemeClr val="dk1"/>
+          </a:lnRef>
+          <a:fillRef idx="0">
+            <a:schemeClr val="dk1"/>
+          </a:fillRef>
+          <a:effectRef idx="0">
+            <a:schemeClr val="dk1"/>
+          </a:effectRef>
+          <a:fontRef idx="minor">
+            <a:schemeClr val="tx1"/>
+          </a:fontRef>
+        </p:style>
+      </p:cxnSp>
+      <p:cxnSp>
+        <p:nvCxnSpPr>
+          <p:cNvPr id="8" name="직선 연결선 7"/>
+          <p:cNvCxnSpPr/>
+          <p:nvPr/>
+        </p:nvCxnSpPr>
+        <p:spPr>
+          <a:xfrm rot="5563335" flipH="1" flipV="1">
+            <a:off x="5383387" y="1568707"/>
+            <a:ext cx="956311" cy="2227172"/>
+          </a:xfrm>
+          <a:prstGeom prst="line">
+            <a:avLst/>
+          </a:prstGeom>
+          <a:ln w="19050">
+            <a:solidFill>
+              <a:srgbClr val="C1C8E4"/>
+            </a:solidFill>
+          </a:ln>
+        </p:spPr>
+        <p:style>
+          <a:lnRef idx="1">
+            <a:schemeClr val="dk1"/>
+          </a:lnRef>
+          <a:fillRef idx="0">
+            <a:schemeClr val="dk1"/>
+          </a:fillRef>
+          <a:effectRef idx="0">
+            <a:schemeClr val="dk1"/>
+          </a:effectRef>
+          <a:fontRef idx="minor">
+            <a:schemeClr val="tx1"/>
+          </a:fontRef>
+        </p:style>
+      </p:cxnSp>
+      <p:cxnSp>
+        <p:nvCxnSpPr>
+          <p:cNvPr id="9" name="직선 연결선 8"/>
+          <p:cNvCxnSpPr/>
+          <p:nvPr/>
+        </p:nvCxnSpPr>
+        <p:spPr>
+          <a:xfrm rot="5563335" flipH="1" flipV="1">
+            <a:off x="5097776" y="1666817"/>
+            <a:ext cx="1139073" cy="1829513"/>
+          </a:xfrm>
+          <a:prstGeom prst="line">
+            <a:avLst/>
+          </a:prstGeom>
+          <a:ln w="19050">
+            <a:solidFill>
+              <a:srgbClr val="C1C8E4"/>
+            </a:solidFill>
+          </a:ln>
+        </p:spPr>
+        <p:style>
+          <a:lnRef idx="1">
+            <a:schemeClr val="dk1"/>
+          </a:lnRef>
+          <a:fillRef idx="0">
+            <a:schemeClr val="dk1"/>
+          </a:fillRef>
+          <a:effectRef idx="0">
+            <a:schemeClr val="dk1"/>
+          </a:effectRef>
+          <a:fontRef idx="minor">
+            <a:schemeClr val="tx1"/>
+          </a:fontRef>
+        </p:style>
+      </p:cxnSp>
       <p:sp>
         <p:nvSpPr>
-          <p:cNvPr id="20" name="타원 19"/>
+          <p:cNvPr id="10" name="타원 9"/>
           <p:cNvSpPr/>
           <p:nvPr/>
         </p:nvSpPr>
         <p:spPr>
-          <a:xfrm>
-            <a:off x="8362641" y="609159"/>
-            <a:ext cx="2738626" cy="2738626"/>
+          <a:xfrm rot="21118605">
+            <a:off x="6905670" y="2161094"/>
+            <a:ext cx="180000" cy="180000"/>
           </a:xfrm>
           <a:prstGeom prst="ellipse">
             <a:avLst/>
           </a:prstGeom>
-          <a:noFill/>
-          <a:ln w="47625">
+          <a:blipFill>
+            <a:blip r:embed="rId2">
+              <a:alphaModFix amt="99000"/>
+            </a:blip>
+            <a:tile tx="0" ty="0" sx="100000" sy="100000" flip="none" algn="tl"/>
+          </a:blipFill>
+          <a:ln>
             <a:gradFill>
               <a:gsLst>
+                <a:gs pos="0">
+                  <a:srgbClr val="5580E9"/>
+                </a:gs>
                 <a:gs pos="25000">
                   <a:srgbClr val="84CEEB"/>
                 </a:gs>
-                <a:gs pos="0">
-                  <a:srgbClr val="5580E9"/>
-                </a:gs>
                 <a:gs pos="50000">
-                  <a:srgbClr val="5AB8EC"/>
+                  <a:srgbClr val="5AB8EB"/>
+                </a:gs>
+                <a:gs pos="100000">
+                  <a:srgbClr val="C1C8E4"/>
                 </a:gs>
                 <a:gs pos="75000">
-                  <a:srgbClr val="C1C8E4"/>
-                </a:gs>
-                <a:gs pos="100000">
                   <a:srgbClr val="8860D0"/>
                 </a:gs>
               </a:gsLst>
@@ -24336,527 +26921,41 @@
       </p:sp>
       <p:sp>
         <p:nvSpPr>
-          <p:cNvPr id="9" name="타원 8"/>
+          <p:cNvPr id="11" name="타원 10"/>
           <p:cNvSpPr/>
           <p:nvPr/>
         </p:nvSpPr>
         <p:spPr>
-          <a:xfrm>
-            <a:off x="1915617" y="507144"/>
-            <a:ext cx="2322678" cy="2322678"/>
+          <a:xfrm rot="21118605">
+            <a:off x="4636505" y="3017021"/>
+            <a:ext cx="180000" cy="180000"/>
           </a:xfrm>
           <a:prstGeom prst="ellipse">
             <a:avLst/>
           </a:prstGeom>
-          <a:noFill/>
-          <a:ln w="47625">
+          <a:blipFill>
+            <a:blip r:embed="rId2">
+              <a:alphaModFix amt="99000"/>
+            </a:blip>
+            <a:tile tx="0" ty="0" sx="100000" sy="100000" flip="none" algn="tl"/>
+          </a:blipFill>
+          <a:ln>
             <a:gradFill>
               <a:gsLst>
+                <a:gs pos="0">
+                  <a:srgbClr val="5580E9"/>
+                </a:gs>
                 <a:gs pos="25000">
                   <a:srgbClr val="84CEEB"/>
                 </a:gs>
-                <a:gs pos="0">
-                  <a:srgbClr val="5580E9"/>
-                </a:gs>
                 <a:gs pos="50000">
-                  <a:srgbClr val="5AB8EC"/>
+                  <a:srgbClr val="5AB8EB"/>
+                </a:gs>
+                <a:gs pos="100000">
+                  <a:srgbClr val="C1C8E4"/>
                 </a:gs>
                 <a:gs pos="75000">
-                  <a:srgbClr val="C1C8E4"/>
-                </a:gs>
-                <a:gs pos="100000">
                   <a:srgbClr val="8860D0"/>
-                </a:gs>
-              </a:gsLst>
-              <a:lin ang="5400000" scaled="1"/>
-            </a:gradFill>
-          </a:ln>
-        </p:spPr>
-        <p:style>
-          <a:lnRef idx="2">
-            <a:schemeClr val="accent1">
-              <a:shade val="50000"/>
-            </a:schemeClr>
-          </a:lnRef>
-          <a:fillRef idx="1">
-            <a:schemeClr val="accent1"/>
-          </a:fillRef>
-          <a:effectRef idx="0">
-            <a:schemeClr val="accent1"/>
-          </a:effectRef>
-          <a:fontRef idx="minor">
-            <a:schemeClr val="lt1"/>
-          </a:fontRef>
-        </p:style>
-        <p:txBody>
-          <a:bodyPr rtlCol="0" anchor="ctr"/>
-          <a:lstStyle/>
-          <a:p>
-            <a:pPr algn="ctr"/>
-            <a:endParaRPr lang="ko-KR" altLang="en-US"/>
-          </a:p>
-        </p:txBody>
-      </p:sp>
-      <p:grpSp>
-        <p:nvGrpSpPr>
-          <p:cNvPr id="5" name="그룹 4"/>
-          <p:cNvGrpSpPr/>
-          <p:nvPr/>
-        </p:nvGrpSpPr>
-        <p:grpSpPr>
-          <a:xfrm>
-            <a:off x="1040935" y="911582"/>
-            <a:ext cx="2821350" cy="1584763"/>
-            <a:chOff x="4917248" y="2967335"/>
-            <a:chExt cx="2821350" cy="1584763"/>
-          </a:xfrm>
-        </p:grpSpPr>
-        <p:sp>
-          <p:nvSpPr>
-            <p:cNvPr id="6" name="직사각형 5"/>
-            <p:cNvSpPr/>
-            <p:nvPr/>
-          </p:nvSpPr>
-          <p:spPr>
-            <a:xfrm>
-              <a:off x="4917248" y="2967335"/>
-              <a:ext cx="2821350" cy="923330"/>
-            </a:xfrm>
-            <a:prstGeom prst="rect">
-              <a:avLst/>
-            </a:prstGeom>
-            <a:noFill/>
-          </p:spPr>
-          <p:txBody>
-            <a:bodyPr wrap="none" lIns="91440" tIns="45720" rIns="91440" bIns="45720">
-              <a:spAutoFit/>
-            </a:bodyPr>
-            <a:lstStyle/>
-            <a:p>
-              <a:pPr algn="dist"/>
-              <a:r>
-                <a:rPr lang="en-US" altLang="ko-KR" sz="5400" b="0" cap="none" spc="-300" dirty="0" smtClean="0">
-                  <a:ln w="0"/>
-                  <a:solidFill>
-                    <a:schemeClr val="bg1"/>
-                  </a:solidFill>
-                  <a:effectLst>
-                    <a:outerShdw blurRad="38100" dist="19050" dir="2700000" algn="tl" rotWithShape="0">
-                      <a:schemeClr val="dk1">
-                        <a:alpha val="40000"/>
-                      </a:schemeClr>
-                    </a:outerShdw>
-                  </a:effectLst>
-                  <a:latin typeface="Arial Black" panose="020B0A04020102020204" pitchFamily="34" charset="0"/>
-                </a:rPr>
-                <a:t>Routing</a:t>
-              </a:r>
-            </a:p>
-          </p:txBody>
-        </p:sp>
-        <p:sp>
-          <p:nvSpPr>
-            <p:cNvPr id="7" name="직사각형 6"/>
-            <p:cNvSpPr/>
-            <p:nvPr/>
-          </p:nvSpPr>
-          <p:spPr>
-            <a:xfrm>
-              <a:off x="4917248" y="3628768"/>
-              <a:ext cx="1608133" cy="923330"/>
-            </a:xfrm>
-            <a:prstGeom prst="rect">
-              <a:avLst/>
-            </a:prstGeom>
-            <a:noFill/>
-          </p:spPr>
-          <p:txBody>
-            <a:bodyPr wrap="none" lIns="91440" tIns="45720" rIns="91440" bIns="45720">
-              <a:spAutoFit/>
-            </a:bodyPr>
-            <a:lstStyle/>
-            <a:p>
-              <a:pPr algn="dist"/>
-              <a:r>
-                <a:rPr lang="en-US" altLang="ko-KR" sz="5400" b="0" cap="none" spc="-300" dirty="0" smtClean="0">
-                  <a:ln w="0"/>
-                  <a:solidFill>
-                    <a:schemeClr val="bg1"/>
-                  </a:solidFill>
-                  <a:effectLst>
-                    <a:outerShdw blurRad="38100" dist="19050" dir="2700000" algn="tl" rotWithShape="0">
-                      <a:schemeClr val="dk1">
-                        <a:alpha val="40000"/>
-                      </a:schemeClr>
-                    </a:outerShdw>
-                  </a:effectLst>
-                  <a:latin typeface="Arial Black" panose="020B0A04020102020204" pitchFamily="34" charset="0"/>
-                </a:rPr>
-                <a:t>Star</a:t>
-              </a:r>
-            </a:p>
-          </p:txBody>
-        </p:sp>
-      </p:grpSp>
-      <p:pic>
-        <p:nvPicPr>
-          <p:cNvPr id="8" name="그림 7"/>
-          <p:cNvPicPr>
-            <a:picLocks noChangeAspect="1"/>
-          </p:cNvPicPr>
-          <p:nvPr/>
-        </p:nvPicPr>
-        <p:blipFill>
-          <a:blip r:embed="rId2">
-            <a:duotone>
-              <a:schemeClr val="accent5">
-                <a:shade val="45000"/>
-                <a:satMod val="135000"/>
-              </a:schemeClr>
-              <a:prstClr val="white"/>
-            </a:duotone>
-            <a:extLst>
-              <a:ext uri="{BEBA8EAE-BF5A-486C-A8C5-ECC9F3942E4B}">
-                <a14:imgProps xmlns:a14="http://schemas.microsoft.com/office/drawing/2010/main">
-                  <a14:imgLayer r:embed="rId3">
-                    <a14:imgEffect>
-                      <a14:backgroundRemoval t="10000" b="90000" l="10000" r="90000">
-                        <a14:foregroundMark x1="49823" y1="14332" x2="55830" y2="14332"/>
-                        <a14:foregroundMark x1="67491" y1="32899" x2="70671" y2="35831"/>
-                        <a14:foregroundMark x1="77385" y1="43974" x2="79152" y2="46580"/>
-                        <a14:backgroundMark x1="47350" y1="35179" x2="53357" y2="35831"/>
-                      </a14:backgroundRemoval>
-                    </a14:imgEffect>
-                  </a14:imgLayer>
-                </a14:imgProps>
-              </a:ext>
-            </a:extLst>
-          </a:blip>
-          <a:stretch>
-            <a:fillRect/>
-          </a:stretch>
-        </p:blipFill>
-        <p:spPr>
-          <a:xfrm>
-            <a:off x="2532219" y="1770192"/>
-            <a:ext cx="985719" cy="1069314"/>
-          </a:xfrm>
-          <a:prstGeom prst="rect">
-            <a:avLst/>
-          </a:prstGeom>
-        </p:spPr>
-      </p:pic>
-      <p:grpSp>
-        <p:nvGrpSpPr>
-          <p:cNvPr id="15" name="그룹 14"/>
-          <p:cNvGrpSpPr/>
-          <p:nvPr/>
-        </p:nvGrpSpPr>
-        <p:grpSpPr>
-          <a:xfrm>
-            <a:off x="7558575" y="1119862"/>
-            <a:ext cx="2821350" cy="1584763"/>
-            <a:chOff x="4917248" y="2967335"/>
-            <a:chExt cx="2821350" cy="1584763"/>
-          </a:xfrm>
-        </p:grpSpPr>
-        <p:sp>
-          <p:nvSpPr>
-            <p:cNvPr id="16" name="직사각형 15"/>
-            <p:cNvSpPr/>
-            <p:nvPr/>
-          </p:nvSpPr>
-          <p:spPr>
-            <a:xfrm>
-              <a:off x="4917248" y="2967335"/>
-              <a:ext cx="2821350" cy="923330"/>
-            </a:xfrm>
-            <a:prstGeom prst="rect">
-              <a:avLst/>
-            </a:prstGeom>
-            <a:noFill/>
-          </p:spPr>
-          <p:txBody>
-            <a:bodyPr wrap="none" lIns="91440" tIns="45720" rIns="91440" bIns="45720">
-              <a:spAutoFit/>
-            </a:bodyPr>
-            <a:lstStyle/>
-            <a:p>
-              <a:pPr algn="dist"/>
-              <a:r>
-                <a:rPr lang="en-US" altLang="ko-KR" sz="5400" b="0" cap="none" spc="-300" dirty="0" smtClean="0">
-                  <a:ln w="0"/>
-                  <a:solidFill>
-                    <a:schemeClr val="bg1"/>
-                  </a:solidFill>
-                  <a:effectLst>
-                    <a:outerShdw blurRad="38100" dist="19050" dir="2700000" algn="tl" rotWithShape="0">
-                      <a:schemeClr val="dk1">
-                        <a:alpha val="40000"/>
-                      </a:schemeClr>
-                    </a:outerShdw>
-                  </a:effectLst>
-                  <a:latin typeface="Arial Black" panose="020B0A04020102020204" pitchFamily="34" charset="0"/>
-                </a:rPr>
-                <a:t>Routing</a:t>
-              </a:r>
-            </a:p>
-          </p:txBody>
-        </p:sp>
-        <p:sp>
-          <p:nvSpPr>
-            <p:cNvPr id="17" name="직사각형 16"/>
-            <p:cNvSpPr/>
-            <p:nvPr/>
-          </p:nvSpPr>
-          <p:spPr>
-            <a:xfrm>
-              <a:off x="4917248" y="3628768"/>
-              <a:ext cx="1608133" cy="923330"/>
-            </a:xfrm>
-            <a:prstGeom prst="rect">
-              <a:avLst/>
-            </a:prstGeom>
-            <a:noFill/>
-          </p:spPr>
-          <p:txBody>
-            <a:bodyPr wrap="none" lIns="91440" tIns="45720" rIns="91440" bIns="45720">
-              <a:spAutoFit/>
-            </a:bodyPr>
-            <a:lstStyle/>
-            <a:p>
-              <a:pPr algn="dist"/>
-              <a:r>
-                <a:rPr lang="en-US" altLang="ko-KR" sz="5400" b="0" cap="none" spc="-300" dirty="0" smtClean="0">
-                  <a:ln w="0"/>
-                  <a:solidFill>
-                    <a:schemeClr val="bg1"/>
-                  </a:solidFill>
-                  <a:effectLst>
-                    <a:outerShdw blurRad="38100" dist="19050" dir="2700000" algn="tl" rotWithShape="0">
-                      <a:schemeClr val="dk1">
-                        <a:alpha val="40000"/>
-                      </a:schemeClr>
-                    </a:outerShdw>
-                  </a:effectLst>
-                  <a:latin typeface="Arial Black" panose="020B0A04020102020204" pitchFamily="34" charset="0"/>
-                </a:rPr>
-                <a:t>Star</a:t>
-              </a:r>
-            </a:p>
-          </p:txBody>
-        </p:sp>
-      </p:grpSp>
-      <p:pic>
-        <p:nvPicPr>
-          <p:cNvPr id="18" name="그림 17"/>
-          <p:cNvPicPr>
-            <a:picLocks noChangeAspect="1"/>
-          </p:cNvPicPr>
-          <p:nvPr/>
-        </p:nvPicPr>
-        <p:blipFill>
-          <a:blip r:embed="rId2">
-            <a:duotone>
-              <a:schemeClr val="accent5">
-                <a:shade val="45000"/>
-                <a:satMod val="135000"/>
-              </a:schemeClr>
-              <a:prstClr val="white"/>
-            </a:duotone>
-            <a:extLst>
-              <a:ext uri="{BEBA8EAE-BF5A-486C-A8C5-ECC9F3942E4B}">
-                <a14:imgProps xmlns:a14="http://schemas.microsoft.com/office/drawing/2010/main">
-                  <a14:imgLayer r:embed="rId3">
-                    <a14:imgEffect>
-                      <a14:backgroundRemoval t="10000" b="90000" l="10000" r="90000">
-                        <a14:foregroundMark x1="49823" y1="14332" x2="55830" y2="14332"/>
-                        <a14:foregroundMark x1="67491" y1="32899" x2="70671" y2="35831"/>
-                        <a14:foregroundMark x1="77385" y1="43974" x2="79152" y2="46580"/>
-                        <a14:backgroundMark x1="47350" y1="35179" x2="53357" y2="35831"/>
-                      </a14:backgroundRemoval>
-                    </a14:imgEffect>
-                  </a14:imgLayer>
-                </a14:imgProps>
-              </a:ext>
-            </a:extLst>
-          </a:blip>
-          <a:stretch>
-            <a:fillRect/>
-          </a:stretch>
-        </p:blipFill>
-        <p:spPr>
-          <a:xfrm>
-            <a:off x="9088859" y="2028129"/>
-            <a:ext cx="985719" cy="1069314"/>
-          </a:xfrm>
-          <a:prstGeom prst="rect">
-            <a:avLst/>
-          </a:prstGeom>
-        </p:spPr>
-      </p:pic>
-      <p:sp>
-        <p:nvSpPr>
-          <p:cNvPr id="22" name="직사각형 21"/>
-          <p:cNvSpPr/>
-          <p:nvPr/>
-        </p:nvSpPr>
-        <p:spPr>
-          <a:xfrm>
-            <a:off x="1493134" y="3831219"/>
-            <a:ext cx="4398380" cy="1504709"/>
-          </a:xfrm>
-          <a:prstGeom prst="rect">
-            <a:avLst/>
-          </a:prstGeom>
-        </p:spPr>
-        <p:style>
-          <a:lnRef idx="2">
-            <a:schemeClr val="accent1">
-              <a:shade val="50000"/>
-            </a:schemeClr>
-          </a:lnRef>
-          <a:fillRef idx="1">
-            <a:schemeClr val="accent1"/>
-          </a:fillRef>
-          <a:effectRef idx="0">
-            <a:schemeClr val="accent1"/>
-          </a:effectRef>
-          <a:fontRef idx="minor">
-            <a:schemeClr val="lt1"/>
-          </a:fontRef>
-        </p:style>
-        <p:txBody>
-          <a:bodyPr rtlCol="0" anchor="ctr"/>
-          <a:lstStyle/>
-          <a:p>
-            <a:pPr algn="ctr"/>
-            <a:r>
-              <a:rPr lang="ko-KR" altLang="en-US" sz="4400" b="1" dirty="0" smtClean="0">
-                <a:latin typeface="a장미다방" panose="02020600000000000000" pitchFamily="18" charset="-127"/>
-                <a:ea typeface="a장미다방" panose="02020600000000000000" pitchFamily="18" charset="-127"/>
-              </a:rPr>
-              <a:t>명조체</a:t>
-            </a:r>
-            <a:endParaRPr lang="ko-KR" altLang="en-US" sz="4400" b="1" dirty="0">
-              <a:latin typeface="a장미다방" panose="02020600000000000000" pitchFamily="18" charset="-127"/>
-              <a:ea typeface="a장미다방" panose="02020600000000000000" pitchFamily="18" charset="-127"/>
-            </a:endParaRPr>
-          </a:p>
-        </p:txBody>
-      </p:sp>
-    </p:spTree>
-    <p:extLst>
-      <p:ext uri="{BB962C8B-B14F-4D97-AF65-F5344CB8AC3E}">
-        <p14:creationId xmlns:p14="http://schemas.microsoft.com/office/powerpoint/2010/main" val="1846074684"/>
-      </p:ext>
-    </p:extLst>
-  </p:cSld>
-  <p:clrMapOvr>
-    <a:masterClrMapping/>
-  </p:clrMapOvr>
-  <p:timing>
-    <p:tnLst>
-      <p:par>
-        <p:cTn id="1" dur="indefinite" restart="never" nodeType="tmRoot"/>
-      </p:par>
-    </p:tnLst>
-  </p:timing>
-</p:sld>
-</file>
-
-<file path=ppt/slides/slide9.xml><?xml version="1.0" encoding="utf-8"?>
-<p:sld xmlns:a="http://schemas.openxmlformats.org/drawingml/2006/main" xmlns:r="http://schemas.openxmlformats.org/officeDocument/2006/relationships" xmlns:p="http://schemas.openxmlformats.org/presentationml/2006/main">
-  <p:cSld>
-    <p:spTree>
-      <p:nvGrpSpPr>
-        <p:cNvPr id="1" name=""/>
-        <p:cNvGrpSpPr/>
-        <p:nvPr/>
-      </p:nvGrpSpPr>
-      <p:grpSpPr>
-        <a:xfrm>
-          <a:off x="0" y="0"/>
-          <a:ext cx="0" cy="0"/>
-          <a:chOff x="0" y="0"/>
-          <a:chExt cx="0" cy="0"/>
-        </a:xfrm>
-      </p:grpSpPr>
-      <p:sp>
-        <p:nvSpPr>
-          <p:cNvPr id="21" name="직사각형 20"/>
-          <p:cNvSpPr/>
-          <p:nvPr/>
-        </p:nvSpPr>
-        <p:spPr>
-          <a:xfrm>
-            <a:off x="0" y="0"/>
-            <a:ext cx="12192000" cy="6858000"/>
-          </a:xfrm>
-          <a:prstGeom prst="rect">
-            <a:avLst/>
-          </a:prstGeom>
-          <a:solidFill>
-            <a:schemeClr val="tx1"/>
-          </a:solidFill>
-        </p:spPr>
-        <p:style>
-          <a:lnRef idx="2">
-            <a:schemeClr val="accent1">
-              <a:shade val="50000"/>
-            </a:schemeClr>
-          </a:lnRef>
-          <a:fillRef idx="1">
-            <a:schemeClr val="accent1"/>
-          </a:fillRef>
-          <a:effectRef idx="0">
-            <a:schemeClr val="accent1"/>
-          </a:effectRef>
-          <a:fontRef idx="minor">
-            <a:schemeClr val="lt1"/>
-          </a:fontRef>
-        </p:style>
-        <p:txBody>
-          <a:bodyPr rtlCol="0" anchor="ctr"/>
-          <a:lstStyle/>
-          <a:p>
-            <a:pPr algn="ctr"/>
-            <a:endParaRPr lang="ko-KR" altLang="en-US"/>
-          </a:p>
-        </p:txBody>
-      </p:sp>
-      <p:sp>
-        <p:nvSpPr>
-          <p:cNvPr id="5" name="타원 4"/>
-          <p:cNvSpPr/>
-          <p:nvPr/>
-        </p:nvSpPr>
-        <p:spPr>
-          <a:xfrm>
-            <a:off x="1362464" y="255455"/>
-            <a:ext cx="2738626" cy="2738626"/>
-          </a:xfrm>
-          <a:prstGeom prst="ellipse">
-            <a:avLst/>
-          </a:prstGeom>
-          <a:noFill/>
-          <a:ln w="47625">
-            <a:gradFill>
-              <a:gsLst>
-                <a:gs pos="25000">
-                  <a:srgbClr val="F4976C"/>
-                </a:gs>
-                <a:gs pos="0">
-                  <a:srgbClr val="FBE8A6"/>
-                </a:gs>
-                <a:gs pos="50000">
-                  <a:srgbClr val="303C6C"/>
-                </a:gs>
-                <a:gs pos="75000">
-                  <a:srgbClr val="B4DFE5"/>
-                </a:gs>
-                <a:gs pos="100000">
-                  <a:srgbClr val="D2FCFD"/>
                 </a:gs>
               </a:gsLst>
               <a:lin ang="5400000" scaled="1"/>
@@ -24890,42 +26989,114 @@
       </p:sp>
       <p:sp>
         <p:nvSpPr>
-          <p:cNvPr id="13" name="포인트가 5개인 별 12"/>
+          <p:cNvPr id="12" name="타원 11"/>
           <p:cNvSpPr/>
           <p:nvPr/>
         </p:nvSpPr>
         <p:spPr>
-          <a:xfrm>
-            <a:off x="3835033" y="858714"/>
-            <a:ext cx="317459" cy="317459"/>
+          <a:xfrm rot="21118605">
+            <a:off x="6518181" y="1964887"/>
+            <a:ext cx="180000" cy="180000"/>
           </a:xfrm>
-          <a:prstGeom prst="star5">
+          <a:prstGeom prst="ellipse">
             <a:avLst/>
           </a:prstGeom>
-          <a:gradFill flip="none" rotWithShape="1">
-            <a:gsLst>
-              <a:gs pos="25000">
-                <a:srgbClr val="84CEEB"/>
-              </a:gs>
-              <a:gs pos="0">
-                <a:srgbClr val="5580E9"/>
-              </a:gs>
-              <a:gs pos="50000">
-                <a:srgbClr val="5AB8EC"/>
-              </a:gs>
-              <a:gs pos="75000">
-                <a:srgbClr val="C1C8E4"/>
-              </a:gs>
-            </a:gsLst>
-            <a:lin ang="2700000" scaled="1"/>
-            <a:tileRect/>
-          </a:gradFill>
+          <a:blipFill>
+            <a:blip r:embed="rId2">
+              <a:alphaModFix amt="99000"/>
+            </a:blip>
+            <a:tile tx="0" ty="0" sx="100000" sy="100000" flip="none" algn="tl"/>
+          </a:blipFill>
           <a:ln>
-            <a:noFill/>
+            <a:gradFill>
+              <a:gsLst>
+                <a:gs pos="0">
+                  <a:srgbClr val="5580E9"/>
+                </a:gs>
+                <a:gs pos="25000">
+                  <a:srgbClr val="84CEEB"/>
+                </a:gs>
+                <a:gs pos="50000">
+                  <a:srgbClr val="5AB8EB"/>
+                </a:gs>
+                <a:gs pos="100000">
+                  <a:srgbClr val="C1C8E4"/>
+                </a:gs>
+                <a:gs pos="75000">
+                  <a:srgbClr val="8860D0"/>
+                </a:gs>
+              </a:gsLst>
+              <a:lin ang="5400000" scaled="1"/>
+            </a:gradFill>
           </a:ln>
-          <a:effectLst>
-            <a:softEdge rad="12700"/>
-          </a:effectLst>
+        </p:spPr>
+        <p:style>
+          <a:lnRef idx="2">
+            <a:schemeClr val="accent1">
+              <a:shade val="50000"/>
+            </a:schemeClr>
+          </a:lnRef>
+          <a:fillRef idx="1">
+            <a:schemeClr val="accent1"/>
+          </a:fillRef>
+          <a:effectRef idx="0">
+            <a:schemeClr val="accent1"/>
+          </a:effectRef>
+          <a:fontRef idx="minor">
+            <a:schemeClr val="lt1"/>
+          </a:fontRef>
+        </p:style>
+        <p:txBody>
+          <a:bodyPr rtlCol="0" anchor="ctr"/>
+          <a:lstStyle/>
+          <a:p>
+            <a:pPr algn="ctr"/>
+            <a:endParaRPr lang="ko-KR" altLang="en-US"/>
+          </a:p>
+        </p:txBody>
+      </p:sp>
+      <p:sp>
+        <p:nvSpPr>
+          <p:cNvPr id="13" name="타원 12"/>
+          <p:cNvSpPr/>
+          <p:nvPr/>
+        </p:nvSpPr>
+        <p:spPr>
+          <a:xfrm rot="21118605">
+            <a:off x="6918601" y="4464244"/>
+            <a:ext cx="180000" cy="180000"/>
+          </a:xfrm>
+          <a:prstGeom prst="ellipse">
+            <a:avLst/>
+          </a:prstGeom>
+          <a:blipFill>
+            <a:blip r:embed="rId2">
+              <a:alphaModFix amt="99000"/>
+            </a:blip>
+            <a:tile tx="0" ty="0" sx="100000" sy="100000" flip="none" algn="tl"/>
+          </a:blipFill>
+          <a:ln>
+            <a:gradFill>
+              <a:gsLst>
+                <a:gs pos="0">
+                  <a:srgbClr val="5580E9"/>
+                </a:gs>
+                <a:gs pos="25000">
+                  <a:srgbClr val="84CEEB"/>
+                </a:gs>
+                <a:gs pos="50000">
+                  <a:srgbClr val="5AB8EB"/>
+                </a:gs>
+                <a:gs pos="100000">
+                  <a:srgbClr val="C1C8E4"/>
+                </a:gs>
+                <a:gs pos="75000">
+                  <a:srgbClr val="8860D0"/>
+                </a:gs>
+              </a:gsLst>
+              <a:lin ang="5400000" scaled="1"/>
+            </a:gradFill>
+          </a:ln>
         </p:spPr>
         <p:style>
           <a:lnRef idx="2">
@@ -24959,31 +27130,36 @@
           <p:nvPr/>
         </p:nvSpPr>
         <p:spPr>
-          <a:xfrm>
-            <a:off x="1476504" y="369495"/>
-            <a:ext cx="2510546" cy="2510546"/>
+          <a:xfrm rot="21118605">
+            <a:off x="6396086" y="4713112"/>
+            <a:ext cx="180000" cy="180000"/>
           </a:xfrm>
           <a:prstGeom prst="ellipse">
             <a:avLst/>
           </a:prstGeom>
-          <a:noFill/>
-          <a:ln w="47625">
+          <a:blipFill>
+            <a:blip r:embed="rId2">
+              <a:alphaModFix amt="99000"/>
+            </a:blip>
+            <a:tile tx="0" ty="0" sx="100000" sy="100000" flip="none" algn="tl"/>
+          </a:blipFill>
+          <a:ln>
             <a:gradFill>
               <a:gsLst>
+                <a:gs pos="0">
+                  <a:srgbClr val="5580E9"/>
+                </a:gs>
                 <a:gs pos="25000">
-                  <a:srgbClr val="F4976C"/>
-                </a:gs>
-                <a:gs pos="0">
-                  <a:srgbClr val="FBE8A6"/>
+                  <a:srgbClr val="84CEEB"/>
                 </a:gs>
                 <a:gs pos="50000">
-                  <a:srgbClr val="303C6C"/>
+                  <a:srgbClr val="5AB8EB"/>
+                </a:gs>
+                <a:gs pos="100000">
+                  <a:srgbClr val="C1C8E4"/>
                 </a:gs>
                 <a:gs pos="75000">
-                  <a:srgbClr val="B4DFE5"/>
-                </a:gs>
-                <a:gs pos="100000">
-                  <a:srgbClr val="D2FCFD"/>
+                  <a:srgbClr val="8860D0"/>
                 </a:gs>
               </a:gsLst>
               <a:lin ang="5400000" scaled="1"/>
@@ -25017,457 +27193,14 @@
       </p:sp>
       <p:sp>
         <p:nvSpPr>
-          <p:cNvPr id="15" name="타원 14"/>
+          <p:cNvPr id="15" name="직사각형 14"/>
           <p:cNvSpPr/>
           <p:nvPr/>
         </p:nvSpPr>
         <p:spPr>
           <a:xfrm>
-            <a:off x="1476504" y="369495"/>
-            <a:ext cx="2510546" cy="2510546"/>
-          </a:xfrm>
-          <a:prstGeom prst="ellipse">
-            <a:avLst/>
-          </a:prstGeom>
-          <a:noFill/>
-          <a:ln w="47625">
-            <a:gradFill>
-              <a:gsLst>
-                <a:gs pos="25000">
-                  <a:srgbClr val="F4976C"/>
-                </a:gs>
-                <a:gs pos="0">
-                  <a:srgbClr val="FBE8A6"/>
-                </a:gs>
-                <a:gs pos="50000">
-                  <a:srgbClr val="303C6C"/>
-                </a:gs>
-                <a:gs pos="75000">
-                  <a:srgbClr val="B4DFE5"/>
-                </a:gs>
-                <a:gs pos="100000">
-                  <a:srgbClr val="D2FCFD"/>
-                </a:gs>
-              </a:gsLst>
-              <a:lin ang="5400000" scaled="1"/>
-            </a:gradFill>
-          </a:ln>
-        </p:spPr>
-        <p:style>
-          <a:lnRef idx="2">
-            <a:schemeClr val="accent1">
-              <a:shade val="50000"/>
-            </a:schemeClr>
-          </a:lnRef>
-          <a:fillRef idx="1">
-            <a:schemeClr val="accent1"/>
-          </a:fillRef>
-          <a:effectRef idx="0">
-            <a:schemeClr val="accent1"/>
-          </a:effectRef>
-          <a:fontRef idx="minor">
-            <a:schemeClr val="lt1"/>
-          </a:fontRef>
-        </p:style>
-        <p:txBody>
-          <a:bodyPr rtlCol="0" anchor="ctr"/>
-          <a:lstStyle/>
-          <a:p>
-            <a:pPr algn="ctr"/>
-            <a:endParaRPr lang="ko-KR" altLang="en-US"/>
-          </a:p>
-        </p:txBody>
-      </p:sp>
-      <p:sp>
-        <p:nvSpPr>
-          <p:cNvPr id="16" name="타원 15"/>
-          <p:cNvSpPr/>
-          <p:nvPr/>
-        </p:nvSpPr>
-        <p:spPr>
-          <a:xfrm>
-            <a:off x="1586142" y="479133"/>
-            <a:ext cx="2291269" cy="2291269"/>
-          </a:xfrm>
-          <a:prstGeom prst="ellipse">
-            <a:avLst/>
-          </a:prstGeom>
-          <a:noFill/>
-          <a:ln w="47625">
-            <a:gradFill>
-              <a:gsLst>
-                <a:gs pos="25000">
-                  <a:srgbClr val="F4976C"/>
-                </a:gs>
-                <a:gs pos="0">
-                  <a:srgbClr val="FBE8A6"/>
-                </a:gs>
-                <a:gs pos="50000">
-                  <a:srgbClr val="303C6C"/>
-                </a:gs>
-                <a:gs pos="75000">
-                  <a:srgbClr val="B4DFE5"/>
-                </a:gs>
-                <a:gs pos="100000">
-                  <a:srgbClr val="D2FCFD"/>
-                </a:gs>
-              </a:gsLst>
-              <a:lin ang="5400000" scaled="1"/>
-            </a:gradFill>
-          </a:ln>
-        </p:spPr>
-        <p:style>
-          <a:lnRef idx="2">
-            <a:schemeClr val="accent1">
-              <a:shade val="50000"/>
-            </a:schemeClr>
-          </a:lnRef>
-          <a:fillRef idx="1">
-            <a:schemeClr val="accent1"/>
-          </a:fillRef>
-          <a:effectRef idx="0">
-            <a:schemeClr val="accent1"/>
-          </a:effectRef>
-          <a:fontRef idx="minor">
-            <a:schemeClr val="lt1"/>
-          </a:fontRef>
-        </p:style>
-        <p:txBody>
-          <a:bodyPr rtlCol="0" anchor="ctr"/>
-          <a:lstStyle/>
-          <a:p>
-            <a:pPr algn="ctr"/>
-            <a:endParaRPr lang="ko-KR" altLang="en-US"/>
-          </a:p>
-        </p:txBody>
-      </p:sp>
-      <p:sp>
-        <p:nvSpPr>
-          <p:cNvPr id="17" name="타원 16"/>
-          <p:cNvSpPr/>
-          <p:nvPr/>
-        </p:nvSpPr>
-        <p:spPr>
-          <a:xfrm>
-            <a:off x="1702526" y="585224"/>
-            <a:ext cx="2058502" cy="2079087"/>
-          </a:xfrm>
-          <a:prstGeom prst="ellipse">
-            <a:avLst/>
-          </a:prstGeom>
-          <a:noFill/>
-          <a:ln w="47625">
-            <a:gradFill>
-              <a:gsLst>
-                <a:gs pos="25000">
-                  <a:srgbClr val="F4976C"/>
-                </a:gs>
-                <a:gs pos="0">
-                  <a:srgbClr val="FBE8A6"/>
-                </a:gs>
-                <a:gs pos="50000">
-                  <a:srgbClr val="303C6C"/>
-                </a:gs>
-                <a:gs pos="75000">
-                  <a:srgbClr val="B4DFE5"/>
-                </a:gs>
-                <a:gs pos="100000">
-                  <a:srgbClr val="D2FCFD"/>
-                </a:gs>
-              </a:gsLst>
-              <a:lin ang="5400000" scaled="1"/>
-            </a:gradFill>
-          </a:ln>
-        </p:spPr>
-        <p:style>
-          <a:lnRef idx="2">
-            <a:schemeClr val="accent1">
-              <a:shade val="50000"/>
-            </a:schemeClr>
-          </a:lnRef>
-          <a:fillRef idx="1">
-            <a:schemeClr val="accent1"/>
-          </a:fillRef>
-          <a:effectRef idx="0">
-            <a:schemeClr val="accent1"/>
-          </a:effectRef>
-          <a:fontRef idx="minor">
-            <a:schemeClr val="lt1"/>
-          </a:fontRef>
-        </p:style>
-        <p:txBody>
-          <a:bodyPr rtlCol="0" anchor="ctr"/>
-          <a:lstStyle/>
-          <a:p>
-            <a:pPr algn="ctr"/>
-            <a:endParaRPr lang="ko-KR" altLang="en-US"/>
-          </a:p>
-        </p:txBody>
-      </p:sp>
-      <p:sp>
-        <p:nvSpPr>
-          <p:cNvPr id="19" name="타원 18"/>
-          <p:cNvSpPr/>
-          <p:nvPr/>
-        </p:nvSpPr>
-        <p:spPr>
-          <a:xfrm>
-            <a:off x="1818369" y="702225"/>
-            <a:ext cx="1826816" cy="1845084"/>
-          </a:xfrm>
-          <a:prstGeom prst="ellipse">
-            <a:avLst/>
-          </a:prstGeom>
-          <a:noFill/>
-          <a:ln w="47625">
-            <a:gradFill>
-              <a:gsLst>
-                <a:gs pos="25000">
-                  <a:srgbClr val="F4976C"/>
-                </a:gs>
-                <a:gs pos="0">
-                  <a:srgbClr val="FBE8A6"/>
-                </a:gs>
-                <a:gs pos="50000">
-                  <a:srgbClr val="303C6C"/>
-                </a:gs>
-                <a:gs pos="75000">
-                  <a:srgbClr val="B4DFE5"/>
-                </a:gs>
-                <a:gs pos="100000">
-                  <a:srgbClr val="D2FCFD"/>
-                </a:gs>
-              </a:gsLst>
-              <a:lin ang="5400000" scaled="1"/>
-            </a:gradFill>
-          </a:ln>
-        </p:spPr>
-        <p:style>
-          <a:lnRef idx="2">
-            <a:schemeClr val="accent1">
-              <a:shade val="50000"/>
-            </a:schemeClr>
-          </a:lnRef>
-          <a:fillRef idx="1">
-            <a:schemeClr val="accent1"/>
-          </a:fillRef>
-          <a:effectRef idx="0">
-            <a:schemeClr val="accent1"/>
-          </a:effectRef>
-          <a:fontRef idx="minor">
-            <a:schemeClr val="lt1"/>
-          </a:fontRef>
-        </p:style>
-        <p:txBody>
-          <a:bodyPr rtlCol="0" anchor="ctr"/>
-          <a:lstStyle/>
-          <a:p>
-            <a:pPr algn="ctr"/>
-            <a:endParaRPr lang="ko-KR" altLang="en-US"/>
-          </a:p>
-        </p:txBody>
-      </p:sp>
-      <p:sp>
-        <p:nvSpPr>
-          <p:cNvPr id="20" name="타원 19"/>
-          <p:cNvSpPr/>
-          <p:nvPr/>
-        </p:nvSpPr>
-        <p:spPr>
-          <a:xfrm>
-            <a:off x="1921173" y="806057"/>
-            <a:ext cx="1621208" cy="1637420"/>
-          </a:xfrm>
-          <a:prstGeom prst="ellipse">
-            <a:avLst/>
-          </a:prstGeom>
-          <a:noFill/>
-          <a:ln w="47625">
-            <a:gradFill>
-              <a:gsLst>
-                <a:gs pos="25000">
-                  <a:srgbClr val="F4976C"/>
-                </a:gs>
-                <a:gs pos="0">
-                  <a:srgbClr val="FBE8A6"/>
-                </a:gs>
-                <a:gs pos="50000">
-                  <a:srgbClr val="303C6C"/>
-                </a:gs>
-                <a:gs pos="75000">
-                  <a:srgbClr val="B4DFE5"/>
-                </a:gs>
-                <a:gs pos="100000">
-                  <a:srgbClr val="D2FCFD"/>
-                </a:gs>
-              </a:gsLst>
-              <a:lin ang="5400000" scaled="1"/>
-            </a:gradFill>
-          </a:ln>
-        </p:spPr>
-        <p:style>
-          <a:lnRef idx="2">
-            <a:schemeClr val="accent1">
-              <a:shade val="50000"/>
-            </a:schemeClr>
-          </a:lnRef>
-          <a:fillRef idx="1">
-            <a:schemeClr val="accent1"/>
-          </a:fillRef>
-          <a:effectRef idx="0">
-            <a:schemeClr val="accent1"/>
-          </a:effectRef>
-          <a:fontRef idx="minor">
-            <a:schemeClr val="lt1"/>
-          </a:fontRef>
-        </p:style>
-        <p:txBody>
-          <a:bodyPr rtlCol="0" anchor="ctr"/>
-          <a:lstStyle/>
-          <a:p>
-            <a:pPr algn="ctr"/>
-            <a:endParaRPr lang="ko-KR" altLang="en-US"/>
-          </a:p>
-        </p:txBody>
-      </p:sp>
-      <p:sp>
-        <p:nvSpPr>
-          <p:cNvPr id="23" name="포인트가 5개인 별 22"/>
-          <p:cNvSpPr/>
-          <p:nvPr/>
-        </p:nvSpPr>
-        <p:spPr>
-          <a:xfrm>
-            <a:off x="3999381" y="680739"/>
-            <a:ext cx="317459" cy="317459"/>
-          </a:xfrm>
-          <a:prstGeom prst="star5">
-            <a:avLst/>
-          </a:prstGeom>
-          <a:gradFill flip="none" rotWithShape="1">
-            <a:gsLst>
-              <a:gs pos="25000">
-                <a:srgbClr val="84CEEB"/>
-              </a:gs>
-              <a:gs pos="0">
-                <a:srgbClr val="5580E9"/>
-              </a:gs>
-              <a:gs pos="50000">
-                <a:srgbClr val="5AB8EC"/>
-              </a:gs>
-              <a:gs pos="75000">
-                <a:srgbClr val="C1C8E4"/>
-              </a:gs>
-            </a:gsLst>
-            <a:lin ang="2700000" scaled="1"/>
-            <a:tileRect/>
-          </a:gradFill>
-          <a:ln>
-            <a:noFill/>
-          </a:ln>
-          <a:effectLst>
-            <a:softEdge rad="12700"/>
-          </a:effectLst>
-        </p:spPr>
-        <p:style>
-          <a:lnRef idx="2">
-            <a:schemeClr val="accent1">
-              <a:shade val="50000"/>
-            </a:schemeClr>
-          </a:lnRef>
-          <a:fillRef idx="1">
-            <a:schemeClr val="accent1"/>
-          </a:fillRef>
-          <a:effectRef idx="0">
-            <a:schemeClr val="accent1"/>
-          </a:effectRef>
-          <a:fontRef idx="minor">
-            <a:schemeClr val="lt1"/>
-          </a:fontRef>
-        </p:style>
-        <p:txBody>
-          <a:bodyPr rtlCol="0" anchor="ctr"/>
-          <a:lstStyle/>
-          <a:p>
-            <a:pPr algn="ctr"/>
-            <a:endParaRPr lang="ko-KR" altLang="en-US"/>
-          </a:p>
-        </p:txBody>
-      </p:sp>
-      <p:sp>
-        <p:nvSpPr>
-          <p:cNvPr id="24" name="포인트가 5개인 별 23"/>
-          <p:cNvSpPr/>
-          <p:nvPr/>
-        </p:nvSpPr>
-        <p:spPr>
-          <a:xfrm>
-            <a:off x="4096333" y="953509"/>
-            <a:ext cx="317459" cy="317459"/>
-          </a:xfrm>
-          <a:prstGeom prst="star5">
-            <a:avLst/>
-          </a:prstGeom>
-          <a:gradFill flip="none" rotWithShape="1">
-            <a:gsLst>
-              <a:gs pos="25000">
-                <a:srgbClr val="84CEEB"/>
-              </a:gs>
-              <a:gs pos="0">
-                <a:srgbClr val="5580E9"/>
-              </a:gs>
-              <a:gs pos="50000">
-                <a:srgbClr val="5AB8EC"/>
-              </a:gs>
-              <a:gs pos="75000">
-                <a:srgbClr val="C1C8E4"/>
-              </a:gs>
-            </a:gsLst>
-            <a:lin ang="2700000" scaled="1"/>
-            <a:tileRect/>
-          </a:gradFill>
-          <a:ln>
-            <a:noFill/>
-          </a:ln>
-          <a:effectLst>
-            <a:softEdge rad="12700"/>
-          </a:effectLst>
-        </p:spPr>
-        <p:style>
-          <a:lnRef idx="2">
-            <a:schemeClr val="accent1">
-              <a:shade val="50000"/>
-            </a:schemeClr>
-          </a:lnRef>
-          <a:fillRef idx="1">
-            <a:schemeClr val="accent1"/>
-          </a:fillRef>
-          <a:effectRef idx="0">
-            <a:schemeClr val="accent1"/>
-          </a:effectRef>
-          <a:fontRef idx="minor">
-            <a:schemeClr val="lt1"/>
-          </a:fontRef>
-        </p:style>
-        <p:txBody>
-          <a:bodyPr rtlCol="0" anchor="ctr"/>
-          <a:lstStyle/>
-          <a:p>
-            <a:pPr algn="ctr"/>
-            <a:endParaRPr lang="ko-KR" altLang="en-US"/>
-          </a:p>
-        </p:txBody>
-      </p:sp>
-      <p:sp>
-        <p:nvSpPr>
-          <p:cNvPr id="25" name="직사각형 24"/>
-          <p:cNvSpPr/>
-          <p:nvPr/>
-        </p:nvSpPr>
-        <p:spPr>
-          <a:xfrm>
-            <a:off x="513188" y="1127322"/>
-            <a:ext cx="4437177" cy="923330"/>
+            <a:off x="4333920" y="3022263"/>
+            <a:ext cx="3555782" cy="769441"/>
           </a:xfrm>
           <a:prstGeom prst="rect">
             <a:avLst/>
@@ -25482,7 +27215,7 @@
           <a:p>
             <a:pPr algn="dist"/>
             <a:r>
-              <a:rPr lang="en-US" altLang="ko-KR" sz="5400" b="0" cap="none" spc="-300" dirty="0" smtClean="0">
+              <a:rPr lang="en-US" altLang="ko-KR" sz="4400" b="1" spc="-300" dirty="0" smtClean="0">
                 <a:ln w="0"/>
                 <a:solidFill>
                   <a:schemeClr val="bg1"/>
@@ -25494,1128 +27227,822 @@
                     </a:schemeClr>
                   </a:outerShdw>
                 </a:effectLst>
-                <a:latin typeface="Algerian" panose="04020705040A02060702" pitchFamily="82" charset="0"/>
+                <a:latin typeface="Roboto" panose="02000000000000000000" pitchFamily="2" charset="0"/>
+                <a:ea typeface="Roboto" panose="02000000000000000000" pitchFamily="2" charset="0"/>
+                <a:cs typeface="Leelawadee UI" panose="020B0502040204020203" pitchFamily="34" charset="-34"/>
               </a:rPr>
-              <a:t>Routing Star</a:t>
+              <a:t>ROUTING STAR</a:t>
             </a:r>
+            <a:endParaRPr lang="en-US" altLang="ko-KR" sz="4400" b="1" cap="none" spc="-300" dirty="0" smtClean="0">
+              <a:ln w="0"/>
+              <a:solidFill>
+                <a:schemeClr val="bg1"/>
+              </a:solidFill>
+              <a:effectLst>
+                <a:outerShdw blurRad="38100" dist="19050" dir="2700000" algn="tl" rotWithShape="0">
+                  <a:schemeClr val="dk1">
+                    <a:alpha val="40000"/>
+                  </a:schemeClr>
+                </a:outerShdw>
+              </a:effectLst>
+              <a:latin typeface="Roboto" panose="02000000000000000000" pitchFamily="2" charset="0"/>
+              <a:ea typeface="Roboto" panose="02000000000000000000" pitchFamily="2" charset="0"/>
+              <a:cs typeface="Leelawadee UI" panose="020B0502040204020203" pitchFamily="34" charset="-34"/>
+            </a:endParaRPr>
           </a:p>
         </p:txBody>
       </p:sp>
       <p:sp>
         <p:nvSpPr>
-          <p:cNvPr id="26" name="타원 25"/>
+          <p:cNvPr id="16" name="직사각형 15"/>
           <p:cNvSpPr/>
           <p:nvPr/>
         </p:nvSpPr>
         <p:spPr>
           <a:xfrm>
-            <a:off x="8046486" y="369495"/>
-            <a:ext cx="2738626" cy="2738626"/>
+            <a:off x="171438" y="550461"/>
+            <a:ext cx="2834430" cy="769441"/>
           </a:xfrm>
-          <a:prstGeom prst="ellipse">
+          <a:prstGeom prst="rect">
             <a:avLst/>
           </a:prstGeom>
           <a:noFill/>
-          <a:ln w="47625">
-            <a:gradFill>
-              <a:gsLst>
-                <a:gs pos="25000">
-                  <a:srgbClr val="F4976C"/>
-                </a:gs>
-                <a:gs pos="0">
-                  <a:srgbClr val="FBE8A6"/>
-                </a:gs>
-                <a:gs pos="50000">
-                  <a:srgbClr val="303C6C"/>
-                </a:gs>
-                <a:gs pos="75000">
-                  <a:srgbClr val="B4DFE5"/>
-                </a:gs>
-                <a:gs pos="100000">
-                  <a:srgbClr val="D2FCFD"/>
-                </a:gs>
-              </a:gsLst>
-              <a:lin ang="5400000" scaled="1"/>
-            </a:gradFill>
-          </a:ln>
         </p:spPr>
-        <p:style>
-          <a:lnRef idx="2">
-            <a:schemeClr val="accent1">
-              <a:shade val="50000"/>
-            </a:schemeClr>
-          </a:lnRef>
-          <a:fillRef idx="1">
-            <a:schemeClr val="accent1"/>
-          </a:fillRef>
-          <a:effectRef idx="0">
-            <a:schemeClr val="accent1"/>
-          </a:effectRef>
-          <a:fontRef idx="minor">
-            <a:schemeClr val="lt1"/>
-          </a:fontRef>
-        </p:style>
         <p:txBody>
-          <a:bodyPr rtlCol="0" anchor="ctr"/>
+          <a:bodyPr wrap="none" lIns="91440" tIns="45720" rIns="91440" bIns="45720">
+            <a:spAutoFit/>
+          </a:bodyPr>
           <a:lstStyle/>
           <a:p>
-            <a:pPr algn="ctr"/>
-            <a:endParaRPr lang="ko-KR" altLang="en-US"/>
+            <a:pPr algn="dist"/>
+            <a:r>
+              <a:rPr lang="en-US" altLang="ko-KR" sz="4400" b="1" spc="-300" dirty="0" smtClean="0">
+                <a:ln w="0"/>
+                <a:solidFill>
+                  <a:schemeClr val="bg1"/>
+                </a:solidFill>
+                <a:effectLst>
+                  <a:outerShdw blurRad="38100" dist="19050" dir="2700000" algn="tl" rotWithShape="0">
+                    <a:schemeClr val="dk1">
+                      <a:alpha val="40000"/>
+                    </a:schemeClr>
+                  </a:outerShdw>
+                </a:effectLst>
+                <a:latin typeface="Adobe Naskh Medium" panose="01010101010101010101" pitchFamily="50" charset="-78"/>
+                <a:cs typeface="Adobe Naskh Medium" panose="01010101010101010101" pitchFamily="50" charset="-78"/>
+              </a:rPr>
+              <a:t>ROUTING STAR</a:t>
+            </a:r>
+            <a:endParaRPr lang="en-US" altLang="ko-KR" sz="4400" b="1" cap="none" spc="-300" dirty="0" smtClean="0">
+              <a:ln w="0"/>
+              <a:solidFill>
+                <a:schemeClr val="bg1"/>
+              </a:solidFill>
+              <a:effectLst>
+                <a:outerShdw blurRad="38100" dist="19050" dir="2700000" algn="tl" rotWithShape="0">
+                  <a:schemeClr val="dk1">
+                    <a:alpha val="40000"/>
+                  </a:schemeClr>
+                </a:outerShdw>
+              </a:effectLst>
+              <a:latin typeface="Adobe Naskh Medium" panose="01010101010101010101" pitchFamily="50" charset="-78"/>
+              <a:cs typeface="Adobe Naskh Medium" panose="01010101010101010101" pitchFamily="50" charset="-78"/>
+            </a:endParaRPr>
           </a:p>
         </p:txBody>
       </p:sp>
       <p:sp>
         <p:nvSpPr>
-          <p:cNvPr id="28" name="타원 27"/>
+          <p:cNvPr id="17" name="직사각형 16"/>
           <p:cNvSpPr/>
           <p:nvPr/>
         </p:nvSpPr>
         <p:spPr>
           <a:xfrm>
-            <a:off x="8160526" y="483535"/>
-            <a:ext cx="2510546" cy="2510546"/>
+            <a:off x="115088" y="1161286"/>
+            <a:ext cx="4567469" cy="769441"/>
           </a:xfrm>
-          <a:prstGeom prst="ellipse">
+          <a:prstGeom prst="rect">
             <a:avLst/>
           </a:prstGeom>
           <a:noFill/>
-          <a:ln w="47625">
-            <a:gradFill>
-              <a:gsLst>
-                <a:gs pos="25000">
-                  <a:srgbClr val="F4976C"/>
-                </a:gs>
-                <a:gs pos="0">
-                  <a:srgbClr val="FBE8A6"/>
-                </a:gs>
-                <a:gs pos="50000">
-                  <a:srgbClr val="303C6C"/>
-                </a:gs>
-                <a:gs pos="75000">
-                  <a:srgbClr val="B4DFE5"/>
-                </a:gs>
-                <a:gs pos="100000">
-                  <a:srgbClr val="D2FCFD"/>
-                </a:gs>
-              </a:gsLst>
-              <a:lin ang="5400000" scaled="1"/>
-            </a:gradFill>
-          </a:ln>
         </p:spPr>
-        <p:style>
-          <a:lnRef idx="2">
-            <a:schemeClr val="accent1">
-              <a:shade val="50000"/>
-            </a:schemeClr>
-          </a:lnRef>
-          <a:fillRef idx="1">
-            <a:schemeClr val="accent1"/>
-          </a:fillRef>
-          <a:effectRef idx="0">
-            <a:schemeClr val="accent1"/>
-          </a:effectRef>
-          <a:fontRef idx="minor">
-            <a:schemeClr val="lt1"/>
-          </a:fontRef>
-        </p:style>
         <p:txBody>
-          <a:bodyPr rtlCol="0" anchor="ctr"/>
+          <a:bodyPr wrap="none" lIns="91440" tIns="45720" rIns="91440" bIns="45720">
+            <a:spAutoFit/>
+          </a:bodyPr>
           <a:lstStyle/>
           <a:p>
-            <a:pPr algn="ctr"/>
-            <a:endParaRPr lang="ko-KR" altLang="en-US"/>
+            <a:pPr algn="dist"/>
+            <a:r>
+              <a:rPr lang="en-US" altLang="ko-KR" sz="4400" b="1" spc="-300" dirty="0" smtClean="0">
+                <a:ln w="0"/>
+                <a:solidFill>
+                  <a:schemeClr val="bg1"/>
+                </a:solidFill>
+                <a:effectLst>
+                  <a:outerShdw blurRad="38100" dist="19050" dir="2700000" algn="tl" rotWithShape="0">
+                    <a:schemeClr val="dk1">
+                      <a:alpha val="40000"/>
+                    </a:schemeClr>
+                  </a:outerShdw>
+                </a:effectLst>
+                <a:latin typeface="BankGothic Md BT" panose="020B0807020203060204" pitchFamily="34" charset="0"/>
+                <a:ea typeface="Adobe Song Std L" panose="02020300000000000000" pitchFamily="18" charset="-128"/>
+                <a:cs typeface="Adobe Naskh Medium" panose="01010101010101010101" pitchFamily="50" charset="-78"/>
+              </a:rPr>
+              <a:t>ROUTING STAR</a:t>
+            </a:r>
+            <a:endParaRPr lang="en-US" altLang="ko-KR" sz="4400" b="1" cap="none" spc="-300" dirty="0" smtClean="0">
+              <a:ln w="0"/>
+              <a:solidFill>
+                <a:schemeClr val="bg1"/>
+              </a:solidFill>
+              <a:effectLst>
+                <a:outerShdw blurRad="38100" dist="19050" dir="2700000" algn="tl" rotWithShape="0">
+                  <a:schemeClr val="dk1">
+                    <a:alpha val="40000"/>
+                  </a:schemeClr>
+                </a:outerShdw>
+              </a:effectLst>
+              <a:latin typeface="BankGothic Md BT" panose="020B0807020203060204" pitchFamily="34" charset="0"/>
+              <a:ea typeface="Adobe Song Std L" panose="02020300000000000000" pitchFamily="18" charset="-128"/>
+              <a:cs typeface="Adobe Naskh Medium" panose="01010101010101010101" pitchFamily="50" charset="-78"/>
+            </a:endParaRPr>
           </a:p>
         </p:txBody>
       </p:sp>
       <p:sp>
         <p:nvSpPr>
-          <p:cNvPr id="29" name="타원 28"/>
+          <p:cNvPr id="18" name="직사각형 17"/>
           <p:cNvSpPr/>
           <p:nvPr/>
         </p:nvSpPr>
         <p:spPr>
           <a:xfrm>
-            <a:off x="8160526" y="483535"/>
-            <a:ext cx="2510546" cy="2510546"/>
+            <a:off x="95715" y="1909131"/>
+            <a:ext cx="3991798" cy="769441"/>
           </a:xfrm>
-          <a:prstGeom prst="ellipse">
+          <a:prstGeom prst="rect">
             <a:avLst/>
           </a:prstGeom>
           <a:noFill/>
-          <a:ln w="47625">
-            <a:gradFill>
-              <a:gsLst>
-                <a:gs pos="25000">
-                  <a:srgbClr val="F4976C"/>
-                </a:gs>
-                <a:gs pos="0">
-                  <a:srgbClr val="FBE8A6"/>
-                </a:gs>
-                <a:gs pos="50000">
-                  <a:srgbClr val="303C6C"/>
-                </a:gs>
-                <a:gs pos="75000">
-                  <a:srgbClr val="B4DFE5"/>
-                </a:gs>
-                <a:gs pos="100000">
-                  <a:srgbClr val="D2FCFD"/>
-                </a:gs>
-              </a:gsLst>
-              <a:lin ang="5400000" scaled="1"/>
-            </a:gradFill>
-          </a:ln>
         </p:spPr>
-        <p:style>
-          <a:lnRef idx="2">
-            <a:schemeClr val="accent1">
-              <a:shade val="50000"/>
-            </a:schemeClr>
-          </a:lnRef>
-          <a:fillRef idx="1">
-            <a:schemeClr val="accent1"/>
-          </a:fillRef>
-          <a:effectRef idx="0">
-            <a:schemeClr val="accent1"/>
-          </a:effectRef>
-          <a:fontRef idx="minor">
-            <a:schemeClr val="lt1"/>
-          </a:fontRef>
-        </p:style>
         <p:txBody>
-          <a:bodyPr rtlCol="0" anchor="ctr"/>
+          <a:bodyPr wrap="none" lIns="91440" tIns="45720" rIns="91440" bIns="45720">
+            <a:spAutoFit/>
+          </a:bodyPr>
           <a:lstStyle/>
           <a:p>
-            <a:pPr algn="ctr"/>
-            <a:endParaRPr lang="ko-KR" altLang="en-US"/>
+            <a:pPr algn="dist"/>
+            <a:r>
+              <a:rPr lang="en-US" altLang="ko-KR" sz="4400" b="1" spc="-300" dirty="0" smtClean="0">
+                <a:ln w="0"/>
+                <a:solidFill>
+                  <a:schemeClr val="bg1"/>
+                </a:solidFill>
+                <a:effectLst>
+                  <a:outerShdw blurRad="38100" dist="19050" dir="2700000" algn="tl" rotWithShape="0">
+                    <a:schemeClr val="dk1">
+                      <a:alpha val="40000"/>
+                    </a:schemeClr>
+                  </a:outerShdw>
+                </a:effectLst>
+                <a:latin typeface="Baskerville Old Face" panose="02020602080505020303" pitchFamily="18" charset="0"/>
+                <a:ea typeface="Adobe Song Std L" panose="02020300000000000000" pitchFamily="18" charset="-128"/>
+                <a:cs typeface="Adobe Naskh Medium" panose="01010101010101010101" pitchFamily="50" charset="-78"/>
+              </a:rPr>
+              <a:t>ROUTING STAR</a:t>
+            </a:r>
+            <a:endParaRPr lang="en-US" altLang="ko-KR" sz="4400" b="1" cap="none" spc="-300" dirty="0" smtClean="0">
+              <a:ln w="0"/>
+              <a:solidFill>
+                <a:schemeClr val="bg1"/>
+              </a:solidFill>
+              <a:effectLst>
+                <a:outerShdw blurRad="38100" dist="19050" dir="2700000" algn="tl" rotWithShape="0">
+                  <a:schemeClr val="dk1">
+                    <a:alpha val="40000"/>
+                  </a:schemeClr>
+                </a:outerShdw>
+              </a:effectLst>
+              <a:latin typeface="Baskerville Old Face" panose="02020602080505020303" pitchFamily="18" charset="0"/>
+              <a:ea typeface="Adobe Song Std L" panose="02020300000000000000" pitchFamily="18" charset="-128"/>
+              <a:cs typeface="Adobe Naskh Medium" panose="01010101010101010101" pitchFamily="50" charset="-78"/>
+            </a:endParaRPr>
           </a:p>
         </p:txBody>
       </p:sp>
       <p:sp>
         <p:nvSpPr>
-          <p:cNvPr id="30" name="타원 29"/>
+          <p:cNvPr id="19" name="직사각형 18"/>
           <p:cNvSpPr/>
           <p:nvPr/>
         </p:nvSpPr>
         <p:spPr>
           <a:xfrm>
-            <a:off x="8270164" y="593173"/>
-            <a:ext cx="2291269" cy="2291269"/>
+            <a:off x="81534" y="2529050"/>
+            <a:ext cx="4126194" cy="769441"/>
           </a:xfrm>
-          <a:prstGeom prst="ellipse">
+          <a:prstGeom prst="rect">
             <a:avLst/>
           </a:prstGeom>
           <a:noFill/>
-          <a:ln w="47625">
-            <a:gradFill>
-              <a:gsLst>
-                <a:gs pos="25000">
-                  <a:srgbClr val="F4976C"/>
-                </a:gs>
-                <a:gs pos="0">
-                  <a:srgbClr val="FBE8A6"/>
-                </a:gs>
-                <a:gs pos="50000">
-                  <a:srgbClr val="303C6C"/>
-                </a:gs>
-                <a:gs pos="75000">
-                  <a:srgbClr val="B4DFE5"/>
-                </a:gs>
-                <a:gs pos="100000">
-                  <a:srgbClr val="D2FCFD"/>
-                </a:gs>
-              </a:gsLst>
-              <a:lin ang="5400000" scaled="1"/>
-            </a:gradFill>
-          </a:ln>
         </p:spPr>
-        <p:style>
-          <a:lnRef idx="2">
-            <a:schemeClr val="accent1">
-              <a:shade val="50000"/>
-            </a:schemeClr>
-          </a:lnRef>
-          <a:fillRef idx="1">
-            <a:schemeClr val="accent1"/>
-          </a:fillRef>
-          <a:effectRef idx="0">
-            <a:schemeClr val="accent1"/>
-          </a:effectRef>
-          <a:fontRef idx="minor">
-            <a:schemeClr val="lt1"/>
-          </a:fontRef>
-        </p:style>
         <p:txBody>
-          <a:bodyPr rtlCol="0" anchor="ctr"/>
+          <a:bodyPr wrap="none" lIns="91440" tIns="45720" rIns="91440" bIns="45720">
+            <a:spAutoFit/>
+          </a:bodyPr>
           <a:lstStyle/>
           <a:p>
-            <a:pPr algn="ctr"/>
-            <a:endParaRPr lang="ko-KR" altLang="en-US"/>
+            <a:pPr algn="dist"/>
+            <a:r>
+              <a:rPr lang="en-US" altLang="ko-KR" sz="4400" b="1" spc="-300" dirty="0" smtClean="0">
+                <a:ln w="0"/>
+                <a:solidFill>
+                  <a:schemeClr val="bg1"/>
+                </a:solidFill>
+                <a:effectLst>
+                  <a:outerShdw blurRad="38100" dist="19050" dir="2700000" algn="tl" rotWithShape="0">
+                    <a:schemeClr val="dk1">
+                      <a:alpha val="40000"/>
+                    </a:schemeClr>
+                  </a:outerShdw>
+                </a:effectLst>
+                <a:latin typeface="Bell MT" panose="02020503060305020303" pitchFamily="18" charset="0"/>
+                <a:ea typeface="Adobe Song Std L" panose="02020300000000000000" pitchFamily="18" charset="-128"/>
+                <a:cs typeface="Adobe Naskh Medium" panose="01010101010101010101" pitchFamily="50" charset="-78"/>
+              </a:rPr>
+              <a:t>ROUTING STAR</a:t>
+            </a:r>
+            <a:endParaRPr lang="en-US" altLang="ko-KR" sz="4400" b="1" cap="none" spc="-300" dirty="0" smtClean="0">
+              <a:ln w="0"/>
+              <a:solidFill>
+                <a:schemeClr val="bg1"/>
+              </a:solidFill>
+              <a:effectLst>
+                <a:outerShdw blurRad="38100" dist="19050" dir="2700000" algn="tl" rotWithShape="0">
+                  <a:schemeClr val="dk1">
+                    <a:alpha val="40000"/>
+                  </a:schemeClr>
+                </a:outerShdw>
+              </a:effectLst>
+              <a:latin typeface="Bell MT" panose="02020503060305020303" pitchFamily="18" charset="0"/>
+              <a:ea typeface="Adobe Song Std L" panose="02020300000000000000" pitchFamily="18" charset="-128"/>
+              <a:cs typeface="Adobe Naskh Medium" panose="01010101010101010101" pitchFamily="50" charset="-78"/>
+            </a:endParaRPr>
           </a:p>
         </p:txBody>
       </p:sp>
       <p:sp>
         <p:nvSpPr>
-          <p:cNvPr id="31" name="타원 30"/>
+          <p:cNvPr id="20" name="직사각형 19"/>
           <p:cNvSpPr/>
           <p:nvPr/>
         </p:nvSpPr>
         <p:spPr>
           <a:xfrm>
-            <a:off x="8386548" y="699264"/>
-            <a:ext cx="2058502" cy="2079087"/>
+            <a:off x="95715" y="3107021"/>
+            <a:ext cx="3599062" cy="769441"/>
           </a:xfrm>
-          <a:prstGeom prst="ellipse">
+          <a:prstGeom prst="rect">
             <a:avLst/>
           </a:prstGeom>
           <a:noFill/>
-          <a:ln w="47625">
-            <a:gradFill>
-              <a:gsLst>
-                <a:gs pos="25000">
-                  <a:srgbClr val="F4976C"/>
-                </a:gs>
-                <a:gs pos="0">
-                  <a:srgbClr val="FBE8A6"/>
-                </a:gs>
-                <a:gs pos="50000">
-                  <a:srgbClr val="303C6C"/>
-                </a:gs>
-                <a:gs pos="75000">
-                  <a:srgbClr val="B4DFE5"/>
-                </a:gs>
-                <a:gs pos="100000">
-                  <a:srgbClr val="D2FCFD"/>
-                </a:gs>
-              </a:gsLst>
-              <a:lin ang="5400000" scaled="1"/>
-            </a:gradFill>
-          </a:ln>
         </p:spPr>
-        <p:style>
-          <a:lnRef idx="2">
-            <a:schemeClr val="accent1">
-              <a:shade val="50000"/>
-            </a:schemeClr>
-          </a:lnRef>
-          <a:fillRef idx="1">
-            <a:schemeClr val="accent1"/>
-          </a:fillRef>
-          <a:effectRef idx="0">
-            <a:schemeClr val="accent1"/>
-          </a:effectRef>
-          <a:fontRef idx="minor">
-            <a:schemeClr val="lt1"/>
-          </a:fontRef>
-        </p:style>
         <p:txBody>
-          <a:bodyPr rtlCol="0" anchor="ctr"/>
+          <a:bodyPr wrap="none" lIns="91440" tIns="45720" rIns="91440" bIns="45720">
+            <a:spAutoFit/>
+          </a:bodyPr>
           <a:lstStyle/>
           <a:p>
-            <a:pPr algn="ctr"/>
-            <a:endParaRPr lang="ko-KR" altLang="en-US"/>
+            <a:pPr algn="dist"/>
+            <a:r>
+              <a:rPr lang="en-US" altLang="ko-KR" sz="4400" b="1" spc="-300" dirty="0" smtClean="0">
+                <a:ln w="0"/>
+                <a:solidFill>
+                  <a:schemeClr val="bg1"/>
+                </a:solidFill>
+                <a:effectLst>
+                  <a:outerShdw blurRad="38100" dist="19050" dir="2700000" algn="tl" rotWithShape="0">
+                    <a:schemeClr val="dk1">
+                      <a:alpha val="40000"/>
+                    </a:schemeClr>
+                  </a:outerShdw>
+                </a:effectLst>
+                <a:latin typeface="Berlin Sans FB Demi" panose="020E0802020502020306" pitchFamily="34" charset="0"/>
+                <a:ea typeface="Adobe Song Std L" panose="02020300000000000000" pitchFamily="18" charset="-128"/>
+                <a:cs typeface="Adobe Naskh Medium" panose="01010101010101010101" pitchFamily="50" charset="-78"/>
+              </a:rPr>
+              <a:t>ROUTING STAR</a:t>
+            </a:r>
+            <a:endParaRPr lang="en-US" altLang="ko-KR" sz="4400" b="1" cap="none" spc="-300" dirty="0" smtClean="0">
+              <a:ln w="0"/>
+              <a:solidFill>
+                <a:schemeClr val="bg1"/>
+              </a:solidFill>
+              <a:effectLst>
+                <a:outerShdw blurRad="38100" dist="19050" dir="2700000" algn="tl" rotWithShape="0">
+                  <a:schemeClr val="dk1">
+                    <a:alpha val="40000"/>
+                  </a:schemeClr>
+                </a:outerShdw>
+              </a:effectLst>
+              <a:latin typeface="Berlin Sans FB Demi" panose="020E0802020502020306" pitchFamily="34" charset="0"/>
+              <a:ea typeface="Adobe Song Std L" panose="02020300000000000000" pitchFamily="18" charset="-128"/>
+              <a:cs typeface="Adobe Naskh Medium" panose="01010101010101010101" pitchFamily="50" charset="-78"/>
+            </a:endParaRPr>
           </a:p>
         </p:txBody>
       </p:sp>
       <p:sp>
         <p:nvSpPr>
-          <p:cNvPr id="32" name="타원 31"/>
+          <p:cNvPr id="21" name="직사각형 20"/>
           <p:cNvSpPr/>
           <p:nvPr/>
         </p:nvSpPr>
         <p:spPr>
           <a:xfrm>
-            <a:off x="8502391" y="816265"/>
-            <a:ext cx="1826816" cy="1845084"/>
+            <a:off x="71894" y="3750790"/>
+            <a:ext cx="3646704" cy="769441"/>
           </a:xfrm>
-          <a:prstGeom prst="ellipse">
+          <a:prstGeom prst="rect">
             <a:avLst/>
           </a:prstGeom>
           <a:noFill/>
-          <a:ln w="47625">
-            <a:gradFill>
-              <a:gsLst>
-                <a:gs pos="25000">
-                  <a:srgbClr val="F4976C"/>
-                </a:gs>
-                <a:gs pos="0">
-                  <a:srgbClr val="FBE8A6"/>
-                </a:gs>
-                <a:gs pos="50000">
-                  <a:srgbClr val="303C6C"/>
-                </a:gs>
-                <a:gs pos="75000">
-                  <a:srgbClr val="B4DFE5"/>
-                </a:gs>
-                <a:gs pos="100000">
-                  <a:srgbClr val="D2FCFD"/>
-                </a:gs>
-              </a:gsLst>
-              <a:lin ang="5400000" scaled="1"/>
-            </a:gradFill>
-          </a:ln>
         </p:spPr>
-        <p:style>
-          <a:lnRef idx="2">
-            <a:schemeClr val="accent1">
-              <a:shade val="50000"/>
-            </a:schemeClr>
-          </a:lnRef>
-          <a:fillRef idx="1">
-            <a:schemeClr val="accent1"/>
-          </a:fillRef>
-          <a:effectRef idx="0">
-            <a:schemeClr val="accent1"/>
-          </a:effectRef>
-          <a:fontRef idx="minor">
-            <a:schemeClr val="lt1"/>
-          </a:fontRef>
-        </p:style>
         <p:txBody>
-          <a:bodyPr rtlCol="0" anchor="ctr"/>
+          <a:bodyPr wrap="none" lIns="91440" tIns="45720" rIns="91440" bIns="45720">
+            <a:spAutoFit/>
+          </a:bodyPr>
           <a:lstStyle/>
           <a:p>
-            <a:pPr algn="ctr"/>
-            <a:endParaRPr lang="ko-KR" altLang="en-US"/>
+            <a:pPr algn="dist"/>
+            <a:r>
+              <a:rPr lang="en-US" altLang="ko-KR" sz="4400" b="1" spc="-300" dirty="0" smtClean="0">
+                <a:ln w="0"/>
+                <a:solidFill>
+                  <a:schemeClr val="bg1"/>
+                </a:solidFill>
+                <a:effectLst>
+                  <a:outerShdw blurRad="38100" dist="19050" dir="2700000" algn="tl" rotWithShape="0">
+                    <a:schemeClr val="dk1">
+                      <a:alpha val="40000"/>
+                    </a:schemeClr>
+                  </a:outerShdw>
+                </a:effectLst>
+                <a:latin typeface="Bodoni MT" panose="02070603080606020203" pitchFamily="18" charset="0"/>
+                <a:ea typeface="Adobe Song Std L" panose="02020300000000000000" pitchFamily="18" charset="-128"/>
+                <a:cs typeface="Adobe Naskh Medium" panose="01010101010101010101" pitchFamily="50" charset="-78"/>
+              </a:rPr>
+              <a:t>ROUTING STAR</a:t>
+            </a:r>
+            <a:endParaRPr lang="en-US" altLang="ko-KR" sz="4400" b="1" cap="none" spc="-300" dirty="0" smtClean="0">
+              <a:ln w="0"/>
+              <a:solidFill>
+                <a:schemeClr val="bg1"/>
+              </a:solidFill>
+              <a:effectLst>
+                <a:outerShdw blurRad="38100" dist="19050" dir="2700000" algn="tl" rotWithShape="0">
+                  <a:schemeClr val="dk1">
+                    <a:alpha val="40000"/>
+                  </a:schemeClr>
+                </a:outerShdw>
+              </a:effectLst>
+              <a:latin typeface="Bodoni MT" panose="02070603080606020203" pitchFamily="18" charset="0"/>
+              <a:ea typeface="Adobe Song Std L" panose="02020300000000000000" pitchFamily="18" charset="-128"/>
+              <a:cs typeface="Adobe Naskh Medium" panose="01010101010101010101" pitchFamily="50" charset="-78"/>
+            </a:endParaRPr>
           </a:p>
         </p:txBody>
       </p:sp>
       <p:sp>
         <p:nvSpPr>
-          <p:cNvPr id="33" name="타원 32"/>
+          <p:cNvPr id="22" name="직사각형 21"/>
           <p:cNvSpPr/>
           <p:nvPr/>
         </p:nvSpPr>
         <p:spPr>
           <a:xfrm>
-            <a:off x="8605195" y="920097"/>
-            <a:ext cx="1621208" cy="1637420"/>
-          </a:xfrm>
-          <a:prstGeom prst="ellipse">
-            <a:avLst/>
-          </a:prstGeom>
-          <a:noFill/>
-          <a:ln w="47625">
-            <a:gradFill>
-              <a:gsLst>
-                <a:gs pos="25000">
-                  <a:srgbClr val="F4976C"/>
-                </a:gs>
-                <a:gs pos="0">
-                  <a:srgbClr val="FBE8A6"/>
-                </a:gs>
-                <a:gs pos="50000">
-                  <a:srgbClr val="303C6C"/>
-                </a:gs>
-                <a:gs pos="75000">
-                  <a:srgbClr val="B4DFE5"/>
-                </a:gs>
-                <a:gs pos="100000">
-                  <a:srgbClr val="D2FCFD"/>
-                </a:gs>
-              </a:gsLst>
-              <a:lin ang="5400000" scaled="1"/>
-            </a:gradFill>
-          </a:ln>
-        </p:spPr>
-        <p:style>
-          <a:lnRef idx="2">
-            <a:schemeClr val="accent1">
-              <a:shade val="50000"/>
-            </a:schemeClr>
-          </a:lnRef>
-          <a:fillRef idx="1">
-            <a:schemeClr val="accent1"/>
-          </a:fillRef>
-          <a:effectRef idx="0">
-            <a:schemeClr val="accent1"/>
-          </a:effectRef>
-          <a:fontRef idx="minor">
-            <a:schemeClr val="lt1"/>
-          </a:fontRef>
-        </p:style>
-        <p:txBody>
-          <a:bodyPr rtlCol="0" anchor="ctr"/>
-          <a:lstStyle/>
-          <a:p>
-            <a:pPr algn="ctr"/>
-            <a:endParaRPr lang="ko-KR" altLang="en-US"/>
-          </a:p>
-        </p:txBody>
-      </p:sp>
-      <p:grpSp>
-        <p:nvGrpSpPr>
-          <p:cNvPr id="6" name="그룹 5"/>
-          <p:cNvGrpSpPr/>
-          <p:nvPr/>
-        </p:nvGrpSpPr>
-        <p:grpSpPr>
-          <a:xfrm>
-            <a:off x="7959005" y="920097"/>
-            <a:ext cx="2821350" cy="1584763"/>
-            <a:chOff x="4917248" y="2967335"/>
-            <a:chExt cx="2821350" cy="1584763"/>
-          </a:xfrm>
-        </p:grpSpPr>
-        <p:sp>
-          <p:nvSpPr>
-            <p:cNvPr id="7" name="직사각형 6"/>
-            <p:cNvSpPr/>
-            <p:nvPr/>
-          </p:nvSpPr>
-          <p:spPr>
-            <a:xfrm>
-              <a:off x="4917248" y="2967335"/>
-              <a:ext cx="2821350" cy="923330"/>
-            </a:xfrm>
-            <a:prstGeom prst="rect">
-              <a:avLst/>
-            </a:prstGeom>
-            <a:noFill/>
-          </p:spPr>
-          <p:txBody>
-            <a:bodyPr wrap="none" lIns="91440" tIns="45720" rIns="91440" bIns="45720">
-              <a:spAutoFit/>
-            </a:bodyPr>
-            <a:lstStyle/>
-            <a:p>
-              <a:pPr algn="dist"/>
-              <a:r>
-                <a:rPr lang="en-US" altLang="ko-KR" sz="5400" b="0" cap="none" spc="-300" dirty="0" smtClean="0">
-                  <a:ln w="0"/>
-                  <a:solidFill>
-                    <a:schemeClr val="bg1"/>
-                  </a:solidFill>
-                  <a:effectLst>
-                    <a:outerShdw blurRad="38100" dist="19050" dir="2700000" algn="tl" rotWithShape="0">
-                      <a:schemeClr val="dk1">
-                        <a:alpha val="40000"/>
-                      </a:schemeClr>
-                    </a:outerShdw>
-                  </a:effectLst>
-                  <a:latin typeface="Arial Black" panose="020B0A04020102020204" pitchFamily="34" charset="0"/>
-                </a:rPr>
-                <a:t>Routing</a:t>
-              </a:r>
-            </a:p>
-          </p:txBody>
-        </p:sp>
-        <p:sp>
-          <p:nvSpPr>
-            <p:cNvPr id="8" name="직사각형 7"/>
-            <p:cNvSpPr/>
-            <p:nvPr/>
-          </p:nvSpPr>
-          <p:spPr>
-            <a:xfrm>
-              <a:off x="4917248" y="3628768"/>
-              <a:ext cx="1608133" cy="923330"/>
-            </a:xfrm>
-            <a:prstGeom prst="rect">
-              <a:avLst/>
-            </a:prstGeom>
-            <a:noFill/>
-          </p:spPr>
-          <p:txBody>
-            <a:bodyPr wrap="none" lIns="91440" tIns="45720" rIns="91440" bIns="45720">
-              <a:spAutoFit/>
-            </a:bodyPr>
-            <a:lstStyle/>
-            <a:p>
-              <a:pPr algn="dist"/>
-              <a:r>
-                <a:rPr lang="en-US" altLang="ko-KR" sz="5400" b="0" cap="none" spc="-300" dirty="0" smtClean="0">
-                  <a:ln w="0"/>
-                  <a:solidFill>
-                    <a:schemeClr val="bg1"/>
-                  </a:solidFill>
-                  <a:effectLst>
-                    <a:outerShdw blurRad="38100" dist="19050" dir="2700000" algn="tl" rotWithShape="0">
-                      <a:schemeClr val="dk1">
-                        <a:alpha val="40000"/>
-                      </a:schemeClr>
-                    </a:outerShdw>
-                  </a:effectLst>
-                  <a:latin typeface="Arial Black" panose="020B0A04020102020204" pitchFamily="34" charset="0"/>
-                </a:rPr>
-                <a:t>Star</a:t>
-              </a:r>
-            </a:p>
-          </p:txBody>
-        </p:sp>
-      </p:grpSp>
-      <p:pic>
-        <p:nvPicPr>
-          <p:cNvPr id="37" name="그림 36"/>
-          <p:cNvPicPr>
-            <a:picLocks noChangeAspect="1"/>
-          </p:cNvPicPr>
-          <p:nvPr/>
-        </p:nvPicPr>
-        <p:blipFill>
-          <a:blip r:embed="rId2">
-            <a:duotone>
-              <a:schemeClr val="accent5">
-                <a:shade val="45000"/>
-                <a:satMod val="135000"/>
-              </a:schemeClr>
-              <a:prstClr val="white"/>
-            </a:duotone>
-            <a:extLst>
-              <a:ext uri="{BEBA8EAE-BF5A-486C-A8C5-ECC9F3942E4B}">
-                <a14:imgProps xmlns:a14="http://schemas.microsoft.com/office/drawing/2010/main">
-                  <a14:imgLayer r:embed="rId3">
-                    <a14:imgEffect>
-                      <a14:backgroundRemoval t="10000" b="90000" l="10000" r="90000">
-                        <a14:foregroundMark x1="49823" y1="14332" x2="55830" y2="14332"/>
-                        <a14:foregroundMark x1="67491" y1="32899" x2="70671" y2="35831"/>
-                        <a14:foregroundMark x1="77385" y1="43974" x2="79152" y2="46580"/>
-                        <a14:backgroundMark x1="47350" y1="35179" x2="53357" y2="35831"/>
-                      </a14:backgroundRemoval>
-                    </a14:imgEffect>
-                  </a14:imgLayer>
-                </a14:imgProps>
-              </a:ext>
-            </a:extLst>
-          </a:blip>
-          <a:stretch>
-            <a:fillRect/>
-          </a:stretch>
-        </p:blipFill>
-        <p:spPr>
-          <a:xfrm>
-            <a:off x="9247135" y="1710522"/>
-            <a:ext cx="985719" cy="1069314"/>
+            <a:off x="71975" y="4492079"/>
+            <a:ext cx="4552849" cy="769441"/>
           </a:xfrm>
           <a:prstGeom prst="rect">
             <a:avLst/>
           </a:prstGeom>
+          <a:noFill/>
         </p:spPr>
-      </p:pic>
+        <p:txBody>
+          <a:bodyPr wrap="none" lIns="91440" tIns="45720" rIns="91440" bIns="45720">
+            <a:spAutoFit/>
+          </a:bodyPr>
+          <a:lstStyle/>
+          <a:p>
+            <a:pPr algn="dist"/>
+            <a:r>
+              <a:rPr lang="en-US" altLang="ko-KR" sz="4400" b="1" spc="-300" dirty="0" smtClean="0">
+                <a:ln w="0"/>
+                <a:solidFill>
+                  <a:schemeClr val="bg1"/>
+                </a:solidFill>
+                <a:effectLst>
+                  <a:outerShdw blurRad="38100" dist="19050" dir="2700000" algn="tl" rotWithShape="0">
+                    <a:schemeClr val="dk1">
+                      <a:alpha val="40000"/>
+                    </a:schemeClr>
+                  </a:outerShdw>
+                </a:effectLst>
+                <a:latin typeface="Century Schoolbook" panose="02040604050505020304" pitchFamily="18" charset="0"/>
+                <a:ea typeface="Adobe Song Std L" panose="02020300000000000000" pitchFamily="18" charset="-128"/>
+                <a:cs typeface="Adobe Naskh Medium" panose="01010101010101010101" pitchFamily="50" charset="-78"/>
+              </a:rPr>
+              <a:t>ROUTING STAR</a:t>
+            </a:r>
+            <a:endParaRPr lang="en-US" altLang="ko-KR" sz="4400" b="1" cap="none" spc="-300" dirty="0" smtClean="0">
+              <a:ln w="0"/>
+              <a:solidFill>
+                <a:schemeClr val="bg1"/>
+              </a:solidFill>
+              <a:effectLst>
+                <a:outerShdw blurRad="38100" dist="19050" dir="2700000" algn="tl" rotWithShape="0">
+                  <a:schemeClr val="dk1">
+                    <a:alpha val="40000"/>
+                  </a:schemeClr>
+                </a:outerShdw>
+              </a:effectLst>
+              <a:latin typeface="Century Schoolbook" panose="02040604050505020304" pitchFamily="18" charset="0"/>
+              <a:ea typeface="Adobe Song Std L" panose="02020300000000000000" pitchFamily="18" charset="-128"/>
+              <a:cs typeface="Adobe Naskh Medium" panose="01010101010101010101" pitchFamily="50" charset="-78"/>
+            </a:endParaRPr>
+          </a:p>
+        </p:txBody>
+      </p:sp>
       <p:sp>
         <p:nvSpPr>
-          <p:cNvPr id="38" name="타원 37"/>
+          <p:cNvPr id="23" name="직사각형 22"/>
           <p:cNvSpPr/>
           <p:nvPr/>
         </p:nvSpPr>
         <p:spPr>
           <a:xfrm>
-            <a:off x="1526368" y="3885809"/>
-            <a:ext cx="2738626" cy="2738626"/>
-          </a:xfrm>
-          <a:prstGeom prst="ellipse">
-            <a:avLst/>
-          </a:prstGeom>
-          <a:noFill/>
-          <a:ln w="47625">
-            <a:gradFill>
-              <a:gsLst>
-                <a:gs pos="25000">
-                  <a:srgbClr val="84CEEB"/>
-                </a:gs>
-                <a:gs pos="0">
-                  <a:srgbClr val="5580E9"/>
-                </a:gs>
-                <a:gs pos="50000">
-                  <a:srgbClr val="5AB8EC"/>
-                </a:gs>
-                <a:gs pos="75000">
-                  <a:srgbClr val="C1C8E4"/>
-                </a:gs>
-                <a:gs pos="100000">
-                  <a:srgbClr val="8860D0"/>
-                </a:gs>
-              </a:gsLst>
-              <a:lin ang="5400000" scaled="1"/>
-            </a:gradFill>
-          </a:ln>
-        </p:spPr>
-        <p:style>
-          <a:lnRef idx="2">
-            <a:schemeClr val="accent1">
-              <a:shade val="50000"/>
-            </a:schemeClr>
-          </a:lnRef>
-          <a:fillRef idx="1">
-            <a:schemeClr val="accent1"/>
-          </a:fillRef>
-          <a:effectRef idx="0">
-            <a:schemeClr val="accent1"/>
-          </a:effectRef>
-          <a:fontRef idx="minor">
-            <a:schemeClr val="lt1"/>
-          </a:fontRef>
-        </p:style>
-        <p:txBody>
-          <a:bodyPr rtlCol="0" anchor="ctr"/>
-          <a:lstStyle/>
-          <a:p>
-            <a:pPr algn="ctr"/>
-            <a:endParaRPr lang="ko-KR" altLang="en-US"/>
-          </a:p>
-        </p:txBody>
-      </p:sp>
-      <p:grpSp>
-        <p:nvGrpSpPr>
-          <p:cNvPr id="39" name="그룹 38"/>
-          <p:cNvGrpSpPr/>
-          <p:nvPr/>
-        </p:nvGrpSpPr>
-        <p:grpSpPr>
-          <a:xfrm>
-            <a:off x="722302" y="4396512"/>
-            <a:ext cx="2821350" cy="1584763"/>
-            <a:chOff x="4917248" y="2967335"/>
-            <a:chExt cx="2821350" cy="1584763"/>
-          </a:xfrm>
-        </p:grpSpPr>
-        <p:sp>
-          <p:nvSpPr>
-            <p:cNvPr id="40" name="직사각형 39"/>
-            <p:cNvSpPr/>
-            <p:nvPr/>
-          </p:nvSpPr>
-          <p:spPr>
-            <a:xfrm>
-              <a:off x="4917248" y="2967335"/>
-              <a:ext cx="2821350" cy="923330"/>
-            </a:xfrm>
-            <a:prstGeom prst="rect">
-              <a:avLst/>
-            </a:prstGeom>
-            <a:noFill/>
-          </p:spPr>
-          <p:txBody>
-            <a:bodyPr wrap="none" lIns="91440" tIns="45720" rIns="91440" bIns="45720">
-              <a:spAutoFit/>
-            </a:bodyPr>
-            <a:lstStyle/>
-            <a:p>
-              <a:pPr algn="dist"/>
-              <a:r>
-                <a:rPr lang="en-US" altLang="ko-KR" sz="5400" b="0" cap="none" spc="-300" dirty="0" smtClean="0">
-                  <a:ln w="0"/>
-                  <a:solidFill>
-                    <a:schemeClr val="bg1"/>
-                  </a:solidFill>
-                  <a:effectLst>
-                    <a:outerShdw blurRad="38100" dist="19050" dir="2700000" algn="tl" rotWithShape="0">
-                      <a:schemeClr val="dk1">
-                        <a:alpha val="40000"/>
-                      </a:schemeClr>
-                    </a:outerShdw>
-                  </a:effectLst>
-                  <a:latin typeface="Arial Black" panose="020B0A04020102020204" pitchFamily="34" charset="0"/>
-                </a:rPr>
-                <a:t>Routing</a:t>
-              </a:r>
-            </a:p>
-          </p:txBody>
-        </p:sp>
-        <p:sp>
-          <p:nvSpPr>
-            <p:cNvPr id="41" name="직사각형 40"/>
-            <p:cNvSpPr/>
-            <p:nvPr/>
-          </p:nvSpPr>
-          <p:spPr>
-            <a:xfrm>
-              <a:off x="4917248" y="3628768"/>
-              <a:ext cx="1608133" cy="923330"/>
-            </a:xfrm>
-            <a:prstGeom prst="rect">
-              <a:avLst/>
-            </a:prstGeom>
-            <a:noFill/>
-          </p:spPr>
-          <p:txBody>
-            <a:bodyPr wrap="none" lIns="91440" tIns="45720" rIns="91440" bIns="45720">
-              <a:spAutoFit/>
-            </a:bodyPr>
-            <a:lstStyle/>
-            <a:p>
-              <a:pPr algn="dist"/>
-              <a:r>
-                <a:rPr lang="en-US" altLang="ko-KR" sz="5400" b="0" cap="none" spc="-300" dirty="0" smtClean="0">
-                  <a:ln w="0"/>
-                  <a:solidFill>
-                    <a:schemeClr val="bg1"/>
-                  </a:solidFill>
-                  <a:effectLst>
-                    <a:outerShdw blurRad="38100" dist="19050" dir="2700000" algn="tl" rotWithShape="0">
-                      <a:schemeClr val="dk1">
-                        <a:alpha val="40000"/>
-                      </a:schemeClr>
-                    </a:outerShdw>
-                  </a:effectLst>
-                  <a:latin typeface="Arial Black" panose="020B0A04020102020204" pitchFamily="34" charset="0"/>
-                </a:rPr>
-                <a:t>Star</a:t>
-              </a:r>
-            </a:p>
-          </p:txBody>
-        </p:sp>
-      </p:grpSp>
-      <p:pic>
-        <p:nvPicPr>
-          <p:cNvPr id="42" name="그림 41"/>
-          <p:cNvPicPr>
-            <a:picLocks noChangeAspect="1"/>
-          </p:cNvPicPr>
-          <p:nvPr/>
-        </p:nvPicPr>
-        <p:blipFill>
-          <a:blip r:embed="rId2">
-            <a:duotone>
-              <a:schemeClr val="accent5">
-                <a:shade val="45000"/>
-                <a:satMod val="135000"/>
-              </a:schemeClr>
-              <a:prstClr val="white"/>
-            </a:duotone>
-            <a:extLst>
-              <a:ext uri="{BEBA8EAE-BF5A-486C-A8C5-ECC9F3942E4B}">
-                <a14:imgProps xmlns:a14="http://schemas.microsoft.com/office/drawing/2010/main">
-                  <a14:imgLayer r:embed="rId3">
-                    <a14:imgEffect>
-                      <a14:backgroundRemoval t="10000" b="90000" l="10000" r="90000">
-                        <a14:foregroundMark x1="49823" y1="14332" x2="55830" y2="14332"/>
-                        <a14:foregroundMark x1="67491" y1="32899" x2="70671" y2="35831"/>
-                        <a14:foregroundMark x1="77385" y1="43974" x2="79152" y2="46580"/>
-                        <a14:backgroundMark x1="47350" y1="35179" x2="53357" y2="35831"/>
-                      </a14:backgroundRemoval>
-                    </a14:imgEffect>
-                  </a14:imgLayer>
-                </a14:imgProps>
-              </a:ext>
-            </a:extLst>
-          </a:blip>
-          <a:stretch>
-            <a:fillRect/>
-          </a:stretch>
-        </p:blipFill>
-        <p:spPr>
-          <a:xfrm>
-            <a:off x="5829311" y="4688146"/>
-            <a:ext cx="985719" cy="1069314"/>
+            <a:off x="71894" y="5263497"/>
+            <a:ext cx="3480440" cy="1015663"/>
           </a:xfrm>
           <a:prstGeom prst="rect">
             <a:avLst/>
           </a:prstGeom>
+          <a:noFill/>
         </p:spPr>
-      </p:pic>
+        <p:txBody>
+          <a:bodyPr wrap="none" lIns="91440" tIns="45720" rIns="91440" bIns="45720">
+            <a:spAutoFit/>
+          </a:bodyPr>
+          <a:lstStyle/>
+          <a:p>
+            <a:pPr algn="dist"/>
+            <a:r>
+              <a:rPr lang="en-US" altLang="ko-KR" sz="6000" b="1" spc="-300" dirty="0" smtClean="0">
+                <a:ln w="0"/>
+                <a:solidFill>
+                  <a:schemeClr val="bg1"/>
+                </a:solidFill>
+                <a:effectLst>
+                  <a:outerShdw blurRad="38100" dist="19050" dir="2700000" algn="tl" rotWithShape="0">
+                    <a:schemeClr val="dk1">
+                      <a:alpha val="40000"/>
+                    </a:schemeClr>
+                  </a:outerShdw>
+                </a:effectLst>
+                <a:latin typeface="Chiller" panose="04020404031007020602" pitchFamily="82" charset="0"/>
+                <a:ea typeface="Adobe Song Std L" panose="02020300000000000000" pitchFamily="18" charset="-128"/>
+                <a:cs typeface="Adobe Naskh Medium" panose="01010101010101010101" pitchFamily="50" charset="-78"/>
+              </a:rPr>
+              <a:t>ROUTING STAR</a:t>
+            </a:r>
+            <a:endParaRPr lang="en-US" altLang="ko-KR" sz="6000" b="1" cap="none" spc="-300" dirty="0" smtClean="0">
+              <a:ln w="0"/>
+              <a:solidFill>
+                <a:schemeClr val="bg1"/>
+              </a:solidFill>
+              <a:effectLst>
+                <a:outerShdw blurRad="38100" dist="19050" dir="2700000" algn="tl" rotWithShape="0">
+                  <a:schemeClr val="dk1">
+                    <a:alpha val="40000"/>
+                  </a:schemeClr>
+                </a:outerShdw>
+              </a:effectLst>
+              <a:latin typeface="Chiller" panose="04020404031007020602" pitchFamily="82" charset="0"/>
+              <a:ea typeface="Adobe Song Std L" panose="02020300000000000000" pitchFamily="18" charset="-128"/>
+              <a:cs typeface="Adobe Naskh Medium" panose="01010101010101010101" pitchFamily="50" charset="-78"/>
+            </a:endParaRPr>
+          </a:p>
+        </p:txBody>
+      </p:sp>
       <p:sp>
         <p:nvSpPr>
-          <p:cNvPr id="48" name="타원 47"/>
+          <p:cNvPr id="24" name="직사각형 23"/>
           <p:cNvSpPr/>
           <p:nvPr/>
         </p:nvSpPr>
         <p:spPr>
           <a:xfrm>
-            <a:off x="8344711" y="3849576"/>
-            <a:ext cx="2738626" cy="2738626"/>
-          </a:xfrm>
-          <a:prstGeom prst="ellipse">
-            <a:avLst/>
-          </a:prstGeom>
-          <a:noFill/>
-          <a:ln w="47625">
-            <a:gradFill>
-              <a:gsLst>
-                <a:gs pos="25000">
-                  <a:srgbClr val="F4976C"/>
-                </a:gs>
-                <a:gs pos="0">
-                  <a:srgbClr val="FBE8A6"/>
-                </a:gs>
-                <a:gs pos="50000">
-                  <a:srgbClr val="303C6C"/>
-                </a:gs>
-                <a:gs pos="75000">
-                  <a:srgbClr val="B4DFE5"/>
-                </a:gs>
-                <a:gs pos="100000">
-                  <a:srgbClr val="D2FCFD"/>
-                </a:gs>
-              </a:gsLst>
-              <a:lin ang="5400000" scaled="1"/>
-            </a:gradFill>
-          </a:ln>
-        </p:spPr>
-        <p:style>
-          <a:lnRef idx="2">
-            <a:schemeClr val="accent1">
-              <a:shade val="50000"/>
-            </a:schemeClr>
-          </a:lnRef>
-          <a:fillRef idx="1">
-            <a:schemeClr val="accent1"/>
-          </a:fillRef>
-          <a:effectRef idx="0">
-            <a:schemeClr val="accent1"/>
-          </a:effectRef>
-          <a:fontRef idx="minor">
-            <a:schemeClr val="lt1"/>
-          </a:fontRef>
-        </p:style>
-        <p:txBody>
-          <a:bodyPr rtlCol="0" anchor="ctr"/>
-          <a:lstStyle/>
-          <a:p>
-            <a:pPr algn="ctr"/>
-            <a:endParaRPr lang="ko-KR" altLang="en-US"/>
-          </a:p>
-        </p:txBody>
-      </p:sp>
-      <p:grpSp>
-        <p:nvGrpSpPr>
-          <p:cNvPr id="49" name="그룹 48"/>
-          <p:cNvGrpSpPr/>
-          <p:nvPr/>
-        </p:nvGrpSpPr>
-        <p:grpSpPr>
-          <a:xfrm>
-            <a:off x="7540645" y="4360279"/>
-            <a:ext cx="2821350" cy="1584763"/>
-            <a:chOff x="4917248" y="2967335"/>
-            <a:chExt cx="2821350" cy="1584763"/>
-          </a:xfrm>
-        </p:grpSpPr>
-        <p:sp>
-          <p:nvSpPr>
-            <p:cNvPr id="50" name="직사각형 49"/>
-            <p:cNvSpPr/>
-            <p:nvPr/>
-          </p:nvSpPr>
-          <p:spPr>
-            <a:xfrm>
-              <a:off x="4917248" y="2967335"/>
-              <a:ext cx="2821350" cy="923330"/>
-            </a:xfrm>
-            <a:prstGeom prst="rect">
-              <a:avLst/>
-            </a:prstGeom>
-            <a:noFill/>
-          </p:spPr>
-          <p:txBody>
-            <a:bodyPr wrap="none" lIns="91440" tIns="45720" rIns="91440" bIns="45720">
-              <a:spAutoFit/>
-            </a:bodyPr>
-            <a:lstStyle/>
-            <a:p>
-              <a:pPr algn="dist"/>
-              <a:r>
-                <a:rPr lang="en-US" altLang="ko-KR" sz="5400" b="0" cap="none" spc="-300" dirty="0" smtClean="0">
-                  <a:ln w="0"/>
-                  <a:solidFill>
-                    <a:schemeClr val="bg1"/>
-                  </a:solidFill>
-                  <a:effectLst>
-                    <a:outerShdw blurRad="38100" dist="19050" dir="2700000" algn="tl" rotWithShape="0">
-                      <a:schemeClr val="dk1">
-                        <a:alpha val="40000"/>
-                      </a:schemeClr>
-                    </a:outerShdw>
-                  </a:effectLst>
-                  <a:latin typeface="Arial Black" panose="020B0A04020102020204" pitchFamily="34" charset="0"/>
-                </a:rPr>
-                <a:t>Routing</a:t>
-              </a:r>
-            </a:p>
-          </p:txBody>
-        </p:sp>
-        <p:sp>
-          <p:nvSpPr>
-            <p:cNvPr id="51" name="직사각형 50"/>
-            <p:cNvSpPr/>
-            <p:nvPr/>
-          </p:nvSpPr>
-          <p:spPr>
-            <a:xfrm>
-              <a:off x="4917248" y="3628768"/>
-              <a:ext cx="1608133" cy="923330"/>
-            </a:xfrm>
-            <a:prstGeom prst="rect">
-              <a:avLst/>
-            </a:prstGeom>
-            <a:noFill/>
-          </p:spPr>
-          <p:txBody>
-            <a:bodyPr wrap="none" lIns="91440" tIns="45720" rIns="91440" bIns="45720">
-              <a:spAutoFit/>
-            </a:bodyPr>
-            <a:lstStyle/>
-            <a:p>
-              <a:pPr algn="dist"/>
-              <a:r>
-                <a:rPr lang="en-US" altLang="ko-KR" sz="5400" b="0" cap="none" spc="-300" dirty="0" smtClean="0">
-                  <a:ln w="0"/>
-                  <a:solidFill>
-                    <a:schemeClr val="bg1"/>
-                  </a:solidFill>
-                  <a:effectLst>
-                    <a:outerShdw blurRad="38100" dist="19050" dir="2700000" algn="tl" rotWithShape="0">
-                      <a:schemeClr val="dk1">
-                        <a:alpha val="40000"/>
-                      </a:schemeClr>
-                    </a:outerShdw>
-                  </a:effectLst>
-                  <a:latin typeface="Arial Black" panose="020B0A04020102020204" pitchFamily="34" charset="0"/>
-                </a:rPr>
-                <a:t>Star</a:t>
-              </a:r>
-            </a:p>
-          </p:txBody>
-        </p:sp>
-      </p:grpSp>
-      <p:pic>
-        <p:nvPicPr>
-          <p:cNvPr id="57" name="그림 56"/>
-          <p:cNvPicPr>
-            <a:picLocks noChangeAspect="1"/>
-          </p:cNvPicPr>
-          <p:nvPr/>
-        </p:nvPicPr>
-        <p:blipFill>
-          <a:blip r:embed="rId4">
-            <a:extLst>
-              <a:ext uri="{BEBA8EAE-BF5A-486C-A8C5-ECC9F3942E4B}">
-                <a14:imgProps xmlns:a14="http://schemas.microsoft.com/office/drawing/2010/main">
-                  <a14:imgLayer r:embed="rId5">
-                    <a14:imgEffect>
-                      <a14:backgroundRemoval t="10000" b="90000" l="10000" r="90000"/>
-                    </a14:imgEffect>
-                  </a14:imgLayer>
-                </a14:imgProps>
-              </a:ext>
-            </a:extLst>
-          </a:blip>
-          <a:stretch>
-            <a:fillRect/>
-          </a:stretch>
-        </p:blipFill>
-        <p:spPr>
-          <a:xfrm>
-            <a:off x="4558952" y="4018052"/>
-            <a:ext cx="1857593" cy="1870018"/>
+            <a:off x="7689870" y="165740"/>
+            <a:ext cx="4500143" cy="769441"/>
           </a:xfrm>
           <a:prstGeom prst="rect">
             <a:avLst/>
           </a:prstGeom>
+          <a:noFill/>
         </p:spPr>
-      </p:pic>
-      <p:pic>
-        <p:nvPicPr>
-          <p:cNvPr id="58" name="그림 57"/>
-          <p:cNvPicPr>
-            <a:picLocks noChangeAspect="1"/>
-          </p:cNvPicPr>
-          <p:nvPr/>
-        </p:nvPicPr>
-        <p:blipFill>
-          <a:blip r:embed="rId6">
-            <a:extLst>
-              <a:ext uri="{BEBA8EAE-BF5A-486C-A8C5-ECC9F3942E4B}">
-                <a14:imgProps xmlns:a14="http://schemas.microsoft.com/office/drawing/2010/main">
-                  <a14:imgLayer r:embed="rId7">
-                    <a14:imgEffect>
-                      <a14:backgroundRemoval t="0" b="96657" l="47852" r="100000">
-                        <a14:foregroundMark x1="68359" y1="7903" x2="75195" y2="5471"/>
-                        <a14:foregroundMark x1="72266" y1="3343" x2="84961" y2="19149"/>
-                        <a14:foregroundMark x1="74805" y1="5167" x2="77734" y2="4863"/>
-                        <a14:foregroundMark x1="73242" y1="3040" x2="77148" y2="3647"/>
-                        <a14:foregroundMark x1="76953" y1="3343" x2="79492" y2="3647"/>
-                        <a14:foregroundMark x1="79102" y1="3647" x2="82617" y2="6687"/>
-                        <a14:foregroundMark x1="79102" y1="4255" x2="86328" y2="9422"/>
-                        <a14:foregroundMark x1="87891" y1="11246" x2="91797" y2="16413"/>
-                      </a14:backgroundRemoval>
-                    </a14:imgEffect>
-                  </a14:imgLayer>
-                </a14:imgProps>
-              </a:ext>
-            </a:extLst>
-          </a:blip>
-          <a:stretch>
-            <a:fillRect/>
-          </a:stretch>
-        </p:blipFill>
-        <p:spPr>
-          <a:xfrm>
-            <a:off x="4960424" y="3353735"/>
-            <a:ext cx="1873393" cy="1203801"/>
-          </a:xfrm>
-          <a:prstGeom prst="rect">
-            <a:avLst/>
-          </a:prstGeom>
-        </p:spPr>
-      </p:pic>
+        <p:txBody>
+          <a:bodyPr wrap="none" lIns="91440" tIns="45720" rIns="91440" bIns="45720">
+            <a:spAutoFit/>
+          </a:bodyPr>
+          <a:lstStyle/>
+          <a:p>
+            <a:pPr algn="dist"/>
+            <a:r>
+              <a:rPr lang="en-US" altLang="ko-KR" sz="4400" b="1" spc="-300" dirty="0" smtClean="0">
+                <a:ln w="0"/>
+                <a:solidFill>
+                  <a:schemeClr val="bg1"/>
+                </a:solidFill>
+                <a:effectLst>
+                  <a:outerShdw blurRad="38100" dist="19050" dir="2700000" algn="tl" rotWithShape="0">
+                    <a:schemeClr val="dk1">
+                      <a:alpha val="40000"/>
+                    </a:schemeClr>
+                  </a:outerShdw>
+                </a:effectLst>
+                <a:latin typeface="Arial Black" panose="020B0A04020102020204" pitchFamily="34" charset="0"/>
+              </a:rPr>
+              <a:t>ROUTING STAR</a:t>
+            </a:r>
+            <a:endParaRPr lang="en-US" altLang="ko-KR" sz="4400" b="1" cap="none" spc="-300" dirty="0" smtClean="0">
+              <a:ln w="0"/>
+              <a:solidFill>
+                <a:schemeClr val="bg1"/>
+              </a:solidFill>
+              <a:effectLst>
+                <a:outerShdw blurRad="38100" dist="19050" dir="2700000" algn="tl" rotWithShape="0">
+                  <a:schemeClr val="dk1">
+                    <a:alpha val="40000"/>
+                  </a:schemeClr>
+                </a:outerShdw>
+              </a:effectLst>
+              <a:latin typeface="Arial Black" panose="020B0A04020102020204" pitchFamily="34" charset="0"/>
+            </a:endParaRPr>
+          </a:p>
+        </p:txBody>
+      </p:sp>
       <p:sp>
         <p:nvSpPr>
-          <p:cNvPr id="36" name="포인트가 5개인 별 35"/>
+          <p:cNvPr id="25" name="직사각형 24"/>
           <p:cNvSpPr/>
           <p:nvPr/>
         </p:nvSpPr>
         <p:spPr>
           <a:xfrm>
-            <a:off x="5068229" y="2661349"/>
-            <a:ext cx="317459" cy="317459"/>
+            <a:off x="7774765" y="822415"/>
+            <a:ext cx="4368183" cy="769441"/>
           </a:xfrm>
-          <a:prstGeom prst="star5">
+          <a:prstGeom prst="rect">
             <a:avLst/>
           </a:prstGeom>
-          <a:gradFill flip="none" rotWithShape="1">
-            <a:gsLst>
-              <a:gs pos="25000">
-                <a:srgbClr val="84CEEB"/>
-              </a:gs>
-              <a:gs pos="0">
-                <a:srgbClr val="5580E9"/>
-              </a:gs>
-              <a:gs pos="50000">
-                <a:srgbClr val="5AB8EC"/>
-              </a:gs>
-              <a:gs pos="75000">
-                <a:srgbClr val="C1C8E4"/>
-              </a:gs>
-            </a:gsLst>
-            <a:lin ang="2700000" scaled="1"/>
-            <a:tileRect/>
-          </a:gradFill>
-          <a:ln>
-            <a:noFill/>
-          </a:ln>
-          <a:effectLst>
-            <a:softEdge rad="12700"/>
-          </a:effectLst>
+          <a:noFill/>
         </p:spPr>
-        <p:style>
-          <a:lnRef idx="2">
-            <a:schemeClr val="accent1">
-              <a:shade val="50000"/>
-            </a:schemeClr>
-          </a:lnRef>
-          <a:fillRef idx="1">
-            <a:schemeClr val="accent1"/>
-          </a:fillRef>
-          <a:effectRef idx="0">
-            <a:schemeClr val="accent1"/>
-          </a:effectRef>
-          <a:fontRef idx="minor">
-            <a:schemeClr val="lt1"/>
-          </a:fontRef>
-        </p:style>
         <p:txBody>
-          <a:bodyPr rtlCol="0" anchor="ctr"/>
+          <a:bodyPr wrap="none" lIns="91440" tIns="45720" rIns="91440" bIns="45720">
+            <a:spAutoFit/>
+          </a:bodyPr>
           <a:lstStyle/>
           <a:p>
-            <a:pPr algn="ctr"/>
-            <a:endParaRPr lang="ko-KR" altLang="en-US"/>
+            <a:pPr algn="dist"/>
+            <a:r>
+              <a:rPr lang="en-US" altLang="ko-KR" sz="4400" b="1" spc="-300" dirty="0" smtClean="0">
+                <a:ln w="0"/>
+                <a:solidFill>
+                  <a:schemeClr val="bg1"/>
+                </a:solidFill>
+                <a:effectLst>
+                  <a:outerShdw blurRad="38100" dist="19050" dir="2700000" algn="tl" rotWithShape="0">
+                    <a:schemeClr val="dk1">
+                      <a:alpha val="40000"/>
+                    </a:schemeClr>
+                  </a:outerShdw>
+                </a:effectLst>
+                <a:latin typeface="Cooper Black" panose="0208090404030B020404" pitchFamily="18" charset="0"/>
+                <a:ea typeface="Adobe Song Std L" panose="02020300000000000000" pitchFamily="18" charset="-128"/>
+                <a:cs typeface="Adobe Naskh Medium" panose="01010101010101010101" pitchFamily="50" charset="-78"/>
+              </a:rPr>
+              <a:t>ROUTING STAR</a:t>
+            </a:r>
+            <a:endParaRPr lang="en-US" altLang="ko-KR" sz="4400" b="1" cap="none" spc="-300" dirty="0" smtClean="0">
+              <a:ln w="0"/>
+              <a:solidFill>
+                <a:schemeClr val="bg1"/>
+              </a:solidFill>
+              <a:effectLst>
+                <a:outerShdw blurRad="38100" dist="19050" dir="2700000" algn="tl" rotWithShape="0">
+                  <a:schemeClr val="dk1">
+                    <a:alpha val="40000"/>
+                  </a:schemeClr>
+                </a:outerShdw>
+              </a:effectLst>
+              <a:latin typeface="Cooper Black" panose="0208090404030B020404" pitchFamily="18" charset="0"/>
+              <a:ea typeface="Adobe Song Std L" panose="02020300000000000000" pitchFamily="18" charset="-128"/>
+              <a:cs typeface="Adobe Naskh Medium" panose="01010101010101010101" pitchFamily="50" charset="-78"/>
+            </a:endParaRPr>
+          </a:p>
+        </p:txBody>
+      </p:sp>
+      <p:sp>
+        <p:nvSpPr>
+          <p:cNvPr id="26" name="직사각형 25"/>
+          <p:cNvSpPr/>
+          <p:nvPr/>
+        </p:nvSpPr>
+        <p:spPr>
+          <a:xfrm>
+            <a:off x="7878024" y="1605285"/>
+            <a:ext cx="4171335" cy="769441"/>
+          </a:xfrm>
+          <a:prstGeom prst="rect">
+            <a:avLst/>
+          </a:prstGeom>
+          <a:noFill/>
+        </p:spPr>
+        <p:txBody>
+          <a:bodyPr wrap="none" lIns="91440" tIns="45720" rIns="91440" bIns="45720">
+            <a:spAutoFit/>
+          </a:bodyPr>
+          <a:lstStyle/>
+          <a:p>
+            <a:pPr algn="dist"/>
+            <a:r>
+              <a:rPr lang="en-US" altLang="ko-KR" sz="4400" b="1" spc="-300" dirty="0" smtClean="0">
+                <a:ln w="0"/>
+                <a:solidFill>
+                  <a:schemeClr val="bg1"/>
+                </a:solidFill>
+                <a:effectLst>
+                  <a:outerShdw blurRad="38100" dist="19050" dir="2700000" algn="tl" rotWithShape="0">
+                    <a:schemeClr val="dk1">
+                      <a:alpha val="40000"/>
+                    </a:schemeClr>
+                  </a:outerShdw>
+                </a:effectLst>
+                <a:latin typeface="Eras Bold ITC" panose="020B0907030504020204" pitchFamily="34" charset="0"/>
+                <a:ea typeface="Adobe Song Std L" panose="02020300000000000000" pitchFamily="18" charset="-128"/>
+                <a:cs typeface="Adobe Naskh Medium" panose="01010101010101010101" pitchFamily="50" charset="-78"/>
+              </a:rPr>
+              <a:t>ROUTING STAR</a:t>
+            </a:r>
+            <a:endParaRPr lang="en-US" altLang="ko-KR" sz="4400" b="1" cap="none" spc="-300" dirty="0" smtClean="0">
+              <a:ln w="0"/>
+              <a:solidFill>
+                <a:schemeClr val="bg1"/>
+              </a:solidFill>
+              <a:effectLst>
+                <a:outerShdw blurRad="38100" dist="19050" dir="2700000" algn="tl" rotWithShape="0">
+                  <a:schemeClr val="dk1">
+                    <a:alpha val="40000"/>
+                  </a:schemeClr>
+                </a:outerShdw>
+              </a:effectLst>
+              <a:latin typeface="Eras Bold ITC" panose="020B0907030504020204" pitchFamily="34" charset="0"/>
+              <a:ea typeface="Adobe Song Std L" panose="02020300000000000000" pitchFamily="18" charset="-128"/>
+              <a:cs typeface="Adobe Naskh Medium" panose="01010101010101010101" pitchFamily="50" charset="-78"/>
+            </a:endParaRPr>
+          </a:p>
+        </p:txBody>
+      </p:sp>
+      <p:sp>
+        <p:nvSpPr>
+          <p:cNvPr id="27" name="직사각형 26"/>
+          <p:cNvSpPr/>
+          <p:nvPr/>
+        </p:nvSpPr>
+        <p:spPr>
+          <a:xfrm>
+            <a:off x="8037016" y="2529049"/>
+            <a:ext cx="3805850" cy="769441"/>
+          </a:xfrm>
+          <a:prstGeom prst="rect">
+            <a:avLst/>
+          </a:prstGeom>
+          <a:noFill/>
+        </p:spPr>
+        <p:txBody>
+          <a:bodyPr wrap="none" lIns="91440" tIns="45720" rIns="91440" bIns="45720">
+            <a:spAutoFit/>
+          </a:bodyPr>
+          <a:lstStyle/>
+          <a:p>
+            <a:pPr algn="dist"/>
+            <a:r>
+              <a:rPr lang="en-US" altLang="ko-KR" sz="4400" b="1" spc="-300" dirty="0" smtClean="0">
+                <a:ln w="0"/>
+                <a:solidFill>
+                  <a:schemeClr val="bg1"/>
+                </a:solidFill>
+                <a:effectLst>
+                  <a:outerShdw blurRad="38100" dist="19050" dir="2700000" algn="tl" rotWithShape="0">
+                    <a:schemeClr val="dk1">
+                      <a:alpha val="40000"/>
+                    </a:schemeClr>
+                  </a:outerShdw>
+                </a:effectLst>
+                <a:latin typeface="Leelawadee UI" panose="020B0502040204020203" pitchFamily="34" charset="-34"/>
+                <a:ea typeface="Adobe Song Std L" panose="02020300000000000000" pitchFamily="18" charset="-128"/>
+                <a:cs typeface="Leelawadee UI" panose="020B0502040204020203" pitchFamily="34" charset="-34"/>
+              </a:rPr>
+              <a:t>ROUTING STAR</a:t>
+            </a:r>
+            <a:endParaRPr lang="en-US" altLang="ko-KR" sz="4400" b="1" cap="none" spc="-300" dirty="0" smtClean="0">
+              <a:ln w="0"/>
+              <a:solidFill>
+                <a:schemeClr val="bg1"/>
+              </a:solidFill>
+              <a:effectLst>
+                <a:outerShdw blurRad="38100" dist="19050" dir="2700000" algn="tl" rotWithShape="0">
+                  <a:schemeClr val="dk1">
+                    <a:alpha val="40000"/>
+                  </a:schemeClr>
+                </a:outerShdw>
+              </a:effectLst>
+              <a:latin typeface="Leelawadee UI" panose="020B0502040204020203" pitchFamily="34" charset="-34"/>
+              <a:ea typeface="Adobe Song Std L" panose="02020300000000000000" pitchFamily="18" charset="-128"/>
+              <a:cs typeface="Leelawadee UI" panose="020B0502040204020203" pitchFamily="34" charset="-34"/>
+            </a:endParaRPr>
+          </a:p>
+        </p:txBody>
+      </p:sp>
+      <p:sp>
+        <p:nvSpPr>
+          <p:cNvPr id="28" name="직사각형 27"/>
+          <p:cNvSpPr/>
+          <p:nvPr/>
+        </p:nvSpPr>
+        <p:spPr>
+          <a:xfrm>
+            <a:off x="8354280" y="3588320"/>
+            <a:ext cx="3555782" cy="769441"/>
+          </a:xfrm>
+          <a:prstGeom prst="rect">
+            <a:avLst/>
+          </a:prstGeom>
+          <a:noFill/>
+        </p:spPr>
+        <p:txBody>
+          <a:bodyPr wrap="none" lIns="91440" tIns="45720" rIns="91440" bIns="45720">
+            <a:spAutoFit/>
+          </a:bodyPr>
+          <a:lstStyle/>
+          <a:p>
+            <a:pPr algn="dist"/>
+            <a:r>
+              <a:rPr lang="en-US" altLang="ko-KR" sz="4400" b="1" spc="-300" dirty="0" smtClean="0">
+                <a:ln w="0"/>
+                <a:solidFill>
+                  <a:schemeClr val="bg1"/>
+                </a:solidFill>
+                <a:effectLst>
+                  <a:outerShdw blurRad="38100" dist="19050" dir="2700000" algn="tl" rotWithShape="0">
+                    <a:schemeClr val="dk1">
+                      <a:alpha val="40000"/>
+                    </a:schemeClr>
+                  </a:outerShdw>
+                </a:effectLst>
+                <a:latin typeface="Roboto" panose="02000000000000000000" pitchFamily="2" charset="0"/>
+                <a:ea typeface="Roboto" panose="02000000000000000000" pitchFamily="2" charset="0"/>
+                <a:cs typeface="Leelawadee UI" panose="020B0502040204020203" pitchFamily="34" charset="-34"/>
+              </a:rPr>
+              <a:t>ROUTING STAR</a:t>
+            </a:r>
+            <a:endParaRPr lang="en-US" altLang="ko-KR" sz="4400" b="1" cap="none" spc="-300" dirty="0" smtClean="0">
+              <a:ln w="0"/>
+              <a:solidFill>
+                <a:schemeClr val="bg1"/>
+              </a:solidFill>
+              <a:effectLst>
+                <a:outerShdw blurRad="38100" dist="19050" dir="2700000" algn="tl" rotWithShape="0">
+                  <a:schemeClr val="dk1">
+                    <a:alpha val="40000"/>
+                  </a:schemeClr>
+                </a:outerShdw>
+              </a:effectLst>
+              <a:latin typeface="Roboto" panose="02000000000000000000" pitchFamily="2" charset="0"/>
+              <a:ea typeface="Roboto" panose="02000000000000000000" pitchFamily="2" charset="0"/>
+              <a:cs typeface="Leelawadee UI" panose="020B0502040204020203" pitchFamily="34" charset="-34"/>
+            </a:endParaRPr>
           </a:p>
         </p:txBody>
       </p:sp>
     </p:spTree>
     <p:extLst>
       <p:ext uri="{BB962C8B-B14F-4D97-AF65-F5344CB8AC3E}">
-        <p14:creationId xmlns:p14="http://schemas.microsoft.com/office/powerpoint/2010/main" val="2769495287"/>
+        <p14:creationId xmlns:p14="http://schemas.microsoft.com/office/powerpoint/2010/main" val="3996300513"/>
       </p:ext>
     </p:extLst>
   </p:cSld>
@@ -26629,6 +28056,82 @@
       </p:par>
     </p:tnLst>
   </p:timing>
+</p:sld>
+</file>
+
+<file path=ppt/slides/slide9.xml><?xml version="1.0" encoding="utf-8"?>
+<p:sld xmlns:a="http://schemas.openxmlformats.org/drawingml/2006/main" xmlns:r="http://schemas.openxmlformats.org/officeDocument/2006/relationships" xmlns:p="http://schemas.openxmlformats.org/presentationml/2006/main">
+  <p:cSld>
+    <p:bg>
+      <p:bgPr>
+        <a:solidFill>
+          <a:srgbClr val="000000"/>
+        </a:solidFill>
+        <a:effectLst/>
+      </p:bgPr>
+    </p:bg>
+    <p:spTree>
+      <p:nvGrpSpPr>
+        <p:cNvPr id="1" name=""/>
+        <p:cNvGrpSpPr/>
+        <p:nvPr/>
+      </p:nvGrpSpPr>
+      <p:grpSpPr>
+        <a:xfrm>
+          <a:off x="0" y="0"/>
+          <a:ext cx="0" cy="0"/>
+          <a:chOff x="0" y="0"/>
+          <a:chExt cx="0" cy="0"/>
+        </a:xfrm>
+      </p:grpSpPr>
+      <p:sp>
+        <p:nvSpPr>
+          <p:cNvPr id="4" name="TextBox 3"/>
+          <p:cNvSpPr txBox="1"/>
+          <p:nvPr/>
+        </p:nvSpPr>
+        <p:spPr>
+          <a:xfrm>
+            <a:off x="8284357" y="194293"/>
+            <a:ext cx="3348674" cy="769441"/>
+          </a:xfrm>
+          <a:prstGeom prst="rect">
+            <a:avLst/>
+          </a:prstGeom>
+          <a:noFill/>
+        </p:spPr>
+        <p:txBody>
+          <a:bodyPr wrap="none" rtlCol="0">
+            <a:spAutoFit/>
+          </a:bodyPr>
+          <a:lstStyle/>
+          <a:p>
+            <a:r>
+              <a:rPr lang="en-US" altLang="ko-KR" sz="4400" dirty="0" smtClean="0">
+                <a:solidFill>
+                  <a:schemeClr val="bg1"/>
+                </a:solidFill>
+              </a:rPr>
+              <a:t>Routing Star</a:t>
+            </a:r>
+            <a:endParaRPr lang="ko-KR" altLang="en-US" sz="4400" dirty="0">
+              <a:solidFill>
+                <a:schemeClr val="bg1"/>
+              </a:solidFill>
+            </a:endParaRPr>
+          </a:p>
+        </p:txBody>
+      </p:sp>
+    </p:spTree>
+    <p:extLst>
+      <p:ext uri="{BB962C8B-B14F-4D97-AF65-F5344CB8AC3E}">
+        <p14:creationId xmlns:p14="http://schemas.microsoft.com/office/powerpoint/2010/main" val="1805808318"/>
+      </p:ext>
+    </p:extLst>
+  </p:cSld>
+  <p:clrMapOvr>
+    <a:masterClrMapping/>
+  </p:clrMapOvr>
 </p:sld>
 </file>
 

--- a/공통pjt/기획발표(중간발표)/로고디자인.pptx
+++ b/공통pjt/기획발표(중간발표)/로고디자인.pptx
@@ -12,27 +12,28 @@
     <p:sldId id="285" r:id="rId6"/>
     <p:sldId id="286" r:id="rId7"/>
     <p:sldId id="289" r:id="rId8"/>
-    <p:sldId id="291" r:id="rId9"/>
-    <p:sldId id="290" r:id="rId10"/>
-    <p:sldId id="257" r:id="rId11"/>
-    <p:sldId id="259" r:id="rId12"/>
-    <p:sldId id="260" r:id="rId13"/>
-    <p:sldId id="276" r:id="rId14"/>
-    <p:sldId id="271" r:id="rId15"/>
-    <p:sldId id="282" r:id="rId16"/>
-    <p:sldId id="283" r:id="rId17"/>
-    <p:sldId id="277" r:id="rId18"/>
-    <p:sldId id="278" r:id="rId19"/>
-    <p:sldId id="281" r:id="rId20"/>
-    <p:sldId id="280" r:id="rId21"/>
-    <p:sldId id="279" r:id="rId22"/>
-    <p:sldId id="274" r:id="rId23"/>
-    <p:sldId id="275" r:id="rId24"/>
-    <p:sldId id="272" r:id="rId25"/>
-    <p:sldId id="273" r:id="rId26"/>
-    <p:sldId id="269" r:id="rId27"/>
-    <p:sldId id="270" r:id="rId28"/>
-    <p:sldId id="262" r:id="rId29"/>
+    <p:sldId id="292" r:id="rId9"/>
+    <p:sldId id="291" r:id="rId10"/>
+    <p:sldId id="290" r:id="rId11"/>
+    <p:sldId id="257" r:id="rId12"/>
+    <p:sldId id="259" r:id="rId13"/>
+    <p:sldId id="260" r:id="rId14"/>
+    <p:sldId id="276" r:id="rId15"/>
+    <p:sldId id="271" r:id="rId16"/>
+    <p:sldId id="282" r:id="rId17"/>
+    <p:sldId id="283" r:id="rId18"/>
+    <p:sldId id="277" r:id="rId19"/>
+    <p:sldId id="278" r:id="rId20"/>
+    <p:sldId id="281" r:id="rId21"/>
+    <p:sldId id="280" r:id="rId22"/>
+    <p:sldId id="279" r:id="rId23"/>
+    <p:sldId id="274" r:id="rId24"/>
+    <p:sldId id="275" r:id="rId25"/>
+    <p:sldId id="272" r:id="rId26"/>
+    <p:sldId id="273" r:id="rId27"/>
+    <p:sldId id="269" r:id="rId28"/>
+    <p:sldId id="270" r:id="rId29"/>
+    <p:sldId id="262" r:id="rId30"/>
   </p:sldIdLst>
   <p:sldSz cx="12192000" cy="6858000"/>
   <p:notesSz cx="6858000" cy="9144000"/>
@@ -270,7 +271,7 @@
           <a:p>
             <a:fld id="{5B37FFA5-62A0-45EC-99FA-B875B259B12B}" type="datetimeFigureOut">
               <a:rPr lang="ko-KR" altLang="en-US" smtClean="0"/>
-              <a:t>2021-08-14</a:t>
+              <a:t>2021-08-17</a:t>
             </a:fld>
             <a:endParaRPr lang="ko-KR" altLang="en-US"/>
           </a:p>
@@ -440,7 +441,7 @@
           <a:p>
             <a:fld id="{5B37FFA5-62A0-45EC-99FA-B875B259B12B}" type="datetimeFigureOut">
               <a:rPr lang="ko-KR" altLang="en-US" smtClean="0"/>
-              <a:t>2021-08-14</a:t>
+              <a:t>2021-08-17</a:t>
             </a:fld>
             <a:endParaRPr lang="ko-KR" altLang="en-US"/>
           </a:p>
@@ -620,7 +621,7 @@
           <a:p>
             <a:fld id="{5B37FFA5-62A0-45EC-99FA-B875B259B12B}" type="datetimeFigureOut">
               <a:rPr lang="ko-KR" altLang="en-US" smtClean="0"/>
-              <a:t>2021-08-14</a:t>
+              <a:t>2021-08-17</a:t>
             </a:fld>
             <a:endParaRPr lang="ko-KR" altLang="en-US"/>
           </a:p>
@@ -790,7 +791,7 @@
           <a:p>
             <a:fld id="{5B37FFA5-62A0-45EC-99FA-B875B259B12B}" type="datetimeFigureOut">
               <a:rPr lang="ko-KR" altLang="en-US" smtClean="0"/>
-              <a:t>2021-08-14</a:t>
+              <a:t>2021-08-17</a:t>
             </a:fld>
             <a:endParaRPr lang="ko-KR" altLang="en-US"/>
           </a:p>
@@ -1036,7 +1037,7 @@
           <a:p>
             <a:fld id="{5B37FFA5-62A0-45EC-99FA-B875B259B12B}" type="datetimeFigureOut">
               <a:rPr lang="ko-KR" altLang="en-US" smtClean="0"/>
-              <a:t>2021-08-14</a:t>
+              <a:t>2021-08-17</a:t>
             </a:fld>
             <a:endParaRPr lang="ko-KR" altLang="en-US"/>
           </a:p>
@@ -1268,7 +1269,7 @@
           <a:p>
             <a:fld id="{5B37FFA5-62A0-45EC-99FA-B875B259B12B}" type="datetimeFigureOut">
               <a:rPr lang="ko-KR" altLang="en-US" smtClean="0"/>
-              <a:t>2021-08-14</a:t>
+              <a:t>2021-08-17</a:t>
             </a:fld>
             <a:endParaRPr lang="ko-KR" altLang="en-US"/>
           </a:p>
@@ -1635,7 +1636,7 @@
           <a:p>
             <a:fld id="{5B37FFA5-62A0-45EC-99FA-B875B259B12B}" type="datetimeFigureOut">
               <a:rPr lang="ko-KR" altLang="en-US" smtClean="0"/>
-              <a:t>2021-08-14</a:t>
+              <a:t>2021-08-17</a:t>
             </a:fld>
             <a:endParaRPr lang="ko-KR" altLang="en-US"/>
           </a:p>
@@ -1753,7 +1754,7 @@
           <a:p>
             <a:fld id="{5B37FFA5-62A0-45EC-99FA-B875B259B12B}" type="datetimeFigureOut">
               <a:rPr lang="ko-KR" altLang="en-US" smtClean="0"/>
-              <a:t>2021-08-14</a:t>
+              <a:t>2021-08-17</a:t>
             </a:fld>
             <a:endParaRPr lang="ko-KR" altLang="en-US"/>
           </a:p>
@@ -1848,7 +1849,7 @@
           <a:p>
             <a:fld id="{5B37FFA5-62A0-45EC-99FA-B875B259B12B}" type="datetimeFigureOut">
               <a:rPr lang="ko-KR" altLang="en-US" smtClean="0"/>
-              <a:t>2021-08-14</a:t>
+              <a:t>2021-08-17</a:t>
             </a:fld>
             <a:endParaRPr lang="ko-KR" altLang="en-US"/>
           </a:p>
@@ -2125,7 +2126,7 @@
           <a:p>
             <a:fld id="{5B37FFA5-62A0-45EC-99FA-B875B259B12B}" type="datetimeFigureOut">
               <a:rPr lang="ko-KR" altLang="en-US" smtClean="0"/>
-              <a:t>2021-08-14</a:t>
+              <a:t>2021-08-17</a:t>
             </a:fld>
             <a:endParaRPr lang="ko-KR" altLang="en-US"/>
           </a:p>
@@ -2378,7 +2379,7 @@
           <a:p>
             <a:fld id="{5B37FFA5-62A0-45EC-99FA-B875B259B12B}" type="datetimeFigureOut">
               <a:rPr lang="ko-KR" altLang="en-US" smtClean="0"/>
-              <a:t>2021-08-14</a:t>
+              <a:t>2021-08-17</a:t>
             </a:fld>
             <a:endParaRPr lang="ko-KR" altLang="en-US"/>
           </a:p>
@@ -2591,7 +2592,7 @@
           <a:p>
             <a:fld id="{5B37FFA5-62A0-45EC-99FA-B875B259B12B}" type="datetimeFigureOut">
               <a:rPr lang="ko-KR" altLang="en-US" smtClean="0"/>
-              <a:t>2021-08-14</a:t>
+              <a:t>2021-08-17</a:t>
             </a:fld>
             <a:endParaRPr lang="ko-KR" altLang="en-US"/>
           </a:p>
@@ -3754,6 +3755,82 @@
 <file path=ppt/slides/slide10.xml><?xml version="1.0" encoding="utf-8"?>
 <p:sld xmlns:a="http://schemas.openxmlformats.org/drawingml/2006/main" xmlns:r="http://schemas.openxmlformats.org/officeDocument/2006/relationships" xmlns:p="http://schemas.openxmlformats.org/presentationml/2006/main">
   <p:cSld>
+    <p:bg>
+      <p:bgPr>
+        <a:solidFill>
+          <a:srgbClr val="000000"/>
+        </a:solidFill>
+        <a:effectLst/>
+      </p:bgPr>
+    </p:bg>
+    <p:spTree>
+      <p:nvGrpSpPr>
+        <p:cNvPr id="1" name=""/>
+        <p:cNvGrpSpPr/>
+        <p:nvPr/>
+      </p:nvGrpSpPr>
+      <p:grpSpPr>
+        <a:xfrm>
+          <a:off x="0" y="0"/>
+          <a:ext cx="0" cy="0"/>
+          <a:chOff x="0" y="0"/>
+          <a:chExt cx="0" cy="0"/>
+        </a:xfrm>
+      </p:grpSpPr>
+      <p:sp>
+        <p:nvSpPr>
+          <p:cNvPr id="4" name="TextBox 3"/>
+          <p:cNvSpPr txBox="1"/>
+          <p:nvPr/>
+        </p:nvSpPr>
+        <p:spPr>
+          <a:xfrm>
+            <a:off x="8284357" y="194293"/>
+            <a:ext cx="3348674" cy="769441"/>
+          </a:xfrm>
+          <a:prstGeom prst="rect">
+            <a:avLst/>
+          </a:prstGeom>
+          <a:noFill/>
+        </p:spPr>
+        <p:txBody>
+          <a:bodyPr wrap="none" rtlCol="0">
+            <a:spAutoFit/>
+          </a:bodyPr>
+          <a:lstStyle/>
+          <a:p>
+            <a:r>
+              <a:rPr lang="en-US" altLang="ko-KR" sz="4400" dirty="0" smtClean="0">
+                <a:solidFill>
+                  <a:schemeClr val="bg1"/>
+                </a:solidFill>
+              </a:rPr>
+              <a:t>Routing Star</a:t>
+            </a:r>
+            <a:endParaRPr lang="ko-KR" altLang="en-US" sz="4400" dirty="0">
+              <a:solidFill>
+                <a:schemeClr val="bg1"/>
+              </a:solidFill>
+            </a:endParaRPr>
+          </a:p>
+        </p:txBody>
+      </p:sp>
+    </p:spTree>
+    <p:extLst>
+      <p:ext uri="{BB962C8B-B14F-4D97-AF65-F5344CB8AC3E}">
+        <p14:creationId xmlns:p14="http://schemas.microsoft.com/office/powerpoint/2010/main" val="1805808318"/>
+      </p:ext>
+    </p:extLst>
+  </p:cSld>
+  <p:clrMapOvr>
+    <a:masterClrMapping/>
+  </p:clrMapOvr>
+</p:sld>
+</file>
+
+<file path=ppt/slides/slide11.xml><?xml version="1.0" encoding="utf-8"?>
+<p:sld xmlns:a="http://schemas.openxmlformats.org/drawingml/2006/main" xmlns:r="http://schemas.openxmlformats.org/officeDocument/2006/relationships" xmlns:p="http://schemas.openxmlformats.org/presentationml/2006/main">
+  <p:cSld>
     <p:spTree>
       <p:nvGrpSpPr>
         <p:cNvPr id="1" name=""/>
@@ -4305,7 +4382,7 @@
 </p:sld>
 </file>
 
-<file path=ppt/slides/slide11.xml><?xml version="1.0" encoding="utf-8"?>
+<file path=ppt/slides/slide12.xml><?xml version="1.0" encoding="utf-8"?>
 <p:sld xmlns:a="http://schemas.openxmlformats.org/drawingml/2006/main" xmlns:r="http://schemas.openxmlformats.org/officeDocument/2006/relationships" xmlns:p="http://schemas.openxmlformats.org/presentationml/2006/main">
   <p:cSld>
     <p:spTree>
@@ -6172,7 +6249,7 @@
 </p:sld>
 </file>
 
-<file path=ppt/slides/slide12.xml><?xml version="1.0" encoding="utf-8"?>
+<file path=ppt/slides/slide13.xml><?xml version="1.0" encoding="utf-8"?>
 <p:sld xmlns:a="http://schemas.openxmlformats.org/drawingml/2006/main" xmlns:r="http://schemas.openxmlformats.org/officeDocument/2006/relationships" xmlns:p="http://schemas.openxmlformats.org/presentationml/2006/main">
   <p:cSld>
     <p:spTree>
@@ -6913,7 +6990,7 @@
 </p:sld>
 </file>
 
-<file path=ppt/slides/slide13.xml><?xml version="1.0" encoding="utf-8"?>
+<file path=ppt/slides/slide14.xml><?xml version="1.0" encoding="utf-8"?>
 <p:sld xmlns:a="http://schemas.openxmlformats.org/drawingml/2006/main" xmlns:r="http://schemas.openxmlformats.org/officeDocument/2006/relationships" xmlns:p="http://schemas.openxmlformats.org/presentationml/2006/main">
   <p:cSld>
     <p:spTree>
@@ -7654,7 +7731,7 @@
 </p:sld>
 </file>
 
-<file path=ppt/slides/slide14.xml><?xml version="1.0" encoding="utf-8"?>
+<file path=ppt/slides/slide15.xml><?xml version="1.0" encoding="utf-8"?>
 <p:sld xmlns:a="http://schemas.openxmlformats.org/drawingml/2006/main" xmlns:r="http://schemas.openxmlformats.org/officeDocument/2006/relationships" xmlns:p="http://schemas.openxmlformats.org/presentationml/2006/main">
   <p:cSld>
     <p:spTree>
@@ -7857,7 +7934,7 @@
 </p:sld>
 </file>
 
-<file path=ppt/slides/slide15.xml><?xml version="1.0" encoding="utf-8"?>
+<file path=ppt/slides/slide16.xml><?xml version="1.0" encoding="utf-8"?>
 <p:sld xmlns:a="http://schemas.openxmlformats.org/drawingml/2006/main" xmlns:r="http://schemas.openxmlformats.org/officeDocument/2006/relationships" xmlns:p="http://schemas.openxmlformats.org/presentationml/2006/main">
   <p:cSld>
     <p:spTree>
@@ -8772,7 +8849,7 @@
 </p:sld>
 </file>
 
-<file path=ppt/slides/slide16.xml><?xml version="1.0" encoding="utf-8"?>
+<file path=ppt/slides/slide17.xml><?xml version="1.0" encoding="utf-8"?>
 <p:sld xmlns:a="http://schemas.openxmlformats.org/drawingml/2006/main" xmlns:r="http://schemas.openxmlformats.org/officeDocument/2006/relationships" xmlns:p="http://schemas.openxmlformats.org/presentationml/2006/main">
   <p:cSld>
     <p:spTree>
@@ -9989,7 +10066,7 @@
 </p:sld>
 </file>
 
-<file path=ppt/slides/slide17.xml><?xml version="1.0" encoding="utf-8"?>
+<file path=ppt/slides/slide18.xml><?xml version="1.0" encoding="utf-8"?>
 <p:sld xmlns:a="http://schemas.openxmlformats.org/drawingml/2006/main" xmlns:r="http://schemas.openxmlformats.org/officeDocument/2006/relationships" xmlns:p="http://schemas.openxmlformats.org/presentationml/2006/main">
   <p:cSld>
     <p:spTree>
@@ -10233,7 +10310,7 @@
 </p:sld>
 </file>
 
-<file path=ppt/slides/slide18.xml><?xml version="1.0" encoding="utf-8"?>
+<file path=ppt/slides/slide19.xml><?xml version="1.0" encoding="utf-8"?>
 <p:sld xmlns:a="http://schemas.openxmlformats.org/drawingml/2006/main" xmlns:r="http://schemas.openxmlformats.org/officeDocument/2006/relationships" xmlns:p="http://schemas.openxmlformats.org/presentationml/2006/main">
   <p:cSld>
     <p:spTree>
@@ -10483,258 +10560,6 @@
       </p:par>
     </p:tnLst>
   </p:timing>
-</p:sld>
-</file>
-
-<file path=ppt/slides/slide19.xml><?xml version="1.0" encoding="utf-8"?>
-<p:sld xmlns:a="http://schemas.openxmlformats.org/drawingml/2006/main" xmlns:r="http://schemas.openxmlformats.org/officeDocument/2006/relationships" xmlns:p="http://schemas.openxmlformats.org/presentationml/2006/main">
-  <p:cSld>
-    <p:spTree>
-      <p:nvGrpSpPr>
-        <p:cNvPr id="1" name=""/>
-        <p:cNvGrpSpPr/>
-        <p:nvPr/>
-      </p:nvGrpSpPr>
-      <p:grpSpPr>
-        <a:xfrm>
-          <a:off x="0" y="0"/>
-          <a:ext cx="0" cy="0"/>
-          <a:chOff x="0" y="0"/>
-          <a:chExt cx="0" cy="0"/>
-        </a:xfrm>
-      </p:grpSpPr>
-      <p:sp>
-        <p:nvSpPr>
-          <p:cNvPr id="8" name="직사각형 7"/>
-          <p:cNvSpPr/>
-          <p:nvPr/>
-        </p:nvSpPr>
-        <p:spPr>
-          <a:xfrm>
-            <a:off x="0" y="0"/>
-            <a:ext cx="12192000" cy="6858000"/>
-          </a:xfrm>
-          <a:prstGeom prst="rect">
-            <a:avLst/>
-          </a:prstGeom>
-          <a:solidFill>
-            <a:schemeClr val="tx1"/>
-          </a:solidFill>
-        </p:spPr>
-        <p:style>
-          <a:lnRef idx="2">
-            <a:schemeClr val="accent1">
-              <a:shade val="50000"/>
-            </a:schemeClr>
-          </a:lnRef>
-          <a:fillRef idx="1">
-            <a:schemeClr val="accent1"/>
-          </a:fillRef>
-          <a:effectRef idx="0">
-            <a:schemeClr val="accent1"/>
-          </a:effectRef>
-          <a:fontRef idx="minor">
-            <a:schemeClr val="lt1"/>
-          </a:fontRef>
-        </p:style>
-        <p:txBody>
-          <a:bodyPr rtlCol="0" anchor="ctr"/>
-          <a:lstStyle/>
-          <a:p>
-            <a:pPr algn="ctr"/>
-            <a:endParaRPr lang="ko-KR" altLang="en-US"/>
-          </a:p>
-        </p:txBody>
-      </p:sp>
-      <p:sp>
-        <p:nvSpPr>
-          <p:cNvPr id="12" name="타원 11"/>
-          <p:cNvSpPr/>
-          <p:nvPr/>
-        </p:nvSpPr>
-        <p:spPr>
-          <a:xfrm>
-            <a:off x="4726686" y="2059687"/>
-            <a:ext cx="2738626" cy="2738626"/>
-          </a:xfrm>
-          <a:prstGeom prst="ellipse">
-            <a:avLst/>
-          </a:prstGeom>
-          <a:noFill/>
-          <a:ln w="47625">
-            <a:gradFill>
-              <a:gsLst>
-                <a:gs pos="25000">
-                  <a:srgbClr val="F4976C"/>
-                </a:gs>
-                <a:gs pos="0">
-                  <a:srgbClr val="FBE8A6"/>
-                </a:gs>
-                <a:gs pos="50000">
-                  <a:srgbClr val="303C6C"/>
-                </a:gs>
-                <a:gs pos="75000">
-                  <a:srgbClr val="B4DFE5"/>
-                </a:gs>
-                <a:gs pos="100000">
-                  <a:srgbClr val="D2FCFD"/>
-                </a:gs>
-              </a:gsLst>
-              <a:lin ang="5400000" scaled="1"/>
-            </a:gradFill>
-          </a:ln>
-        </p:spPr>
-        <p:style>
-          <a:lnRef idx="2">
-            <a:schemeClr val="accent1">
-              <a:shade val="50000"/>
-            </a:schemeClr>
-          </a:lnRef>
-          <a:fillRef idx="1">
-            <a:schemeClr val="accent1"/>
-          </a:fillRef>
-          <a:effectRef idx="0">
-            <a:schemeClr val="accent1"/>
-          </a:effectRef>
-          <a:fontRef idx="minor">
-            <a:schemeClr val="lt1"/>
-          </a:fontRef>
-        </p:style>
-        <p:txBody>
-          <a:bodyPr rtlCol="0" anchor="ctr"/>
-          <a:lstStyle/>
-          <a:p>
-            <a:pPr algn="ctr"/>
-            <a:endParaRPr lang="ko-KR" altLang="en-US"/>
-          </a:p>
-        </p:txBody>
-      </p:sp>
-      <p:sp>
-        <p:nvSpPr>
-          <p:cNvPr id="6" name="직사각형 5"/>
-          <p:cNvSpPr/>
-          <p:nvPr/>
-        </p:nvSpPr>
-        <p:spPr>
-          <a:xfrm>
-            <a:off x="3993508" y="3020786"/>
-            <a:ext cx="4204997" cy="707886"/>
-          </a:xfrm>
-          <a:prstGeom prst="rect">
-            <a:avLst/>
-          </a:prstGeom>
-          <a:noFill/>
-        </p:spPr>
-        <p:txBody>
-          <a:bodyPr wrap="none" lIns="91440" tIns="45720" rIns="91440" bIns="45720">
-            <a:spAutoFit/>
-          </a:bodyPr>
-          <a:lstStyle/>
-          <a:p>
-            <a:pPr algn="dist"/>
-            <a:r>
-              <a:rPr lang="en-US" altLang="ko-KR" sz="4000" b="1" spc="-300" dirty="0" smtClean="0">
-                <a:ln w="0"/>
-                <a:gradFill>
-                  <a:gsLst>
-                    <a:gs pos="12000">
-                      <a:srgbClr val="F4976C"/>
-                    </a:gs>
-                    <a:gs pos="52000">
-                      <a:srgbClr val="FBE8A6"/>
-                    </a:gs>
-                    <a:gs pos="83000">
-                      <a:schemeClr val="bg1"/>
-                    </a:gs>
-                    <a:gs pos="100000">
-                      <a:srgbClr val="303C6C"/>
-                    </a:gs>
-                  </a:gsLst>
-                  <a:lin ang="2700000" scaled="1"/>
-                </a:gradFill>
-                <a:effectLst>
-                  <a:glow rad="101600">
-                    <a:schemeClr val="bg1">
-                      <a:alpha val="65000"/>
-                    </a:schemeClr>
-                  </a:glow>
-                </a:effectLst>
-                <a:latin typeface="Major Mono Display" panose="00000509000000000000" pitchFamily="49" charset="0"/>
-              </a:rPr>
-              <a:t>ROUTING</a:t>
-            </a:r>
-            <a:r>
-              <a:rPr lang="en-US" altLang="ko-KR" sz="4000" b="1" spc="-300" dirty="0" smtClean="0">
-                <a:ln w="0"/>
-                <a:gradFill>
-                  <a:gsLst>
-                    <a:gs pos="27000">
-                      <a:schemeClr val="bg1"/>
-                    </a:gs>
-                    <a:gs pos="53000">
-                      <a:srgbClr val="F4976C"/>
-                    </a:gs>
-                    <a:gs pos="70000">
-                      <a:srgbClr val="303C6C"/>
-                    </a:gs>
-                    <a:gs pos="89000">
-                      <a:srgbClr val="B4DFE5"/>
-                    </a:gs>
-                  </a:gsLst>
-                  <a:lin ang="2700000" scaled="1"/>
-                </a:gradFill>
-                <a:effectLst>
-                  <a:glow rad="101600">
-                    <a:schemeClr val="bg1">
-                      <a:alpha val="65000"/>
-                    </a:schemeClr>
-                  </a:glow>
-                </a:effectLst>
-                <a:latin typeface="Major Mono Display" panose="00000509000000000000" pitchFamily="49" charset="0"/>
-              </a:rPr>
-              <a:t> STAR</a:t>
-            </a:r>
-            <a:endParaRPr lang="en-US" altLang="ko-KR" sz="4000" b="1" cap="none" spc="-300" dirty="0" smtClean="0">
-              <a:ln w="0"/>
-              <a:gradFill>
-                <a:gsLst>
-                  <a:gs pos="27000">
-                    <a:schemeClr val="bg1"/>
-                  </a:gs>
-                  <a:gs pos="53000">
-                    <a:srgbClr val="F4976C"/>
-                  </a:gs>
-                  <a:gs pos="70000">
-                    <a:srgbClr val="303C6C"/>
-                  </a:gs>
-                  <a:gs pos="89000">
-                    <a:srgbClr val="B4DFE5"/>
-                  </a:gs>
-                </a:gsLst>
-                <a:lin ang="2700000" scaled="1"/>
-              </a:gradFill>
-              <a:effectLst>
-                <a:glow rad="101600">
-                  <a:schemeClr val="bg1">
-                    <a:alpha val="65000"/>
-                  </a:schemeClr>
-                </a:glow>
-              </a:effectLst>
-              <a:latin typeface="Major Mono Display" panose="00000509000000000000" pitchFamily="49" charset="0"/>
-            </a:endParaRPr>
-          </a:p>
-        </p:txBody>
-      </p:sp>
-    </p:spTree>
-    <p:extLst>
-      <p:ext uri="{BB962C8B-B14F-4D97-AF65-F5344CB8AC3E}">
-        <p14:creationId xmlns:p14="http://schemas.microsoft.com/office/powerpoint/2010/main" val="3925336658"/>
-      </p:ext>
-    </p:extLst>
-  </p:cSld>
-  <p:clrMapOvr>
-    <a:masterClrMapping/>
-  </p:clrMapOvr>
 </p:sld>
 </file>
 
@@ -10932,6 +10757,258 @@
 </file>
 
 <file path=ppt/slides/slide20.xml><?xml version="1.0" encoding="utf-8"?>
+<p:sld xmlns:a="http://schemas.openxmlformats.org/drawingml/2006/main" xmlns:r="http://schemas.openxmlformats.org/officeDocument/2006/relationships" xmlns:p="http://schemas.openxmlformats.org/presentationml/2006/main">
+  <p:cSld>
+    <p:spTree>
+      <p:nvGrpSpPr>
+        <p:cNvPr id="1" name=""/>
+        <p:cNvGrpSpPr/>
+        <p:nvPr/>
+      </p:nvGrpSpPr>
+      <p:grpSpPr>
+        <a:xfrm>
+          <a:off x="0" y="0"/>
+          <a:ext cx="0" cy="0"/>
+          <a:chOff x="0" y="0"/>
+          <a:chExt cx="0" cy="0"/>
+        </a:xfrm>
+      </p:grpSpPr>
+      <p:sp>
+        <p:nvSpPr>
+          <p:cNvPr id="8" name="직사각형 7"/>
+          <p:cNvSpPr/>
+          <p:nvPr/>
+        </p:nvSpPr>
+        <p:spPr>
+          <a:xfrm>
+            <a:off x="0" y="0"/>
+            <a:ext cx="12192000" cy="6858000"/>
+          </a:xfrm>
+          <a:prstGeom prst="rect">
+            <a:avLst/>
+          </a:prstGeom>
+          <a:solidFill>
+            <a:schemeClr val="tx1"/>
+          </a:solidFill>
+        </p:spPr>
+        <p:style>
+          <a:lnRef idx="2">
+            <a:schemeClr val="accent1">
+              <a:shade val="50000"/>
+            </a:schemeClr>
+          </a:lnRef>
+          <a:fillRef idx="1">
+            <a:schemeClr val="accent1"/>
+          </a:fillRef>
+          <a:effectRef idx="0">
+            <a:schemeClr val="accent1"/>
+          </a:effectRef>
+          <a:fontRef idx="minor">
+            <a:schemeClr val="lt1"/>
+          </a:fontRef>
+        </p:style>
+        <p:txBody>
+          <a:bodyPr rtlCol="0" anchor="ctr"/>
+          <a:lstStyle/>
+          <a:p>
+            <a:pPr algn="ctr"/>
+            <a:endParaRPr lang="ko-KR" altLang="en-US"/>
+          </a:p>
+        </p:txBody>
+      </p:sp>
+      <p:sp>
+        <p:nvSpPr>
+          <p:cNvPr id="12" name="타원 11"/>
+          <p:cNvSpPr/>
+          <p:nvPr/>
+        </p:nvSpPr>
+        <p:spPr>
+          <a:xfrm>
+            <a:off x="4726686" y="2059687"/>
+            <a:ext cx="2738626" cy="2738626"/>
+          </a:xfrm>
+          <a:prstGeom prst="ellipse">
+            <a:avLst/>
+          </a:prstGeom>
+          <a:noFill/>
+          <a:ln w="47625">
+            <a:gradFill>
+              <a:gsLst>
+                <a:gs pos="25000">
+                  <a:srgbClr val="F4976C"/>
+                </a:gs>
+                <a:gs pos="0">
+                  <a:srgbClr val="FBE8A6"/>
+                </a:gs>
+                <a:gs pos="50000">
+                  <a:srgbClr val="303C6C"/>
+                </a:gs>
+                <a:gs pos="75000">
+                  <a:srgbClr val="B4DFE5"/>
+                </a:gs>
+                <a:gs pos="100000">
+                  <a:srgbClr val="D2FCFD"/>
+                </a:gs>
+              </a:gsLst>
+              <a:lin ang="5400000" scaled="1"/>
+            </a:gradFill>
+          </a:ln>
+        </p:spPr>
+        <p:style>
+          <a:lnRef idx="2">
+            <a:schemeClr val="accent1">
+              <a:shade val="50000"/>
+            </a:schemeClr>
+          </a:lnRef>
+          <a:fillRef idx="1">
+            <a:schemeClr val="accent1"/>
+          </a:fillRef>
+          <a:effectRef idx="0">
+            <a:schemeClr val="accent1"/>
+          </a:effectRef>
+          <a:fontRef idx="minor">
+            <a:schemeClr val="lt1"/>
+          </a:fontRef>
+        </p:style>
+        <p:txBody>
+          <a:bodyPr rtlCol="0" anchor="ctr"/>
+          <a:lstStyle/>
+          <a:p>
+            <a:pPr algn="ctr"/>
+            <a:endParaRPr lang="ko-KR" altLang="en-US"/>
+          </a:p>
+        </p:txBody>
+      </p:sp>
+      <p:sp>
+        <p:nvSpPr>
+          <p:cNvPr id="6" name="직사각형 5"/>
+          <p:cNvSpPr/>
+          <p:nvPr/>
+        </p:nvSpPr>
+        <p:spPr>
+          <a:xfrm>
+            <a:off x="3993508" y="3020786"/>
+            <a:ext cx="4204997" cy="707886"/>
+          </a:xfrm>
+          <a:prstGeom prst="rect">
+            <a:avLst/>
+          </a:prstGeom>
+          <a:noFill/>
+        </p:spPr>
+        <p:txBody>
+          <a:bodyPr wrap="none" lIns="91440" tIns="45720" rIns="91440" bIns="45720">
+            <a:spAutoFit/>
+          </a:bodyPr>
+          <a:lstStyle/>
+          <a:p>
+            <a:pPr algn="dist"/>
+            <a:r>
+              <a:rPr lang="en-US" altLang="ko-KR" sz="4000" b="1" spc="-300" dirty="0" smtClean="0">
+                <a:ln w="0"/>
+                <a:gradFill>
+                  <a:gsLst>
+                    <a:gs pos="12000">
+                      <a:srgbClr val="F4976C"/>
+                    </a:gs>
+                    <a:gs pos="52000">
+                      <a:srgbClr val="FBE8A6"/>
+                    </a:gs>
+                    <a:gs pos="83000">
+                      <a:schemeClr val="bg1"/>
+                    </a:gs>
+                    <a:gs pos="100000">
+                      <a:srgbClr val="303C6C"/>
+                    </a:gs>
+                  </a:gsLst>
+                  <a:lin ang="2700000" scaled="1"/>
+                </a:gradFill>
+                <a:effectLst>
+                  <a:glow rad="101600">
+                    <a:schemeClr val="bg1">
+                      <a:alpha val="65000"/>
+                    </a:schemeClr>
+                  </a:glow>
+                </a:effectLst>
+                <a:latin typeface="Major Mono Display" panose="00000509000000000000" pitchFamily="49" charset="0"/>
+              </a:rPr>
+              <a:t>ROUTING</a:t>
+            </a:r>
+            <a:r>
+              <a:rPr lang="en-US" altLang="ko-KR" sz="4000" b="1" spc="-300" dirty="0" smtClean="0">
+                <a:ln w="0"/>
+                <a:gradFill>
+                  <a:gsLst>
+                    <a:gs pos="27000">
+                      <a:schemeClr val="bg1"/>
+                    </a:gs>
+                    <a:gs pos="53000">
+                      <a:srgbClr val="F4976C"/>
+                    </a:gs>
+                    <a:gs pos="70000">
+                      <a:srgbClr val="303C6C"/>
+                    </a:gs>
+                    <a:gs pos="89000">
+                      <a:srgbClr val="B4DFE5"/>
+                    </a:gs>
+                  </a:gsLst>
+                  <a:lin ang="2700000" scaled="1"/>
+                </a:gradFill>
+                <a:effectLst>
+                  <a:glow rad="101600">
+                    <a:schemeClr val="bg1">
+                      <a:alpha val="65000"/>
+                    </a:schemeClr>
+                  </a:glow>
+                </a:effectLst>
+                <a:latin typeface="Major Mono Display" panose="00000509000000000000" pitchFamily="49" charset="0"/>
+              </a:rPr>
+              <a:t> STAR</a:t>
+            </a:r>
+            <a:endParaRPr lang="en-US" altLang="ko-KR" sz="4000" b="1" cap="none" spc="-300" dirty="0" smtClean="0">
+              <a:ln w="0"/>
+              <a:gradFill>
+                <a:gsLst>
+                  <a:gs pos="27000">
+                    <a:schemeClr val="bg1"/>
+                  </a:gs>
+                  <a:gs pos="53000">
+                    <a:srgbClr val="F4976C"/>
+                  </a:gs>
+                  <a:gs pos="70000">
+                    <a:srgbClr val="303C6C"/>
+                  </a:gs>
+                  <a:gs pos="89000">
+                    <a:srgbClr val="B4DFE5"/>
+                  </a:gs>
+                </a:gsLst>
+                <a:lin ang="2700000" scaled="1"/>
+              </a:gradFill>
+              <a:effectLst>
+                <a:glow rad="101600">
+                  <a:schemeClr val="bg1">
+                    <a:alpha val="65000"/>
+                  </a:schemeClr>
+                </a:glow>
+              </a:effectLst>
+              <a:latin typeface="Major Mono Display" panose="00000509000000000000" pitchFamily="49" charset="0"/>
+            </a:endParaRPr>
+          </a:p>
+        </p:txBody>
+      </p:sp>
+    </p:spTree>
+    <p:extLst>
+      <p:ext uri="{BB962C8B-B14F-4D97-AF65-F5344CB8AC3E}">
+        <p14:creationId xmlns:p14="http://schemas.microsoft.com/office/powerpoint/2010/main" val="3925336658"/>
+      </p:ext>
+    </p:extLst>
+  </p:cSld>
+  <p:clrMapOvr>
+    <a:masterClrMapping/>
+  </p:clrMapOvr>
+</p:sld>
+</file>
+
+<file path=ppt/slides/slide21.xml><?xml version="1.0" encoding="utf-8"?>
 <p:sld xmlns:a="http://schemas.openxmlformats.org/drawingml/2006/main" xmlns:r="http://schemas.openxmlformats.org/officeDocument/2006/relationships" xmlns:p="http://schemas.openxmlformats.org/presentationml/2006/main">
   <p:cSld>
     <p:spTree>
@@ -11451,7 +11528,7 @@
 </p:sld>
 </file>
 
-<file path=ppt/slides/slide21.xml><?xml version="1.0" encoding="utf-8"?>
+<file path=ppt/slides/slide22.xml><?xml version="1.0" encoding="utf-8"?>
 <p:sld xmlns:a="http://schemas.openxmlformats.org/drawingml/2006/main" xmlns:r="http://schemas.openxmlformats.org/officeDocument/2006/relationships" xmlns:p="http://schemas.openxmlformats.org/presentationml/2006/main">
   <p:cSld>
     <p:spTree>
@@ -11964,7 +12041,7 @@
 </p:sld>
 </file>
 
-<file path=ppt/slides/slide22.xml><?xml version="1.0" encoding="utf-8"?>
+<file path=ppt/slides/slide23.xml><?xml version="1.0" encoding="utf-8"?>
 <p:sld xmlns:a="http://schemas.openxmlformats.org/drawingml/2006/main" xmlns:r="http://schemas.openxmlformats.org/officeDocument/2006/relationships" xmlns:p="http://schemas.openxmlformats.org/presentationml/2006/main">
   <p:cSld>
     <p:spTree>
@@ -12208,7 +12285,7 @@
 </p:sld>
 </file>
 
-<file path=ppt/slides/slide23.xml><?xml version="1.0" encoding="utf-8"?>
+<file path=ppt/slides/slide24.xml><?xml version="1.0" encoding="utf-8"?>
 <p:sld xmlns:a="http://schemas.openxmlformats.org/drawingml/2006/main" xmlns:r="http://schemas.openxmlformats.org/officeDocument/2006/relationships" xmlns:p="http://schemas.openxmlformats.org/presentationml/2006/main">
   <p:cSld>
     <p:spTree>
@@ -12449,7 +12526,7 @@
 </p:sld>
 </file>
 
-<file path=ppt/slides/slide24.xml><?xml version="1.0" encoding="utf-8"?>
+<file path=ppt/slides/slide25.xml><?xml version="1.0" encoding="utf-8"?>
 <p:sld xmlns:a="http://schemas.openxmlformats.org/drawingml/2006/main" xmlns:r="http://schemas.openxmlformats.org/officeDocument/2006/relationships" xmlns:p="http://schemas.openxmlformats.org/presentationml/2006/main">
   <p:cSld>
     <p:spTree>
@@ -13006,7 +13083,7 @@
 </p:sld>
 </file>
 
-<file path=ppt/slides/slide25.xml><?xml version="1.0" encoding="utf-8"?>
+<file path=ppt/slides/slide26.xml><?xml version="1.0" encoding="utf-8"?>
 <p:sld xmlns:a="http://schemas.openxmlformats.org/drawingml/2006/main" xmlns:r="http://schemas.openxmlformats.org/officeDocument/2006/relationships" xmlns:p="http://schemas.openxmlformats.org/presentationml/2006/main">
   <p:cSld>
     <p:spTree>
@@ -13243,7 +13320,7 @@
 </p:sld>
 </file>
 
-<file path=ppt/slides/slide26.xml><?xml version="1.0" encoding="utf-8"?>
+<file path=ppt/slides/slide27.xml><?xml version="1.0" encoding="utf-8"?>
 <p:sld xmlns:a="http://schemas.openxmlformats.org/drawingml/2006/main" xmlns:r="http://schemas.openxmlformats.org/officeDocument/2006/relationships" xmlns:p="http://schemas.openxmlformats.org/presentationml/2006/main">
   <p:cSld>
     <p:spTree>
@@ -13889,7 +13966,7 @@
 </p:sld>
 </file>
 
-<file path=ppt/slides/slide27.xml><?xml version="1.0" encoding="utf-8"?>
+<file path=ppt/slides/slide28.xml><?xml version="1.0" encoding="utf-8"?>
 <p:sld xmlns:a="http://schemas.openxmlformats.org/drawingml/2006/main" xmlns:r="http://schemas.openxmlformats.org/officeDocument/2006/relationships" xmlns:p="http://schemas.openxmlformats.org/presentationml/2006/main">
   <p:cSld>
     <p:spTree>
@@ -14538,7 +14615,7 @@
 </p:sld>
 </file>
 
-<file path=ppt/slides/slide28.xml><?xml version="1.0" encoding="utf-8"?>
+<file path=ppt/slides/slide29.xml><?xml version="1.0" encoding="utf-8"?>
 <p:sld xmlns:a="http://schemas.openxmlformats.org/drawingml/2006/main" xmlns:r="http://schemas.openxmlformats.org/officeDocument/2006/relationships" xmlns:p="http://schemas.openxmlformats.org/presentationml/2006/main">
   <p:cSld>
     <p:spTree>
@@ -15173,6 +15250,14 @@
 <file path=ppt/slides/slide3.xml><?xml version="1.0" encoding="utf-8"?>
 <p:sld xmlns:a="http://schemas.openxmlformats.org/drawingml/2006/main" xmlns:r="http://schemas.openxmlformats.org/officeDocument/2006/relationships" xmlns:p="http://schemas.openxmlformats.org/presentationml/2006/main">
   <p:cSld>
+    <p:bg>
+      <p:bgPr>
+        <a:solidFill>
+          <a:srgbClr val="000000"/>
+        </a:solidFill>
+        <a:effectLst/>
+      </p:bgPr>
+    </p:bg>
     <p:spTree>
       <p:nvGrpSpPr>
         <p:cNvPr id="1" name=""/>
@@ -15187,96 +15272,1821 @@
           <a:chExt cx="0" cy="0"/>
         </a:xfrm>
       </p:grpSpPr>
-      <p:pic>
-        <p:nvPicPr>
-          <p:cNvPr id="6" name="그림 5"/>
-          <p:cNvPicPr>
-            <a:picLocks noChangeAspect="1"/>
-          </p:cNvPicPr>
+      <p:sp>
+        <p:nvSpPr>
+          <p:cNvPr id="2" name="TextBox 1"/>
+          <p:cNvSpPr txBox="1"/>
           <p:nvPr/>
-        </p:nvPicPr>
-        <p:blipFill>
-          <a:blip r:embed="rId2" cstate="print">
-            <a:extLst>
-              <a:ext uri="{28A0092B-C50C-407E-A947-70E740481C1C}">
-                <a14:useLocalDpi xmlns:a14="http://schemas.microsoft.com/office/drawing/2010/main" val="0"/>
-              </a:ext>
-            </a:extLst>
-          </a:blip>
-          <a:srcRect/>
-          <a:stretch>
-            <a:fillRect/>
-          </a:stretch>
-        </p:blipFill>
+        </p:nvSpPr>
         <p:spPr>
           <a:xfrm>
-            <a:off x="3505200" y="792480"/>
-            <a:ext cx="4602480" cy="4602480"/>
+            <a:off x="555171" y="674914"/>
+            <a:ext cx="959302" cy="369332"/>
           </a:xfrm>
-          <a:custGeom>
+          <a:prstGeom prst="rect">
             <a:avLst/>
-            <a:gdLst>
-              <a:gd name="connsiteX0" fmla="*/ 2301240 w 4602480"/>
-              <a:gd name="connsiteY0" fmla="*/ 0 h 4602480"/>
-              <a:gd name="connsiteX1" fmla="*/ 4602480 w 4602480"/>
-              <a:gd name="connsiteY1" fmla="*/ 2301240 h 4602480"/>
-              <a:gd name="connsiteX2" fmla="*/ 2301240 w 4602480"/>
-              <a:gd name="connsiteY2" fmla="*/ 4602480 h 4602480"/>
-              <a:gd name="connsiteX3" fmla="*/ 0 w 4602480"/>
-              <a:gd name="connsiteY3" fmla="*/ 2301240 h 4602480"/>
-              <a:gd name="connsiteX4" fmla="*/ 2301240 w 4602480"/>
-              <a:gd name="connsiteY4" fmla="*/ 0 h 4602480"/>
-            </a:gdLst>
-            <a:ahLst/>
-            <a:cxnLst>
-              <a:cxn ang="0">
-                <a:pos x="connsiteX0" y="connsiteY0"/>
-              </a:cxn>
-              <a:cxn ang="0">
-                <a:pos x="connsiteX1" y="connsiteY1"/>
-              </a:cxn>
-              <a:cxn ang="0">
-                <a:pos x="connsiteX2" y="connsiteY2"/>
-              </a:cxn>
-              <a:cxn ang="0">
-                <a:pos x="connsiteX3" y="connsiteY3"/>
-              </a:cxn>
-              <a:cxn ang="0">
-                <a:pos x="connsiteX4" y="connsiteY4"/>
-              </a:cxn>
-            </a:cxnLst>
-            <a:rect l="l" t="t" r="r" b="b"/>
-            <a:pathLst>
-              <a:path w="4602480" h="4602480">
-                <a:moveTo>
-                  <a:pt x="2301240" y="0"/>
-                </a:moveTo>
-                <a:cubicBezTo>
-                  <a:pt x="3572180" y="0"/>
-                  <a:pt x="4602480" y="1030300"/>
-                  <a:pt x="4602480" y="2301240"/>
-                </a:cubicBezTo>
-                <a:cubicBezTo>
-                  <a:pt x="4602480" y="3572180"/>
-                  <a:pt x="3572180" y="4602480"/>
-                  <a:pt x="2301240" y="4602480"/>
-                </a:cubicBezTo>
-                <a:cubicBezTo>
-                  <a:pt x="1030300" y="4602480"/>
-                  <a:pt x="0" y="3572180"/>
-                  <a:pt x="0" y="2301240"/>
-                </a:cubicBezTo>
-                <a:cubicBezTo>
-                  <a:pt x="0" y="1030300"/>
-                  <a:pt x="1030300" y="0"/>
-                  <a:pt x="2301240" y="0"/>
-                </a:cubicBezTo>
-                <a:close/>
-              </a:path>
-            </a:pathLst>
-          </a:custGeom>
+          </a:prstGeom>
+          <a:noFill/>
         </p:spPr>
-      </p:pic>
+        <p:txBody>
+          <a:bodyPr wrap="none" rtlCol="0">
+            <a:spAutoFit/>
+          </a:bodyPr>
+          <a:lstStyle/>
+          <a:p>
+            <a:r>
+              <a:rPr lang="en-US" altLang="ko-KR" dirty="0" smtClean="0">
+                <a:solidFill>
+                  <a:schemeClr val="bg1"/>
+                </a:solidFill>
+              </a:rPr>
+              <a:t>Favicon</a:t>
+            </a:r>
+          </a:p>
+        </p:txBody>
+      </p:sp>
+      <p:sp>
+        <p:nvSpPr>
+          <p:cNvPr id="4" name="타원 3"/>
+          <p:cNvSpPr/>
+          <p:nvPr/>
+        </p:nvSpPr>
+        <p:spPr>
+          <a:xfrm rot="21118605">
+            <a:off x="1801139" y="576595"/>
+            <a:ext cx="590521" cy="590522"/>
+          </a:xfrm>
+          <a:prstGeom prst="ellipse">
+            <a:avLst/>
+          </a:prstGeom>
+          <a:noFill/>
+          <a:ln w="50800">
+            <a:gradFill>
+              <a:gsLst>
+                <a:gs pos="25000">
+                  <a:srgbClr val="84CEEB"/>
+                </a:gs>
+                <a:gs pos="0">
+                  <a:srgbClr val="5580E9"/>
+                </a:gs>
+                <a:gs pos="50000">
+                  <a:srgbClr val="5AB8EC"/>
+                </a:gs>
+                <a:gs pos="75000">
+                  <a:srgbClr val="C1C8E4"/>
+                </a:gs>
+                <a:gs pos="100000">
+                  <a:srgbClr val="8860D0"/>
+                </a:gs>
+              </a:gsLst>
+              <a:lin ang="5400000" scaled="1"/>
+            </a:gradFill>
+          </a:ln>
+        </p:spPr>
+        <p:style>
+          <a:lnRef idx="2">
+            <a:schemeClr val="accent1">
+              <a:shade val="50000"/>
+            </a:schemeClr>
+          </a:lnRef>
+          <a:fillRef idx="1">
+            <a:schemeClr val="accent1"/>
+          </a:fillRef>
+          <a:effectRef idx="0">
+            <a:schemeClr val="accent1"/>
+          </a:effectRef>
+          <a:fontRef idx="minor">
+            <a:schemeClr val="lt1"/>
+          </a:fontRef>
+        </p:style>
+        <p:txBody>
+          <a:bodyPr rtlCol="0" anchor="ctr"/>
+          <a:lstStyle/>
+          <a:p>
+            <a:pPr algn="ctr"/>
+            <a:endParaRPr lang="ko-KR" altLang="en-US"/>
+          </a:p>
+        </p:txBody>
+      </p:sp>
+      <p:cxnSp>
+        <p:nvCxnSpPr>
+          <p:cNvPr id="5" name="직선 연결선 4"/>
+          <p:cNvCxnSpPr/>
+          <p:nvPr/>
+        </p:nvCxnSpPr>
+        <p:spPr>
+          <a:xfrm rot="5563335" flipV="1">
+            <a:off x="1983552" y="799490"/>
+            <a:ext cx="506693" cy="103275"/>
+          </a:xfrm>
+          <a:prstGeom prst="line">
+            <a:avLst/>
+          </a:prstGeom>
+          <a:ln w="19050">
+            <a:solidFill>
+              <a:srgbClr val="C1C8E4"/>
+            </a:solidFill>
+          </a:ln>
+        </p:spPr>
+        <p:style>
+          <a:lnRef idx="1">
+            <a:schemeClr val="dk1"/>
+          </a:lnRef>
+          <a:fillRef idx="0">
+            <a:schemeClr val="dk1"/>
+          </a:fillRef>
+          <a:effectRef idx="0">
+            <a:schemeClr val="dk1"/>
+          </a:effectRef>
+          <a:fontRef idx="minor">
+            <a:schemeClr val="tx1"/>
+          </a:fontRef>
+        </p:style>
+      </p:cxnSp>
+      <p:cxnSp>
+        <p:nvCxnSpPr>
+          <p:cNvPr id="7" name="직선 연결선 6"/>
+          <p:cNvCxnSpPr/>
+          <p:nvPr/>
+        </p:nvCxnSpPr>
+        <p:spPr>
+          <a:xfrm rot="5563335">
+            <a:off x="2196439" y="1081413"/>
+            <a:ext cx="57253" cy="100276"/>
+          </a:xfrm>
+          <a:prstGeom prst="line">
+            <a:avLst/>
+          </a:prstGeom>
+          <a:ln w="19050">
+            <a:solidFill>
+              <a:srgbClr val="C1C8E4"/>
+            </a:solidFill>
+          </a:ln>
+        </p:spPr>
+        <p:style>
+          <a:lnRef idx="1">
+            <a:schemeClr val="dk1"/>
+          </a:lnRef>
+          <a:fillRef idx="0">
+            <a:schemeClr val="dk1"/>
+          </a:fillRef>
+          <a:effectRef idx="0">
+            <a:schemeClr val="dk1"/>
+          </a:effectRef>
+          <a:fontRef idx="minor">
+            <a:schemeClr val="tx1"/>
+          </a:fontRef>
+        </p:style>
+      </p:cxnSp>
+      <p:cxnSp>
+        <p:nvCxnSpPr>
+          <p:cNvPr id="8" name="직선 연결선 7"/>
+          <p:cNvCxnSpPr/>
+          <p:nvPr/>
+        </p:nvCxnSpPr>
+        <p:spPr>
+          <a:xfrm rot="5563335" flipH="1" flipV="1">
+            <a:off x="1946286" y="494626"/>
+            <a:ext cx="196084" cy="456664"/>
+          </a:xfrm>
+          <a:prstGeom prst="line">
+            <a:avLst/>
+          </a:prstGeom>
+          <a:ln w="19050">
+            <a:solidFill>
+              <a:srgbClr val="C1C8E4"/>
+            </a:solidFill>
+          </a:ln>
+        </p:spPr>
+        <p:style>
+          <a:lnRef idx="1">
+            <a:schemeClr val="dk1"/>
+          </a:lnRef>
+          <a:fillRef idx="0">
+            <a:schemeClr val="dk1"/>
+          </a:fillRef>
+          <a:effectRef idx="0">
+            <a:schemeClr val="dk1"/>
+          </a:effectRef>
+          <a:fontRef idx="minor">
+            <a:schemeClr val="tx1"/>
+          </a:fontRef>
+        </p:style>
+      </p:cxnSp>
+      <p:cxnSp>
+        <p:nvCxnSpPr>
+          <p:cNvPr id="9" name="직선 연결선 8"/>
+          <p:cNvCxnSpPr/>
+          <p:nvPr/>
+        </p:nvCxnSpPr>
+        <p:spPr>
+          <a:xfrm rot="5563335" flipH="1" flipV="1">
+            <a:off x="1887724" y="514742"/>
+            <a:ext cx="233558" cy="375127"/>
+          </a:xfrm>
+          <a:prstGeom prst="line">
+            <a:avLst/>
+          </a:prstGeom>
+          <a:ln w="19050">
+            <a:solidFill>
+              <a:srgbClr val="C1C8E4"/>
+            </a:solidFill>
+          </a:ln>
+        </p:spPr>
+        <p:style>
+          <a:lnRef idx="1">
+            <a:schemeClr val="dk1"/>
+          </a:lnRef>
+          <a:fillRef idx="0">
+            <a:schemeClr val="dk1"/>
+          </a:fillRef>
+          <a:effectRef idx="0">
+            <a:schemeClr val="dk1"/>
+          </a:effectRef>
+          <a:fontRef idx="minor">
+            <a:schemeClr val="tx1"/>
+          </a:fontRef>
+        </p:style>
+      </p:cxnSp>
+      <p:sp>
+        <p:nvSpPr>
+          <p:cNvPr id="10" name="타원 9"/>
+          <p:cNvSpPr/>
+          <p:nvPr/>
+        </p:nvSpPr>
+        <p:spPr>
+          <a:xfrm rot="21118605">
+            <a:off x="2245818" y="605024"/>
+            <a:ext cx="72000" cy="72000"/>
+          </a:xfrm>
+          <a:prstGeom prst="ellipse">
+            <a:avLst/>
+          </a:prstGeom>
+          <a:blipFill>
+            <a:blip r:embed="rId2">
+              <a:alphaModFix amt="99000"/>
+            </a:blip>
+            <a:tile tx="0" ty="0" sx="100000" sy="100000" flip="none" algn="tl"/>
+          </a:blipFill>
+          <a:ln>
+            <a:gradFill>
+              <a:gsLst>
+                <a:gs pos="0">
+                  <a:srgbClr val="5580E9"/>
+                </a:gs>
+                <a:gs pos="25000">
+                  <a:srgbClr val="84CEEB"/>
+                </a:gs>
+                <a:gs pos="50000">
+                  <a:srgbClr val="5AB8EB"/>
+                </a:gs>
+                <a:gs pos="100000">
+                  <a:srgbClr val="C1C8E4"/>
+                </a:gs>
+                <a:gs pos="75000">
+                  <a:srgbClr val="8860D0"/>
+                </a:gs>
+              </a:gsLst>
+              <a:lin ang="5400000" scaled="1"/>
+            </a:gradFill>
+          </a:ln>
+        </p:spPr>
+        <p:style>
+          <a:lnRef idx="2">
+            <a:schemeClr val="accent1">
+              <a:shade val="50000"/>
+            </a:schemeClr>
+          </a:lnRef>
+          <a:fillRef idx="1">
+            <a:schemeClr val="accent1"/>
+          </a:fillRef>
+          <a:effectRef idx="0">
+            <a:schemeClr val="accent1"/>
+          </a:effectRef>
+          <a:fontRef idx="minor">
+            <a:schemeClr val="lt1"/>
+          </a:fontRef>
+        </p:style>
+        <p:txBody>
+          <a:bodyPr rtlCol="0" anchor="ctr"/>
+          <a:lstStyle/>
+          <a:p>
+            <a:pPr algn="ctr"/>
+            <a:endParaRPr lang="ko-KR" altLang="en-US"/>
+          </a:p>
+        </p:txBody>
+      </p:sp>
+      <p:sp>
+        <p:nvSpPr>
+          <p:cNvPr id="11" name="타원 10"/>
+          <p:cNvSpPr/>
+          <p:nvPr/>
+        </p:nvSpPr>
+        <p:spPr>
+          <a:xfrm rot="21118605">
+            <a:off x="1775597" y="772212"/>
+            <a:ext cx="72000" cy="72000"/>
+          </a:xfrm>
+          <a:prstGeom prst="ellipse">
+            <a:avLst/>
+          </a:prstGeom>
+          <a:blipFill>
+            <a:blip r:embed="rId2">
+              <a:alphaModFix amt="99000"/>
+            </a:blip>
+            <a:tile tx="0" ty="0" sx="100000" sy="100000" flip="none" algn="tl"/>
+          </a:blipFill>
+          <a:ln>
+            <a:gradFill>
+              <a:gsLst>
+                <a:gs pos="0">
+                  <a:srgbClr val="5580E9"/>
+                </a:gs>
+                <a:gs pos="25000">
+                  <a:srgbClr val="84CEEB"/>
+                </a:gs>
+                <a:gs pos="50000">
+                  <a:srgbClr val="5AB8EB"/>
+                </a:gs>
+                <a:gs pos="100000">
+                  <a:srgbClr val="C1C8E4"/>
+                </a:gs>
+                <a:gs pos="75000">
+                  <a:srgbClr val="8860D0"/>
+                </a:gs>
+              </a:gsLst>
+              <a:lin ang="5400000" scaled="1"/>
+            </a:gradFill>
+          </a:ln>
+        </p:spPr>
+        <p:style>
+          <a:lnRef idx="2">
+            <a:schemeClr val="accent1">
+              <a:shade val="50000"/>
+            </a:schemeClr>
+          </a:lnRef>
+          <a:fillRef idx="1">
+            <a:schemeClr val="accent1"/>
+          </a:fillRef>
+          <a:effectRef idx="0">
+            <a:schemeClr val="accent1"/>
+          </a:effectRef>
+          <a:fontRef idx="minor">
+            <a:schemeClr val="lt1"/>
+          </a:fontRef>
+        </p:style>
+        <p:txBody>
+          <a:bodyPr rtlCol="0" anchor="ctr"/>
+          <a:lstStyle/>
+          <a:p>
+            <a:pPr algn="ctr"/>
+            <a:endParaRPr lang="ko-KR" altLang="en-US"/>
+          </a:p>
+        </p:txBody>
+      </p:sp>
+      <p:sp>
+        <p:nvSpPr>
+          <p:cNvPr id="12" name="타원 11"/>
+          <p:cNvSpPr/>
+          <p:nvPr/>
+        </p:nvSpPr>
+        <p:spPr>
+          <a:xfrm rot="21118605">
+            <a:off x="2155794" y="550887"/>
+            <a:ext cx="72000" cy="72000"/>
+          </a:xfrm>
+          <a:prstGeom prst="ellipse">
+            <a:avLst/>
+          </a:prstGeom>
+          <a:blipFill>
+            <a:blip r:embed="rId2">
+              <a:alphaModFix amt="99000"/>
+            </a:blip>
+            <a:tile tx="0" ty="0" sx="100000" sy="100000" flip="none" algn="tl"/>
+          </a:blipFill>
+          <a:ln>
+            <a:gradFill>
+              <a:gsLst>
+                <a:gs pos="0">
+                  <a:srgbClr val="5580E9"/>
+                </a:gs>
+                <a:gs pos="25000">
+                  <a:srgbClr val="84CEEB"/>
+                </a:gs>
+                <a:gs pos="50000">
+                  <a:srgbClr val="5AB8EB"/>
+                </a:gs>
+                <a:gs pos="100000">
+                  <a:srgbClr val="C1C8E4"/>
+                </a:gs>
+                <a:gs pos="75000">
+                  <a:srgbClr val="8860D0"/>
+                </a:gs>
+              </a:gsLst>
+              <a:lin ang="5400000" scaled="1"/>
+            </a:gradFill>
+          </a:ln>
+        </p:spPr>
+        <p:style>
+          <a:lnRef idx="2">
+            <a:schemeClr val="accent1">
+              <a:shade val="50000"/>
+            </a:schemeClr>
+          </a:lnRef>
+          <a:fillRef idx="1">
+            <a:schemeClr val="accent1"/>
+          </a:fillRef>
+          <a:effectRef idx="0">
+            <a:schemeClr val="accent1"/>
+          </a:effectRef>
+          <a:fontRef idx="minor">
+            <a:schemeClr val="lt1"/>
+          </a:fontRef>
+        </p:style>
+        <p:txBody>
+          <a:bodyPr rtlCol="0" anchor="ctr"/>
+          <a:lstStyle/>
+          <a:p>
+            <a:pPr algn="ctr"/>
+            <a:endParaRPr lang="ko-KR" altLang="en-US"/>
+          </a:p>
+        </p:txBody>
+      </p:sp>
+      <p:sp>
+        <p:nvSpPr>
+          <p:cNvPr id="13" name="타원 12"/>
+          <p:cNvSpPr/>
+          <p:nvPr/>
+        </p:nvSpPr>
+        <p:spPr>
+          <a:xfrm rot="21118605">
+            <a:off x="2245817" y="1064575"/>
+            <a:ext cx="72000" cy="72000"/>
+          </a:xfrm>
+          <a:prstGeom prst="ellipse">
+            <a:avLst/>
+          </a:prstGeom>
+          <a:blipFill>
+            <a:blip r:embed="rId2">
+              <a:alphaModFix amt="99000"/>
+            </a:blip>
+            <a:tile tx="0" ty="0" sx="100000" sy="100000" flip="none" algn="tl"/>
+          </a:blipFill>
+          <a:ln>
+            <a:gradFill>
+              <a:gsLst>
+                <a:gs pos="0">
+                  <a:srgbClr val="5580E9"/>
+                </a:gs>
+                <a:gs pos="25000">
+                  <a:srgbClr val="84CEEB"/>
+                </a:gs>
+                <a:gs pos="50000">
+                  <a:srgbClr val="5AB8EB"/>
+                </a:gs>
+                <a:gs pos="100000">
+                  <a:srgbClr val="C1C8E4"/>
+                </a:gs>
+                <a:gs pos="75000">
+                  <a:srgbClr val="8860D0"/>
+                </a:gs>
+              </a:gsLst>
+              <a:lin ang="5400000" scaled="1"/>
+            </a:gradFill>
+          </a:ln>
+        </p:spPr>
+        <p:style>
+          <a:lnRef idx="2">
+            <a:schemeClr val="accent1">
+              <a:shade val="50000"/>
+            </a:schemeClr>
+          </a:lnRef>
+          <a:fillRef idx="1">
+            <a:schemeClr val="accent1"/>
+          </a:fillRef>
+          <a:effectRef idx="0">
+            <a:schemeClr val="accent1"/>
+          </a:effectRef>
+          <a:fontRef idx="minor">
+            <a:schemeClr val="lt1"/>
+          </a:fontRef>
+        </p:style>
+        <p:txBody>
+          <a:bodyPr rtlCol="0" anchor="ctr"/>
+          <a:lstStyle/>
+          <a:p>
+            <a:pPr algn="ctr"/>
+            <a:endParaRPr lang="ko-KR" altLang="en-US"/>
+          </a:p>
+        </p:txBody>
+      </p:sp>
+      <p:sp>
+        <p:nvSpPr>
+          <p:cNvPr id="14" name="타원 13"/>
+          <p:cNvSpPr/>
+          <p:nvPr/>
+        </p:nvSpPr>
+        <p:spPr>
+          <a:xfrm rot="21118605">
+            <a:off x="2118489" y="1127341"/>
+            <a:ext cx="72000" cy="72000"/>
+          </a:xfrm>
+          <a:prstGeom prst="ellipse">
+            <a:avLst/>
+          </a:prstGeom>
+          <a:blipFill>
+            <a:blip r:embed="rId2">
+              <a:alphaModFix amt="99000"/>
+            </a:blip>
+            <a:tile tx="0" ty="0" sx="100000" sy="100000" flip="none" algn="tl"/>
+          </a:blipFill>
+          <a:ln>
+            <a:gradFill>
+              <a:gsLst>
+                <a:gs pos="0">
+                  <a:srgbClr val="5580E9"/>
+                </a:gs>
+                <a:gs pos="25000">
+                  <a:srgbClr val="84CEEB"/>
+                </a:gs>
+                <a:gs pos="50000">
+                  <a:srgbClr val="5AB8EB"/>
+                </a:gs>
+                <a:gs pos="100000">
+                  <a:srgbClr val="C1C8E4"/>
+                </a:gs>
+                <a:gs pos="75000">
+                  <a:srgbClr val="8860D0"/>
+                </a:gs>
+              </a:gsLst>
+              <a:lin ang="5400000" scaled="1"/>
+            </a:gradFill>
+          </a:ln>
+        </p:spPr>
+        <p:style>
+          <a:lnRef idx="2">
+            <a:schemeClr val="accent1">
+              <a:shade val="50000"/>
+            </a:schemeClr>
+          </a:lnRef>
+          <a:fillRef idx="1">
+            <a:schemeClr val="accent1"/>
+          </a:fillRef>
+          <a:effectRef idx="0">
+            <a:schemeClr val="accent1"/>
+          </a:effectRef>
+          <a:fontRef idx="minor">
+            <a:schemeClr val="lt1"/>
+          </a:fontRef>
+        </p:style>
+        <p:txBody>
+          <a:bodyPr rtlCol="0" anchor="ctr"/>
+          <a:lstStyle/>
+          <a:p>
+            <a:pPr algn="ctr"/>
+            <a:endParaRPr lang="ko-KR" altLang="en-US"/>
+          </a:p>
+        </p:txBody>
+      </p:sp>
+      <p:sp>
+        <p:nvSpPr>
+          <p:cNvPr id="15" name="TextBox 14"/>
+          <p:cNvSpPr txBox="1"/>
+          <p:nvPr/>
+        </p:nvSpPr>
+        <p:spPr>
+          <a:xfrm>
+            <a:off x="555171" y="2634343"/>
+            <a:ext cx="710451" cy="369332"/>
+          </a:xfrm>
+          <a:prstGeom prst="rect">
+            <a:avLst/>
+          </a:prstGeom>
+          <a:noFill/>
+        </p:spPr>
+        <p:txBody>
+          <a:bodyPr wrap="none" rtlCol="0">
+            <a:spAutoFit/>
+          </a:bodyPr>
+          <a:lstStyle/>
+          <a:p>
+            <a:r>
+              <a:rPr lang="en-US" altLang="ko-KR" dirty="0" smtClean="0">
+                <a:solidFill>
+                  <a:schemeClr val="bg1"/>
+                </a:solidFill>
+              </a:rPr>
+              <a:t>Logo</a:t>
+            </a:r>
+          </a:p>
+        </p:txBody>
+      </p:sp>
+      <p:grpSp>
+        <p:nvGrpSpPr>
+          <p:cNvPr id="16" name="그룹 15"/>
+          <p:cNvGrpSpPr/>
+          <p:nvPr/>
+        </p:nvGrpSpPr>
+        <p:grpSpPr>
+          <a:xfrm>
+            <a:off x="1367499" y="2634343"/>
+            <a:ext cx="2918990" cy="2928225"/>
+            <a:chOff x="7912749" y="3414988"/>
+            <a:chExt cx="2918990" cy="2928225"/>
+          </a:xfrm>
+        </p:grpSpPr>
+        <p:sp>
+          <p:nvSpPr>
+            <p:cNvPr id="17" name="타원 16"/>
+            <p:cNvSpPr/>
+            <p:nvPr/>
+          </p:nvSpPr>
+          <p:spPr>
+            <a:xfrm rot="21118605">
+              <a:off x="7951739" y="3418579"/>
+              <a:ext cx="2880000" cy="2880000"/>
+            </a:xfrm>
+            <a:prstGeom prst="ellipse">
+              <a:avLst/>
+            </a:prstGeom>
+            <a:noFill/>
+            <a:ln w="50800">
+              <a:gradFill>
+                <a:gsLst>
+                  <a:gs pos="25000">
+                    <a:srgbClr val="84CEEB"/>
+                  </a:gs>
+                  <a:gs pos="0">
+                    <a:srgbClr val="5580E9"/>
+                  </a:gs>
+                  <a:gs pos="50000">
+                    <a:srgbClr val="5AB8EC"/>
+                  </a:gs>
+                  <a:gs pos="75000">
+                    <a:srgbClr val="C1C8E4"/>
+                  </a:gs>
+                  <a:gs pos="100000">
+                    <a:srgbClr val="8860D0"/>
+                  </a:gs>
+                </a:gsLst>
+                <a:lin ang="5400000" scaled="1"/>
+              </a:gradFill>
+            </a:ln>
+          </p:spPr>
+          <p:style>
+            <a:lnRef idx="2">
+              <a:schemeClr val="accent1">
+                <a:shade val="50000"/>
+              </a:schemeClr>
+            </a:lnRef>
+            <a:fillRef idx="1">
+              <a:schemeClr val="accent1"/>
+            </a:fillRef>
+            <a:effectRef idx="0">
+              <a:schemeClr val="accent1"/>
+            </a:effectRef>
+            <a:fontRef idx="minor">
+              <a:schemeClr val="lt1"/>
+            </a:fontRef>
+          </p:style>
+          <p:txBody>
+            <a:bodyPr rtlCol="0" anchor="ctr"/>
+            <a:lstStyle/>
+            <a:p>
+              <a:pPr algn="ctr"/>
+              <a:endParaRPr lang="ko-KR" altLang="en-US"/>
+            </a:p>
+          </p:txBody>
+        </p:sp>
+        <p:cxnSp>
+          <p:nvCxnSpPr>
+            <p:cNvPr id="18" name="직선 연결선 17"/>
+            <p:cNvCxnSpPr/>
+            <p:nvPr/>
+          </p:nvCxnSpPr>
+          <p:spPr>
+            <a:xfrm rot="5563335" flipV="1">
+              <a:off x="8841377" y="4505646"/>
+              <a:ext cx="2471162" cy="503676"/>
+            </a:xfrm>
+            <a:prstGeom prst="line">
+              <a:avLst/>
+            </a:prstGeom>
+            <a:ln w="19050">
+              <a:solidFill>
+                <a:srgbClr val="C1C8E4"/>
+              </a:solidFill>
+            </a:ln>
+          </p:spPr>
+          <p:style>
+            <a:lnRef idx="1">
+              <a:schemeClr val="dk1"/>
+            </a:lnRef>
+            <a:fillRef idx="0">
+              <a:schemeClr val="dk1"/>
+            </a:fillRef>
+            <a:effectRef idx="0">
+              <a:schemeClr val="dk1"/>
+            </a:effectRef>
+            <a:fontRef idx="minor">
+              <a:schemeClr val="tx1"/>
+            </a:fontRef>
+          </p:style>
+        </p:cxnSp>
+        <p:cxnSp>
+          <p:nvCxnSpPr>
+            <p:cNvPr id="19" name="직선 연결선 18"/>
+            <p:cNvCxnSpPr/>
+            <p:nvPr/>
+          </p:nvCxnSpPr>
+          <p:spPr>
+            <a:xfrm rot="5563335">
+              <a:off x="9879638" y="5880595"/>
+              <a:ext cx="279223" cy="489053"/>
+            </a:xfrm>
+            <a:prstGeom prst="line">
+              <a:avLst/>
+            </a:prstGeom>
+            <a:ln w="19050">
+              <a:solidFill>
+                <a:srgbClr val="C1C8E4"/>
+              </a:solidFill>
+            </a:ln>
+          </p:spPr>
+          <p:style>
+            <a:lnRef idx="1">
+              <a:schemeClr val="dk1"/>
+            </a:lnRef>
+            <a:fillRef idx="0">
+              <a:schemeClr val="dk1"/>
+            </a:fillRef>
+            <a:effectRef idx="0">
+              <a:schemeClr val="dk1"/>
+            </a:effectRef>
+            <a:fontRef idx="minor">
+              <a:schemeClr val="tx1"/>
+            </a:fontRef>
+          </p:style>
+        </p:cxnSp>
+        <p:cxnSp>
+          <p:nvCxnSpPr>
+            <p:cNvPr id="20" name="직선 연결선 19"/>
+            <p:cNvCxnSpPr/>
+            <p:nvPr/>
+          </p:nvCxnSpPr>
+          <p:spPr>
+            <a:xfrm rot="5563335" flipH="1" flipV="1">
+              <a:off x="8659631" y="3018808"/>
+              <a:ext cx="956311" cy="2227172"/>
+            </a:xfrm>
+            <a:prstGeom prst="line">
+              <a:avLst/>
+            </a:prstGeom>
+            <a:ln w="19050">
+              <a:solidFill>
+                <a:srgbClr val="C1C8E4"/>
+              </a:solidFill>
+            </a:ln>
+          </p:spPr>
+          <p:style>
+            <a:lnRef idx="1">
+              <a:schemeClr val="dk1"/>
+            </a:lnRef>
+            <a:fillRef idx="0">
+              <a:schemeClr val="dk1"/>
+            </a:fillRef>
+            <a:effectRef idx="0">
+              <a:schemeClr val="dk1"/>
+            </a:effectRef>
+            <a:fontRef idx="minor">
+              <a:schemeClr val="tx1"/>
+            </a:fontRef>
+          </p:style>
+        </p:cxnSp>
+        <p:cxnSp>
+          <p:nvCxnSpPr>
+            <p:cNvPr id="21" name="직선 연결선 20"/>
+            <p:cNvCxnSpPr/>
+            <p:nvPr/>
+          </p:nvCxnSpPr>
+          <p:spPr>
+            <a:xfrm rot="5563335" flipH="1" flipV="1">
+              <a:off x="8374020" y="3116918"/>
+              <a:ext cx="1139073" cy="1829513"/>
+            </a:xfrm>
+            <a:prstGeom prst="line">
+              <a:avLst/>
+            </a:prstGeom>
+            <a:ln w="19050">
+              <a:solidFill>
+                <a:srgbClr val="C1C8E4"/>
+              </a:solidFill>
+            </a:ln>
+          </p:spPr>
+          <p:style>
+            <a:lnRef idx="1">
+              <a:schemeClr val="dk1"/>
+            </a:lnRef>
+            <a:fillRef idx="0">
+              <a:schemeClr val="dk1"/>
+            </a:fillRef>
+            <a:effectRef idx="0">
+              <a:schemeClr val="dk1"/>
+            </a:effectRef>
+            <a:fontRef idx="minor">
+              <a:schemeClr val="tx1"/>
+            </a:fontRef>
+          </p:style>
+        </p:cxnSp>
+        <p:sp>
+          <p:nvSpPr>
+            <p:cNvPr id="22" name="타원 21"/>
+            <p:cNvSpPr/>
+            <p:nvPr/>
+          </p:nvSpPr>
+          <p:spPr>
+            <a:xfrm rot="21118605">
+              <a:off x="10181914" y="3611195"/>
+              <a:ext cx="180000" cy="180000"/>
+            </a:xfrm>
+            <a:prstGeom prst="ellipse">
+              <a:avLst/>
+            </a:prstGeom>
+            <a:blipFill>
+              <a:blip r:embed="rId2">
+                <a:alphaModFix amt="99000"/>
+              </a:blip>
+              <a:tile tx="0" ty="0" sx="100000" sy="100000" flip="none" algn="tl"/>
+            </a:blipFill>
+            <a:ln>
+              <a:gradFill>
+                <a:gsLst>
+                  <a:gs pos="0">
+                    <a:srgbClr val="5580E9"/>
+                  </a:gs>
+                  <a:gs pos="25000">
+                    <a:srgbClr val="84CEEB"/>
+                  </a:gs>
+                  <a:gs pos="50000">
+                    <a:srgbClr val="5AB8EB"/>
+                  </a:gs>
+                  <a:gs pos="100000">
+                    <a:srgbClr val="C1C8E4"/>
+                  </a:gs>
+                  <a:gs pos="75000">
+                    <a:srgbClr val="8860D0"/>
+                  </a:gs>
+                </a:gsLst>
+                <a:lin ang="5400000" scaled="1"/>
+              </a:gradFill>
+            </a:ln>
+          </p:spPr>
+          <p:style>
+            <a:lnRef idx="2">
+              <a:schemeClr val="accent1">
+                <a:shade val="50000"/>
+              </a:schemeClr>
+            </a:lnRef>
+            <a:fillRef idx="1">
+              <a:schemeClr val="accent1"/>
+            </a:fillRef>
+            <a:effectRef idx="0">
+              <a:schemeClr val="accent1"/>
+            </a:effectRef>
+            <a:fontRef idx="minor">
+              <a:schemeClr val="lt1"/>
+            </a:fontRef>
+          </p:style>
+          <p:txBody>
+            <a:bodyPr rtlCol="0" anchor="ctr"/>
+            <a:lstStyle/>
+            <a:p>
+              <a:pPr algn="ctr"/>
+              <a:endParaRPr lang="ko-KR" altLang="en-US"/>
+            </a:p>
+          </p:txBody>
+        </p:sp>
+        <p:sp>
+          <p:nvSpPr>
+            <p:cNvPr id="23" name="타원 22"/>
+            <p:cNvSpPr/>
+            <p:nvPr/>
+          </p:nvSpPr>
+          <p:spPr>
+            <a:xfrm rot="21118605">
+              <a:off x="7912749" y="4467122"/>
+              <a:ext cx="180000" cy="180000"/>
+            </a:xfrm>
+            <a:prstGeom prst="ellipse">
+              <a:avLst/>
+            </a:prstGeom>
+            <a:blipFill>
+              <a:blip r:embed="rId2">
+                <a:alphaModFix amt="99000"/>
+              </a:blip>
+              <a:tile tx="0" ty="0" sx="100000" sy="100000" flip="none" algn="tl"/>
+            </a:blipFill>
+            <a:ln>
+              <a:gradFill>
+                <a:gsLst>
+                  <a:gs pos="0">
+                    <a:srgbClr val="5580E9"/>
+                  </a:gs>
+                  <a:gs pos="25000">
+                    <a:srgbClr val="84CEEB"/>
+                  </a:gs>
+                  <a:gs pos="50000">
+                    <a:srgbClr val="5AB8EB"/>
+                  </a:gs>
+                  <a:gs pos="100000">
+                    <a:srgbClr val="C1C8E4"/>
+                  </a:gs>
+                  <a:gs pos="75000">
+                    <a:srgbClr val="8860D0"/>
+                  </a:gs>
+                </a:gsLst>
+                <a:lin ang="5400000" scaled="1"/>
+              </a:gradFill>
+            </a:ln>
+          </p:spPr>
+          <p:style>
+            <a:lnRef idx="2">
+              <a:schemeClr val="accent1">
+                <a:shade val="50000"/>
+              </a:schemeClr>
+            </a:lnRef>
+            <a:fillRef idx="1">
+              <a:schemeClr val="accent1"/>
+            </a:fillRef>
+            <a:effectRef idx="0">
+              <a:schemeClr val="accent1"/>
+            </a:effectRef>
+            <a:fontRef idx="minor">
+              <a:schemeClr val="lt1"/>
+            </a:fontRef>
+          </p:style>
+          <p:txBody>
+            <a:bodyPr rtlCol="0" anchor="ctr"/>
+            <a:lstStyle/>
+            <a:p>
+              <a:pPr algn="ctr"/>
+              <a:endParaRPr lang="ko-KR" altLang="en-US"/>
+            </a:p>
+          </p:txBody>
+        </p:sp>
+        <p:sp>
+          <p:nvSpPr>
+            <p:cNvPr id="24" name="타원 23"/>
+            <p:cNvSpPr/>
+            <p:nvPr/>
+          </p:nvSpPr>
+          <p:spPr>
+            <a:xfrm rot="21118605">
+              <a:off x="9794425" y="3414988"/>
+              <a:ext cx="180000" cy="180000"/>
+            </a:xfrm>
+            <a:prstGeom prst="ellipse">
+              <a:avLst/>
+            </a:prstGeom>
+            <a:blipFill>
+              <a:blip r:embed="rId2">
+                <a:alphaModFix amt="99000"/>
+              </a:blip>
+              <a:tile tx="0" ty="0" sx="100000" sy="100000" flip="none" algn="tl"/>
+            </a:blipFill>
+            <a:ln>
+              <a:gradFill>
+                <a:gsLst>
+                  <a:gs pos="0">
+                    <a:srgbClr val="5580E9"/>
+                  </a:gs>
+                  <a:gs pos="25000">
+                    <a:srgbClr val="84CEEB"/>
+                  </a:gs>
+                  <a:gs pos="50000">
+                    <a:srgbClr val="5AB8EB"/>
+                  </a:gs>
+                  <a:gs pos="100000">
+                    <a:srgbClr val="C1C8E4"/>
+                  </a:gs>
+                  <a:gs pos="75000">
+                    <a:srgbClr val="8860D0"/>
+                  </a:gs>
+                </a:gsLst>
+                <a:lin ang="5400000" scaled="1"/>
+              </a:gradFill>
+            </a:ln>
+          </p:spPr>
+          <p:style>
+            <a:lnRef idx="2">
+              <a:schemeClr val="accent1">
+                <a:shade val="50000"/>
+              </a:schemeClr>
+            </a:lnRef>
+            <a:fillRef idx="1">
+              <a:schemeClr val="accent1"/>
+            </a:fillRef>
+            <a:effectRef idx="0">
+              <a:schemeClr val="accent1"/>
+            </a:effectRef>
+            <a:fontRef idx="minor">
+              <a:schemeClr val="lt1"/>
+            </a:fontRef>
+          </p:style>
+          <p:txBody>
+            <a:bodyPr rtlCol="0" anchor="ctr"/>
+            <a:lstStyle/>
+            <a:p>
+              <a:pPr algn="ctr"/>
+              <a:endParaRPr lang="ko-KR" altLang="en-US"/>
+            </a:p>
+          </p:txBody>
+        </p:sp>
+        <p:sp>
+          <p:nvSpPr>
+            <p:cNvPr id="25" name="타원 24"/>
+            <p:cNvSpPr/>
+            <p:nvPr/>
+          </p:nvSpPr>
+          <p:spPr>
+            <a:xfrm rot="21118605">
+              <a:off x="10194845" y="5914345"/>
+              <a:ext cx="180000" cy="180000"/>
+            </a:xfrm>
+            <a:prstGeom prst="ellipse">
+              <a:avLst/>
+            </a:prstGeom>
+            <a:blipFill>
+              <a:blip r:embed="rId2">
+                <a:alphaModFix amt="99000"/>
+              </a:blip>
+              <a:tile tx="0" ty="0" sx="100000" sy="100000" flip="none" algn="tl"/>
+            </a:blipFill>
+            <a:ln>
+              <a:gradFill>
+                <a:gsLst>
+                  <a:gs pos="0">
+                    <a:srgbClr val="5580E9"/>
+                  </a:gs>
+                  <a:gs pos="25000">
+                    <a:srgbClr val="84CEEB"/>
+                  </a:gs>
+                  <a:gs pos="50000">
+                    <a:srgbClr val="5AB8EB"/>
+                  </a:gs>
+                  <a:gs pos="100000">
+                    <a:srgbClr val="C1C8E4"/>
+                  </a:gs>
+                  <a:gs pos="75000">
+                    <a:srgbClr val="8860D0"/>
+                  </a:gs>
+                </a:gsLst>
+                <a:lin ang="5400000" scaled="1"/>
+              </a:gradFill>
+            </a:ln>
+          </p:spPr>
+          <p:style>
+            <a:lnRef idx="2">
+              <a:schemeClr val="accent1">
+                <a:shade val="50000"/>
+              </a:schemeClr>
+            </a:lnRef>
+            <a:fillRef idx="1">
+              <a:schemeClr val="accent1"/>
+            </a:fillRef>
+            <a:effectRef idx="0">
+              <a:schemeClr val="accent1"/>
+            </a:effectRef>
+            <a:fontRef idx="minor">
+              <a:schemeClr val="lt1"/>
+            </a:fontRef>
+          </p:style>
+          <p:txBody>
+            <a:bodyPr rtlCol="0" anchor="ctr"/>
+            <a:lstStyle/>
+            <a:p>
+              <a:pPr algn="ctr"/>
+              <a:endParaRPr lang="ko-KR" altLang="en-US"/>
+            </a:p>
+          </p:txBody>
+        </p:sp>
+        <p:sp>
+          <p:nvSpPr>
+            <p:cNvPr id="26" name="타원 25"/>
+            <p:cNvSpPr/>
+            <p:nvPr/>
+          </p:nvSpPr>
+          <p:spPr>
+            <a:xfrm rot="21118605">
+              <a:off x="9672330" y="6163213"/>
+              <a:ext cx="180000" cy="180000"/>
+            </a:xfrm>
+            <a:prstGeom prst="ellipse">
+              <a:avLst/>
+            </a:prstGeom>
+            <a:blipFill>
+              <a:blip r:embed="rId2">
+                <a:alphaModFix amt="99000"/>
+              </a:blip>
+              <a:tile tx="0" ty="0" sx="100000" sy="100000" flip="none" algn="tl"/>
+            </a:blipFill>
+            <a:ln>
+              <a:gradFill>
+                <a:gsLst>
+                  <a:gs pos="0">
+                    <a:srgbClr val="5580E9"/>
+                  </a:gs>
+                  <a:gs pos="25000">
+                    <a:srgbClr val="84CEEB"/>
+                  </a:gs>
+                  <a:gs pos="50000">
+                    <a:srgbClr val="5AB8EB"/>
+                  </a:gs>
+                  <a:gs pos="100000">
+                    <a:srgbClr val="C1C8E4"/>
+                  </a:gs>
+                  <a:gs pos="75000">
+                    <a:srgbClr val="8860D0"/>
+                  </a:gs>
+                </a:gsLst>
+                <a:lin ang="5400000" scaled="1"/>
+              </a:gradFill>
+            </a:ln>
+          </p:spPr>
+          <p:style>
+            <a:lnRef idx="2">
+              <a:schemeClr val="accent1">
+                <a:shade val="50000"/>
+              </a:schemeClr>
+            </a:lnRef>
+            <a:fillRef idx="1">
+              <a:schemeClr val="accent1"/>
+            </a:fillRef>
+            <a:effectRef idx="0">
+              <a:schemeClr val="accent1"/>
+            </a:effectRef>
+            <a:fontRef idx="minor">
+              <a:schemeClr val="lt1"/>
+            </a:fontRef>
+          </p:style>
+          <p:txBody>
+            <a:bodyPr rtlCol="0" anchor="ctr"/>
+            <a:lstStyle/>
+            <a:p>
+              <a:pPr algn="ctr"/>
+              <a:endParaRPr lang="ko-KR" altLang="en-US"/>
+            </a:p>
+          </p:txBody>
+        </p:sp>
+      </p:grpSp>
+      <p:sp>
+        <p:nvSpPr>
+          <p:cNvPr id="27" name="직사각형 26"/>
+          <p:cNvSpPr/>
+          <p:nvPr/>
+        </p:nvSpPr>
+        <p:spPr>
+          <a:xfrm>
+            <a:off x="555171" y="3719312"/>
+            <a:ext cx="4500143" cy="769441"/>
+          </a:xfrm>
+          <a:prstGeom prst="rect">
+            <a:avLst/>
+          </a:prstGeom>
+          <a:noFill/>
+        </p:spPr>
+        <p:txBody>
+          <a:bodyPr wrap="none" lIns="91440" tIns="45720" rIns="91440" bIns="45720">
+            <a:spAutoFit/>
+          </a:bodyPr>
+          <a:lstStyle/>
+          <a:p>
+            <a:pPr algn="dist"/>
+            <a:r>
+              <a:rPr lang="en-US" altLang="ko-KR" sz="4400" b="1" spc="-300" dirty="0" smtClean="0">
+                <a:ln w="0"/>
+                <a:solidFill>
+                  <a:schemeClr val="bg1"/>
+                </a:solidFill>
+                <a:effectLst>
+                  <a:outerShdw blurRad="38100" dist="19050" dir="2700000" algn="tl" rotWithShape="0">
+                    <a:schemeClr val="dk1">
+                      <a:alpha val="40000"/>
+                    </a:schemeClr>
+                  </a:outerShdw>
+                </a:effectLst>
+                <a:latin typeface="Arial Black" panose="020B0A04020102020204" pitchFamily="34" charset="0"/>
+              </a:rPr>
+              <a:t>ROUTING STAR</a:t>
+            </a:r>
+            <a:endParaRPr lang="en-US" altLang="ko-KR" sz="4400" b="1" cap="none" spc="-300" dirty="0" smtClean="0">
+              <a:ln w="0"/>
+              <a:solidFill>
+                <a:schemeClr val="bg1"/>
+              </a:solidFill>
+              <a:effectLst>
+                <a:outerShdw blurRad="38100" dist="19050" dir="2700000" algn="tl" rotWithShape="0">
+                  <a:schemeClr val="dk1">
+                    <a:alpha val="40000"/>
+                  </a:schemeClr>
+                </a:outerShdw>
+              </a:effectLst>
+              <a:latin typeface="Arial Black" panose="020B0A04020102020204" pitchFamily="34" charset="0"/>
+            </a:endParaRPr>
+          </a:p>
+        </p:txBody>
+      </p:sp>
+      <p:grpSp>
+        <p:nvGrpSpPr>
+          <p:cNvPr id="28" name="그룹 27"/>
+          <p:cNvGrpSpPr/>
+          <p:nvPr/>
+        </p:nvGrpSpPr>
+        <p:grpSpPr>
+          <a:xfrm>
+            <a:off x="8312533" y="641024"/>
+            <a:ext cx="2932343" cy="2928225"/>
+            <a:chOff x="1302133" y="3796609"/>
+            <a:chExt cx="2932343" cy="2928225"/>
+          </a:xfrm>
+        </p:grpSpPr>
+        <p:sp>
+          <p:nvSpPr>
+            <p:cNvPr id="29" name="타원 28"/>
+            <p:cNvSpPr/>
+            <p:nvPr/>
+          </p:nvSpPr>
+          <p:spPr>
+            <a:xfrm rot="21118605">
+              <a:off x="1354476" y="3799034"/>
+              <a:ext cx="2880000" cy="2880000"/>
+            </a:xfrm>
+            <a:prstGeom prst="ellipse">
+              <a:avLst/>
+            </a:prstGeom>
+            <a:noFill/>
+            <a:ln w="127000">
+              <a:gradFill>
+                <a:gsLst>
+                  <a:gs pos="10000">
+                    <a:srgbClr val="84CEEB"/>
+                  </a:gs>
+                  <a:gs pos="0">
+                    <a:srgbClr val="5580E9"/>
+                  </a:gs>
+                  <a:gs pos="50000">
+                    <a:srgbClr val="5AB8EC"/>
+                  </a:gs>
+                  <a:gs pos="75000">
+                    <a:srgbClr val="C1C8E4"/>
+                  </a:gs>
+                  <a:gs pos="100000">
+                    <a:srgbClr val="8860D0"/>
+                  </a:gs>
+                </a:gsLst>
+                <a:lin ang="5400000" scaled="1"/>
+              </a:gradFill>
+            </a:ln>
+          </p:spPr>
+          <p:style>
+            <a:lnRef idx="2">
+              <a:schemeClr val="accent1">
+                <a:shade val="50000"/>
+              </a:schemeClr>
+            </a:lnRef>
+            <a:fillRef idx="1">
+              <a:schemeClr val="accent1"/>
+            </a:fillRef>
+            <a:effectRef idx="0">
+              <a:schemeClr val="accent1"/>
+            </a:effectRef>
+            <a:fontRef idx="minor">
+              <a:schemeClr val="lt1"/>
+            </a:fontRef>
+          </p:style>
+          <p:txBody>
+            <a:bodyPr rtlCol="0" anchor="ctr"/>
+            <a:lstStyle/>
+            <a:p>
+              <a:pPr algn="ctr"/>
+              <a:endParaRPr lang="ko-KR" altLang="en-US"/>
+            </a:p>
+          </p:txBody>
+        </p:sp>
+        <p:cxnSp>
+          <p:nvCxnSpPr>
+            <p:cNvPr id="30" name="직선 연결선 29"/>
+            <p:cNvCxnSpPr/>
+            <p:nvPr/>
+          </p:nvCxnSpPr>
+          <p:spPr>
+            <a:xfrm rot="5563335" flipV="1">
+              <a:off x="2230761" y="4887267"/>
+              <a:ext cx="2471162" cy="503676"/>
+            </a:xfrm>
+            <a:prstGeom prst="line">
+              <a:avLst/>
+            </a:prstGeom>
+            <a:ln w="38100">
+              <a:solidFill>
+                <a:srgbClr val="C1C8E4"/>
+              </a:solidFill>
+            </a:ln>
+          </p:spPr>
+          <p:style>
+            <a:lnRef idx="1">
+              <a:schemeClr val="dk1"/>
+            </a:lnRef>
+            <a:fillRef idx="0">
+              <a:schemeClr val="dk1"/>
+            </a:fillRef>
+            <a:effectRef idx="0">
+              <a:schemeClr val="dk1"/>
+            </a:effectRef>
+            <a:fontRef idx="minor">
+              <a:schemeClr val="tx1"/>
+            </a:fontRef>
+          </p:style>
+        </p:cxnSp>
+        <p:cxnSp>
+          <p:nvCxnSpPr>
+            <p:cNvPr id="31" name="직선 연결선 30"/>
+            <p:cNvCxnSpPr/>
+            <p:nvPr/>
+          </p:nvCxnSpPr>
+          <p:spPr>
+            <a:xfrm rot="5563335">
+              <a:off x="3269022" y="6262216"/>
+              <a:ext cx="279223" cy="489053"/>
+            </a:xfrm>
+            <a:prstGeom prst="line">
+              <a:avLst/>
+            </a:prstGeom>
+            <a:ln w="38100">
+              <a:solidFill>
+                <a:srgbClr val="C1C8E4"/>
+              </a:solidFill>
+            </a:ln>
+          </p:spPr>
+          <p:style>
+            <a:lnRef idx="1">
+              <a:schemeClr val="dk1"/>
+            </a:lnRef>
+            <a:fillRef idx="0">
+              <a:schemeClr val="dk1"/>
+            </a:fillRef>
+            <a:effectRef idx="0">
+              <a:schemeClr val="dk1"/>
+            </a:effectRef>
+            <a:fontRef idx="minor">
+              <a:schemeClr val="tx1"/>
+            </a:fontRef>
+          </p:style>
+        </p:cxnSp>
+        <p:cxnSp>
+          <p:nvCxnSpPr>
+            <p:cNvPr id="32" name="직선 연결선 31"/>
+            <p:cNvCxnSpPr/>
+            <p:nvPr/>
+          </p:nvCxnSpPr>
+          <p:spPr>
+            <a:xfrm rot="5563335" flipH="1" flipV="1">
+              <a:off x="2049015" y="3400429"/>
+              <a:ext cx="956311" cy="2227172"/>
+            </a:xfrm>
+            <a:prstGeom prst="line">
+              <a:avLst/>
+            </a:prstGeom>
+            <a:ln w="38100">
+              <a:solidFill>
+                <a:srgbClr val="C1C8E4"/>
+              </a:solidFill>
+            </a:ln>
+          </p:spPr>
+          <p:style>
+            <a:lnRef idx="1">
+              <a:schemeClr val="dk1"/>
+            </a:lnRef>
+            <a:fillRef idx="0">
+              <a:schemeClr val="dk1"/>
+            </a:fillRef>
+            <a:effectRef idx="0">
+              <a:schemeClr val="dk1"/>
+            </a:effectRef>
+            <a:fontRef idx="minor">
+              <a:schemeClr val="tx1"/>
+            </a:fontRef>
+          </p:style>
+        </p:cxnSp>
+        <p:cxnSp>
+          <p:nvCxnSpPr>
+            <p:cNvPr id="33" name="직선 연결선 32"/>
+            <p:cNvCxnSpPr/>
+            <p:nvPr/>
+          </p:nvCxnSpPr>
+          <p:spPr>
+            <a:xfrm rot="5563335" flipH="1" flipV="1">
+              <a:off x="1763404" y="3498539"/>
+              <a:ext cx="1139073" cy="1829513"/>
+            </a:xfrm>
+            <a:prstGeom prst="line">
+              <a:avLst/>
+            </a:prstGeom>
+            <a:ln w="38100">
+              <a:solidFill>
+                <a:srgbClr val="C1C8E4"/>
+              </a:solidFill>
+            </a:ln>
+          </p:spPr>
+          <p:style>
+            <a:lnRef idx="1">
+              <a:schemeClr val="dk1"/>
+            </a:lnRef>
+            <a:fillRef idx="0">
+              <a:schemeClr val="dk1"/>
+            </a:fillRef>
+            <a:effectRef idx="0">
+              <a:schemeClr val="dk1"/>
+            </a:effectRef>
+            <a:fontRef idx="minor">
+              <a:schemeClr val="tx1"/>
+            </a:fontRef>
+          </p:style>
+        </p:cxnSp>
+        <p:sp>
+          <p:nvSpPr>
+            <p:cNvPr id="34" name="타원 33"/>
+            <p:cNvSpPr/>
+            <p:nvPr/>
+          </p:nvSpPr>
+          <p:spPr>
+            <a:xfrm rot="21118605">
+              <a:off x="3571298" y="3992816"/>
+              <a:ext cx="180000" cy="180000"/>
+            </a:xfrm>
+            <a:prstGeom prst="ellipse">
+              <a:avLst/>
+            </a:prstGeom>
+            <a:blipFill>
+              <a:blip r:embed="rId2">
+                <a:alphaModFix amt="99000"/>
+              </a:blip>
+              <a:tile tx="0" ty="0" sx="100000" sy="100000" flip="none" algn="tl"/>
+            </a:blipFill>
+            <a:ln>
+              <a:gradFill>
+                <a:gsLst>
+                  <a:gs pos="0">
+                    <a:srgbClr val="5580E9"/>
+                  </a:gs>
+                  <a:gs pos="25000">
+                    <a:srgbClr val="84CEEB"/>
+                  </a:gs>
+                  <a:gs pos="50000">
+                    <a:srgbClr val="5AB8EB"/>
+                  </a:gs>
+                  <a:gs pos="100000">
+                    <a:srgbClr val="C1C8E4"/>
+                  </a:gs>
+                  <a:gs pos="75000">
+                    <a:srgbClr val="8860D0"/>
+                  </a:gs>
+                </a:gsLst>
+                <a:lin ang="5400000" scaled="1"/>
+              </a:gradFill>
+            </a:ln>
+          </p:spPr>
+          <p:style>
+            <a:lnRef idx="2">
+              <a:schemeClr val="accent1">
+                <a:shade val="50000"/>
+              </a:schemeClr>
+            </a:lnRef>
+            <a:fillRef idx="1">
+              <a:schemeClr val="accent1"/>
+            </a:fillRef>
+            <a:effectRef idx="0">
+              <a:schemeClr val="accent1"/>
+            </a:effectRef>
+            <a:fontRef idx="minor">
+              <a:schemeClr val="lt1"/>
+            </a:fontRef>
+          </p:style>
+          <p:txBody>
+            <a:bodyPr rtlCol="0" anchor="ctr"/>
+            <a:lstStyle/>
+            <a:p>
+              <a:pPr algn="ctr"/>
+              <a:endParaRPr lang="ko-KR" altLang="en-US"/>
+            </a:p>
+          </p:txBody>
+        </p:sp>
+        <p:sp>
+          <p:nvSpPr>
+            <p:cNvPr id="35" name="타원 34"/>
+            <p:cNvSpPr/>
+            <p:nvPr/>
+          </p:nvSpPr>
+          <p:spPr>
+            <a:xfrm rot="21118605">
+              <a:off x="1302133" y="4848743"/>
+              <a:ext cx="180000" cy="180000"/>
+            </a:xfrm>
+            <a:prstGeom prst="ellipse">
+              <a:avLst/>
+            </a:prstGeom>
+            <a:blipFill>
+              <a:blip r:embed="rId2">
+                <a:alphaModFix amt="99000"/>
+              </a:blip>
+              <a:tile tx="0" ty="0" sx="100000" sy="100000" flip="none" algn="tl"/>
+            </a:blipFill>
+            <a:ln>
+              <a:gradFill>
+                <a:gsLst>
+                  <a:gs pos="0">
+                    <a:srgbClr val="5580E9"/>
+                  </a:gs>
+                  <a:gs pos="25000">
+                    <a:srgbClr val="84CEEB"/>
+                  </a:gs>
+                  <a:gs pos="50000">
+                    <a:srgbClr val="5AB8EB"/>
+                  </a:gs>
+                  <a:gs pos="100000">
+                    <a:srgbClr val="C1C8E4"/>
+                  </a:gs>
+                  <a:gs pos="75000">
+                    <a:srgbClr val="8860D0"/>
+                  </a:gs>
+                </a:gsLst>
+                <a:lin ang="5400000" scaled="1"/>
+              </a:gradFill>
+            </a:ln>
+          </p:spPr>
+          <p:style>
+            <a:lnRef idx="2">
+              <a:schemeClr val="accent1">
+                <a:shade val="50000"/>
+              </a:schemeClr>
+            </a:lnRef>
+            <a:fillRef idx="1">
+              <a:schemeClr val="accent1"/>
+            </a:fillRef>
+            <a:effectRef idx="0">
+              <a:schemeClr val="accent1"/>
+            </a:effectRef>
+            <a:fontRef idx="minor">
+              <a:schemeClr val="lt1"/>
+            </a:fontRef>
+          </p:style>
+          <p:txBody>
+            <a:bodyPr rtlCol="0" anchor="ctr"/>
+            <a:lstStyle/>
+            <a:p>
+              <a:pPr algn="ctr"/>
+              <a:endParaRPr lang="ko-KR" altLang="en-US"/>
+            </a:p>
+          </p:txBody>
+        </p:sp>
+        <p:sp>
+          <p:nvSpPr>
+            <p:cNvPr id="36" name="타원 35"/>
+            <p:cNvSpPr/>
+            <p:nvPr/>
+          </p:nvSpPr>
+          <p:spPr>
+            <a:xfrm rot="21118605">
+              <a:off x="3183809" y="3796609"/>
+              <a:ext cx="180000" cy="180000"/>
+            </a:xfrm>
+            <a:prstGeom prst="ellipse">
+              <a:avLst/>
+            </a:prstGeom>
+            <a:blipFill>
+              <a:blip r:embed="rId2">
+                <a:alphaModFix amt="99000"/>
+              </a:blip>
+              <a:tile tx="0" ty="0" sx="100000" sy="100000" flip="none" algn="tl"/>
+            </a:blipFill>
+            <a:ln>
+              <a:gradFill>
+                <a:gsLst>
+                  <a:gs pos="0">
+                    <a:srgbClr val="5580E9"/>
+                  </a:gs>
+                  <a:gs pos="25000">
+                    <a:srgbClr val="84CEEB"/>
+                  </a:gs>
+                  <a:gs pos="50000">
+                    <a:srgbClr val="5AB8EB"/>
+                  </a:gs>
+                  <a:gs pos="100000">
+                    <a:srgbClr val="C1C8E4"/>
+                  </a:gs>
+                  <a:gs pos="75000">
+                    <a:srgbClr val="8860D0"/>
+                  </a:gs>
+                </a:gsLst>
+                <a:lin ang="5400000" scaled="1"/>
+              </a:gradFill>
+            </a:ln>
+          </p:spPr>
+          <p:style>
+            <a:lnRef idx="2">
+              <a:schemeClr val="accent1">
+                <a:shade val="50000"/>
+              </a:schemeClr>
+            </a:lnRef>
+            <a:fillRef idx="1">
+              <a:schemeClr val="accent1"/>
+            </a:fillRef>
+            <a:effectRef idx="0">
+              <a:schemeClr val="accent1"/>
+            </a:effectRef>
+            <a:fontRef idx="minor">
+              <a:schemeClr val="lt1"/>
+            </a:fontRef>
+          </p:style>
+          <p:txBody>
+            <a:bodyPr rtlCol="0" anchor="ctr"/>
+            <a:lstStyle/>
+            <a:p>
+              <a:pPr algn="ctr"/>
+              <a:endParaRPr lang="ko-KR" altLang="en-US"/>
+            </a:p>
+          </p:txBody>
+        </p:sp>
+        <p:sp>
+          <p:nvSpPr>
+            <p:cNvPr id="37" name="타원 36"/>
+            <p:cNvSpPr/>
+            <p:nvPr/>
+          </p:nvSpPr>
+          <p:spPr>
+            <a:xfrm rot="21118605">
+              <a:off x="3584229" y="6295966"/>
+              <a:ext cx="180000" cy="180000"/>
+            </a:xfrm>
+            <a:prstGeom prst="ellipse">
+              <a:avLst/>
+            </a:prstGeom>
+            <a:blipFill>
+              <a:blip r:embed="rId2">
+                <a:alphaModFix amt="99000"/>
+              </a:blip>
+              <a:tile tx="0" ty="0" sx="100000" sy="100000" flip="none" algn="tl"/>
+            </a:blipFill>
+            <a:ln>
+              <a:gradFill>
+                <a:gsLst>
+                  <a:gs pos="0">
+                    <a:srgbClr val="5580E9"/>
+                  </a:gs>
+                  <a:gs pos="25000">
+                    <a:srgbClr val="84CEEB"/>
+                  </a:gs>
+                  <a:gs pos="50000">
+                    <a:srgbClr val="5AB8EB"/>
+                  </a:gs>
+                  <a:gs pos="100000">
+                    <a:srgbClr val="C1C8E4"/>
+                  </a:gs>
+                  <a:gs pos="75000">
+                    <a:srgbClr val="8860D0"/>
+                  </a:gs>
+                </a:gsLst>
+                <a:lin ang="5400000" scaled="1"/>
+              </a:gradFill>
+            </a:ln>
+          </p:spPr>
+          <p:style>
+            <a:lnRef idx="2">
+              <a:schemeClr val="accent1">
+                <a:shade val="50000"/>
+              </a:schemeClr>
+            </a:lnRef>
+            <a:fillRef idx="1">
+              <a:schemeClr val="accent1"/>
+            </a:fillRef>
+            <a:effectRef idx="0">
+              <a:schemeClr val="accent1"/>
+            </a:effectRef>
+            <a:fontRef idx="minor">
+              <a:schemeClr val="lt1"/>
+            </a:fontRef>
+          </p:style>
+          <p:txBody>
+            <a:bodyPr rtlCol="0" anchor="ctr"/>
+            <a:lstStyle/>
+            <a:p>
+              <a:pPr algn="ctr"/>
+              <a:endParaRPr lang="ko-KR" altLang="en-US"/>
+            </a:p>
+          </p:txBody>
+        </p:sp>
+        <p:sp>
+          <p:nvSpPr>
+            <p:cNvPr id="38" name="타원 37"/>
+            <p:cNvSpPr/>
+            <p:nvPr/>
+          </p:nvSpPr>
+          <p:spPr>
+            <a:xfrm rot="21118605">
+              <a:off x="3061714" y="6544834"/>
+              <a:ext cx="180000" cy="180000"/>
+            </a:xfrm>
+            <a:prstGeom prst="ellipse">
+              <a:avLst/>
+            </a:prstGeom>
+            <a:blipFill>
+              <a:blip r:embed="rId2">
+                <a:alphaModFix amt="99000"/>
+              </a:blip>
+              <a:tile tx="0" ty="0" sx="100000" sy="100000" flip="none" algn="tl"/>
+            </a:blipFill>
+            <a:ln>
+              <a:gradFill>
+                <a:gsLst>
+                  <a:gs pos="0">
+                    <a:srgbClr val="5580E9"/>
+                  </a:gs>
+                  <a:gs pos="25000">
+                    <a:srgbClr val="84CEEB"/>
+                  </a:gs>
+                  <a:gs pos="50000">
+                    <a:srgbClr val="5AB8EB"/>
+                  </a:gs>
+                  <a:gs pos="100000">
+                    <a:srgbClr val="C1C8E4"/>
+                  </a:gs>
+                  <a:gs pos="75000">
+                    <a:srgbClr val="8860D0"/>
+                  </a:gs>
+                </a:gsLst>
+                <a:lin ang="5400000" scaled="1"/>
+              </a:gradFill>
+            </a:ln>
+          </p:spPr>
+          <p:style>
+            <a:lnRef idx="2">
+              <a:schemeClr val="accent1">
+                <a:shade val="50000"/>
+              </a:schemeClr>
+            </a:lnRef>
+            <a:fillRef idx="1">
+              <a:schemeClr val="accent1"/>
+            </a:fillRef>
+            <a:effectRef idx="0">
+              <a:schemeClr val="accent1"/>
+            </a:effectRef>
+            <a:fontRef idx="minor">
+              <a:schemeClr val="lt1"/>
+            </a:fontRef>
+          </p:style>
+          <p:txBody>
+            <a:bodyPr rtlCol="0" anchor="ctr"/>
+            <a:lstStyle/>
+            <a:p>
+              <a:pPr algn="ctr"/>
+              <a:endParaRPr lang="ko-KR" altLang="en-US"/>
+            </a:p>
+          </p:txBody>
+        </p:sp>
+      </p:grpSp>
+      <p:sp>
+        <p:nvSpPr>
+          <p:cNvPr id="39" name="TextBox 38"/>
+          <p:cNvSpPr txBox="1"/>
+          <p:nvPr/>
+        </p:nvSpPr>
+        <p:spPr>
+          <a:xfrm>
+            <a:off x="6626739" y="674914"/>
+            <a:ext cx="1287532" cy="369332"/>
+          </a:xfrm>
+          <a:prstGeom prst="rect">
+            <a:avLst/>
+          </a:prstGeom>
+          <a:noFill/>
+        </p:spPr>
+        <p:txBody>
+          <a:bodyPr wrap="none" rtlCol="0">
+            <a:spAutoFit/>
+          </a:bodyPr>
+          <a:lstStyle/>
+          <a:p>
+            <a:r>
+              <a:rPr lang="en-US" altLang="ko-KR" dirty="0" smtClean="0">
+                <a:solidFill>
+                  <a:schemeClr val="bg1"/>
+                </a:solidFill>
+              </a:rPr>
+              <a:t>Logo thick</a:t>
+            </a:r>
+          </a:p>
+        </p:txBody>
+      </p:sp>
     </p:spTree>
     <p:extLst>
       <p:ext uri="{BB962C8B-B14F-4D97-AF65-F5344CB8AC3E}">
@@ -24857,549 +26667,564 @@
           </a:p>
         </p:txBody>
       </p:sp>
-      <p:sp>
-        <p:nvSpPr>
-          <p:cNvPr id="30" name="타원 29"/>
-          <p:cNvSpPr/>
+      <p:grpSp>
+        <p:nvGrpSpPr>
+          <p:cNvPr id="3" name="그룹 2"/>
+          <p:cNvGrpSpPr/>
           <p:nvPr/>
-        </p:nvSpPr>
-        <p:spPr>
-          <a:xfrm rot="21118605">
-            <a:off x="5458086" y="400876"/>
-            <a:ext cx="2880000" cy="2880000"/>
+        </p:nvGrpSpPr>
+        <p:grpSpPr>
+          <a:xfrm>
+            <a:off x="5419096" y="397285"/>
+            <a:ext cx="2918990" cy="2928225"/>
+            <a:chOff x="5419096" y="397285"/>
+            <a:chExt cx="2918990" cy="2928225"/>
           </a:xfrm>
-          <a:prstGeom prst="ellipse">
-            <a:avLst/>
-          </a:prstGeom>
-          <a:noFill/>
-          <a:ln w="50800">
-            <a:gradFill>
-              <a:gsLst>
-                <a:gs pos="25000">
-                  <a:srgbClr val="84CEEB"/>
-                </a:gs>
-                <a:gs pos="0">
-                  <a:srgbClr val="5580E9"/>
-                </a:gs>
-                <a:gs pos="50000">
-                  <a:srgbClr val="5AB8EC"/>
-                </a:gs>
-                <a:gs pos="75000">
-                  <a:srgbClr val="C1C8E4"/>
-                </a:gs>
-                <a:gs pos="100000">
-                  <a:srgbClr val="8860D0"/>
-                </a:gs>
-              </a:gsLst>
-              <a:lin ang="5400000" scaled="1"/>
-            </a:gradFill>
-          </a:ln>
-        </p:spPr>
-        <p:style>
-          <a:lnRef idx="2">
-            <a:schemeClr val="accent1">
-              <a:shade val="50000"/>
-            </a:schemeClr>
-          </a:lnRef>
-          <a:fillRef idx="1">
-            <a:schemeClr val="accent1"/>
-          </a:fillRef>
-          <a:effectRef idx="0">
-            <a:schemeClr val="accent1"/>
-          </a:effectRef>
-          <a:fontRef idx="minor">
-            <a:schemeClr val="lt1"/>
-          </a:fontRef>
-        </p:style>
-        <p:txBody>
-          <a:bodyPr rtlCol="0" anchor="ctr"/>
-          <a:lstStyle/>
-          <a:p>
-            <a:pPr algn="ctr"/>
-            <a:endParaRPr lang="ko-KR" altLang="en-US"/>
-          </a:p>
-        </p:txBody>
-      </p:sp>
-      <p:cxnSp>
-        <p:nvCxnSpPr>
-          <p:cNvPr id="31" name="직선 연결선 30"/>
-          <p:cNvCxnSpPr/>
-          <p:nvPr/>
-        </p:nvCxnSpPr>
-        <p:spPr>
-          <a:xfrm rot="5563335" flipV="1">
-            <a:off x="6347724" y="1487943"/>
-            <a:ext cx="2471162" cy="503676"/>
-          </a:xfrm>
-          <a:prstGeom prst="line">
-            <a:avLst/>
-          </a:prstGeom>
-          <a:ln w="19050">
-            <a:solidFill>
-              <a:srgbClr val="C1C8E4"/>
-            </a:solidFill>
-          </a:ln>
-        </p:spPr>
-        <p:style>
-          <a:lnRef idx="1">
-            <a:schemeClr val="dk1"/>
-          </a:lnRef>
-          <a:fillRef idx="0">
-            <a:schemeClr val="dk1"/>
-          </a:fillRef>
-          <a:effectRef idx="0">
-            <a:schemeClr val="dk1"/>
-          </a:effectRef>
-          <a:fontRef idx="minor">
-            <a:schemeClr val="tx1"/>
-          </a:fontRef>
-        </p:style>
-      </p:cxnSp>
-      <p:cxnSp>
-        <p:nvCxnSpPr>
-          <p:cNvPr id="32" name="직선 연결선 31"/>
-          <p:cNvCxnSpPr/>
-          <p:nvPr/>
-        </p:nvCxnSpPr>
-        <p:spPr>
-          <a:xfrm rot="5563335">
-            <a:off x="7385985" y="2862892"/>
-            <a:ext cx="279223" cy="489053"/>
-          </a:xfrm>
-          <a:prstGeom prst="line">
-            <a:avLst/>
-          </a:prstGeom>
-          <a:ln w="19050">
-            <a:solidFill>
-              <a:srgbClr val="C1C8E4"/>
-            </a:solidFill>
-          </a:ln>
-        </p:spPr>
-        <p:style>
-          <a:lnRef idx="1">
-            <a:schemeClr val="dk1"/>
-          </a:lnRef>
-          <a:fillRef idx="0">
-            <a:schemeClr val="dk1"/>
-          </a:fillRef>
-          <a:effectRef idx="0">
-            <a:schemeClr val="dk1"/>
-          </a:effectRef>
-          <a:fontRef idx="minor">
-            <a:schemeClr val="tx1"/>
-          </a:fontRef>
-        </p:style>
-      </p:cxnSp>
-      <p:cxnSp>
-        <p:nvCxnSpPr>
-          <p:cNvPr id="33" name="직선 연결선 32"/>
-          <p:cNvCxnSpPr/>
-          <p:nvPr/>
-        </p:nvCxnSpPr>
-        <p:spPr>
-          <a:xfrm rot="5563335" flipH="1" flipV="1">
-            <a:off x="6165978" y="1105"/>
-            <a:ext cx="956311" cy="2227172"/>
-          </a:xfrm>
-          <a:prstGeom prst="line">
-            <a:avLst/>
-          </a:prstGeom>
-          <a:ln w="19050">
-            <a:solidFill>
-              <a:srgbClr val="C1C8E4"/>
-            </a:solidFill>
-          </a:ln>
-        </p:spPr>
-        <p:style>
-          <a:lnRef idx="1">
-            <a:schemeClr val="dk1"/>
-          </a:lnRef>
-          <a:fillRef idx="0">
-            <a:schemeClr val="dk1"/>
-          </a:fillRef>
-          <a:effectRef idx="0">
-            <a:schemeClr val="dk1"/>
-          </a:effectRef>
-          <a:fontRef idx="minor">
-            <a:schemeClr val="tx1"/>
-          </a:fontRef>
-        </p:style>
-      </p:cxnSp>
-      <p:cxnSp>
-        <p:nvCxnSpPr>
-          <p:cNvPr id="34" name="직선 연결선 33"/>
-          <p:cNvCxnSpPr/>
-          <p:nvPr/>
-        </p:nvCxnSpPr>
-        <p:spPr>
-          <a:xfrm rot="5563335" flipH="1" flipV="1">
-            <a:off x="5880367" y="99215"/>
-            <a:ext cx="1139073" cy="1829513"/>
-          </a:xfrm>
-          <a:prstGeom prst="line">
-            <a:avLst/>
-          </a:prstGeom>
-          <a:ln w="19050">
-            <a:solidFill>
-              <a:srgbClr val="C1C8E4"/>
-            </a:solidFill>
-          </a:ln>
-        </p:spPr>
-        <p:style>
-          <a:lnRef idx="1">
-            <a:schemeClr val="dk1"/>
-          </a:lnRef>
-          <a:fillRef idx="0">
-            <a:schemeClr val="dk1"/>
-          </a:fillRef>
-          <a:effectRef idx="0">
-            <a:schemeClr val="dk1"/>
-          </a:effectRef>
-          <a:fontRef idx="minor">
-            <a:schemeClr val="tx1"/>
-          </a:fontRef>
-        </p:style>
-      </p:cxnSp>
-      <p:sp>
-        <p:nvSpPr>
-          <p:cNvPr id="35" name="타원 34"/>
-          <p:cNvSpPr/>
-          <p:nvPr/>
-        </p:nvSpPr>
-        <p:spPr>
-          <a:xfrm rot="21118605">
-            <a:off x="7688261" y="593492"/>
-            <a:ext cx="180000" cy="180000"/>
-          </a:xfrm>
-          <a:prstGeom prst="ellipse">
-            <a:avLst/>
-          </a:prstGeom>
-          <a:blipFill>
-            <a:blip r:embed="rId3">
-              <a:alphaModFix amt="99000"/>
-            </a:blip>
-            <a:tile tx="0" ty="0" sx="100000" sy="100000" flip="none" algn="tl"/>
-          </a:blipFill>
-          <a:ln>
-            <a:gradFill>
-              <a:gsLst>
-                <a:gs pos="0">
-                  <a:srgbClr val="5580E9"/>
-                </a:gs>
-                <a:gs pos="25000">
-                  <a:srgbClr val="84CEEB"/>
-                </a:gs>
-                <a:gs pos="50000">
-                  <a:srgbClr val="5AB8EB"/>
-                </a:gs>
-                <a:gs pos="100000">
-                  <a:srgbClr val="C1C8E4"/>
-                </a:gs>
-                <a:gs pos="75000">
-                  <a:srgbClr val="8860D0"/>
-                </a:gs>
-              </a:gsLst>
-              <a:lin ang="5400000" scaled="1"/>
-            </a:gradFill>
-          </a:ln>
-        </p:spPr>
-        <p:style>
-          <a:lnRef idx="2">
-            <a:schemeClr val="accent1">
-              <a:shade val="50000"/>
-            </a:schemeClr>
-          </a:lnRef>
-          <a:fillRef idx="1">
-            <a:schemeClr val="accent1"/>
-          </a:fillRef>
-          <a:effectRef idx="0">
-            <a:schemeClr val="accent1"/>
-          </a:effectRef>
-          <a:fontRef idx="minor">
-            <a:schemeClr val="lt1"/>
-          </a:fontRef>
-        </p:style>
-        <p:txBody>
-          <a:bodyPr rtlCol="0" anchor="ctr"/>
-          <a:lstStyle/>
-          <a:p>
-            <a:pPr algn="ctr"/>
-            <a:endParaRPr lang="ko-KR" altLang="en-US"/>
-          </a:p>
-        </p:txBody>
-      </p:sp>
-      <p:sp>
-        <p:nvSpPr>
-          <p:cNvPr id="36" name="타원 35"/>
-          <p:cNvSpPr/>
-          <p:nvPr/>
-        </p:nvSpPr>
-        <p:spPr>
-          <a:xfrm rot="21118605">
-            <a:off x="5419096" y="1449419"/>
-            <a:ext cx="180000" cy="180000"/>
-          </a:xfrm>
-          <a:prstGeom prst="ellipse">
-            <a:avLst/>
-          </a:prstGeom>
-          <a:blipFill>
-            <a:blip r:embed="rId3">
-              <a:alphaModFix amt="99000"/>
-            </a:blip>
-            <a:tile tx="0" ty="0" sx="100000" sy="100000" flip="none" algn="tl"/>
-          </a:blipFill>
-          <a:ln>
-            <a:gradFill>
-              <a:gsLst>
-                <a:gs pos="0">
-                  <a:srgbClr val="5580E9"/>
-                </a:gs>
-                <a:gs pos="25000">
-                  <a:srgbClr val="84CEEB"/>
-                </a:gs>
-                <a:gs pos="50000">
-                  <a:srgbClr val="5AB8EB"/>
-                </a:gs>
-                <a:gs pos="100000">
-                  <a:srgbClr val="C1C8E4"/>
-                </a:gs>
-                <a:gs pos="75000">
-                  <a:srgbClr val="8860D0"/>
-                </a:gs>
-              </a:gsLst>
-              <a:lin ang="5400000" scaled="1"/>
-            </a:gradFill>
-          </a:ln>
-        </p:spPr>
-        <p:style>
-          <a:lnRef idx="2">
-            <a:schemeClr val="accent1">
-              <a:shade val="50000"/>
-            </a:schemeClr>
-          </a:lnRef>
-          <a:fillRef idx="1">
-            <a:schemeClr val="accent1"/>
-          </a:fillRef>
-          <a:effectRef idx="0">
-            <a:schemeClr val="accent1"/>
-          </a:effectRef>
-          <a:fontRef idx="minor">
-            <a:schemeClr val="lt1"/>
-          </a:fontRef>
-        </p:style>
-        <p:txBody>
-          <a:bodyPr rtlCol="0" anchor="ctr"/>
-          <a:lstStyle/>
-          <a:p>
-            <a:pPr algn="ctr"/>
-            <a:endParaRPr lang="ko-KR" altLang="en-US"/>
-          </a:p>
-        </p:txBody>
-      </p:sp>
-      <p:sp>
-        <p:nvSpPr>
-          <p:cNvPr id="37" name="타원 36"/>
-          <p:cNvSpPr/>
-          <p:nvPr/>
-        </p:nvSpPr>
-        <p:spPr>
-          <a:xfrm rot="21118605">
-            <a:off x="7300772" y="397285"/>
-            <a:ext cx="180000" cy="180000"/>
-          </a:xfrm>
-          <a:prstGeom prst="ellipse">
-            <a:avLst/>
-          </a:prstGeom>
-          <a:blipFill>
-            <a:blip r:embed="rId3">
-              <a:alphaModFix amt="99000"/>
-            </a:blip>
-            <a:tile tx="0" ty="0" sx="100000" sy="100000" flip="none" algn="tl"/>
-          </a:blipFill>
-          <a:ln>
-            <a:gradFill>
-              <a:gsLst>
-                <a:gs pos="0">
-                  <a:srgbClr val="5580E9"/>
-                </a:gs>
-                <a:gs pos="25000">
-                  <a:srgbClr val="84CEEB"/>
-                </a:gs>
-                <a:gs pos="50000">
-                  <a:srgbClr val="5AB8EB"/>
-                </a:gs>
-                <a:gs pos="100000">
-                  <a:srgbClr val="C1C8E4"/>
-                </a:gs>
-                <a:gs pos="75000">
-                  <a:srgbClr val="8860D0"/>
-                </a:gs>
-              </a:gsLst>
-              <a:lin ang="5400000" scaled="1"/>
-            </a:gradFill>
-          </a:ln>
-        </p:spPr>
-        <p:style>
-          <a:lnRef idx="2">
-            <a:schemeClr val="accent1">
-              <a:shade val="50000"/>
-            </a:schemeClr>
-          </a:lnRef>
-          <a:fillRef idx="1">
-            <a:schemeClr val="accent1"/>
-          </a:fillRef>
-          <a:effectRef idx="0">
-            <a:schemeClr val="accent1"/>
-          </a:effectRef>
-          <a:fontRef idx="minor">
-            <a:schemeClr val="lt1"/>
-          </a:fontRef>
-        </p:style>
-        <p:txBody>
-          <a:bodyPr rtlCol="0" anchor="ctr"/>
-          <a:lstStyle/>
-          <a:p>
-            <a:pPr algn="ctr"/>
-            <a:endParaRPr lang="ko-KR" altLang="en-US"/>
-          </a:p>
-        </p:txBody>
-      </p:sp>
-      <p:sp>
-        <p:nvSpPr>
-          <p:cNvPr id="38" name="타원 37"/>
-          <p:cNvSpPr/>
-          <p:nvPr/>
-        </p:nvSpPr>
-        <p:spPr>
-          <a:xfrm rot="21118605">
-            <a:off x="7701192" y="2896642"/>
-            <a:ext cx="180000" cy="180000"/>
-          </a:xfrm>
-          <a:prstGeom prst="ellipse">
-            <a:avLst/>
-          </a:prstGeom>
-          <a:blipFill>
-            <a:blip r:embed="rId3">
-              <a:alphaModFix amt="99000"/>
-            </a:blip>
-            <a:tile tx="0" ty="0" sx="100000" sy="100000" flip="none" algn="tl"/>
-          </a:blipFill>
-          <a:ln>
-            <a:gradFill>
-              <a:gsLst>
-                <a:gs pos="0">
-                  <a:srgbClr val="5580E9"/>
-                </a:gs>
-                <a:gs pos="25000">
-                  <a:srgbClr val="84CEEB"/>
-                </a:gs>
-                <a:gs pos="50000">
-                  <a:srgbClr val="5AB8EB"/>
-                </a:gs>
-                <a:gs pos="100000">
-                  <a:srgbClr val="C1C8E4"/>
-                </a:gs>
-                <a:gs pos="75000">
-                  <a:srgbClr val="8860D0"/>
-                </a:gs>
-              </a:gsLst>
-              <a:lin ang="5400000" scaled="1"/>
-            </a:gradFill>
-          </a:ln>
-        </p:spPr>
-        <p:style>
-          <a:lnRef idx="2">
-            <a:schemeClr val="accent1">
-              <a:shade val="50000"/>
-            </a:schemeClr>
-          </a:lnRef>
-          <a:fillRef idx="1">
-            <a:schemeClr val="accent1"/>
-          </a:fillRef>
-          <a:effectRef idx="0">
-            <a:schemeClr val="accent1"/>
-          </a:effectRef>
-          <a:fontRef idx="minor">
-            <a:schemeClr val="lt1"/>
-          </a:fontRef>
-        </p:style>
-        <p:txBody>
-          <a:bodyPr rtlCol="0" anchor="ctr"/>
-          <a:lstStyle/>
-          <a:p>
-            <a:pPr algn="ctr"/>
-            <a:endParaRPr lang="ko-KR" altLang="en-US"/>
-          </a:p>
-        </p:txBody>
-      </p:sp>
-      <p:sp>
-        <p:nvSpPr>
-          <p:cNvPr id="39" name="타원 38"/>
-          <p:cNvSpPr/>
-          <p:nvPr/>
-        </p:nvSpPr>
-        <p:spPr>
-          <a:xfrm rot="21118605">
-            <a:off x="7178677" y="3145510"/>
-            <a:ext cx="180000" cy="180000"/>
-          </a:xfrm>
-          <a:prstGeom prst="ellipse">
-            <a:avLst/>
-          </a:prstGeom>
-          <a:blipFill>
-            <a:blip r:embed="rId3">
-              <a:alphaModFix amt="99000"/>
-            </a:blip>
-            <a:tile tx="0" ty="0" sx="100000" sy="100000" flip="none" algn="tl"/>
-          </a:blipFill>
-          <a:ln>
-            <a:gradFill>
-              <a:gsLst>
-                <a:gs pos="0">
-                  <a:srgbClr val="5580E9"/>
-                </a:gs>
-                <a:gs pos="25000">
-                  <a:srgbClr val="84CEEB"/>
-                </a:gs>
-                <a:gs pos="50000">
-                  <a:srgbClr val="5AB8EB"/>
-                </a:gs>
-                <a:gs pos="100000">
-                  <a:srgbClr val="C1C8E4"/>
-                </a:gs>
-                <a:gs pos="75000">
-                  <a:srgbClr val="8860D0"/>
-                </a:gs>
-              </a:gsLst>
-              <a:lin ang="5400000" scaled="1"/>
-            </a:gradFill>
-          </a:ln>
-        </p:spPr>
-        <p:style>
-          <a:lnRef idx="2">
-            <a:schemeClr val="accent1">
-              <a:shade val="50000"/>
-            </a:schemeClr>
-          </a:lnRef>
-          <a:fillRef idx="1">
-            <a:schemeClr val="accent1"/>
-          </a:fillRef>
-          <a:effectRef idx="0">
-            <a:schemeClr val="accent1"/>
-          </a:effectRef>
-          <a:fontRef idx="minor">
-            <a:schemeClr val="lt1"/>
-          </a:fontRef>
-        </p:style>
-        <p:txBody>
-          <a:bodyPr rtlCol="0" anchor="ctr"/>
-          <a:lstStyle/>
-          <a:p>
-            <a:pPr algn="ctr"/>
-            <a:endParaRPr lang="ko-KR" altLang="en-US"/>
-          </a:p>
-        </p:txBody>
-      </p:sp>
+        </p:grpSpPr>
+        <p:sp>
+          <p:nvSpPr>
+            <p:cNvPr id="30" name="타원 29"/>
+            <p:cNvSpPr/>
+            <p:nvPr/>
+          </p:nvSpPr>
+          <p:spPr>
+            <a:xfrm rot="21118605">
+              <a:off x="5458086" y="400876"/>
+              <a:ext cx="2880000" cy="2880000"/>
+            </a:xfrm>
+            <a:prstGeom prst="ellipse">
+              <a:avLst/>
+            </a:prstGeom>
+            <a:noFill/>
+            <a:ln w="50800">
+              <a:gradFill>
+                <a:gsLst>
+                  <a:gs pos="25000">
+                    <a:srgbClr val="84CEEB"/>
+                  </a:gs>
+                  <a:gs pos="0">
+                    <a:srgbClr val="5580E9"/>
+                  </a:gs>
+                  <a:gs pos="50000">
+                    <a:srgbClr val="5AB8EC"/>
+                  </a:gs>
+                  <a:gs pos="75000">
+                    <a:srgbClr val="C1C8E4"/>
+                  </a:gs>
+                  <a:gs pos="100000">
+                    <a:srgbClr val="8860D0"/>
+                  </a:gs>
+                </a:gsLst>
+                <a:lin ang="5400000" scaled="1"/>
+              </a:gradFill>
+            </a:ln>
+          </p:spPr>
+          <p:style>
+            <a:lnRef idx="2">
+              <a:schemeClr val="accent1">
+                <a:shade val="50000"/>
+              </a:schemeClr>
+            </a:lnRef>
+            <a:fillRef idx="1">
+              <a:schemeClr val="accent1"/>
+            </a:fillRef>
+            <a:effectRef idx="0">
+              <a:schemeClr val="accent1"/>
+            </a:effectRef>
+            <a:fontRef idx="minor">
+              <a:schemeClr val="lt1"/>
+            </a:fontRef>
+          </p:style>
+          <p:txBody>
+            <a:bodyPr rtlCol="0" anchor="ctr"/>
+            <a:lstStyle/>
+            <a:p>
+              <a:pPr algn="ctr"/>
+              <a:endParaRPr lang="ko-KR" altLang="en-US"/>
+            </a:p>
+          </p:txBody>
+        </p:sp>
+        <p:cxnSp>
+          <p:nvCxnSpPr>
+            <p:cNvPr id="31" name="직선 연결선 30"/>
+            <p:cNvCxnSpPr/>
+            <p:nvPr/>
+          </p:nvCxnSpPr>
+          <p:spPr>
+            <a:xfrm rot="5563335" flipV="1">
+              <a:off x="6347724" y="1487943"/>
+              <a:ext cx="2471162" cy="503676"/>
+            </a:xfrm>
+            <a:prstGeom prst="line">
+              <a:avLst/>
+            </a:prstGeom>
+            <a:ln w="19050">
+              <a:solidFill>
+                <a:srgbClr val="C1C8E4"/>
+              </a:solidFill>
+            </a:ln>
+          </p:spPr>
+          <p:style>
+            <a:lnRef idx="1">
+              <a:schemeClr val="dk1"/>
+            </a:lnRef>
+            <a:fillRef idx="0">
+              <a:schemeClr val="dk1"/>
+            </a:fillRef>
+            <a:effectRef idx="0">
+              <a:schemeClr val="dk1"/>
+            </a:effectRef>
+            <a:fontRef idx="minor">
+              <a:schemeClr val="tx1"/>
+            </a:fontRef>
+          </p:style>
+        </p:cxnSp>
+        <p:cxnSp>
+          <p:nvCxnSpPr>
+            <p:cNvPr id="32" name="직선 연결선 31"/>
+            <p:cNvCxnSpPr/>
+            <p:nvPr/>
+          </p:nvCxnSpPr>
+          <p:spPr>
+            <a:xfrm rot="5563335">
+              <a:off x="7385985" y="2862892"/>
+              <a:ext cx="279223" cy="489053"/>
+            </a:xfrm>
+            <a:prstGeom prst="line">
+              <a:avLst/>
+            </a:prstGeom>
+            <a:ln w="19050">
+              <a:solidFill>
+                <a:srgbClr val="C1C8E4"/>
+              </a:solidFill>
+            </a:ln>
+          </p:spPr>
+          <p:style>
+            <a:lnRef idx="1">
+              <a:schemeClr val="dk1"/>
+            </a:lnRef>
+            <a:fillRef idx="0">
+              <a:schemeClr val="dk1"/>
+            </a:fillRef>
+            <a:effectRef idx="0">
+              <a:schemeClr val="dk1"/>
+            </a:effectRef>
+            <a:fontRef idx="minor">
+              <a:schemeClr val="tx1"/>
+            </a:fontRef>
+          </p:style>
+        </p:cxnSp>
+        <p:cxnSp>
+          <p:nvCxnSpPr>
+            <p:cNvPr id="33" name="직선 연결선 32"/>
+            <p:cNvCxnSpPr/>
+            <p:nvPr/>
+          </p:nvCxnSpPr>
+          <p:spPr>
+            <a:xfrm rot="5563335" flipH="1" flipV="1">
+              <a:off x="6165978" y="1105"/>
+              <a:ext cx="956311" cy="2227172"/>
+            </a:xfrm>
+            <a:prstGeom prst="line">
+              <a:avLst/>
+            </a:prstGeom>
+            <a:ln w="19050">
+              <a:solidFill>
+                <a:srgbClr val="C1C8E4"/>
+              </a:solidFill>
+            </a:ln>
+          </p:spPr>
+          <p:style>
+            <a:lnRef idx="1">
+              <a:schemeClr val="dk1"/>
+            </a:lnRef>
+            <a:fillRef idx="0">
+              <a:schemeClr val="dk1"/>
+            </a:fillRef>
+            <a:effectRef idx="0">
+              <a:schemeClr val="dk1"/>
+            </a:effectRef>
+            <a:fontRef idx="minor">
+              <a:schemeClr val="tx1"/>
+            </a:fontRef>
+          </p:style>
+        </p:cxnSp>
+        <p:cxnSp>
+          <p:nvCxnSpPr>
+            <p:cNvPr id="34" name="직선 연결선 33"/>
+            <p:cNvCxnSpPr/>
+            <p:nvPr/>
+          </p:nvCxnSpPr>
+          <p:spPr>
+            <a:xfrm rot="5563335" flipH="1" flipV="1">
+              <a:off x="5880367" y="99215"/>
+              <a:ext cx="1139073" cy="1829513"/>
+            </a:xfrm>
+            <a:prstGeom prst="line">
+              <a:avLst/>
+            </a:prstGeom>
+            <a:ln w="19050">
+              <a:solidFill>
+                <a:srgbClr val="C1C8E4"/>
+              </a:solidFill>
+            </a:ln>
+          </p:spPr>
+          <p:style>
+            <a:lnRef idx="1">
+              <a:schemeClr val="dk1"/>
+            </a:lnRef>
+            <a:fillRef idx="0">
+              <a:schemeClr val="dk1"/>
+            </a:fillRef>
+            <a:effectRef idx="0">
+              <a:schemeClr val="dk1"/>
+            </a:effectRef>
+            <a:fontRef idx="minor">
+              <a:schemeClr val="tx1"/>
+            </a:fontRef>
+          </p:style>
+        </p:cxnSp>
+        <p:sp>
+          <p:nvSpPr>
+            <p:cNvPr id="35" name="타원 34"/>
+            <p:cNvSpPr/>
+            <p:nvPr/>
+          </p:nvSpPr>
+          <p:spPr>
+            <a:xfrm rot="21118605">
+              <a:off x="7688261" y="593492"/>
+              <a:ext cx="180000" cy="180000"/>
+            </a:xfrm>
+            <a:prstGeom prst="ellipse">
+              <a:avLst/>
+            </a:prstGeom>
+            <a:blipFill>
+              <a:blip r:embed="rId3">
+                <a:alphaModFix amt="99000"/>
+              </a:blip>
+              <a:tile tx="0" ty="0" sx="100000" sy="100000" flip="none" algn="tl"/>
+            </a:blipFill>
+            <a:ln>
+              <a:gradFill>
+                <a:gsLst>
+                  <a:gs pos="0">
+                    <a:srgbClr val="5580E9"/>
+                  </a:gs>
+                  <a:gs pos="25000">
+                    <a:srgbClr val="84CEEB"/>
+                  </a:gs>
+                  <a:gs pos="50000">
+                    <a:srgbClr val="5AB8EB"/>
+                  </a:gs>
+                  <a:gs pos="100000">
+                    <a:srgbClr val="C1C8E4"/>
+                  </a:gs>
+                  <a:gs pos="75000">
+                    <a:srgbClr val="8860D0"/>
+                  </a:gs>
+                </a:gsLst>
+                <a:lin ang="5400000" scaled="1"/>
+              </a:gradFill>
+            </a:ln>
+          </p:spPr>
+          <p:style>
+            <a:lnRef idx="2">
+              <a:schemeClr val="accent1">
+                <a:shade val="50000"/>
+              </a:schemeClr>
+            </a:lnRef>
+            <a:fillRef idx="1">
+              <a:schemeClr val="accent1"/>
+            </a:fillRef>
+            <a:effectRef idx="0">
+              <a:schemeClr val="accent1"/>
+            </a:effectRef>
+            <a:fontRef idx="minor">
+              <a:schemeClr val="lt1"/>
+            </a:fontRef>
+          </p:style>
+          <p:txBody>
+            <a:bodyPr rtlCol="0" anchor="ctr"/>
+            <a:lstStyle/>
+            <a:p>
+              <a:pPr algn="ctr"/>
+              <a:endParaRPr lang="ko-KR" altLang="en-US"/>
+            </a:p>
+          </p:txBody>
+        </p:sp>
+        <p:sp>
+          <p:nvSpPr>
+            <p:cNvPr id="36" name="타원 35"/>
+            <p:cNvSpPr/>
+            <p:nvPr/>
+          </p:nvSpPr>
+          <p:spPr>
+            <a:xfrm rot="21118605">
+              <a:off x="5419096" y="1449419"/>
+              <a:ext cx="180000" cy="180000"/>
+            </a:xfrm>
+            <a:prstGeom prst="ellipse">
+              <a:avLst/>
+            </a:prstGeom>
+            <a:blipFill>
+              <a:blip r:embed="rId3">
+                <a:alphaModFix amt="99000"/>
+              </a:blip>
+              <a:tile tx="0" ty="0" sx="100000" sy="100000" flip="none" algn="tl"/>
+            </a:blipFill>
+            <a:ln>
+              <a:gradFill>
+                <a:gsLst>
+                  <a:gs pos="0">
+                    <a:srgbClr val="5580E9"/>
+                  </a:gs>
+                  <a:gs pos="25000">
+                    <a:srgbClr val="84CEEB"/>
+                  </a:gs>
+                  <a:gs pos="50000">
+                    <a:srgbClr val="5AB8EB"/>
+                  </a:gs>
+                  <a:gs pos="100000">
+                    <a:srgbClr val="C1C8E4"/>
+                  </a:gs>
+                  <a:gs pos="75000">
+                    <a:srgbClr val="8860D0"/>
+                  </a:gs>
+                </a:gsLst>
+                <a:lin ang="5400000" scaled="1"/>
+              </a:gradFill>
+            </a:ln>
+          </p:spPr>
+          <p:style>
+            <a:lnRef idx="2">
+              <a:schemeClr val="accent1">
+                <a:shade val="50000"/>
+              </a:schemeClr>
+            </a:lnRef>
+            <a:fillRef idx="1">
+              <a:schemeClr val="accent1"/>
+            </a:fillRef>
+            <a:effectRef idx="0">
+              <a:schemeClr val="accent1"/>
+            </a:effectRef>
+            <a:fontRef idx="minor">
+              <a:schemeClr val="lt1"/>
+            </a:fontRef>
+          </p:style>
+          <p:txBody>
+            <a:bodyPr rtlCol="0" anchor="ctr"/>
+            <a:lstStyle/>
+            <a:p>
+              <a:pPr algn="ctr"/>
+              <a:endParaRPr lang="ko-KR" altLang="en-US"/>
+            </a:p>
+          </p:txBody>
+        </p:sp>
+        <p:sp>
+          <p:nvSpPr>
+            <p:cNvPr id="37" name="타원 36"/>
+            <p:cNvSpPr/>
+            <p:nvPr/>
+          </p:nvSpPr>
+          <p:spPr>
+            <a:xfrm rot="21118605">
+              <a:off x="7300772" y="397285"/>
+              <a:ext cx="180000" cy="180000"/>
+            </a:xfrm>
+            <a:prstGeom prst="ellipse">
+              <a:avLst/>
+            </a:prstGeom>
+            <a:blipFill>
+              <a:blip r:embed="rId3">
+                <a:alphaModFix amt="99000"/>
+              </a:blip>
+              <a:tile tx="0" ty="0" sx="100000" sy="100000" flip="none" algn="tl"/>
+            </a:blipFill>
+            <a:ln>
+              <a:gradFill>
+                <a:gsLst>
+                  <a:gs pos="0">
+                    <a:srgbClr val="5580E9"/>
+                  </a:gs>
+                  <a:gs pos="25000">
+                    <a:srgbClr val="84CEEB"/>
+                  </a:gs>
+                  <a:gs pos="50000">
+                    <a:srgbClr val="5AB8EB"/>
+                  </a:gs>
+                  <a:gs pos="100000">
+                    <a:srgbClr val="C1C8E4"/>
+                  </a:gs>
+                  <a:gs pos="75000">
+                    <a:srgbClr val="8860D0"/>
+                  </a:gs>
+                </a:gsLst>
+                <a:lin ang="5400000" scaled="1"/>
+              </a:gradFill>
+            </a:ln>
+          </p:spPr>
+          <p:style>
+            <a:lnRef idx="2">
+              <a:schemeClr val="accent1">
+                <a:shade val="50000"/>
+              </a:schemeClr>
+            </a:lnRef>
+            <a:fillRef idx="1">
+              <a:schemeClr val="accent1"/>
+            </a:fillRef>
+            <a:effectRef idx="0">
+              <a:schemeClr val="accent1"/>
+            </a:effectRef>
+            <a:fontRef idx="minor">
+              <a:schemeClr val="lt1"/>
+            </a:fontRef>
+          </p:style>
+          <p:txBody>
+            <a:bodyPr rtlCol="0" anchor="ctr"/>
+            <a:lstStyle/>
+            <a:p>
+              <a:pPr algn="ctr"/>
+              <a:endParaRPr lang="ko-KR" altLang="en-US"/>
+            </a:p>
+          </p:txBody>
+        </p:sp>
+        <p:sp>
+          <p:nvSpPr>
+            <p:cNvPr id="38" name="타원 37"/>
+            <p:cNvSpPr/>
+            <p:nvPr/>
+          </p:nvSpPr>
+          <p:spPr>
+            <a:xfrm rot="21118605">
+              <a:off x="7701192" y="2896642"/>
+              <a:ext cx="180000" cy="180000"/>
+            </a:xfrm>
+            <a:prstGeom prst="ellipse">
+              <a:avLst/>
+            </a:prstGeom>
+            <a:blipFill>
+              <a:blip r:embed="rId3">
+                <a:alphaModFix amt="99000"/>
+              </a:blip>
+              <a:tile tx="0" ty="0" sx="100000" sy="100000" flip="none" algn="tl"/>
+            </a:blipFill>
+            <a:ln>
+              <a:gradFill>
+                <a:gsLst>
+                  <a:gs pos="0">
+                    <a:srgbClr val="5580E9"/>
+                  </a:gs>
+                  <a:gs pos="25000">
+                    <a:srgbClr val="84CEEB"/>
+                  </a:gs>
+                  <a:gs pos="50000">
+                    <a:srgbClr val="5AB8EB"/>
+                  </a:gs>
+                  <a:gs pos="100000">
+                    <a:srgbClr val="C1C8E4"/>
+                  </a:gs>
+                  <a:gs pos="75000">
+                    <a:srgbClr val="8860D0"/>
+                  </a:gs>
+                </a:gsLst>
+                <a:lin ang="5400000" scaled="1"/>
+              </a:gradFill>
+            </a:ln>
+          </p:spPr>
+          <p:style>
+            <a:lnRef idx="2">
+              <a:schemeClr val="accent1">
+                <a:shade val="50000"/>
+              </a:schemeClr>
+            </a:lnRef>
+            <a:fillRef idx="1">
+              <a:schemeClr val="accent1"/>
+            </a:fillRef>
+            <a:effectRef idx="0">
+              <a:schemeClr val="accent1"/>
+            </a:effectRef>
+            <a:fontRef idx="minor">
+              <a:schemeClr val="lt1"/>
+            </a:fontRef>
+          </p:style>
+          <p:txBody>
+            <a:bodyPr rtlCol="0" anchor="ctr"/>
+            <a:lstStyle/>
+            <a:p>
+              <a:pPr algn="ctr"/>
+              <a:endParaRPr lang="ko-KR" altLang="en-US"/>
+            </a:p>
+          </p:txBody>
+        </p:sp>
+        <p:sp>
+          <p:nvSpPr>
+            <p:cNvPr id="39" name="타원 38"/>
+            <p:cNvSpPr/>
+            <p:nvPr/>
+          </p:nvSpPr>
+          <p:spPr>
+            <a:xfrm rot="21118605">
+              <a:off x="7178677" y="3145510"/>
+              <a:ext cx="180000" cy="180000"/>
+            </a:xfrm>
+            <a:prstGeom prst="ellipse">
+              <a:avLst/>
+            </a:prstGeom>
+            <a:blipFill>
+              <a:blip r:embed="rId3">
+                <a:alphaModFix amt="99000"/>
+              </a:blip>
+              <a:tile tx="0" ty="0" sx="100000" sy="100000" flip="none" algn="tl"/>
+            </a:blipFill>
+            <a:ln>
+              <a:gradFill>
+                <a:gsLst>
+                  <a:gs pos="0">
+                    <a:srgbClr val="5580E9"/>
+                  </a:gs>
+                  <a:gs pos="25000">
+                    <a:srgbClr val="84CEEB"/>
+                  </a:gs>
+                  <a:gs pos="50000">
+                    <a:srgbClr val="5AB8EB"/>
+                  </a:gs>
+                  <a:gs pos="100000">
+                    <a:srgbClr val="C1C8E4"/>
+                  </a:gs>
+                  <a:gs pos="75000">
+                    <a:srgbClr val="8860D0"/>
+                  </a:gs>
+                </a:gsLst>
+                <a:lin ang="5400000" scaled="1"/>
+              </a:gradFill>
+            </a:ln>
+          </p:spPr>
+          <p:style>
+            <a:lnRef idx="2">
+              <a:schemeClr val="accent1">
+                <a:shade val="50000"/>
+              </a:schemeClr>
+            </a:lnRef>
+            <a:fillRef idx="1">
+              <a:schemeClr val="accent1"/>
+            </a:fillRef>
+            <a:effectRef idx="0">
+              <a:schemeClr val="accent1"/>
+            </a:effectRef>
+            <a:fontRef idx="minor">
+              <a:schemeClr val="lt1"/>
+            </a:fontRef>
+          </p:style>
+          <p:txBody>
+            <a:bodyPr rtlCol="0" anchor="ctr"/>
+            <a:lstStyle/>
+            <a:p>
+              <a:pPr algn="ctr"/>
+              <a:endParaRPr lang="ko-KR" altLang="en-US"/>
+            </a:p>
+          </p:txBody>
+        </p:sp>
+      </p:grpSp>
       <p:grpSp>
         <p:nvGrpSpPr>
           <p:cNvPr id="50" name="그룹 49"/>
@@ -25958,6 +27783,549 @@
           </p:txBody>
         </p:sp>
       </p:grpSp>
+      <p:sp>
+        <p:nvSpPr>
+          <p:cNvPr id="62" name="타원 61"/>
+          <p:cNvSpPr/>
+          <p:nvPr/>
+        </p:nvSpPr>
+        <p:spPr>
+          <a:xfrm rot="21118605">
+            <a:off x="9334053" y="1131765"/>
+            <a:ext cx="590521" cy="590522"/>
+          </a:xfrm>
+          <a:prstGeom prst="ellipse">
+            <a:avLst/>
+          </a:prstGeom>
+          <a:noFill/>
+          <a:ln w="50800">
+            <a:gradFill>
+              <a:gsLst>
+                <a:gs pos="25000">
+                  <a:srgbClr val="84CEEB"/>
+                </a:gs>
+                <a:gs pos="0">
+                  <a:srgbClr val="5580E9"/>
+                </a:gs>
+                <a:gs pos="50000">
+                  <a:srgbClr val="5AB8EC"/>
+                </a:gs>
+                <a:gs pos="75000">
+                  <a:srgbClr val="C1C8E4"/>
+                </a:gs>
+                <a:gs pos="100000">
+                  <a:srgbClr val="8860D0"/>
+                </a:gs>
+              </a:gsLst>
+              <a:lin ang="5400000" scaled="1"/>
+            </a:gradFill>
+          </a:ln>
+        </p:spPr>
+        <p:style>
+          <a:lnRef idx="2">
+            <a:schemeClr val="accent1">
+              <a:shade val="50000"/>
+            </a:schemeClr>
+          </a:lnRef>
+          <a:fillRef idx="1">
+            <a:schemeClr val="accent1"/>
+          </a:fillRef>
+          <a:effectRef idx="0">
+            <a:schemeClr val="accent1"/>
+          </a:effectRef>
+          <a:fontRef idx="minor">
+            <a:schemeClr val="lt1"/>
+          </a:fontRef>
+        </p:style>
+        <p:txBody>
+          <a:bodyPr rtlCol="0" anchor="ctr"/>
+          <a:lstStyle/>
+          <a:p>
+            <a:pPr algn="ctr"/>
+            <a:endParaRPr lang="ko-KR" altLang="en-US"/>
+          </a:p>
+        </p:txBody>
+      </p:sp>
+      <p:cxnSp>
+        <p:nvCxnSpPr>
+          <p:cNvPr id="63" name="직선 연결선 62"/>
+          <p:cNvCxnSpPr/>
+          <p:nvPr/>
+        </p:nvCxnSpPr>
+        <p:spPr>
+          <a:xfrm rot="5563335" flipV="1">
+            <a:off x="9516466" y="1354660"/>
+            <a:ext cx="506693" cy="103275"/>
+          </a:xfrm>
+          <a:prstGeom prst="line">
+            <a:avLst/>
+          </a:prstGeom>
+          <a:ln w="19050">
+            <a:solidFill>
+              <a:srgbClr val="C1C8E4"/>
+            </a:solidFill>
+          </a:ln>
+        </p:spPr>
+        <p:style>
+          <a:lnRef idx="1">
+            <a:schemeClr val="dk1"/>
+          </a:lnRef>
+          <a:fillRef idx="0">
+            <a:schemeClr val="dk1"/>
+          </a:fillRef>
+          <a:effectRef idx="0">
+            <a:schemeClr val="dk1"/>
+          </a:effectRef>
+          <a:fontRef idx="minor">
+            <a:schemeClr val="tx1"/>
+          </a:fontRef>
+        </p:style>
+      </p:cxnSp>
+      <p:cxnSp>
+        <p:nvCxnSpPr>
+          <p:cNvPr id="64" name="직선 연결선 63"/>
+          <p:cNvCxnSpPr/>
+          <p:nvPr/>
+        </p:nvCxnSpPr>
+        <p:spPr>
+          <a:xfrm rot="5563335">
+            <a:off x="9729353" y="1636583"/>
+            <a:ext cx="57253" cy="100276"/>
+          </a:xfrm>
+          <a:prstGeom prst="line">
+            <a:avLst/>
+          </a:prstGeom>
+          <a:ln w="19050">
+            <a:solidFill>
+              <a:srgbClr val="C1C8E4"/>
+            </a:solidFill>
+          </a:ln>
+        </p:spPr>
+        <p:style>
+          <a:lnRef idx="1">
+            <a:schemeClr val="dk1"/>
+          </a:lnRef>
+          <a:fillRef idx="0">
+            <a:schemeClr val="dk1"/>
+          </a:fillRef>
+          <a:effectRef idx="0">
+            <a:schemeClr val="dk1"/>
+          </a:effectRef>
+          <a:fontRef idx="minor">
+            <a:schemeClr val="tx1"/>
+          </a:fontRef>
+        </p:style>
+      </p:cxnSp>
+      <p:cxnSp>
+        <p:nvCxnSpPr>
+          <p:cNvPr id="65" name="직선 연결선 64"/>
+          <p:cNvCxnSpPr/>
+          <p:nvPr/>
+        </p:nvCxnSpPr>
+        <p:spPr>
+          <a:xfrm rot="5563335" flipH="1" flipV="1">
+            <a:off x="9479200" y="1049796"/>
+            <a:ext cx="196084" cy="456664"/>
+          </a:xfrm>
+          <a:prstGeom prst="line">
+            <a:avLst/>
+          </a:prstGeom>
+          <a:ln w="19050">
+            <a:solidFill>
+              <a:srgbClr val="C1C8E4"/>
+            </a:solidFill>
+          </a:ln>
+        </p:spPr>
+        <p:style>
+          <a:lnRef idx="1">
+            <a:schemeClr val="dk1"/>
+          </a:lnRef>
+          <a:fillRef idx="0">
+            <a:schemeClr val="dk1"/>
+          </a:fillRef>
+          <a:effectRef idx="0">
+            <a:schemeClr val="dk1"/>
+          </a:effectRef>
+          <a:fontRef idx="minor">
+            <a:schemeClr val="tx1"/>
+          </a:fontRef>
+        </p:style>
+      </p:cxnSp>
+      <p:cxnSp>
+        <p:nvCxnSpPr>
+          <p:cNvPr id="66" name="직선 연결선 65"/>
+          <p:cNvCxnSpPr/>
+          <p:nvPr/>
+        </p:nvCxnSpPr>
+        <p:spPr>
+          <a:xfrm rot="5563335" flipH="1" flipV="1">
+            <a:off x="9420638" y="1069912"/>
+            <a:ext cx="233558" cy="375127"/>
+          </a:xfrm>
+          <a:prstGeom prst="line">
+            <a:avLst/>
+          </a:prstGeom>
+          <a:ln w="19050">
+            <a:solidFill>
+              <a:srgbClr val="C1C8E4"/>
+            </a:solidFill>
+          </a:ln>
+        </p:spPr>
+        <p:style>
+          <a:lnRef idx="1">
+            <a:schemeClr val="dk1"/>
+          </a:lnRef>
+          <a:fillRef idx="0">
+            <a:schemeClr val="dk1"/>
+          </a:fillRef>
+          <a:effectRef idx="0">
+            <a:schemeClr val="dk1"/>
+          </a:effectRef>
+          <a:fontRef idx="minor">
+            <a:schemeClr val="tx1"/>
+          </a:fontRef>
+        </p:style>
+      </p:cxnSp>
+      <p:sp>
+        <p:nvSpPr>
+          <p:cNvPr id="67" name="타원 66"/>
+          <p:cNvSpPr/>
+          <p:nvPr/>
+        </p:nvSpPr>
+        <p:spPr>
+          <a:xfrm rot="21118605">
+            <a:off x="9778732" y="1160194"/>
+            <a:ext cx="72000" cy="72000"/>
+          </a:xfrm>
+          <a:prstGeom prst="ellipse">
+            <a:avLst/>
+          </a:prstGeom>
+          <a:blipFill>
+            <a:blip r:embed="rId3">
+              <a:alphaModFix amt="99000"/>
+            </a:blip>
+            <a:tile tx="0" ty="0" sx="100000" sy="100000" flip="none" algn="tl"/>
+          </a:blipFill>
+          <a:ln>
+            <a:gradFill>
+              <a:gsLst>
+                <a:gs pos="0">
+                  <a:srgbClr val="5580E9"/>
+                </a:gs>
+                <a:gs pos="25000">
+                  <a:srgbClr val="84CEEB"/>
+                </a:gs>
+                <a:gs pos="50000">
+                  <a:srgbClr val="5AB8EB"/>
+                </a:gs>
+                <a:gs pos="100000">
+                  <a:srgbClr val="C1C8E4"/>
+                </a:gs>
+                <a:gs pos="75000">
+                  <a:srgbClr val="8860D0"/>
+                </a:gs>
+              </a:gsLst>
+              <a:lin ang="5400000" scaled="1"/>
+            </a:gradFill>
+          </a:ln>
+        </p:spPr>
+        <p:style>
+          <a:lnRef idx="2">
+            <a:schemeClr val="accent1">
+              <a:shade val="50000"/>
+            </a:schemeClr>
+          </a:lnRef>
+          <a:fillRef idx="1">
+            <a:schemeClr val="accent1"/>
+          </a:fillRef>
+          <a:effectRef idx="0">
+            <a:schemeClr val="accent1"/>
+          </a:effectRef>
+          <a:fontRef idx="minor">
+            <a:schemeClr val="lt1"/>
+          </a:fontRef>
+        </p:style>
+        <p:txBody>
+          <a:bodyPr rtlCol="0" anchor="ctr"/>
+          <a:lstStyle/>
+          <a:p>
+            <a:pPr algn="ctr"/>
+            <a:endParaRPr lang="ko-KR" altLang="en-US"/>
+          </a:p>
+        </p:txBody>
+      </p:sp>
+      <p:sp>
+        <p:nvSpPr>
+          <p:cNvPr id="68" name="타원 67"/>
+          <p:cNvSpPr/>
+          <p:nvPr/>
+        </p:nvSpPr>
+        <p:spPr>
+          <a:xfrm rot="21118605">
+            <a:off x="9308511" y="1327382"/>
+            <a:ext cx="72000" cy="72000"/>
+          </a:xfrm>
+          <a:prstGeom prst="ellipse">
+            <a:avLst/>
+          </a:prstGeom>
+          <a:blipFill>
+            <a:blip r:embed="rId3">
+              <a:alphaModFix amt="99000"/>
+            </a:blip>
+            <a:tile tx="0" ty="0" sx="100000" sy="100000" flip="none" algn="tl"/>
+          </a:blipFill>
+          <a:ln>
+            <a:gradFill>
+              <a:gsLst>
+                <a:gs pos="0">
+                  <a:srgbClr val="5580E9"/>
+                </a:gs>
+                <a:gs pos="25000">
+                  <a:srgbClr val="84CEEB"/>
+                </a:gs>
+                <a:gs pos="50000">
+                  <a:srgbClr val="5AB8EB"/>
+                </a:gs>
+                <a:gs pos="100000">
+                  <a:srgbClr val="C1C8E4"/>
+                </a:gs>
+                <a:gs pos="75000">
+                  <a:srgbClr val="8860D0"/>
+                </a:gs>
+              </a:gsLst>
+              <a:lin ang="5400000" scaled="1"/>
+            </a:gradFill>
+          </a:ln>
+        </p:spPr>
+        <p:style>
+          <a:lnRef idx="2">
+            <a:schemeClr val="accent1">
+              <a:shade val="50000"/>
+            </a:schemeClr>
+          </a:lnRef>
+          <a:fillRef idx="1">
+            <a:schemeClr val="accent1"/>
+          </a:fillRef>
+          <a:effectRef idx="0">
+            <a:schemeClr val="accent1"/>
+          </a:effectRef>
+          <a:fontRef idx="minor">
+            <a:schemeClr val="lt1"/>
+          </a:fontRef>
+        </p:style>
+        <p:txBody>
+          <a:bodyPr rtlCol="0" anchor="ctr"/>
+          <a:lstStyle/>
+          <a:p>
+            <a:pPr algn="ctr"/>
+            <a:endParaRPr lang="ko-KR" altLang="en-US"/>
+          </a:p>
+        </p:txBody>
+      </p:sp>
+      <p:sp>
+        <p:nvSpPr>
+          <p:cNvPr id="69" name="타원 68"/>
+          <p:cNvSpPr/>
+          <p:nvPr/>
+        </p:nvSpPr>
+        <p:spPr>
+          <a:xfrm rot="21118605">
+            <a:off x="9688708" y="1106057"/>
+            <a:ext cx="72000" cy="72000"/>
+          </a:xfrm>
+          <a:prstGeom prst="ellipse">
+            <a:avLst/>
+          </a:prstGeom>
+          <a:blipFill>
+            <a:blip r:embed="rId3">
+              <a:alphaModFix amt="99000"/>
+            </a:blip>
+            <a:tile tx="0" ty="0" sx="100000" sy="100000" flip="none" algn="tl"/>
+          </a:blipFill>
+          <a:ln>
+            <a:gradFill>
+              <a:gsLst>
+                <a:gs pos="0">
+                  <a:srgbClr val="5580E9"/>
+                </a:gs>
+                <a:gs pos="25000">
+                  <a:srgbClr val="84CEEB"/>
+                </a:gs>
+                <a:gs pos="50000">
+                  <a:srgbClr val="5AB8EB"/>
+                </a:gs>
+                <a:gs pos="100000">
+                  <a:srgbClr val="C1C8E4"/>
+                </a:gs>
+                <a:gs pos="75000">
+                  <a:srgbClr val="8860D0"/>
+                </a:gs>
+              </a:gsLst>
+              <a:lin ang="5400000" scaled="1"/>
+            </a:gradFill>
+          </a:ln>
+        </p:spPr>
+        <p:style>
+          <a:lnRef idx="2">
+            <a:schemeClr val="accent1">
+              <a:shade val="50000"/>
+            </a:schemeClr>
+          </a:lnRef>
+          <a:fillRef idx="1">
+            <a:schemeClr val="accent1"/>
+          </a:fillRef>
+          <a:effectRef idx="0">
+            <a:schemeClr val="accent1"/>
+          </a:effectRef>
+          <a:fontRef idx="minor">
+            <a:schemeClr val="lt1"/>
+          </a:fontRef>
+        </p:style>
+        <p:txBody>
+          <a:bodyPr rtlCol="0" anchor="ctr"/>
+          <a:lstStyle/>
+          <a:p>
+            <a:pPr algn="ctr"/>
+            <a:endParaRPr lang="ko-KR" altLang="en-US"/>
+          </a:p>
+        </p:txBody>
+      </p:sp>
+      <p:sp>
+        <p:nvSpPr>
+          <p:cNvPr id="70" name="타원 69"/>
+          <p:cNvSpPr/>
+          <p:nvPr/>
+        </p:nvSpPr>
+        <p:spPr>
+          <a:xfrm rot="21118605">
+            <a:off x="9778731" y="1619745"/>
+            <a:ext cx="72000" cy="72000"/>
+          </a:xfrm>
+          <a:prstGeom prst="ellipse">
+            <a:avLst/>
+          </a:prstGeom>
+          <a:blipFill>
+            <a:blip r:embed="rId3">
+              <a:alphaModFix amt="99000"/>
+            </a:blip>
+            <a:tile tx="0" ty="0" sx="100000" sy="100000" flip="none" algn="tl"/>
+          </a:blipFill>
+          <a:ln>
+            <a:gradFill>
+              <a:gsLst>
+                <a:gs pos="0">
+                  <a:srgbClr val="5580E9"/>
+                </a:gs>
+                <a:gs pos="25000">
+                  <a:srgbClr val="84CEEB"/>
+                </a:gs>
+                <a:gs pos="50000">
+                  <a:srgbClr val="5AB8EB"/>
+                </a:gs>
+                <a:gs pos="100000">
+                  <a:srgbClr val="C1C8E4"/>
+                </a:gs>
+                <a:gs pos="75000">
+                  <a:srgbClr val="8860D0"/>
+                </a:gs>
+              </a:gsLst>
+              <a:lin ang="5400000" scaled="1"/>
+            </a:gradFill>
+          </a:ln>
+        </p:spPr>
+        <p:style>
+          <a:lnRef idx="2">
+            <a:schemeClr val="accent1">
+              <a:shade val="50000"/>
+            </a:schemeClr>
+          </a:lnRef>
+          <a:fillRef idx="1">
+            <a:schemeClr val="accent1"/>
+          </a:fillRef>
+          <a:effectRef idx="0">
+            <a:schemeClr val="accent1"/>
+          </a:effectRef>
+          <a:fontRef idx="minor">
+            <a:schemeClr val="lt1"/>
+          </a:fontRef>
+        </p:style>
+        <p:txBody>
+          <a:bodyPr rtlCol="0" anchor="ctr"/>
+          <a:lstStyle/>
+          <a:p>
+            <a:pPr algn="ctr"/>
+            <a:endParaRPr lang="ko-KR" altLang="en-US"/>
+          </a:p>
+        </p:txBody>
+      </p:sp>
+      <p:sp>
+        <p:nvSpPr>
+          <p:cNvPr id="71" name="타원 70"/>
+          <p:cNvSpPr/>
+          <p:nvPr/>
+        </p:nvSpPr>
+        <p:spPr>
+          <a:xfrm rot="21118605">
+            <a:off x="9651403" y="1682511"/>
+            <a:ext cx="72000" cy="72000"/>
+          </a:xfrm>
+          <a:prstGeom prst="ellipse">
+            <a:avLst/>
+          </a:prstGeom>
+          <a:blipFill>
+            <a:blip r:embed="rId3">
+              <a:alphaModFix amt="99000"/>
+            </a:blip>
+            <a:tile tx="0" ty="0" sx="100000" sy="100000" flip="none" algn="tl"/>
+          </a:blipFill>
+          <a:ln>
+            <a:gradFill>
+              <a:gsLst>
+                <a:gs pos="0">
+                  <a:srgbClr val="5580E9"/>
+                </a:gs>
+                <a:gs pos="25000">
+                  <a:srgbClr val="84CEEB"/>
+                </a:gs>
+                <a:gs pos="50000">
+                  <a:srgbClr val="5AB8EB"/>
+                </a:gs>
+                <a:gs pos="100000">
+                  <a:srgbClr val="C1C8E4"/>
+                </a:gs>
+                <a:gs pos="75000">
+                  <a:srgbClr val="8860D0"/>
+                </a:gs>
+              </a:gsLst>
+              <a:lin ang="5400000" scaled="1"/>
+            </a:gradFill>
+          </a:ln>
+        </p:spPr>
+        <p:style>
+          <a:lnRef idx="2">
+            <a:schemeClr val="accent1">
+              <a:shade val="50000"/>
+            </a:schemeClr>
+          </a:lnRef>
+          <a:fillRef idx="1">
+            <a:schemeClr val="accent1"/>
+          </a:fillRef>
+          <a:effectRef idx="0">
+            <a:schemeClr val="accent1"/>
+          </a:effectRef>
+          <a:fontRef idx="minor">
+            <a:schemeClr val="lt1"/>
+          </a:fontRef>
+        </p:style>
+        <p:txBody>
+          <a:bodyPr rtlCol="0" anchor="ctr"/>
+          <a:lstStyle/>
+          <a:p>
+            <a:pPr algn="ctr"/>
+            <a:endParaRPr lang="ko-KR" altLang="en-US"/>
+          </a:p>
+        </p:txBody>
+      </p:sp>
     </p:spTree>
     <p:extLst>
       <p:ext uri="{BB962C8B-B14F-4D97-AF65-F5344CB8AC3E}">
@@ -26554,7 +28922,7 @@
         </p:nvSpPr>
         <p:spPr>
           <a:xfrm>
-            <a:off x="3845928" y="3044279"/>
+            <a:off x="226360" y="807058"/>
             <a:ext cx="4500143" cy="769441"/>
           </a:xfrm>
           <a:prstGeom prst="rect">
@@ -26624,6 +28992,1224 @@
 </file>
 
 <file path=ppt/slides/slide8.xml><?xml version="1.0" encoding="utf-8"?>
+<p:sld xmlns:a="http://schemas.openxmlformats.org/drawingml/2006/main" xmlns:r="http://schemas.openxmlformats.org/officeDocument/2006/relationships" xmlns:p="http://schemas.openxmlformats.org/presentationml/2006/main">
+  <p:cSld>
+    <p:bg>
+      <p:bgPr>
+        <a:solidFill>
+          <a:srgbClr val="000000"/>
+        </a:solidFill>
+        <a:effectLst/>
+      </p:bgPr>
+    </p:bg>
+    <p:spTree>
+      <p:nvGrpSpPr>
+        <p:cNvPr id="1" name=""/>
+        <p:cNvGrpSpPr/>
+        <p:nvPr/>
+      </p:nvGrpSpPr>
+      <p:grpSpPr>
+        <a:xfrm>
+          <a:off x="0" y="0"/>
+          <a:ext cx="0" cy="0"/>
+          <a:chOff x="0" y="0"/>
+          <a:chExt cx="0" cy="0"/>
+        </a:xfrm>
+      </p:grpSpPr>
+      <p:grpSp>
+        <p:nvGrpSpPr>
+          <p:cNvPr id="2" name="그룹 1"/>
+          <p:cNvGrpSpPr/>
+          <p:nvPr/>
+        </p:nvGrpSpPr>
+        <p:grpSpPr>
+          <a:xfrm>
+            <a:off x="2926503" y="2937593"/>
+            <a:ext cx="1800000" cy="1800000"/>
+            <a:chOff x="4636505" y="1964887"/>
+            <a:chExt cx="2918990" cy="2928225"/>
+          </a:xfrm>
+        </p:grpSpPr>
+        <p:sp>
+          <p:nvSpPr>
+            <p:cNvPr id="5" name="타원 4"/>
+            <p:cNvSpPr/>
+            <p:nvPr/>
+          </p:nvSpPr>
+          <p:spPr>
+            <a:xfrm rot="21118605">
+              <a:off x="4675495" y="1968478"/>
+              <a:ext cx="2880000" cy="2880000"/>
+            </a:xfrm>
+            <a:prstGeom prst="ellipse">
+              <a:avLst/>
+            </a:prstGeom>
+            <a:noFill/>
+            <a:ln w="50800">
+              <a:gradFill>
+                <a:gsLst>
+                  <a:gs pos="25000">
+                    <a:srgbClr val="84CEEB"/>
+                  </a:gs>
+                  <a:gs pos="0">
+                    <a:srgbClr val="5580E9"/>
+                  </a:gs>
+                  <a:gs pos="50000">
+                    <a:srgbClr val="5AB8EC"/>
+                  </a:gs>
+                  <a:gs pos="75000">
+                    <a:srgbClr val="C1C8E4"/>
+                  </a:gs>
+                  <a:gs pos="100000">
+                    <a:srgbClr val="8860D0"/>
+                  </a:gs>
+                </a:gsLst>
+                <a:lin ang="5400000" scaled="1"/>
+              </a:gradFill>
+            </a:ln>
+          </p:spPr>
+          <p:style>
+            <a:lnRef idx="2">
+              <a:schemeClr val="accent1">
+                <a:shade val="50000"/>
+              </a:schemeClr>
+            </a:lnRef>
+            <a:fillRef idx="1">
+              <a:schemeClr val="accent1"/>
+            </a:fillRef>
+            <a:effectRef idx="0">
+              <a:schemeClr val="accent1"/>
+            </a:effectRef>
+            <a:fontRef idx="minor">
+              <a:schemeClr val="lt1"/>
+            </a:fontRef>
+          </p:style>
+          <p:txBody>
+            <a:bodyPr rtlCol="0" anchor="ctr"/>
+            <a:lstStyle/>
+            <a:p>
+              <a:pPr algn="ctr"/>
+              <a:endParaRPr lang="ko-KR" altLang="en-US"/>
+            </a:p>
+          </p:txBody>
+        </p:sp>
+        <p:cxnSp>
+          <p:nvCxnSpPr>
+            <p:cNvPr id="6" name="직선 연결선 5"/>
+            <p:cNvCxnSpPr/>
+            <p:nvPr/>
+          </p:nvCxnSpPr>
+          <p:spPr>
+            <a:xfrm rot="5563335" flipV="1">
+              <a:off x="5565133" y="3055545"/>
+              <a:ext cx="2471162" cy="503676"/>
+            </a:xfrm>
+            <a:prstGeom prst="line">
+              <a:avLst/>
+            </a:prstGeom>
+            <a:ln w="19050">
+              <a:solidFill>
+                <a:srgbClr val="C1C8E4"/>
+              </a:solidFill>
+            </a:ln>
+          </p:spPr>
+          <p:style>
+            <a:lnRef idx="1">
+              <a:schemeClr val="dk1"/>
+            </a:lnRef>
+            <a:fillRef idx="0">
+              <a:schemeClr val="dk1"/>
+            </a:fillRef>
+            <a:effectRef idx="0">
+              <a:schemeClr val="dk1"/>
+            </a:effectRef>
+            <a:fontRef idx="minor">
+              <a:schemeClr val="tx1"/>
+            </a:fontRef>
+          </p:style>
+        </p:cxnSp>
+        <p:cxnSp>
+          <p:nvCxnSpPr>
+            <p:cNvPr id="7" name="직선 연결선 6"/>
+            <p:cNvCxnSpPr/>
+            <p:nvPr/>
+          </p:nvCxnSpPr>
+          <p:spPr>
+            <a:xfrm rot="5563335">
+              <a:off x="6603394" y="4430494"/>
+              <a:ext cx="279223" cy="489053"/>
+            </a:xfrm>
+            <a:prstGeom prst="line">
+              <a:avLst/>
+            </a:prstGeom>
+            <a:ln w="19050">
+              <a:solidFill>
+                <a:srgbClr val="C1C8E4"/>
+              </a:solidFill>
+            </a:ln>
+          </p:spPr>
+          <p:style>
+            <a:lnRef idx="1">
+              <a:schemeClr val="dk1"/>
+            </a:lnRef>
+            <a:fillRef idx="0">
+              <a:schemeClr val="dk1"/>
+            </a:fillRef>
+            <a:effectRef idx="0">
+              <a:schemeClr val="dk1"/>
+            </a:effectRef>
+            <a:fontRef idx="minor">
+              <a:schemeClr val="tx1"/>
+            </a:fontRef>
+          </p:style>
+        </p:cxnSp>
+        <p:cxnSp>
+          <p:nvCxnSpPr>
+            <p:cNvPr id="8" name="직선 연결선 7"/>
+            <p:cNvCxnSpPr/>
+            <p:nvPr/>
+          </p:nvCxnSpPr>
+          <p:spPr>
+            <a:xfrm rot="5563335" flipH="1" flipV="1">
+              <a:off x="5383387" y="1568707"/>
+              <a:ext cx="956311" cy="2227172"/>
+            </a:xfrm>
+            <a:prstGeom prst="line">
+              <a:avLst/>
+            </a:prstGeom>
+            <a:ln w="19050">
+              <a:solidFill>
+                <a:srgbClr val="C1C8E4"/>
+              </a:solidFill>
+            </a:ln>
+          </p:spPr>
+          <p:style>
+            <a:lnRef idx="1">
+              <a:schemeClr val="dk1"/>
+            </a:lnRef>
+            <a:fillRef idx="0">
+              <a:schemeClr val="dk1"/>
+            </a:fillRef>
+            <a:effectRef idx="0">
+              <a:schemeClr val="dk1"/>
+            </a:effectRef>
+            <a:fontRef idx="minor">
+              <a:schemeClr val="tx1"/>
+            </a:fontRef>
+          </p:style>
+        </p:cxnSp>
+        <p:cxnSp>
+          <p:nvCxnSpPr>
+            <p:cNvPr id="9" name="직선 연결선 8"/>
+            <p:cNvCxnSpPr/>
+            <p:nvPr/>
+          </p:nvCxnSpPr>
+          <p:spPr>
+            <a:xfrm rot="5563335" flipH="1" flipV="1">
+              <a:off x="5097776" y="1666817"/>
+              <a:ext cx="1139073" cy="1829513"/>
+            </a:xfrm>
+            <a:prstGeom prst="line">
+              <a:avLst/>
+            </a:prstGeom>
+            <a:ln w="19050">
+              <a:solidFill>
+                <a:srgbClr val="C1C8E4"/>
+              </a:solidFill>
+            </a:ln>
+          </p:spPr>
+          <p:style>
+            <a:lnRef idx="1">
+              <a:schemeClr val="dk1"/>
+            </a:lnRef>
+            <a:fillRef idx="0">
+              <a:schemeClr val="dk1"/>
+            </a:fillRef>
+            <a:effectRef idx="0">
+              <a:schemeClr val="dk1"/>
+            </a:effectRef>
+            <a:fontRef idx="minor">
+              <a:schemeClr val="tx1"/>
+            </a:fontRef>
+          </p:style>
+        </p:cxnSp>
+        <p:sp>
+          <p:nvSpPr>
+            <p:cNvPr id="10" name="타원 9"/>
+            <p:cNvSpPr/>
+            <p:nvPr/>
+          </p:nvSpPr>
+          <p:spPr>
+            <a:xfrm rot="21118605">
+              <a:off x="6905670" y="2161094"/>
+              <a:ext cx="180000" cy="180000"/>
+            </a:xfrm>
+            <a:prstGeom prst="ellipse">
+              <a:avLst/>
+            </a:prstGeom>
+            <a:blipFill>
+              <a:blip r:embed="rId2">
+                <a:alphaModFix amt="99000"/>
+              </a:blip>
+              <a:tile tx="0" ty="0" sx="100000" sy="100000" flip="none" algn="tl"/>
+            </a:blipFill>
+            <a:ln>
+              <a:gradFill>
+                <a:gsLst>
+                  <a:gs pos="0">
+                    <a:srgbClr val="5580E9"/>
+                  </a:gs>
+                  <a:gs pos="25000">
+                    <a:srgbClr val="84CEEB"/>
+                  </a:gs>
+                  <a:gs pos="50000">
+                    <a:srgbClr val="5AB8EB"/>
+                  </a:gs>
+                  <a:gs pos="100000">
+                    <a:srgbClr val="C1C8E4"/>
+                  </a:gs>
+                  <a:gs pos="75000">
+                    <a:srgbClr val="8860D0"/>
+                  </a:gs>
+                </a:gsLst>
+                <a:lin ang="5400000" scaled="1"/>
+              </a:gradFill>
+            </a:ln>
+          </p:spPr>
+          <p:style>
+            <a:lnRef idx="2">
+              <a:schemeClr val="accent1">
+                <a:shade val="50000"/>
+              </a:schemeClr>
+            </a:lnRef>
+            <a:fillRef idx="1">
+              <a:schemeClr val="accent1"/>
+            </a:fillRef>
+            <a:effectRef idx="0">
+              <a:schemeClr val="accent1"/>
+            </a:effectRef>
+            <a:fontRef idx="minor">
+              <a:schemeClr val="lt1"/>
+            </a:fontRef>
+          </p:style>
+          <p:txBody>
+            <a:bodyPr rtlCol="0" anchor="ctr"/>
+            <a:lstStyle/>
+            <a:p>
+              <a:pPr algn="ctr"/>
+              <a:endParaRPr lang="ko-KR" altLang="en-US"/>
+            </a:p>
+          </p:txBody>
+        </p:sp>
+        <p:sp>
+          <p:nvSpPr>
+            <p:cNvPr id="11" name="타원 10"/>
+            <p:cNvSpPr/>
+            <p:nvPr/>
+          </p:nvSpPr>
+          <p:spPr>
+            <a:xfrm rot="21118605">
+              <a:off x="4636505" y="3017021"/>
+              <a:ext cx="180000" cy="180000"/>
+            </a:xfrm>
+            <a:prstGeom prst="ellipse">
+              <a:avLst/>
+            </a:prstGeom>
+            <a:blipFill>
+              <a:blip r:embed="rId2">
+                <a:alphaModFix amt="99000"/>
+              </a:blip>
+              <a:tile tx="0" ty="0" sx="100000" sy="100000" flip="none" algn="tl"/>
+            </a:blipFill>
+            <a:ln>
+              <a:gradFill>
+                <a:gsLst>
+                  <a:gs pos="0">
+                    <a:srgbClr val="5580E9"/>
+                  </a:gs>
+                  <a:gs pos="25000">
+                    <a:srgbClr val="84CEEB"/>
+                  </a:gs>
+                  <a:gs pos="50000">
+                    <a:srgbClr val="5AB8EB"/>
+                  </a:gs>
+                  <a:gs pos="100000">
+                    <a:srgbClr val="C1C8E4"/>
+                  </a:gs>
+                  <a:gs pos="75000">
+                    <a:srgbClr val="8860D0"/>
+                  </a:gs>
+                </a:gsLst>
+                <a:lin ang="5400000" scaled="1"/>
+              </a:gradFill>
+            </a:ln>
+          </p:spPr>
+          <p:style>
+            <a:lnRef idx="2">
+              <a:schemeClr val="accent1">
+                <a:shade val="50000"/>
+              </a:schemeClr>
+            </a:lnRef>
+            <a:fillRef idx="1">
+              <a:schemeClr val="accent1"/>
+            </a:fillRef>
+            <a:effectRef idx="0">
+              <a:schemeClr val="accent1"/>
+            </a:effectRef>
+            <a:fontRef idx="minor">
+              <a:schemeClr val="lt1"/>
+            </a:fontRef>
+          </p:style>
+          <p:txBody>
+            <a:bodyPr rtlCol="0" anchor="ctr"/>
+            <a:lstStyle/>
+            <a:p>
+              <a:pPr algn="ctr"/>
+              <a:endParaRPr lang="ko-KR" altLang="en-US"/>
+            </a:p>
+          </p:txBody>
+        </p:sp>
+        <p:sp>
+          <p:nvSpPr>
+            <p:cNvPr id="12" name="타원 11"/>
+            <p:cNvSpPr/>
+            <p:nvPr/>
+          </p:nvSpPr>
+          <p:spPr>
+            <a:xfrm rot="21118605">
+              <a:off x="6518181" y="1964887"/>
+              <a:ext cx="180000" cy="180000"/>
+            </a:xfrm>
+            <a:prstGeom prst="ellipse">
+              <a:avLst/>
+            </a:prstGeom>
+            <a:blipFill>
+              <a:blip r:embed="rId2">
+                <a:alphaModFix amt="99000"/>
+              </a:blip>
+              <a:tile tx="0" ty="0" sx="100000" sy="100000" flip="none" algn="tl"/>
+            </a:blipFill>
+            <a:ln>
+              <a:gradFill>
+                <a:gsLst>
+                  <a:gs pos="0">
+                    <a:srgbClr val="5580E9"/>
+                  </a:gs>
+                  <a:gs pos="25000">
+                    <a:srgbClr val="84CEEB"/>
+                  </a:gs>
+                  <a:gs pos="50000">
+                    <a:srgbClr val="5AB8EB"/>
+                  </a:gs>
+                  <a:gs pos="100000">
+                    <a:srgbClr val="C1C8E4"/>
+                  </a:gs>
+                  <a:gs pos="75000">
+                    <a:srgbClr val="8860D0"/>
+                  </a:gs>
+                </a:gsLst>
+                <a:lin ang="5400000" scaled="1"/>
+              </a:gradFill>
+            </a:ln>
+          </p:spPr>
+          <p:style>
+            <a:lnRef idx="2">
+              <a:schemeClr val="accent1">
+                <a:shade val="50000"/>
+              </a:schemeClr>
+            </a:lnRef>
+            <a:fillRef idx="1">
+              <a:schemeClr val="accent1"/>
+            </a:fillRef>
+            <a:effectRef idx="0">
+              <a:schemeClr val="accent1"/>
+            </a:effectRef>
+            <a:fontRef idx="minor">
+              <a:schemeClr val="lt1"/>
+            </a:fontRef>
+          </p:style>
+          <p:txBody>
+            <a:bodyPr rtlCol="0" anchor="ctr"/>
+            <a:lstStyle/>
+            <a:p>
+              <a:pPr algn="ctr"/>
+              <a:endParaRPr lang="ko-KR" altLang="en-US"/>
+            </a:p>
+          </p:txBody>
+        </p:sp>
+        <p:sp>
+          <p:nvSpPr>
+            <p:cNvPr id="13" name="타원 12"/>
+            <p:cNvSpPr/>
+            <p:nvPr/>
+          </p:nvSpPr>
+          <p:spPr>
+            <a:xfrm rot="21118605">
+              <a:off x="6918601" y="4464244"/>
+              <a:ext cx="180000" cy="180000"/>
+            </a:xfrm>
+            <a:prstGeom prst="ellipse">
+              <a:avLst/>
+            </a:prstGeom>
+            <a:blipFill>
+              <a:blip r:embed="rId2">
+                <a:alphaModFix amt="99000"/>
+              </a:blip>
+              <a:tile tx="0" ty="0" sx="100000" sy="100000" flip="none" algn="tl"/>
+            </a:blipFill>
+            <a:ln>
+              <a:gradFill>
+                <a:gsLst>
+                  <a:gs pos="0">
+                    <a:srgbClr val="5580E9"/>
+                  </a:gs>
+                  <a:gs pos="25000">
+                    <a:srgbClr val="84CEEB"/>
+                  </a:gs>
+                  <a:gs pos="50000">
+                    <a:srgbClr val="5AB8EB"/>
+                  </a:gs>
+                  <a:gs pos="100000">
+                    <a:srgbClr val="C1C8E4"/>
+                  </a:gs>
+                  <a:gs pos="75000">
+                    <a:srgbClr val="8860D0"/>
+                  </a:gs>
+                </a:gsLst>
+                <a:lin ang="5400000" scaled="1"/>
+              </a:gradFill>
+            </a:ln>
+          </p:spPr>
+          <p:style>
+            <a:lnRef idx="2">
+              <a:schemeClr val="accent1">
+                <a:shade val="50000"/>
+              </a:schemeClr>
+            </a:lnRef>
+            <a:fillRef idx="1">
+              <a:schemeClr val="accent1"/>
+            </a:fillRef>
+            <a:effectRef idx="0">
+              <a:schemeClr val="accent1"/>
+            </a:effectRef>
+            <a:fontRef idx="minor">
+              <a:schemeClr val="lt1"/>
+            </a:fontRef>
+          </p:style>
+          <p:txBody>
+            <a:bodyPr rtlCol="0" anchor="ctr"/>
+            <a:lstStyle/>
+            <a:p>
+              <a:pPr algn="ctr"/>
+              <a:endParaRPr lang="ko-KR" altLang="en-US"/>
+            </a:p>
+          </p:txBody>
+        </p:sp>
+        <p:sp>
+          <p:nvSpPr>
+            <p:cNvPr id="14" name="타원 13"/>
+            <p:cNvSpPr/>
+            <p:nvPr/>
+          </p:nvSpPr>
+          <p:spPr>
+            <a:xfrm rot="21118605">
+              <a:off x="6396086" y="4713112"/>
+              <a:ext cx="180000" cy="180000"/>
+            </a:xfrm>
+            <a:prstGeom prst="ellipse">
+              <a:avLst/>
+            </a:prstGeom>
+            <a:blipFill>
+              <a:blip r:embed="rId2">
+                <a:alphaModFix amt="99000"/>
+              </a:blip>
+              <a:tile tx="0" ty="0" sx="100000" sy="100000" flip="none" algn="tl"/>
+            </a:blipFill>
+            <a:ln>
+              <a:gradFill>
+                <a:gsLst>
+                  <a:gs pos="0">
+                    <a:srgbClr val="5580E9"/>
+                  </a:gs>
+                  <a:gs pos="25000">
+                    <a:srgbClr val="84CEEB"/>
+                  </a:gs>
+                  <a:gs pos="50000">
+                    <a:srgbClr val="5AB8EB"/>
+                  </a:gs>
+                  <a:gs pos="100000">
+                    <a:srgbClr val="C1C8E4"/>
+                  </a:gs>
+                  <a:gs pos="75000">
+                    <a:srgbClr val="8860D0"/>
+                  </a:gs>
+                </a:gsLst>
+                <a:lin ang="5400000" scaled="1"/>
+              </a:gradFill>
+            </a:ln>
+          </p:spPr>
+          <p:style>
+            <a:lnRef idx="2">
+              <a:schemeClr val="accent1">
+                <a:shade val="50000"/>
+              </a:schemeClr>
+            </a:lnRef>
+            <a:fillRef idx="1">
+              <a:schemeClr val="accent1"/>
+            </a:fillRef>
+            <a:effectRef idx="0">
+              <a:schemeClr val="accent1"/>
+            </a:effectRef>
+            <a:fontRef idx="minor">
+              <a:schemeClr val="lt1"/>
+            </a:fontRef>
+          </p:style>
+          <p:txBody>
+            <a:bodyPr rtlCol="0" anchor="ctr"/>
+            <a:lstStyle/>
+            <a:p>
+              <a:pPr algn="ctr"/>
+              <a:endParaRPr lang="ko-KR" altLang="en-US"/>
+            </a:p>
+          </p:txBody>
+        </p:sp>
+      </p:grpSp>
+      <p:sp>
+        <p:nvSpPr>
+          <p:cNvPr id="15" name="직사각형 14"/>
+          <p:cNvSpPr/>
+          <p:nvPr/>
+        </p:nvSpPr>
+        <p:spPr>
+          <a:xfrm>
+            <a:off x="226360" y="807058"/>
+            <a:ext cx="4500143" cy="769441"/>
+          </a:xfrm>
+          <a:prstGeom prst="rect">
+            <a:avLst/>
+          </a:prstGeom>
+          <a:noFill/>
+        </p:spPr>
+        <p:txBody>
+          <a:bodyPr wrap="none" lIns="91440" tIns="45720" rIns="91440" bIns="45720">
+            <a:spAutoFit/>
+          </a:bodyPr>
+          <a:lstStyle/>
+          <a:p>
+            <a:pPr algn="dist"/>
+            <a:r>
+              <a:rPr lang="en-US" altLang="ko-KR" sz="4400" b="1" spc="-300" dirty="0" smtClean="0">
+                <a:ln w="0"/>
+                <a:solidFill>
+                  <a:schemeClr val="bg1"/>
+                </a:solidFill>
+                <a:effectLst>
+                  <a:outerShdw blurRad="38100" dist="19050" dir="2700000" algn="tl" rotWithShape="0">
+                    <a:schemeClr val="dk1">
+                      <a:alpha val="40000"/>
+                    </a:schemeClr>
+                  </a:outerShdw>
+                </a:effectLst>
+                <a:latin typeface="Arial Black" panose="020B0A04020102020204" pitchFamily="34" charset="0"/>
+              </a:rPr>
+              <a:t>ROUTING STAR</a:t>
+            </a:r>
+            <a:endParaRPr lang="en-US" altLang="ko-KR" sz="4400" b="1" cap="none" spc="-300" dirty="0" smtClean="0">
+              <a:ln w="0"/>
+              <a:solidFill>
+                <a:schemeClr val="bg1"/>
+              </a:solidFill>
+              <a:effectLst>
+                <a:outerShdw blurRad="38100" dist="19050" dir="2700000" algn="tl" rotWithShape="0">
+                  <a:schemeClr val="dk1">
+                    <a:alpha val="40000"/>
+                  </a:schemeClr>
+                </a:outerShdw>
+              </a:effectLst>
+              <a:latin typeface="Arial Black" panose="020B0A04020102020204" pitchFamily="34" charset="0"/>
+            </a:endParaRPr>
+          </a:p>
+        </p:txBody>
+      </p:sp>
+      <p:grpSp>
+        <p:nvGrpSpPr>
+          <p:cNvPr id="27" name="그룹 26"/>
+          <p:cNvGrpSpPr/>
+          <p:nvPr/>
+        </p:nvGrpSpPr>
+        <p:grpSpPr>
+          <a:xfrm>
+            <a:off x="6137787" y="3440436"/>
+            <a:ext cx="1368000" cy="1368000"/>
+            <a:chOff x="4636505" y="1964887"/>
+            <a:chExt cx="2918990" cy="2928225"/>
+          </a:xfrm>
+        </p:grpSpPr>
+        <p:sp>
+          <p:nvSpPr>
+            <p:cNvPr id="28" name="타원 27"/>
+            <p:cNvSpPr/>
+            <p:nvPr/>
+          </p:nvSpPr>
+          <p:spPr>
+            <a:xfrm rot="21118605">
+              <a:off x="4675495" y="1968478"/>
+              <a:ext cx="2880000" cy="2880000"/>
+            </a:xfrm>
+            <a:prstGeom prst="ellipse">
+              <a:avLst/>
+            </a:prstGeom>
+            <a:noFill/>
+            <a:ln w="50800">
+              <a:gradFill>
+                <a:gsLst>
+                  <a:gs pos="25000">
+                    <a:srgbClr val="84CEEB"/>
+                  </a:gs>
+                  <a:gs pos="0">
+                    <a:srgbClr val="5580E9"/>
+                  </a:gs>
+                  <a:gs pos="50000">
+                    <a:srgbClr val="5AB8EC"/>
+                  </a:gs>
+                  <a:gs pos="75000">
+                    <a:srgbClr val="C1C8E4"/>
+                  </a:gs>
+                  <a:gs pos="100000">
+                    <a:srgbClr val="8860D0"/>
+                  </a:gs>
+                </a:gsLst>
+                <a:lin ang="5400000" scaled="1"/>
+              </a:gradFill>
+            </a:ln>
+          </p:spPr>
+          <p:style>
+            <a:lnRef idx="2">
+              <a:schemeClr val="accent1">
+                <a:shade val="50000"/>
+              </a:schemeClr>
+            </a:lnRef>
+            <a:fillRef idx="1">
+              <a:schemeClr val="accent1"/>
+            </a:fillRef>
+            <a:effectRef idx="0">
+              <a:schemeClr val="accent1"/>
+            </a:effectRef>
+            <a:fontRef idx="minor">
+              <a:schemeClr val="lt1"/>
+            </a:fontRef>
+          </p:style>
+          <p:txBody>
+            <a:bodyPr rtlCol="0" anchor="ctr"/>
+            <a:lstStyle/>
+            <a:p>
+              <a:pPr algn="ctr"/>
+              <a:endParaRPr lang="ko-KR" altLang="en-US"/>
+            </a:p>
+          </p:txBody>
+        </p:sp>
+        <p:cxnSp>
+          <p:nvCxnSpPr>
+            <p:cNvPr id="29" name="직선 연결선 28"/>
+            <p:cNvCxnSpPr/>
+            <p:nvPr/>
+          </p:nvCxnSpPr>
+          <p:spPr>
+            <a:xfrm rot="5563335" flipV="1">
+              <a:off x="5565133" y="3055545"/>
+              <a:ext cx="2471162" cy="503676"/>
+            </a:xfrm>
+            <a:prstGeom prst="line">
+              <a:avLst/>
+            </a:prstGeom>
+            <a:ln w="19050">
+              <a:solidFill>
+                <a:srgbClr val="C1C8E4"/>
+              </a:solidFill>
+            </a:ln>
+          </p:spPr>
+          <p:style>
+            <a:lnRef idx="1">
+              <a:schemeClr val="dk1"/>
+            </a:lnRef>
+            <a:fillRef idx="0">
+              <a:schemeClr val="dk1"/>
+            </a:fillRef>
+            <a:effectRef idx="0">
+              <a:schemeClr val="dk1"/>
+            </a:effectRef>
+            <a:fontRef idx="minor">
+              <a:schemeClr val="tx1"/>
+            </a:fontRef>
+          </p:style>
+        </p:cxnSp>
+        <p:cxnSp>
+          <p:nvCxnSpPr>
+            <p:cNvPr id="30" name="직선 연결선 29"/>
+            <p:cNvCxnSpPr/>
+            <p:nvPr/>
+          </p:nvCxnSpPr>
+          <p:spPr>
+            <a:xfrm rot="5563335">
+              <a:off x="6603394" y="4430494"/>
+              <a:ext cx="279223" cy="489053"/>
+            </a:xfrm>
+            <a:prstGeom prst="line">
+              <a:avLst/>
+            </a:prstGeom>
+            <a:ln w="19050">
+              <a:solidFill>
+                <a:srgbClr val="C1C8E4"/>
+              </a:solidFill>
+            </a:ln>
+          </p:spPr>
+          <p:style>
+            <a:lnRef idx="1">
+              <a:schemeClr val="dk1"/>
+            </a:lnRef>
+            <a:fillRef idx="0">
+              <a:schemeClr val="dk1"/>
+            </a:fillRef>
+            <a:effectRef idx="0">
+              <a:schemeClr val="dk1"/>
+            </a:effectRef>
+            <a:fontRef idx="minor">
+              <a:schemeClr val="tx1"/>
+            </a:fontRef>
+          </p:style>
+        </p:cxnSp>
+        <p:cxnSp>
+          <p:nvCxnSpPr>
+            <p:cNvPr id="31" name="직선 연결선 30"/>
+            <p:cNvCxnSpPr/>
+            <p:nvPr/>
+          </p:nvCxnSpPr>
+          <p:spPr>
+            <a:xfrm rot="5563335" flipH="1" flipV="1">
+              <a:off x="5383387" y="1568707"/>
+              <a:ext cx="956311" cy="2227172"/>
+            </a:xfrm>
+            <a:prstGeom prst="line">
+              <a:avLst/>
+            </a:prstGeom>
+            <a:ln w="19050">
+              <a:solidFill>
+                <a:srgbClr val="C1C8E4"/>
+              </a:solidFill>
+            </a:ln>
+          </p:spPr>
+          <p:style>
+            <a:lnRef idx="1">
+              <a:schemeClr val="dk1"/>
+            </a:lnRef>
+            <a:fillRef idx="0">
+              <a:schemeClr val="dk1"/>
+            </a:fillRef>
+            <a:effectRef idx="0">
+              <a:schemeClr val="dk1"/>
+            </a:effectRef>
+            <a:fontRef idx="minor">
+              <a:schemeClr val="tx1"/>
+            </a:fontRef>
+          </p:style>
+        </p:cxnSp>
+        <p:cxnSp>
+          <p:nvCxnSpPr>
+            <p:cNvPr id="32" name="직선 연결선 31"/>
+            <p:cNvCxnSpPr/>
+            <p:nvPr/>
+          </p:nvCxnSpPr>
+          <p:spPr>
+            <a:xfrm rot="5563335" flipH="1" flipV="1">
+              <a:off x="5097776" y="1666817"/>
+              <a:ext cx="1139073" cy="1829513"/>
+            </a:xfrm>
+            <a:prstGeom prst="line">
+              <a:avLst/>
+            </a:prstGeom>
+            <a:ln w="19050">
+              <a:solidFill>
+                <a:srgbClr val="C1C8E4"/>
+              </a:solidFill>
+            </a:ln>
+          </p:spPr>
+          <p:style>
+            <a:lnRef idx="1">
+              <a:schemeClr val="dk1"/>
+            </a:lnRef>
+            <a:fillRef idx="0">
+              <a:schemeClr val="dk1"/>
+            </a:fillRef>
+            <a:effectRef idx="0">
+              <a:schemeClr val="dk1"/>
+            </a:effectRef>
+            <a:fontRef idx="minor">
+              <a:schemeClr val="tx1"/>
+            </a:fontRef>
+          </p:style>
+        </p:cxnSp>
+        <p:sp>
+          <p:nvSpPr>
+            <p:cNvPr id="33" name="타원 32"/>
+            <p:cNvSpPr/>
+            <p:nvPr/>
+          </p:nvSpPr>
+          <p:spPr>
+            <a:xfrm rot="21118605">
+              <a:off x="6905670" y="2161094"/>
+              <a:ext cx="180000" cy="180000"/>
+            </a:xfrm>
+            <a:prstGeom prst="ellipse">
+              <a:avLst/>
+            </a:prstGeom>
+            <a:blipFill>
+              <a:blip r:embed="rId2">
+                <a:alphaModFix amt="99000"/>
+              </a:blip>
+              <a:tile tx="0" ty="0" sx="100000" sy="100000" flip="none" algn="tl"/>
+            </a:blipFill>
+            <a:ln>
+              <a:gradFill>
+                <a:gsLst>
+                  <a:gs pos="0">
+                    <a:srgbClr val="5580E9"/>
+                  </a:gs>
+                  <a:gs pos="25000">
+                    <a:srgbClr val="84CEEB"/>
+                  </a:gs>
+                  <a:gs pos="50000">
+                    <a:srgbClr val="5AB8EB"/>
+                  </a:gs>
+                  <a:gs pos="100000">
+                    <a:srgbClr val="C1C8E4"/>
+                  </a:gs>
+                  <a:gs pos="75000">
+                    <a:srgbClr val="8860D0"/>
+                  </a:gs>
+                </a:gsLst>
+                <a:lin ang="5400000" scaled="1"/>
+              </a:gradFill>
+            </a:ln>
+          </p:spPr>
+          <p:style>
+            <a:lnRef idx="2">
+              <a:schemeClr val="accent1">
+                <a:shade val="50000"/>
+              </a:schemeClr>
+            </a:lnRef>
+            <a:fillRef idx="1">
+              <a:schemeClr val="accent1"/>
+            </a:fillRef>
+            <a:effectRef idx="0">
+              <a:schemeClr val="accent1"/>
+            </a:effectRef>
+            <a:fontRef idx="minor">
+              <a:schemeClr val="lt1"/>
+            </a:fontRef>
+          </p:style>
+          <p:txBody>
+            <a:bodyPr rtlCol="0" anchor="ctr"/>
+            <a:lstStyle/>
+            <a:p>
+              <a:pPr algn="ctr"/>
+              <a:endParaRPr lang="ko-KR" altLang="en-US"/>
+            </a:p>
+          </p:txBody>
+        </p:sp>
+        <p:sp>
+          <p:nvSpPr>
+            <p:cNvPr id="34" name="타원 33"/>
+            <p:cNvSpPr/>
+            <p:nvPr/>
+          </p:nvSpPr>
+          <p:spPr>
+            <a:xfrm rot="21118605">
+              <a:off x="4636505" y="3017021"/>
+              <a:ext cx="180000" cy="180000"/>
+            </a:xfrm>
+            <a:prstGeom prst="ellipse">
+              <a:avLst/>
+            </a:prstGeom>
+            <a:blipFill>
+              <a:blip r:embed="rId2">
+                <a:alphaModFix amt="99000"/>
+              </a:blip>
+              <a:tile tx="0" ty="0" sx="100000" sy="100000" flip="none" algn="tl"/>
+            </a:blipFill>
+            <a:ln>
+              <a:gradFill>
+                <a:gsLst>
+                  <a:gs pos="0">
+                    <a:srgbClr val="5580E9"/>
+                  </a:gs>
+                  <a:gs pos="25000">
+                    <a:srgbClr val="84CEEB"/>
+                  </a:gs>
+                  <a:gs pos="50000">
+                    <a:srgbClr val="5AB8EB"/>
+                  </a:gs>
+                  <a:gs pos="100000">
+                    <a:srgbClr val="C1C8E4"/>
+                  </a:gs>
+                  <a:gs pos="75000">
+                    <a:srgbClr val="8860D0"/>
+                  </a:gs>
+                </a:gsLst>
+                <a:lin ang="5400000" scaled="1"/>
+              </a:gradFill>
+            </a:ln>
+          </p:spPr>
+          <p:style>
+            <a:lnRef idx="2">
+              <a:schemeClr val="accent1">
+                <a:shade val="50000"/>
+              </a:schemeClr>
+            </a:lnRef>
+            <a:fillRef idx="1">
+              <a:schemeClr val="accent1"/>
+            </a:fillRef>
+            <a:effectRef idx="0">
+              <a:schemeClr val="accent1"/>
+            </a:effectRef>
+            <a:fontRef idx="minor">
+              <a:schemeClr val="lt1"/>
+            </a:fontRef>
+          </p:style>
+          <p:txBody>
+            <a:bodyPr rtlCol="0" anchor="ctr"/>
+            <a:lstStyle/>
+            <a:p>
+              <a:pPr algn="ctr"/>
+              <a:endParaRPr lang="ko-KR" altLang="en-US"/>
+            </a:p>
+          </p:txBody>
+        </p:sp>
+        <p:sp>
+          <p:nvSpPr>
+            <p:cNvPr id="35" name="타원 34"/>
+            <p:cNvSpPr/>
+            <p:nvPr/>
+          </p:nvSpPr>
+          <p:spPr>
+            <a:xfrm rot="21118605">
+              <a:off x="6518181" y="1964887"/>
+              <a:ext cx="180000" cy="180000"/>
+            </a:xfrm>
+            <a:prstGeom prst="ellipse">
+              <a:avLst/>
+            </a:prstGeom>
+            <a:blipFill>
+              <a:blip r:embed="rId2">
+                <a:alphaModFix amt="99000"/>
+              </a:blip>
+              <a:tile tx="0" ty="0" sx="100000" sy="100000" flip="none" algn="tl"/>
+            </a:blipFill>
+            <a:ln>
+              <a:gradFill>
+                <a:gsLst>
+                  <a:gs pos="0">
+                    <a:srgbClr val="5580E9"/>
+                  </a:gs>
+                  <a:gs pos="25000">
+                    <a:srgbClr val="84CEEB"/>
+                  </a:gs>
+                  <a:gs pos="50000">
+                    <a:srgbClr val="5AB8EB"/>
+                  </a:gs>
+                  <a:gs pos="100000">
+                    <a:srgbClr val="C1C8E4"/>
+                  </a:gs>
+                  <a:gs pos="75000">
+                    <a:srgbClr val="8860D0"/>
+                  </a:gs>
+                </a:gsLst>
+                <a:lin ang="5400000" scaled="1"/>
+              </a:gradFill>
+            </a:ln>
+          </p:spPr>
+          <p:style>
+            <a:lnRef idx="2">
+              <a:schemeClr val="accent1">
+                <a:shade val="50000"/>
+              </a:schemeClr>
+            </a:lnRef>
+            <a:fillRef idx="1">
+              <a:schemeClr val="accent1"/>
+            </a:fillRef>
+            <a:effectRef idx="0">
+              <a:schemeClr val="accent1"/>
+            </a:effectRef>
+            <a:fontRef idx="minor">
+              <a:schemeClr val="lt1"/>
+            </a:fontRef>
+          </p:style>
+          <p:txBody>
+            <a:bodyPr rtlCol="0" anchor="ctr"/>
+            <a:lstStyle/>
+            <a:p>
+              <a:pPr algn="ctr"/>
+              <a:endParaRPr lang="ko-KR" altLang="en-US"/>
+            </a:p>
+          </p:txBody>
+        </p:sp>
+        <p:sp>
+          <p:nvSpPr>
+            <p:cNvPr id="36" name="타원 35"/>
+            <p:cNvSpPr/>
+            <p:nvPr/>
+          </p:nvSpPr>
+          <p:spPr>
+            <a:xfrm rot="21118605">
+              <a:off x="6918601" y="4464244"/>
+              <a:ext cx="180000" cy="180000"/>
+            </a:xfrm>
+            <a:prstGeom prst="ellipse">
+              <a:avLst/>
+            </a:prstGeom>
+            <a:blipFill>
+              <a:blip r:embed="rId2">
+                <a:alphaModFix amt="99000"/>
+              </a:blip>
+              <a:tile tx="0" ty="0" sx="100000" sy="100000" flip="none" algn="tl"/>
+            </a:blipFill>
+            <a:ln>
+              <a:gradFill>
+                <a:gsLst>
+                  <a:gs pos="0">
+                    <a:srgbClr val="5580E9"/>
+                  </a:gs>
+                  <a:gs pos="25000">
+                    <a:srgbClr val="84CEEB"/>
+                  </a:gs>
+                  <a:gs pos="50000">
+                    <a:srgbClr val="5AB8EB"/>
+                  </a:gs>
+                  <a:gs pos="100000">
+                    <a:srgbClr val="C1C8E4"/>
+                  </a:gs>
+                  <a:gs pos="75000">
+                    <a:srgbClr val="8860D0"/>
+                  </a:gs>
+                </a:gsLst>
+                <a:lin ang="5400000" scaled="1"/>
+              </a:gradFill>
+            </a:ln>
+          </p:spPr>
+          <p:style>
+            <a:lnRef idx="2">
+              <a:schemeClr val="accent1">
+                <a:shade val="50000"/>
+              </a:schemeClr>
+            </a:lnRef>
+            <a:fillRef idx="1">
+              <a:schemeClr val="accent1"/>
+            </a:fillRef>
+            <a:effectRef idx="0">
+              <a:schemeClr val="accent1"/>
+            </a:effectRef>
+            <a:fontRef idx="minor">
+              <a:schemeClr val="lt1"/>
+            </a:fontRef>
+          </p:style>
+          <p:txBody>
+            <a:bodyPr rtlCol="0" anchor="ctr"/>
+            <a:lstStyle/>
+            <a:p>
+              <a:pPr algn="ctr"/>
+              <a:endParaRPr lang="ko-KR" altLang="en-US"/>
+            </a:p>
+          </p:txBody>
+        </p:sp>
+        <p:sp>
+          <p:nvSpPr>
+            <p:cNvPr id="37" name="타원 36"/>
+            <p:cNvSpPr/>
+            <p:nvPr/>
+          </p:nvSpPr>
+          <p:spPr>
+            <a:xfrm rot="21118605">
+              <a:off x="6396086" y="4713112"/>
+              <a:ext cx="180000" cy="180000"/>
+            </a:xfrm>
+            <a:prstGeom prst="ellipse">
+              <a:avLst/>
+            </a:prstGeom>
+            <a:blipFill>
+              <a:blip r:embed="rId2">
+                <a:alphaModFix amt="99000"/>
+              </a:blip>
+              <a:tile tx="0" ty="0" sx="100000" sy="100000" flip="none" algn="tl"/>
+            </a:blipFill>
+            <a:ln>
+              <a:gradFill>
+                <a:gsLst>
+                  <a:gs pos="0">
+                    <a:srgbClr val="5580E9"/>
+                  </a:gs>
+                  <a:gs pos="25000">
+                    <a:srgbClr val="84CEEB"/>
+                  </a:gs>
+                  <a:gs pos="50000">
+                    <a:srgbClr val="5AB8EB"/>
+                  </a:gs>
+                  <a:gs pos="100000">
+                    <a:srgbClr val="C1C8E4"/>
+                  </a:gs>
+                  <a:gs pos="75000">
+                    <a:srgbClr val="8860D0"/>
+                  </a:gs>
+                </a:gsLst>
+                <a:lin ang="5400000" scaled="1"/>
+              </a:gradFill>
+            </a:ln>
+          </p:spPr>
+          <p:style>
+            <a:lnRef idx="2">
+              <a:schemeClr val="accent1">
+                <a:shade val="50000"/>
+              </a:schemeClr>
+            </a:lnRef>
+            <a:fillRef idx="1">
+              <a:schemeClr val="accent1"/>
+            </a:fillRef>
+            <a:effectRef idx="0">
+              <a:schemeClr val="accent1"/>
+            </a:effectRef>
+            <a:fontRef idx="minor">
+              <a:schemeClr val="lt1"/>
+            </a:fontRef>
+          </p:style>
+          <p:txBody>
+            <a:bodyPr rtlCol="0" anchor="ctr"/>
+            <a:lstStyle/>
+            <a:p>
+              <a:pPr algn="ctr"/>
+              <a:endParaRPr lang="ko-KR" altLang="en-US"/>
+            </a:p>
+          </p:txBody>
+        </p:sp>
+      </p:grpSp>
+    </p:spTree>
+    <p:extLst>
+      <p:ext uri="{BB962C8B-B14F-4D97-AF65-F5344CB8AC3E}">
+        <p14:creationId xmlns:p14="http://schemas.microsoft.com/office/powerpoint/2010/main" val="3495306305"/>
+      </p:ext>
+    </p:extLst>
+  </p:cSld>
+  <p:clrMapOvr>
+    <a:masterClrMapping/>
+  </p:clrMapOvr>
+  <p:timing>
+    <p:tnLst>
+      <p:par>
+        <p:cTn id="1" dur="indefinite" restart="never" nodeType="tmRoot"/>
+      </p:par>
+    </p:tnLst>
+  </p:timing>
+</p:sld>
+</file>
+
+<file path=ppt/slides/slide9.xml><?xml version="1.0" encoding="utf-8"?>
 <p:sld xmlns:a="http://schemas.openxmlformats.org/drawingml/2006/main" xmlns:r="http://schemas.openxmlformats.org/officeDocument/2006/relationships" xmlns:p="http://schemas.openxmlformats.org/presentationml/2006/main">
   <p:cSld>
     <p:bg>
@@ -28059,82 +31645,6 @@
 </p:sld>
 </file>
 
-<file path=ppt/slides/slide9.xml><?xml version="1.0" encoding="utf-8"?>
-<p:sld xmlns:a="http://schemas.openxmlformats.org/drawingml/2006/main" xmlns:r="http://schemas.openxmlformats.org/officeDocument/2006/relationships" xmlns:p="http://schemas.openxmlformats.org/presentationml/2006/main">
-  <p:cSld>
-    <p:bg>
-      <p:bgPr>
-        <a:solidFill>
-          <a:srgbClr val="000000"/>
-        </a:solidFill>
-        <a:effectLst/>
-      </p:bgPr>
-    </p:bg>
-    <p:spTree>
-      <p:nvGrpSpPr>
-        <p:cNvPr id="1" name=""/>
-        <p:cNvGrpSpPr/>
-        <p:nvPr/>
-      </p:nvGrpSpPr>
-      <p:grpSpPr>
-        <a:xfrm>
-          <a:off x="0" y="0"/>
-          <a:ext cx="0" cy="0"/>
-          <a:chOff x="0" y="0"/>
-          <a:chExt cx="0" cy="0"/>
-        </a:xfrm>
-      </p:grpSpPr>
-      <p:sp>
-        <p:nvSpPr>
-          <p:cNvPr id="4" name="TextBox 3"/>
-          <p:cNvSpPr txBox="1"/>
-          <p:nvPr/>
-        </p:nvSpPr>
-        <p:spPr>
-          <a:xfrm>
-            <a:off x="8284357" y="194293"/>
-            <a:ext cx="3348674" cy="769441"/>
-          </a:xfrm>
-          <a:prstGeom prst="rect">
-            <a:avLst/>
-          </a:prstGeom>
-          <a:noFill/>
-        </p:spPr>
-        <p:txBody>
-          <a:bodyPr wrap="none" rtlCol="0">
-            <a:spAutoFit/>
-          </a:bodyPr>
-          <a:lstStyle/>
-          <a:p>
-            <a:r>
-              <a:rPr lang="en-US" altLang="ko-KR" sz="4400" dirty="0" smtClean="0">
-                <a:solidFill>
-                  <a:schemeClr val="bg1"/>
-                </a:solidFill>
-              </a:rPr>
-              <a:t>Routing Star</a:t>
-            </a:r>
-            <a:endParaRPr lang="ko-KR" altLang="en-US" sz="4400" dirty="0">
-              <a:solidFill>
-                <a:schemeClr val="bg1"/>
-              </a:solidFill>
-            </a:endParaRPr>
-          </a:p>
-        </p:txBody>
-      </p:sp>
-    </p:spTree>
-    <p:extLst>
-      <p:ext uri="{BB962C8B-B14F-4D97-AF65-F5344CB8AC3E}">
-        <p14:creationId xmlns:p14="http://schemas.microsoft.com/office/powerpoint/2010/main" val="1805808318"/>
-      </p:ext>
-    </p:extLst>
-  </p:cSld>
-  <p:clrMapOvr>
-    <a:masterClrMapping/>
-  </p:clrMapOvr>
-</p:sld>
-</file>
-
 <file path=ppt/theme/theme1.xml><?xml version="1.0" encoding="utf-8"?>
 <a:theme xmlns:a="http://schemas.openxmlformats.org/drawingml/2006/main" name="Office 테마">
   <a:themeElements>

--- a/공통pjt/기획발표(중간발표)/로고디자인.pptx
+++ b/공통pjt/기획발표(중간발표)/로고디자인.pptx
@@ -271,7 +271,7 @@
           <a:p>
             <a:fld id="{5B37FFA5-62A0-45EC-99FA-B875B259B12B}" type="datetimeFigureOut">
               <a:rPr lang="ko-KR" altLang="en-US" smtClean="0"/>
-              <a:t>2021-08-17</a:t>
+              <a:t>2021-08-20</a:t>
             </a:fld>
             <a:endParaRPr lang="ko-KR" altLang="en-US"/>
           </a:p>
@@ -441,7 +441,7 @@
           <a:p>
             <a:fld id="{5B37FFA5-62A0-45EC-99FA-B875B259B12B}" type="datetimeFigureOut">
               <a:rPr lang="ko-KR" altLang="en-US" smtClean="0"/>
-              <a:t>2021-08-17</a:t>
+              <a:t>2021-08-20</a:t>
             </a:fld>
             <a:endParaRPr lang="ko-KR" altLang="en-US"/>
           </a:p>
@@ -621,7 +621,7 @@
           <a:p>
             <a:fld id="{5B37FFA5-62A0-45EC-99FA-B875B259B12B}" type="datetimeFigureOut">
               <a:rPr lang="ko-KR" altLang="en-US" smtClean="0"/>
-              <a:t>2021-08-17</a:t>
+              <a:t>2021-08-20</a:t>
             </a:fld>
             <a:endParaRPr lang="ko-KR" altLang="en-US"/>
           </a:p>
@@ -791,7 +791,7 @@
           <a:p>
             <a:fld id="{5B37FFA5-62A0-45EC-99FA-B875B259B12B}" type="datetimeFigureOut">
               <a:rPr lang="ko-KR" altLang="en-US" smtClean="0"/>
-              <a:t>2021-08-17</a:t>
+              <a:t>2021-08-20</a:t>
             </a:fld>
             <a:endParaRPr lang="ko-KR" altLang="en-US"/>
           </a:p>
@@ -1037,7 +1037,7 @@
           <a:p>
             <a:fld id="{5B37FFA5-62A0-45EC-99FA-B875B259B12B}" type="datetimeFigureOut">
               <a:rPr lang="ko-KR" altLang="en-US" smtClean="0"/>
-              <a:t>2021-08-17</a:t>
+              <a:t>2021-08-20</a:t>
             </a:fld>
             <a:endParaRPr lang="ko-KR" altLang="en-US"/>
           </a:p>
@@ -1269,7 +1269,7 @@
           <a:p>
             <a:fld id="{5B37FFA5-62A0-45EC-99FA-B875B259B12B}" type="datetimeFigureOut">
               <a:rPr lang="ko-KR" altLang="en-US" smtClean="0"/>
-              <a:t>2021-08-17</a:t>
+              <a:t>2021-08-20</a:t>
             </a:fld>
             <a:endParaRPr lang="ko-KR" altLang="en-US"/>
           </a:p>
@@ -1636,7 +1636,7 @@
           <a:p>
             <a:fld id="{5B37FFA5-62A0-45EC-99FA-B875B259B12B}" type="datetimeFigureOut">
               <a:rPr lang="ko-KR" altLang="en-US" smtClean="0"/>
-              <a:t>2021-08-17</a:t>
+              <a:t>2021-08-20</a:t>
             </a:fld>
             <a:endParaRPr lang="ko-KR" altLang="en-US"/>
           </a:p>
@@ -1754,7 +1754,7 @@
           <a:p>
             <a:fld id="{5B37FFA5-62A0-45EC-99FA-B875B259B12B}" type="datetimeFigureOut">
               <a:rPr lang="ko-KR" altLang="en-US" smtClean="0"/>
-              <a:t>2021-08-17</a:t>
+              <a:t>2021-08-20</a:t>
             </a:fld>
             <a:endParaRPr lang="ko-KR" altLang="en-US"/>
           </a:p>
@@ -1849,7 +1849,7 @@
           <a:p>
             <a:fld id="{5B37FFA5-62A0-45EC-99FA-B875B259B12B}" type="datetimeFigureOut">
               <a:rPr lang="ko-KR" altLang="en-US" smtClean="0"/>
-              <a:t>2021-08-17</a:t>
+              <a:t>2021-08-20</a:t>
             </a:fld>
             <a:endParaRPr lang="ko-KR" altLang="en-US"/>
           </a:p>
@@ -2126,7 +2126,7 @@
           <a:p>
             <a:fld id="{5B37FFA5-62A0-45EC-99FA-B875B259B12B}" type="datetimeFigureOut">
               <a:rPr lang="ko-KR" altLang="en-US" smtClean="0"/>
-              <a:t>2021-08-17</a:t>
+              <a:t>2021-08-20</a:t>
             </a:fld>
             <a:endParaRPr lang="ko-KR" altLang="en-US"/>
           </a:p>
@@ -2379,7 +2379,7 @@
           <a:p>
             <a:fld id="{5B37FFA5-62A0-45EC-99FA-B875B259B12B}" type="datetimeFigureOut">
               <a:rPr lang="ko-KR" altLang="en-US" smtClean="0"/>
-              <a:t>2021-08-17</a:t>
+              <a:t>2021-08-20</a:t>
             </a:fld>
             <a:endParaRPr lang="ko-KR" altLang="en-US"/>
           </a:p>
@@ -2592,7 +2592,7 @@
           <a:p>
             <a:fld id="{5B37FFA5-62A0-45EC-99FA-B875B259B12B}" type="datetimeFigureOut">
               <a:rPr lang="ko-KR" altLang="en-US" smtClean="0"/>
-              <a:t>2021-08-17</a:t>
+              <a:t>2021-08-20</a:t>
             </a:fld>
             <a:endParaRPr lang="ko-KR" altLang="en-US"/>
           </a:p>
@@ -3815,6 +3815,75 @@
           </a:p>
         </p:txBody>
       </p:sp>
+      <p:pic>
+        <p:nvPicPr>
+          <p:cNvPr id="2" name="그림 1"/>
+          <p:cNvPicPr>
+            <a:picLocks noChangeAspect="1"/>
+          </p:cNvPicPr>
+          <p:nvPr/>
+        </p:nvPicPr>
+        <p:blipFill>
+          <a:blip r:embed="rId2">
+            <a:extLst>
+              <a:ext uri="{28A0092B-C50C-407E-A947-70E740481C1C}">
+                <a14:useLocalDpi xmlns:a14="http://schemas.microsoft.com/office/drawing/2010/main" val="0"/>
+              </a:ext>
+            </a:extLst>
+          </a:blip>
+          <a:stretch>
+            <a:fillRect/>
+          </a:stretch>
+        </p:blipFill>
+        <p:spPr>
+          <a:xfrm>
+            <a:off x="5989311" y="3319262"/>
+            <a:ext cx="213378" cy="219475"/>
+          </a:xfrm>
+          <a:prstGeom prst="rect">
+            <a:avLst/>
+          </a:prstGeom>
+        </p:spPr>
+      </p:pic>
+      <p:pic>
+        <p:nvPicPr>
+          <p:cNvPr id="3" name="그림 2"/>
+          <p:cNvPicPr>
+            <a:picLocks noChangeAspect="1"/>
+          </p:cNvPicPr>
+          <p:nvPr/>
+        </p:nvPicPr>
+        <p:blipFill>
+          <a:blip r:embed="rId3" cstate="print">
+            <a:extLst>
+              <a:ext uri="{BEBA8EAE-BF5A-486C-A8C5-ECC9F3942E4B}">
+                <a14:imgProps xmlns:a14="http://schemas.microsoft.com/office/drawing/2010/main">
+                  <a14:imgLayer r:embed="rId4">
+                    <a14:imgEffect>
+                      <a14:backgroundRemoval t="10000" b="90000" l="10000" r="90000"/>
+                    </a14:imgEffect>
+                  </a14:imgLayer>
+                </a14:imgProps>
+              </a:ext>
+              <a:ext uri="{28A0092B-C50C-407E-A947-70E740481C1C}">
+                <a14:useLocalDpi xmlns:a14="http://schemas.microsoft.com/office/drawing/2010/main" val="0"/>
+              </a:ext>
+            </a:extLst>
+          </a:blip>
+          <a:stretch>
+            <a:fillRect/>
+          </a:stretch>
+        </p:blipFill>
+        <p:spPr>
+          <a:xfrm rot="10800000">
+            <a:off x="5566674" y="3276101"/>
+            <a:ext cx="284344" cy="284344"/>
+          </a:xfrm>
+          <a:prstGeom prst="rect">
+            <a:avLst/>
+          </a:prstGeom>
+        </p:spPr>
+      </p:pic>
     </p:spTree>
     <p:extLst>
       <p:ext uri="{BB962C8B-B14F-4D97-AF65-F5344CB8AC3E}">
